--- a/lectures/lec24_matlab4/lec24.pptx
+++ b/lectures/lec24_matlab4/lec24.pptx
@@ -30,6 +30,7 @@
     <p:sldId id="286" r:id="rId24"/>
     <p:sldId id="287" r:id="rId25"/>
     <p:sldId id="285" r:id="rId26"/>
+    <p:sldId id="289" r:id="rId27"/>
   </p:sldIdLst>
   <p:sldSz cx="9144000" cy="6858000" type="screen4x3"/>
   <p:notesSz cx="6858000" cy="9144000"/>
@@ -158,6 +159,7 @@
             <p14:sldId id="286"/>
             <p14:sldId id="287"/>
             <p14:sldId id="285"/>
+            <p14:sldId id="289"/>
           </p14:sldIdLst>
         </p14:section>
         <p14:section name="Untitled Section" id="{448F6AA1-7E66-BC44-9E32-295021B39B4B}">
@@ -364,7 +366,7 @@
           <a:p>
             <a:fld id="{5ECE4D60-05A1-A640-A7CD-C0D17F809990}" type="datetimeFigureOut">
               <a:rPr lang="en-US" smtClean="0"/>
-              <a:t>12/16/2017</a:t>
+              <a:t>12/16/17</a:t>
             </a:fld>
             <a:endParaRPr lang="en-US"/>
           </a:p>
@@ -534,7 +536,7 @@
           <a:p>
             <a:fld id="{5ECE4D60-05A1-A640-A7CD-C0D17F809990}" type="datetimeFigureOut">
               <a:rPr lang="en-US" smtClean="0"/>
-              <a:t>12/16/2017</a:t>
+              <a:t>12/16/17</a:t>
             </a:fld>
             <a:endParaRPr lang="en-US"/>
           </a:p>
@@ -714,7 +716,7 @@
           <a:p>
             <a:fld id="{5ECE4D60-05A1-A640-A7CD-C0D17F809990}" type="datetimeFigureOut">
               <a:rPr lang="en-US" smtClean="0"/>
-              <a:t>12/16/2017</a:t>
+              <a:t>12/16/17</a:t>
             </a:fld>
             <a:endParaRPr lang="en-US"/>
           </a:p>
@@ -884,7 +886,7 @@
           <a:p>
             <a:fld id="{5ECE4D60-05A1-A640-A7CD-C0D17F809990}" type="datetimeFigureOut">
               <a:rPr lang="en-US" smtClean="0"/>
-              <a:t>12/16/2017</a:t>
+              <a:t>12/16/17</a:t>
             </a:fld>
             <a:endParaRPr lang="en-US"/>
           </a:p>
@@ -1130,7 +1132,7 @@
           <a:p>
             <a:fld id="{5ECE4D60-05A1-A640-A7CD-C0D17F809990}" type="datetimeFigureOut">
               <a:rPr lang="en-US" smtClean="0"/>
-              <a:t>12/16/2017</a:t>
+              <a:t>12/16/17</a:t>
             </a:fld>
             <a:endParaRPr lang="en-US"/>
           </a:p>
@@ -1418,7 +1420,7 @@
           <a:p>
             <a:fld id="{5ECE4D60-05A1-A640-A7CD-C0D17F809990}" type="datetimeFigureOut">
               <a:rPr lang="en-US" smtClean="0"/>
-              <a:t>12/16/2017</a:t>
+              <a:t>12/16/17</a:t>
             </a:fld>
             <a:endParaRPr lang="en-US"/>
           </a:p>
@@ -1845,7 +1847,7 @@
           <a:p>
             <a:fld id="{5ECE4D60-05A1-A640-A7CD-C0D17F809990}" type="datetimeFigureOut">
               <a:rPr lang="en-US" smtClean="0"/>
-              <a:t>12/16/2017</a:t>
+              <a:t>12/16/17</a:t>
             </a:fld>
             <a:endParaRPr lang="en-US"/>
           </a:p>
@@ -1963,7 +1965,7 @@
           <a:p>
             <a:fld id="{5ECE4D60-05A1-A640-A7CD-C0D17F809990}" type="datetimeFigureOut">
               <a:rPr lang="en-US" smtClean="0"/>
-              <a:t>12/16/2017</a:t>
+              <a:t>12/16/17</a:t>
             </a:fld>
             <a:endParaRPr lang="en-US"/>
           </a:p>
@@ -2058,7 +2060,7 @@
           <a:p>
             <a:fld id="{5ECE4D60-05A1-A640-A7CD-C0D17F809990}" type="datetimeFigureOut">
               <a:rPr lang="en-US" smtClean="0"/>
-              <a:t>12/16/2017</a:t>
+              <a:t>12/16/17</a:t>
             </a:fld>
             <a:endParaRPr lang="en-US"/>
           </a:p>
@@ -2335,7 +2337,7 @@
           <a:p>
             <a:fld id="{5ECE4D60-05A1-A640-A7CD-C0D17F809990}" type="datetimeFigureOut">
               <a:rPr lang="en-US" smtClean="0"/>
-              <a:t>12/16/2017</a:t>
+              <a:t>12/16/17</a:t>
             </a:fld>
             <a:endParaRPr lang="en-US"/>
           </a:p>
@@ -2588,7 +2590,7 @@
           <a:p>
             <a:fld id="{5ECE4D60-05A1-A640-A7CD-C0D17F809990}" type="datetimeFigureOut">
               <a:rPr lang="en-US" smtClean="0"/>
-              <a:t>12/16/2017</a:t>
+              <a:t>12/16/17</a:t>
             </a:fld>
             <a:endParaRPr lang="en-US"/>
           </a:p>
@@ -2801,7 +2803,7 @@
           <a:p>
             <a:fld id="{5ECE4D60-05A1-A640-A7CD-C0D17F809990}" type="datetimeFigureOut">
               <a:rPr lang="en-US" smtClean="0"/>
-              <a:t>12/16/2017</a:t>
+              <a:t>12/16/17</a:t>
             </a:fld>
             <a:endParaRPr lang="en-US"/>
           </a:p>
@@ -3282,11 +3284,6 @@
               </a:rPr>
               <a:t>Equation Solving &amp; Curve Fitting</a:t>
             </a:r>
-            <a:endParaRPr lang="en-US" sz="2000" dirty="0" smtClean="0">
-              <a:solidFill>
-                <a:srgbClr val="118EB0"/>
-              </a:solidFill>
-            </a:endParaRPr>
           </a:p>
           <a:p>
             <a:pPr algn="r"/>
@@ -3303,15 +3300,7 @@
                   <a:srgbClr val="000000"/>
                 </a:solidFill>
               </a:rPr>
-              <a:t>CS101 Lecture </a:t>
-            </a:r>
-            <a:r>
-              <a:rPr lang="en-US" sz="3600" dirty="0" smtClean="0">
-                <a:solidFill>
-                  <a:srgbClr val="000000"/>
-                </a:solidFill>
-              </a:rPr>
-              <a:t>#24</a:t>
+              <a:t>CS101 Lecture #24</a:t>
             </a:r>
             <a:endParaRPr lang="en-US" sz="4800" dirty="0">
               <a:solidFill>
@@ -3622,8 +3611,8 @@
           </a:p>
         </p:txBody>
       </p:sp>
-      <mc:AlternateContent xmlns:mc="http://schemas.openxmlformats.org/markup-compatibility/2006">
-        <mc:Choice xmlns:a14="http://schemas.microsoft.com/office/drawing/2010/main" Requires="a14">
+      <mc:AlternateContent xmlns:mc="http://schemas.openxmlformats.org/markup-compatibility/2006" xmlns:a14="http://schemas.microsoft.com/office/drawing/2010/main">
+        <mc:Choice Requires="a14">
           <p:sp>
             <p:nvSpPr>
               <p:cNvPr id="9" name="TextBox 8"/>
@@ -3646,7 +3635,6 @@
               </a:bodyPr>
               <a:lstStyle/>
               <a:p>
-                <a:pPr/>
                 <a:r>
                   <a:rPr lang="en-US" altLang="zh-CN" dirty="0" smtClean="0">
                     <a:cs typeface="Courier New" panose="02070309020205020404" pitchFamily="49" charset="0"/>
@@ -3666,7 +3654,7 @@
                       <m:sSubPr>
                         <m:ctrlPr>
                           <a:rPr lang="en-US" altLang="zh-CN" i="1" dirty="0">
-                            <a:latin typeface="Cambria Math" panose="02040503050406030204" pitchFamily="18" charset="0"/>
+                            <a:latin typeface="Cambria Math" charset="0"/>
                             <a:cs typeface="Courier New" panose="02070309020205020404" pitchFamily="49" charset="0"/>
                           </a:rPr>
                         </m:ctrlPr>
@@ -3701,7 +3689,7 @@
                       <m:sSubPr>
                         <m:ctrlPr>
                           <a:rPr lang="en-US" altLang="zh-CN" i="1" dirty="0">
-                            <a:latin typeface="Cambria Math" panose="02040503050406030204" pitchFamily="18" charset="0"/>
+                            <a:latin typeface="Cambria Math" charset="0"/>
                             <a:cs typeface="Courier New" panose="02070309020205020404" pitchFamily="49" charset="0"/>
                           </a:rPr>
                         </m:ctrlPr>
@@ -3736,7 +3724,7 @@
                       <m:sSubPr>
                         <m:ctrlPr>
                           <a:rPr lang="en-US" altLang="zh-CN" i="1" dirty="0">
-                            <a:latin typeface="Cambria Math" panose="02040503050406030204" pitchFamily="18" charset="0"/>
+                            <a:latin typeface="Cambria Math" charset="0"/>
                             <a:cs typeface="Courier New" panose="02070309020205020404" pitchFamily="49" charset="0"/>
                           </a:rPr>
                         </m:ctrlPr>
@@ -3771,7 +3759,7 @@
                       <m:sSubPr>
                         <m:ctrlPr>
                           <a:rPr lang="en-US" altLang="zh-CN" b="0" i="1" dirty="0" smtClean="0">
-                            <a:latin typeface="Cambria Math" panose="02040503050406030204" pitchFamily="18" charset="0"/>
+                            <a:latin typeface="Cambria Math" charset="0"/>
                             <a:cs typeface="Courier New" panose="02070309020205020404" pitchFamily="49" charset="0"/>
                           </a:rPr>
                         </m:ctrlPr>
@@ -3803,7 +3791,6 @@
                 </a:endParaRPr>
               </a:p>
               <a:p>
-                <a:pPr/>
                 <a:r>
                   <a:rPr lang="en-US" altLang="zh-CN" dirty="0" smtClean="0">
                     <a:cs typeface="Courier New" panose="02070309020205020404" pitchFamily="49" charset="0"/>
@@ -3823,7 +3810,7 @@
                       <m:sSubPr>
                         <m:ctrlPr>
                           <a:rPr lang="en-US" altLang="zh-CN" i="1" dirty="0">
-                            <a:latin typeface="Cambria Math" panose="02040503050406030204" pitchFamily="18" charset="0"/>
+                            <a:latin typeface="Cambria Math" charset="0"/>
                             <a:cs typeface="Courier New" panose="02070309020205020404" pitchFamily="49" charset="0"/>
                           </a:rPr>
                         </m:ctrlPr>
@@ -3858,7 +3845,7 @@
                       <m:sSubPr>
                         <m:ctrlPr>
                           <a:rPr lang="en-US" altLang="zh-CN" b="0" i="1" dirty="0" smtClean="0">
-                            <a:latin typeface="Cambria Math" panose="02040503050406030204" pitchFamily="18" charset="0"/>
+                            <a:latin typeface="Cambria Math" charset="0"/>
                             <a:cs typeface="Courier New" panose="02070309020205020404" pitchFamily="49" charset="0"/>
                           </a:rPr>
                         </m:ctrlPr>
@@ -3893,7 +3880,7 @@
                       <m:sSubPr>
                         <m:ctrlPr>
                           <a:rPr lang="en-US" altLang="zh-CN" b="0" i="1" dirty="0" smtClean="0">
-                            <a:latin typeface="Cambria Math" panose="02040503050406030204" pitchFamily="18" charset="0"/>
+                            <a:latin typeface="Cambria Math" charset="0"/>
                             <a:cs typeface="Courier New" panose="02070309020205020404" pitchFamily="49" charset="0"/>
                           </a:rPr>
                         </m:ctrlPr>
@@ -3928,7 +3915,7 @@
                       <m:sSubPr>
                         <m:ctrlPr>
                           <a:rPr lang="en-US" altLang="zh-CN" b="0" i="1" dirty="0" smtClean="0">
-                            <a:latin typeface="Cambria Math" panose="02040503050406030204" pitchFamily="18" charset="0"/>
+                            <a:latin typeface="Cambria Math" charset="0"/>
                             <a:cs typeface="Courier New" panose="02070309020205020404" pitchFamily="49" charset="0"/>
                           </a:rPr>
                         </m:ctrlPr>
@@ -3957,7 +3944,6 @@
                 <a:endParaRPr lang="en-US" altLang="zh-CN" dirty="0"/>
               </a:p>
               <a:p>
-                <a:pPr/>
                 <a:r>
                   <a:rPr lang="en-US" altLang="zh-CN" dirty="0" smtClean="0"/>
                   <a:t>         </a:t>
@@ -3974,7 +3960,7 @@
                       <m:sSubPr>
                         <m:ctrlPr>
                           <a:rPr lang="en-US" altLang="zh-CN" i="1">
-                            <a:latin typeface="Cambria Math" panose="02040503050406030204" pitchFamily="18" charset="0"/>
+                            <a:latin typeface="Cambria Math" charset="0"/>
                           </a:rPr>
                         </m:ctrlPr>
                       </m:sSubPr>
@@ -4005,7 +3991,7 @@
                       <m:sSubPr>
                         <m:ctrlPr>
                           <a:rPr lang="en-US" altLang="zh-CN" i="1">
-                            <a:latin typeface="Cambria Math" panose="02040503050406030204" pitchFamily="18" charset="0"/>
+                            <a:latin typeface="Cambria Math" charset="0"/>
                           </a:rPr>
                         </m:ctrlPr>
                       </m:sSubPr>
@@ -4036,7 +4022,7 @@
                       <m:sSubPr>
                         <m:ctrlPr>
                           <a:rPr lang="en-US" altLang="zh-CN" i="1">
-                            <a:latin typeface="Cambria Math" panose="02040503050406030204" pitchFamily="18" charset="0"/>
+                            <a:latin typeface="Cambria Math" charset="0"/>
                           </a:rPr>
                         </m:ctrlPr>
                       </m:sSubPr>
@@ -4067,7 +4053,7 @@
                       <m:sSubPr>
                         <m:ctrlPr>
                           <a:rPr lang="en-US" altLang="zh-CN" i="1">
-                            <a:latin typeface="Cambria Math" panose="02040503050406030204" pitchFamily="18" charset="0"/>
+                            <a:latin typeface="Cambria Math" charset="0"/>
                           </a:rPr>
                         </m:ctrlPr>
                       </m:sSubPr>
@@ -4095,7 +4081,6 @@
                 </a:endParaRPr>
               </a:p>
               <a:p>
-                <a:pPr/>
                 <a:r>
                   <a:rPr lang="en-US" altLang="zh-CN" b="0" dirty="0" smtClean="0">
                     <a:solidFill>
@@ -4122,7 +4107,7 @@
                             <a:solidFill>
                               <a:schemeClr val="tx1"/>
                             </a:solidFill>
-                            <a:latin typeface="Cambria Math" panose="02040503050406030204" pitchFamily="18" charset="0"/>
+                            <a:latin typeface="Cambria Math" charset="0"/>
                           </a:rPr>
                         </m:ctrlPr>
                       </m:sSubPr>
@@ -4165,7 +4150,7 @@
                             <a:solidFill>
                               <a:schemeClr val="tx1"/>
                             </a:solidFill>
-                            <a:latin typeface="Cambria Math" panose="02040503050406030204" pitchFamily="18" charset="0"/>
+                            <a:latin typeface="Cambria Math" charset="0"/>
                           </a:rPr>
                         </m:ctrlPr>
                       </m:sSubPr>
@@ -4234,7 +4219,7 @@
                               <a:solidFill>
                                 <a:schemeClr val="tx1"/>
                               </a:solidFill>
-                              <a:latin typeface="Cambria Math" panose="02040503050406030204" pitchFamily="18" charset="0"/>
+                              <a:latin typeface="Cambria Math" charset="0"/>
                             </a:rPr>
                           </m:ctrlPr>
                         </m:sSubPr>
@@ -4277,7 +4262,7 @@
                               <a:solidFill>
                                 <a:schemeClr val="tx1"/>
                               </a:solidFill>
-                              <a:latin typeface="Cambria Math" panose="02040503050406030204" pitchFamily="18" charset="0"/>
+                              <a:latin typeface="Cambria Math" charset="0"/>
                             </a:rPr>
                           </m:ctrlPr>
                         </m:sSubPr>
@@ -4320,7 +4305,7 @@
                               <a:solidFill>
                                 <a:schemeClr val="tx1"/>
                               </a:solidFill>
-                              <a:latin typeface="Cambria Math" panose="02040503050406030204" pitchFamily="18" charset="0"/>
+                              <a:latin typeface="Cambria Math" charset="0"/>
                             </a:rPr>
                           </m:ctrlPr>
                         </m:sSubPr>
@@ -4363,7 +4348,7 @@
                               <a:solidFill>
                                 <a:schemeClr val="tx1"/>
                               </a:solidFill>
-                              <a:latin typeface="Cambria Math" panose="02040503050406030204" pitchFamily="18" charset="0"/>
+                              <a:latin typeface="Cambria Math" charset="0"/>
                             </a:rPr>
                           </m:ctrlPr>
                         </m:sSubPr>
@@ -4410,7 +4395,6 @@
                 </a:endParaRPr>
               </a:p>
               <a:p>
-                <a:pPr/>
                 <a:r>
                   <a:rPr lang="en-US" altLang="zh-CN" dirty="0" smtClean="0"/>
                   <a:t>             </a:t>
@@ -4427,7 +4411,7 @@
                       <m:sSubPr>
                         <m:ctrlPr>
                           <a:rPr lang="en-US" altLang="zh-CN" i="1">
-                            <a:latin typeface="Cambria Math" panose="02040503050406030204" pitchFamily="18" charset="0"/>
+                            <a:latin typeface="Cambria Math" charset="0"/>
                           </a:rPr>
                         </m:ctrlPr>
                       </m:sSubPr>
@@ -4458,7 +4442,7 @@
                       <m:sSubPr>
                         <m:ctrlPr>
                           <a:rPr lang="en-US" altLang="zh-CN" i="1">
-                            <a:latin typeface="Cambria Math" panose="02040503050406030204" pitchFamily="18" charset="0"/>
+                            <a:latin typeface="Cambria Math" charset="0"/>
                           </a:rPr>
                         </m:ctrlPr>
                       </m:sSubPr>
@@ -4489,7 +4473,7 @@
                       <m:sSubPr>
                         <m:ctrlPr>
                           <a:rPr lang="en-US" altLang="zh-CN" b="0" i="1" smtClean="0">
-                            <a:latin typeface="Cambria Math" panose="02040503050406030204" pitchFamily="18" charset="0"/>
+                            <a:latin typeface="Cambria Math" charset="0"/>
                           </a:rPr>
                         </m:ctrlPr>
                       </m:sSubPr>
@@ -4520,7 +4504,6 @@
                 </a:r>
               </a:p>
               <a:p>
-                <a:pPr/>
                 <a:r>
                   <a:rPr lang="en-US" altLang="zh-CN" b="0" dirty="0" smtClean="0">
                     <a:solidFill>
@@ -4547,7 +4530,7 @@
                             <a:solidFill>
                               <a:schemeClr val="tx1"/>
                             </a:solidFill>
-                            <a:latin typeface="Cambria Math" panose="02040503050406030204" pitchFamily="18" charset="0"/>
+                            <a:latin typeface="Cambria Math" charset="0"/>
                           </a:rPr>
                         </m:ctrlPr>
                       </m:sSubPr>
@@ -4590,7 +4573,7 @@
                             <a:solidFill>
                               <a:schemeClr val="tx1"/>
                             </a:solidFill>
-                            <a:latin typeface="Cambria Math" panose="02040503050406030204" pitchFamily="18" charset="0"/>
+                            <a:latin typeface="Cambria Math" charset="0"/>
                           </a:rPr>
                         </m:ctrlPr>
                       </m:sSubPr>
@@ -4633,7 +4616,7 @@
                             <a:solidFill>
                               <a:schemeClr val="tx1"/>
                             </a:solidFill>
-                            <a:latin typeface="Cambria Math" panose="02040503050406030204" pitchFamily="18" charset="0"/>
+                            <a:latin typeface="Cambria Math" charset="0"/>
                           </a:rPr>
                         </m:ctrlPr>
                       </m:sSubPr>
@@ -4680,7 +4663,7 @@
             </p:txBody>
           </p:sp>
         </mc:Choice>
-        <mc:Fallback>
+        <mc:Fallback xmlns="">
           <p:sp>
             <p:nvSpPr>
               <p:cNvPr id="9" name="TextBox 8"/>
@@ -4956,8 +4939,8 @@
           </a:p>
         </p:txBody>
       </p:sp>
-      <mc:AlternateContent xmlns:mc="http://schemas.openxmlformats.org/markup-compatibility/2006">
-        <mc:Choice xmlns:a14="http://schemas.microsoft.com/office/drawing/2010/main" Requires="a14">
+      <mc:AlternateContent xmlns:mc="http://schemas.openxmlformats.org/markup-compatibility/2006" xmlns:a14="http://schemas.microsoft.com/office/drawing/2010/main">
+        <mc:Choice Requires="a14">
           <p:sp>
             <p:nvSpPr>
               <p:cNvPr id="11" name="TextBox 10"/>
@@ -4980,6 +4963,7 @@
               </a:bodyPr>
               <a:lstStyle/>
               <a:p>
+                <a:pPr/>
                 <a14:m>
                   <m:oMathPara xmlns:m="http://schemas.openxmlformats.org/officeDocument/2006/math">
                     <m:oMathParaPr>
@@ -5012,7 +4996,7 @@
             </p:txBody>
           </p:sp>
         </mc:Choice>
-        <mc:Fallback>
+        <mc:Fallback xmlns="">
           <p:sp>
             <p:nvSpPr>
               <p:cNvPr id="11" name="TextBox 10"/>
@@ -5609,8 +5593,8 @@
           </a:p>
         </p:txBody>
       </p:sp>
-      <mc:AlternateContent xmlns:mc="http://schemas.openxmlformats.org/markup-compatibility/2006">
-        <mc:Choice xmlns:a14="http://schemas.microsoft.com/office/drawing/2010/main" Requires="a14">
+      <mc:AlternateContent xmlns:mc="http://schemas.openxmlformats.org/markup-compatibility/2006" xmlns:a14="http://schemas.microsoft.com/office/drawing/2010/main">
+        <mc:Choice Requires="a14">
           <p:sp>
             <p:nvSpPr>
               <p:cNvPr id="2" name="TextBox 1"/>
@@ -5633,6 +5617,7 @@
               </a:bodyPr>
               <a:lstStyle/>
               <a:p>
+                <a:pPr/>
                 <a14:m>
                   <m:oMathPara xmlns:m="http://schemas.openxmlformats.org/officeDocument/2006/math">
                     <m:oMathParaPr>
@@ -5649,7 +5634,7 @@
                         <m:dPr>
                           <m:ctrlPr>
                             <a:rPr lang="en-US" altLang="zh-CN" sz="2800" b="0" i="1" smtClean="0">
-                              <a:latin typeface="Cambria Math" panose="02040503050406030204" pitchFamily="18" charset="0"/>
+                              <a:latin typeface="Cambria Math" charset="0"/>
                             </a:rPr>
                           </m:ctrlPr>
                         </m:dPr>
@@ -5672,7 +5657,7 @@
                         <m:sSubPr>
                           <m:ctrlPr>
                             <a:rPr lang="en-US" altLang="zh-CN" sz="2800" b="0" i="1" smtClean="0">
-                              <a:latin typeface="Cambria Math" panose="02040503050406030204" pitchFamily="18" charset="0"/>
+                              <a:latin typeface="Cambria Math" charset="0"/>
                             </a:rPr>
                           </m:ctrlPr>
                         </m:sSubPr>
@@ -5697,7 +5682,7 @@
                         <m:sSupPr>
                           <m:ctrlPr>
                             <a:rPr lang="en-US" altLang="zh-CN" sz="2800" b="0" i="1" smtClean="0">
-                              <a:latin typeface="Cambria Math" panose="02040503050406030204" pitchFamily="18" charset="0"/>
+                              <a:latin typeface="Cambria Math" charset="0"/>
                             </a:rPr>
                           </m:ctrlPr>
                         </m:sSupPr>
@@ -5728,7 +5713,7 @@
                         <m:sSubPr>
                           <m:ctrlPr>
                             <a:rPr lang="en-US" altLang="zh-CN" sz="2800" b="0" i="1" smtClean="0">
-                              <a:latin typeface="Cambria Math" panose="02040503050406030204" pitchFamily="18" charset="0"/>
+                              <a:latin typeface="Cambria Math" charset="0"/>
                             </a:rPr>
                           </m:ctrlPr>
                         </m:sSubPr>
@@ -5753,7 +5738,7 @@
                         <m:sSupPr>
                           <m:ctrlPr>
                             <a:rPr lang="en-US" altLang="zh-CN" sz="2800" b="0" i="1" smtClean="0">
-                              <a:latin typeface="Cambria Math" panose="02040503050406030204" pitchFamily="18" charset="0"/>
+                              <a:latin typeface="Cambria Math" charset="0"/>
                             </a:rPr>
                           </m:ctrlPr>
                         </m:sSupPr>
@@ -5784,7 +5769,7 @@
                         <m:sSubPr>
                           <m:ctrlPr>
                             <a:rPr lang="en-US" altLang="zh-CN" sz="2800" b="0" i="1" smtClean="0">
-                              <a:latin typeface="Cambria Math" panose="02040503050406030204" pitchFamily="18" charset="0"/>
+                              <a:latin typeface="Cambria Math" charset="0"/>
                             </a:rPr>
                           </m:ctrlPr>
                         </m:sSubPr>
@@ -5821,7 +5806,7 @@
                         <m:sSubPr>
                           <m:ctrlPr>
                             <a:rPr lang="en-US" altLang="zh-CN" sz="2800" b="0" i="1" smtClean="0">
-                              <a:latin typeface="Cambria Math" panose="02040503050406030204" pitchFamily="18" charset="0"/>
+                              <a:latin typeface="Cambria Math" charset="0"/>
                             </a:rPr>
                           </m:ctrlPr>
                         </m:sSubPr>
@@ -5850,7 +5835,7 @@
             </p:txBody>
           </p:sp>
         </mc:Choice>
-        <mc:Fallback>
+        <mc:Fallback xmlns="">
           <p:sp>
             <p:nvSpPr>
               <p:cNvPr id="2" name="TextBox 1"/>
@@ -5950,8 +5935,8 @@
           </a:prstGeom>
         </p:spPr>
       </p:pic>
-      <mc:AlternateContent xmlns:mc="http://schemas.openxmlformats.org/markup-compatibility/2006">
-        <mc:Choice xmlns:a14="http://schemas.microsoft.com/office/drawing/2010/main" Requires="a14">
+      <mc:AlternateContent xmlns:mc="http://schemas.openxmlformats.org/markup-compatibility/2006" xmlns:a14="http://schemas.microsoft.com/office/drawing/2010/main">
+        <mc:Choice Requires="a14">
           <p:sp>
             <p:nvSpPr>
               <p:cNvPr id="3" name="Content Placeholder 2"/>
@@ -6002,7 +5987,7 @@
                       <m:sSubPr>
                         <m:ctrlPr>
                           <a:rPr lang="en-US" sz="2400" b="0" i="1" dirty="0" smtClean="0">
-                            <a:latin typeface="Cambria Math" panose="02040503050406030204" pitchFamily="18" charset="0"/>
+                            <a:latin typeface="Cambria Math" charset="0"/>
                           </a:rPr>
                         </m:ctrlPr>
                       </m:sSubPr>
@@ -6033,7 +6018,7 @@
                       <m:sSubPr>
                         <m:ctrlPr>
                           <a:rPr lang="en-US" sz="2400" b="0" i="1" dirty="0" smtClean="0">
-                            <a:latin typeface="Cambria Math" panose="02040503050406030204" pitchFamily="18" charset="0"/>
+                            <a:latin typeface="Cambria Math" charset="0"/>
                           </a:rPr>
                         </m:ctrlPr>
                       </m:sSubPr>
@@ -6064,7 +6049,7 @@
                       <m:sSubPr>
                         <m:ctrlPr>
                           <a:rPr lang="en-US" sz="2400" b="0" i="1" dirty="0" smtClean="0">
-                            <a:latin typeface="Cambria Math" panose="02040503050406030204" pitchFamily="18" charset="0"/>
+                            <a:latin typeface="Cambria Math" charset="0"/>
                           </a:rPr>
                         </m:ctrlPr>
                       </m:sSubPr>
@@ -6095,7 +6080,7 @@
                       <m:sSubPr>
                         <m:ctrlPr>
                           <a:rPr lang="en-US" sz="2400" b="0" i="1" dirty="0" smtClean="0">
-                            <a:latin typeface="Cambria Math" panose="02040503050406030204" pitchFamily="18" charset="0"/>
+                            <a:latin typeface="Cambria Math" charset="0"/>
                           </a:rPr>
                         </m:ctrlPr>
                       </m:sSubPr>
@@ -6201,7 +6186,7 @@
             </p:txBody>
           </p:sp>
         </mc:Choice>
-        <mc:Fallback>
+        <mc:Fallback xmlns="">
           <p:sp>
             <p:nvSpPr>
               <p:cNvPr id="3" name="Content Placeholder 2"/>
@@ -6412,8 +6397,8 @@
           </a:p>
         </p:txBody>
       </p:sp>
-      <mc:AlternateContent xmlns:mc="http://schemas.openxmlformats.org/markup-compatibility/2006">
-        <mc:Choice xmlns:a14="http://schemas.microsoft.com/office/drawing/2010/main" Requires="a14">
+      <mc:AlternateContent xmlns:mc="http://schemas.openxmlformats.org/markup-compatibility/2006" xmlns:a14="http://schemas.microsoft.com/office/drawing/2010/main">
+        <mc:Choice Requires="a14">
           <p:sp>
             <p:nvSpPr>
               <p:cNvPr id="2" name="TextBox 1"/>
@@ -6436,6 +6421,7 @@
               </a:bodyPr>
               <a:lstStyle/>
               <a:p>
+                <a:pPr/>
                 <a14:m>
                   <m:oMathPara xmlns:m="http://schemas.openxmlformats.org/officeDocument/2006/math">
                     <m:oMathParaPr>
@@ -6452,7 +6438,7 @@
                         <m:dPr>
                           <m:ctrlPr>
                             <a:rPr lang="en-US" altLang="zh-CN" sz="2800" b="0" i="1" smtClean="0">
-                              <a:latin typeface="Cambria Math" panose="02040503050406030204" pitchFamily="18" charset="0"/>
+                              <a:latin typeface="Cambria Math" charset="0"/>
                             </a:rPr>
                           </m:ctrlPr>
                         </m:dPr>
@@ -6475,7 +6461,7 @@
                         <m:sSubPr>
                           <m:ctrlPr>
                             <a:rPr lang="en-US" altLang="zh-CN" sz="2800" b="0" i="1" smtClean="0">
-                              <a:latin typeface="Cambria Math" panose="02040503050406030204" pitchFamily="18" charset="0"/>
+                              <a:latin typeface="Cambria Math" charset="0"/>
                             </a:rPr>
                           </m:ctrlPr>
                         </m:sSubPr>
@@ -6500,7 +6486,7 @@
                         <m:sSupPr>
                           <m:ctrlPr>
                             <a:rPr lang="en-US" altLang="zh-CN" sz="2800" b="0" i="1" smtClean="0">
-                              <a:latin typeface="Cambria Math" panose="02040503050406030204" pitchFamily="18" charset="0"/>
+                              <a:latin typeface="Cambria Math" charset="0"/>
                             </a:rPr>
                           </m:ctrlPr>
                         </m:sSupPr>
@@ -6531,7 +6517,7 @@
                         <m:sSubPr>
                           <m:ctrlPr>
                             <a:rPr lang="en-US" altLang="zh-CN" sz="2800" b="0" i="1" smtClean="0">
-                              <a:latin typeface="Cambria Math" panose="02040503050406030204" pitchFamily="18" charset="0"/>
+                              <a:latin typeface="Cambria Math" charset="0"/>
                             </a:rPr>
                           </m:ctrlPr>
                         </m:sSubPr>
@@ -6556,7 +6542,7 @@
                         <m:sSupPr>
                           <m:ctrlPr>
                             <a:rPr lang="en-US" altLang="zh-CN" sz="2800" b="0" i="1" smtClean="0">
-                              <a:latin typeface="Cambria Math" panose="02040503050406030204" pitchFamily="18" charset="0"/>
+                              <a:latin typeface="Cambria Math" charset="0"/>
                             </a:rPr>
                           </m:ctrlPr>
                         </m:sSupPr>
@@ -6587,7 +6573,7 @@
                         <m:sSubPr>
                           <m:ctrlPr>
                             <a:rPr lang="en-US" altLang="zh-CN" sz="2800" b="0" i="1" smtClean="0">
-                              <a:latin typeface="Cambria Math" panose="02040503050406030204" pitchFamily="18" charset="0"/>
+                              <a:latin typeface="Cambria Math" charset="0"/>
                             </a:rPr>
                           </m:ctrlPr>
                         </m:sSubPr>
@@ -6624,7 +6610,7 @@
                         <m:sSubPr>
                           <m:ctrlPr>
                             <a:rPr lang="en-US" altLang="zh-CN" sz="2800" b="0" i="1" smtClean="0">
-                              <a:latin typeface="Cambria Math" panose="02040503050406030204" pitchFamily="18" charset="0"/>
+                              <a:latin typeface="Cambria Math" charset="0"/>
                             </a:rPr>
                           </m:ctrlPr>
                         </m:sSubPr>
@@ -6653,7 +6639,7 @@
             </p:txBody>
           </p:sp>
         </mc:Choice>
-        <mc:Fallback>
+        <mc:Fallback xmlns="">
           <p:sp>
             <p:nvSpPr>
               <p:cNvPr id="2" name="TextBox 1"/>
@@ -6692,8 +6678,8 @@
           </p:sp>
         </mc:Fallback>
       </mc:AlternateContent>
-      <mc:AlternateContent xmlns:mc="http://schemas.openxmlformats.org/markup-compatibility/2006">
-        <mc:Choice xmlns:a14="http://schemas.microsoft.com/office/drawing/2010/main" Requires="a14">
+      <mc:AlternateContent xmlns:mc="http://schemas.openxmlformats.org/markup-compatibility/2006" xmlns:a14="http://schemas.microsoft.com/office/drawing/2010/main">
+        <mc:Choice Requires="a14">
           <p:sp>
             <p:nvSpPr>
               <p:cNvPr id="8" name="Rectangle 7"/>
@@ -6732,7 +6718,7 @@
                         <m:dPr>
                           <m:ctrlPr>
                             <a:rPr lang="en-US" altLang="zh-CN" sz="2800" b="0" i="1" smtClean="0">
-                              <a:latin typeface="Cambria Math" panose="02040503050406030204" pitchFamily="18" charset="0"/>
+                              <a:latin typeface="Cambria Math" charset="0"/>
                             </a:rPr>
                           </m:ctrlPr>
                         </m:dPr>
@@ -6755,7 +6741,7 @@
                         <m:sSupPr>
                           <m:ctrlPr>
                             <a:rPr lang="en-US" altLang="zh-CN" sz="2800" i="1" smtClean="0">
-                              <a:latin typeface="Cambria Math" panose="02040503050406030204" pitchFamily="18" charset="0"/>
+                              <a:latin typeface="Cambria Math" charset="0"/>
                             </a:rPr>
                           </m:ctrlPr>
                         </m:sSupPr>
@@ -6786,7 +6772,7 @@
                         <m:sSupPr>
                           <m:ctrlPr>
                             <a:rPr lang="en-US" altLang="zh-CN" sz="2800" i="1">
-                              <a:latin typeface="Cambria Math" panose="02040503050406030204" pitchFamily="18" charset="0"/>
+                              <a:latin typeface="Cambria Math" charset="0"/>
                             </a:rPr>
                           </m:ctrlPr>
                         </m:sSupPr>
@@ -6833,7 +6819,7 @@
             </p:txBody>
           </p:sp>
         </mc:Choice>
-        <mc:Fallback>
+        <mc:Fallback xmlns="">
           <p:sp>
             <p:nvSpPr>
               <p:cNvPr id="8" name="Rectangle 7"/>
@@ -7401,8 +7387,8 @@
           </a:p>
         </p:txBody>
       </p:sp>
-      <mc:AlternateContent xmlns:mc="http://schemas.openxmlformats.org/markup-compatibility/2006">
-        <mc:Choice xmlns:a14="http://schemas.microsoft.com/office/drawing/2010/main" Requires="a14">
+      <mc:AlternateContent xmlns:mc="http://schemas.openxmlformats.org/markup-compatibility/2006" xmlns:a14="http://schemas.microsoft.com/office/drawing/2010/main">
+        <mc:Choice Requires="a14">
           <p:sp>
             <p:nvSpPr>
               <p:cNvPr id="8" name="Rectangle 7"/>
@@ -7441,7 +7427,7 @@
                         <m:dPr>
                           <m:ctrlPr>
                             <a:rPr lang="en-US" altLang="zh-CN" sz="2800" b="0" i="1" smtClean="0">
-                              <a:latin typeface="Cambria Math" panose="02040503050406030204" pitchFamily="18" charset="0"/>
+                              <a:latin typeface="Cambria Math" charset="0"/>
                             </a:rPr>
                           </m:ctrlPr>
                         </m:dPr>
@@ -7464,7 +7450,7 @@
                         <m:sSupPr>
                           <m:ctrlPr>
                             <a:rPr lang="en-US" altLang="zh-CN" sz="2800" i="1" smtClean="0">
-                              <a:latin typeface="Cambria Math" panose="02040503050406030204" pitchFamily="18" charset="0"/>
+                              <a:latin typeface="Cambria Math" charset="0"/>
                             </a:rPr>
                           </m:ctrlPr>
                         </m:sSupPr>
@@ -7495,7 +7481,7 @@
                         <m:sSupPr>
                           <m:ctrlPr>
                             <a:rPr lang="en-US" altLang="zh-CN" sz="2800" i="1">
-                              <a:latin typeface="Cambria Math" panose="02040503050406030204" pitchFamily="18" charset="0"/>
+                              <a:latin typeface="Cambria Math" charset="0"/>
                             </a:rPr>
                           </m:ctrlPr>
                         </m:sSupPr>
@@ -7542,7 +7528,7 @@
             </p:txBody>
           </p:sp>
         </mc:Choice>
-        <mc:Fallback>
+        <mc:Fallback xmlns="">
           <p:sp>
             <p:nvSpPr>
               <p:cNvPr id="8" name="Rectangle 7"/>
@@ -7605,8 +7591,8 @@
           </a:prstGeom>
         </p:spPr>
       </p:pic>
-      <mc:AlternateContent xmlns:mc="http://schemas.openxmlformats.org/markup-compatibility/2006">
-        <mc:Choice xmlns:a14="http://schemas.microsoft.com/office/drawing/2010/main" Requires="a14">
+      <mc:AlternateContent xmlns:mc="http://schemas.openxmlformats.org/markup-compatibility/2006" xmlns:a14="http://schemas.microsoft.com/office/drawing/2010/main">
+        <mc:Choice Requires="a14">
           <p:sp>
             <p:nvSpPr>
               <p:cNvPr id="10" name="Rectangle 9"/>
@@ -7628,6 +7614,7 @@
               </a:bodyPr>
               <a:lstStyle/>
               <a:p>
+                <a:pPr/>
                 <a14:m>
                   <m:oMathPara xmlns:m="http://schemas.openxmlformats.org/officeDocument/2006/math">
                     <m:oMathParaPr>
@@ -7651,7 +7638,7 @@
             </p:txBody>
           </p:sp>
         </mc:Choice>
-        <mc:Fallback>
+        <mc:Fallback xmlns="">
           <p:sp>
             <p:nvSpPr>
               <p:cNvPr id="10" name="Rectangle 9"/>
@@ -10915,7 +10902,7 @@
             <p:spPr>
               <a:xfrm>
                 <a:off x="899821" y="1357621"/>
-                <a:ext cx="6853030" cy="1200329"/>
+                <a:ext cx="6853286" cy="1200329"/>
               </a:xfrm>
               <a:prstGeom prst="rect">
                 <a:avLst/>
@@ -10929,7 +10916,7 @@
               <a:lstStyle/>
               <a:p>
                 <a:r>
-                  <a:rPr lang="en-US" altLang="zh-CN" sz="2400" dirty="0"/>
+                  <a:rPr lang="en-US" altLang="zh-CN" sz="2400" dirty="0" smtClean="0"/>
                   <a:t>Given </a:t>
                 </a:r>
                 <a14:m>
@@ -10938,7 +10925,7 @@
                       <m:dPr>
                         <m:ctrlPr>
                           <a:rPr lang="en-US" altLang="zh-CN" sz="2400" i="1" dirty="0">
-                            <a:latin typeface="Cambria Math" panose="02040503050406030204" pitchFamily="18" charset="0"/>
+                            <a:latin typeface="Cambria Math" charset="0"/>
                           </a:rPr>
                         </m:ctrlPr>
                       </m:dPr>
@@ -10947,7 +10934,7 @@
                           <m:sSubPr>
                             <m:ctrlPr>
                               <a:rPr lang="en-US" altLang="zh-CN" sz="2400" i="1" dirty="0">
-                                <a:latin typeface="Cambria Math" panose="02040503050406030204" pitchFamily="18" charset="0"/>
+                                <a:latin typeface="Cambria Math" charset="0"/>
                               </a:rPr>
                             </m:ctrlPr>
                           </m:sSubPr>
@@ -10978,7 +10965,7 @@
                           <m:sSubPr>
                             <m:ctrlPr>
                               <a:rPr lang="en-US" altLang="zh-CN" sz="2400" i="1" dirty="0">
-                                <a:latin typeface="Cambria Math" panose="02040503050406030204" pitchFamily="18" charset="0"/>
+                                <a:latin typeface="Cambria Math" charset="0"/>
                               </a:rPr>
                             </m:ctrlPr>
                           </m:sSubPr>
@@ -11011,7 +10998,7 @@
                       <m:dPr>
                         <m:ctrlPr>
                           <a:rPr lang="en-US" altLang="zh-CN" sz="2400" i="1" dirty="0">
-                            <a:latin typeface="Cambria Math" panose="02040503050406030204" pitchFamily="18" charset="0"/>
+                            <a:latin typeface="Cambria Math" charset="0"/>
                           </a:rPr>
                         </m:ctrlPr>
                       </m:dPr>
@@ -11020,7 +11007,7 @@
                           <m:sSubPr>
                             <m:ctrlPr>
                               <a:rPr lang="en-US" altLang="zh-CN" sz="2400" i="1" dirty="0">
-                                <a:latin typeface="Cambria Math" panose="02040503050406030204" pitchFamily="18" charset="0"/>
+                                <a:latin typeface="Cambria Math" charset="0"/>
                               </a:rPr>
                             </m:ctrlPr>
                           </m:sSubPr>
@@ -11051,7 +11038,7 @@
                           <m:sSubPr>
                             <m:ctrlPr>
                               <a:rPr lang="en-US" altLang="zh-CN" sz="2400" i="1" dirty="0">
-                                <a:latin typeface="Cambria Math" panose="02040503050406030204" pitchFamily="18" charset="0"/>
+                                <a:latin typeface="Cambria Math" charset="0"/>
                               </a:rPr>
                             </m:ctrlPr>
                           </m:sSubPr>
@@ -11084,7 +11071,7 @@
                       <m:dPr>
                         <m:ctrlPr>
                           <a:rPr lang="en-US" altLang="zh-CN" sz="2400" i="1" dirty="0">
-                            <a:latin typeface="Cambria Math" panose="02040503050406030204" pitchFamily="18" charset="0"/>
+                            <a:latin typeface="Cambria Math" charset="0"/>
                           </a:rPr>
                         </m:ctrlPr>
                       </m:dPr>
@@ -11093,7 +11080,7 @@
                           <m:sSubPr>
                             <m:ctrlPr>
                               <a:rPr lang="en-US" altLang="zh-CN" sz="2400" i="1" dirty="0">
-                                <a:latin typeface="Cambria Math" panose="02040503050406030204" pitchFamily="18" charset="0"/>
+                                <a:latin typeface="Cambria Math" charset="0"/>
                               </a:rPr>
                             </m:ctrlPr>
                           </m:sSubPr>
@@ -11124,7 +11111,7 @@
                           <m:sSubPr>
                             <m:ctrlPr>
                               <a:rPr lang="en-US" altLang="zh-CN" sz="2400" i="1" dirty="0">
-                                <a:latin typeface="Cambria Math" panose="02040503050406030204" pitchFamily="18" charset="0"/>
+                                <a:latin typeface="Cambria Math" charset="0"/>
                               </a:rPr>
                             </m:ctrlPr>
                           </m:sSubPr>
@@ -11160,10 +11147,16 @@
                       <m:t>𝑁</m:t>
                     </m:r>
                     <m:r>
+                      <a:rPr lang="en-US" altLang="zh-CN" sz="2400" b="0" i="1" dirty="0" smtClean="0">
+                        <a:latin typeface="Cambria Math" charset="0"/>
+                      </a:rPr>
+                      <m:t>&gt;</m:t>
+                    </m:r>
+                    <m:r>
                       <a:rPr lang="en-US" altLang="zh-CN" sz="2400" i="1" dirty="0">
                         <a:latin typeface="Cambria Math" panose="02040503050406030204" pitchFamily="18" charset="0"/>
                       </a:rPr>
-                      <m:t>&gt;2</m:t>
+                      <m:t>2</m:t>
                     </m:r>
                   </m:oMath>
                 </a14:m>
@@ -11226,7 +11219,7 @@
                       <m:sSubPr>
                         <m:ctrlPr>
                           <a:rPr lang="en-US" altLang="zh-CN" sz="2400" i="1" dirty="0">
-                            <a:latin typeface="Cambria Math" panose="02040503050406030204" pitchFamily="18" charset="0"/>
+                            <a:latin typeface="Cambria Math" charset="0"/>
                           </a:rPr>
                         </m:ctrlPr>
                       </m:sSubPr>
@@ -11236,7 +11229,7 @@
                             <m:chr m:val="̂"/>
                             <m:ctrlPr>
                               <a:rPr lang="en-US" altLang="zh-CN" sz="2400" i="1">
-                                <a:latin typeface="Cambria Math" panose="02040503050406030204" pitchFamily="18" charset="0"/>
+                                <a:latin typeface="Cambria Math" charset="0"/>
                               </a:rPr>
                             </m:ctrlPr>
                           </m:accPr>
@@ -11275,7 +11268,7 @@
                       <m:sSubPr>
                         <m:ctrlPr>
                           <a:rPr lang="en-US" altLang="zh-CN" sz="2400" i="1" dirty="0">
-                            <a:latin typeface="Cambria Math" panose="02040503050406030204" pitchFamily="18" charset="0"/>
+                            <a:latin typeface="Cambria Math" charset="0"/>
                           </a:rPr>
                         </m:ctrlPr>
                       </m:sSubPr>
@@ -11324,7 +11317,7 @@
                       <m:sSubPr>
                         <m:ctrlPr>
                           <a:rPr lang="en-US" altLang="zh-CN" sz="2400" i="1" dirty="0">
-                            <a:latin typeface="Cambria Math" panose="02040503050406030204" pitchFamily="18" charset="0"/>
+                            <a:latin typeface="Cambria Math" charset="0"/>
                           </a:rPr>
                         </m:ctrlPr>
                       </m:sSubPr>
@@ -11394,7 +11387,7 @@
             <p:spPr>
               <a:xfrm>
                 <a:off x="899821" y="1357621"/>
-                <a:ext cx="6853030" cy="1200329"/>
+                <a:ext cx="6853286" cy="1200329"/>
               </a:xfrm>
               <a:prstGeom prst="rect">
                 <a:avLst/>
@@ -11402,7 +11395,7 @@
               <a:blipFill rotWithShape="0">
                 <a:blip r:embed="rId2"/>
                 <a:stretch>
-                  <a:fillRect l="-1423" t="-4061" r="-445" b="-10660"/>
+                  <a:fillRect l="-1423" t="-9645" r="-445" b="-19289"/>
                 </a:stretch>
               </a:blipFill>
             </p:spPr>
@@ -11411,7 +11404,7 @@
               <a:lstStyle/>
               <a:p>
                 <a:r>
-                  <a:rPr lang="zh-CN" altLang="en-US">
+                  <a:rPr lang="en-US">
                     <a:noFill/>
                   </a:rPr>
                   <a:t> </a:t>
@@ -11729,8 +11722,8 @@
           </a:p>
         </p:txBody>
       </p:sp>
-      <mc:AlternateContent xmlns:mc="http://schemas.openxmlformats.org/markup-compatibility/2006">
-        <mc:Choice xmlns:a14="http://schemas.microsoft.com/office/drawing/2010/main" Requires="a14">
+      <mc:AlternateContent xmlns:mc="http://schemas.openxmlformats.org/markup-compatibility/2006" xmlns:a14="http://schemas.microsoft.com/office/drawing/2010/main">
+        <mc:Choice Requires="a14">
           <p:sp>
             <p:nvSpPr>
               <p:cNvPr id="2" name="TextBox 1"/>
@@ -11763,7 +11756,7 @@
                       <m:dPr>
                         <m:ctrlPr>
                           <a:rPr lang="en-US" altLang="zh-CN" sz="2400" i="1" dirty="0">
-                            <a:latin typeface="Cambria Math" panose="02040503050406030204" pitchFamily="18" charset="0"/>
+                            <a:latin typeface="Cambria Math" charset="0"/>
                           </a:rPr>
                         </m:ctrlPr>
                       </m:dPr>
@@ -11772,7 +11765,7 @@
                           <m:sSubPr>
                             <m:ctrlPr>
                               <a:rPr lang="en-US" altLang="zh-CN" sz="2400" i="1" dirty="0">
-                                <a:latin typeface="Cambria Math" panose="02040503050406030204" pitchFamily="18" charset="0"/>
+                                <a:latin typeface="Cambria Math" charset="0"/>
                               </a:rPr>
                             </m:ctrlPr>
                           </m:sSubPr>
@@ -11803,7 +11796,7 @@
                           <m:sSubPr>
                             <m:ctrlPr>
                               <a:rPr lang="en-US" altLang="zh-CN" sz="2400" i="1" dirty="0">
-                                <a:latin typeface="Cambria Math" panose="02040503050406030204" pitchFamily="18" charset="0"/>
+                                <a:latin typeface="Cambria Math" charset="0"/>
                               </a:rPr>
                             </m:ctrlPr>
                           </m:sSubPr>
@@ -11836,7 +11829,7 @@
                       <m:dPr>
                         <m:ctrlPr>
                           <a:rPr lang="en-US" altLang="zh-CN" sz="2400" i="1" dirty="0">
-                            <a:latin typeface="Cambria Math" panose="02040503050406030204" pitchFamily="18" charset="0"/>
+                            <a:latin typeface="Cambria Math" charset="0"/>
                           </a:rPr>
                         </m:ctrlPr>
                       </m:dPr>
@@ -11845,7 +11838,7 @@
                           <m:sSubPr>
                             <m:ctrlPr>
                               <a:rPr lang="en-US" altLang="zh-CN" sz="2400" i="1" dirty="0">
-                                <a:latin typeface="Cambria Math" panose="02040503050406030204" pitchFamily="18" charset="0"/>
+                                <a:latin typeface="Cambria Math" charset="0"/>
                               </a:rPr>
                             </m:ctrlPr>
                           </m:sSubPr>
@@ -11876,7 +11869,7 @@
                           <m:sSubPr>
                             <m:ctrlPr>
                               <a:rPr lang="en-US" altLang="zh-CN" sz="2400" i="1" dirty="0">
-                                <a:latin typeface="Cambria Math" panose="02040503050406030204" pitchFamily="18" charset="0"/>
+                                <a:latin typeface="Cambria Math" charset="0"/>
                               </a:rPr>
                             </m:ctrlPr>
                           </m:sSubPr>
@@ -11909,7 +11902,7 @@
                       <m:dPr>
                         <m:ctrlPr>
                           <a:rPr lang="en-US" altLang="zh-CN" sz="2400" i="1" dirty="0">
-                            <a:latin typeface="Cambria Math" panose="02040503050406030204" pitchFamily="18" charset="0"/>
+                            <a:latin typeface="Cambria Math" charset="0"/>
                           </a:rPr>
                         </m:ctrlPr>
                       </m:dPr>
@@ -11918,7 +11911,7 @@
                           <m:sSubPr>
                             <m:ctrlPr>
                               <a:rPr lang="en-US" altLang="zh-CN" sz="2400" i="1" dirty="0">
-                                <a:latin typeface="Cambria Math" panose="02040503050406030204" pitchFamily="18" charset="0"/>
+                                <a:latin typeface="Cambria Math" charset="0"/>
                               </a:rPr>
                             </m:ctrlPr>
                           </m:sSubPr>
@@ -11949,7 +11942,7 @@
                           <m:sSubPr>
                             <m:ctrlPr>
                               <a:rPr lang="en-US" altLang="zh-CN" sz="2400" i="1" dirty="0">
-                                <a:latin typeface="Cambria Math" panose="02040503050406030204" pitchFamily="18" charset="0"/>
+                                <a:latin typeface="Cambria Math" charset="0"/>
                               </a:rPr>
                             </m:ctrlPr>
                           </m:sSubPr>
@@ -12051,7 +12044,7 @@
                       <m:sSubPr>
                         <m:ctrlPr>
                           <a:rPr lang="en-US" altLang="zh-CN" sz="2400" i="1" dirty="0">
-                            <a:latin typeface="Cambria Math" panose="02040503050406030204" pitchFamily="18" charset="0"/>
+                            <a:latin typeface="Cambria Math" charset="0"/>
                           </a:rPr>
                         </m:ctrlPr>
                       </m:sSubPr>
@@ -12061,7 +12054,7 @@
                             <m:chr m:val="̂"/>
                             <m:ctrlPr>
                               <a:rPr lang="en-US" altLang="zh-CN" sz="2400" i="1">
-                                <a:latin typeface="Cambria Math" panose="02040503050406030204" pitchFamily="18" charset="0"/>
+                                <a:latin typeface="Cambria Math" charset="0"/>
                               </a:rPr>
                             </m:ctrlPr>
                           </m:accPr>
@@ -12100,7 +12093,7 @@
                       <m:sSubPr>
                         <m:ctrlPr>
                           <a:rPr lang="en-US" altLang="zh-CN" sz="2400" i="1" dirty="0">
-                            <a:latin typeface="Cambria Math" panose="02040503050406030204" pitchFamily="18" charset="0"/>
+                            <a:latin typeface="Cambria Math" charset="0"/>
                           </a:rPr>
                         </m:ctrlPr>
                       </m:sSubPr>
@@ -12149,7 +12142,7 @@
                       <m:sSubPr>
                         <m:ctrlPr>
                           <a:rPr lang="en-US" altLang="zh-CN" sz="2400" i="1" dirty="0">
-                            <a:latin typeface="Cambria Math" panose="02040503050406030204" pitchFamily="18" charset="0"/>
+                            <a:latin typeface="Cambria Math" charset="0"/>
                           </a:rPr>
                         </m:ctrlPr>
                       </m:sSubPr>
@@ -12207,7 +12200,7 @@
             </p:txBody>
           </p:sp>
         </mc:Choice>
-        <mc:Fallback>
+        <mc:Fallback xmlns="">
           <p:sp>
             <p:nvSpPr>
               <p:cNvPr id="2" name="TextBox 1"/>
@@ -12494,8 +12487,8 @@
           </a:p>
         </p:txBody>
       </p:sp>
-      <mc:AlternateContent xmlns:mc="http://schemas.openxmlformats.org/markup-compatibility/2006">
-        <mc:Choice xmlns:a14="http://schemas.microsoft.com/office/drawing/2010/main" Requires="a14">
+      <mc:AlternateContent xmlns:mc="http://schemas.openxmlformats.org/markup-compatibility/2006" xmlns:a14="http://schemas.microsoft.com/office/drawing/2010/main">
+        <mc:Choice Requires="a14">
           <p:sp>
             <p:nvSpPr>
               <p:cNvPr id="2" name="TextBox 1"/>
@@ -12528,7 +12521,7 @@
                       <m:dPr>
                         <m:ctrlPr>
                           <a:rPr lang="en-US" altLang="zh-CN" sz="2400" b="0" i="1" dirty="0" smtClean="0">
-                            <a:latin typeface="Cambria Math" panose="02040503050406030204" pitchFamily="18" charset="0"/>
+                            <a:latin typeface="Cambria Math" charset="0"/>
                           </a:rPr>
                         </m:ctrlPr>
                       </m:dPr>
@@ -12537,7 +12530,7 @@
                           <m:sSubPr>
                             <m:ctrlPr>
                               <a:rPr lang="en-US" altLang="zh-CN" sz="2400" b="0" i="1" dirty="0" smtClean="0">
-                                <a:latin typeface="Cambria Math" panose="02040503050406030204" pitchFamily="18" charset="0"/>
+                                <a:latin typeface="Cambria Math" charset="0"/>
                               </a:rPr>
                             </m:ctrlPr>
                           </m:sSubPr>
@@ -12568,7 +12561,7 @@
                           <m:sSubPr>
                             <m:ctrlPr>
                               <a:rPr lang="en-US" altLang="zh-CN" sz="2400" b="0" i="1" dirty="0" smtClean="0">
-                                <a:latin typeface="Cambria Math" panose="02040503050406030204" pitchFamily="18" charset="0"/>
+                                <a:latin typeface="Cambria Math" charset="0"/>
                               </a:rPr>
                             </m:ctrlPr>
                           </m:sSubPr>
@@ -12601,7 +12594,7 @@
                       <m:dPr>
                         <m:ctrlPr>
                           <a:rPr lang="en-US" altLang="zh-CN" sz="2400" b="0" i="1" dirty="0" smtClean="0">
-                            <a:latin typeface="Cambria Math" panose="02040503050406030204" pitchFamily="18" charset="0"/>
+                            <a:latin typeface="Cambria Math" charset="0"/>
                           </a:rPr>
                         </m:ctrlPr>
                       </m:dPr>
@@ -12610,7 +12603,7 @@
                           <m:sSubPr>
                             <m:ctrlPr>
                               <a:rPr lang="en-US" altLang="zh-CN" sz="2400" b="0" i="1" dirty="0" smtClean="0">
-                                <a:latin typeface="Cambria Math" panose="02040503050406030204" pitchFamily="18" charset="0"/>
+                                <a:latin typeface="Cambria Math" charset="0"/>
                               </a:rPr>
                             </m:ctrlPr>
                           </m:sSubPr>
@@ -12641,7 +12634,7 @@
                           <m:sSubPr>
                             <m:ctrlPr>
                               <a:rPr lang="en-US" altLang="zh-CN" sz="2400" b="0" i="1" dirty="0" smtClean="0">
-                                <a:latin typeface="Cambria Math" panose="02040503050406030204" pitchFamily="18" charset="0"/>
+                                <a:latin typeface="Cambria Math" charset="0"/>
                               </a:rPr>
                             </m:ctrlPr>
                           </m:sSubPr>
@@ -12674,7 +12667,7 @@
                       <m:dPr>
                         <m:ctrlPr>
                           <a:rPr lang="en-US" altLang="zh-CN" sz="2400" b="0" i="1" dirty="0" smtClean="0">
-                            <a:latin typeface="Cambria Math" panose="02040503050406030204" pitchFamily="18" charset="0"/>
+                            <a:latin typeface="Cambria Math" charset="0"/>
                           </a:rPr>
                         </m:ctrlPr>
                       </m:dPr>
@@ -12683,7 +12676,7 @@
                           <m:sSubPr>
                             <m:ctrlPr>
                               <a:rPr lang="en-US" altLang="zh-CN" sz="2400" b="0" i="1" dirty="0" smtClean="0">
-                                <a:latin typeface="Cambria Math" panose="02040503050406030204" pitchFamily="18" charset="0"/>
+                                <a:latin typeface="Cambria Math" charset="0"/>
                               </a:rPr>
                             </m:ctrlPr>
                           </m:sSubPr>
@@ -12714,7 +12707,7 @@
                           <m:sSubPr>
                             <m:ctrlPr>
                               <a:rPr lang="en-US" altLang="zh-CN" sz="2400" b="0" i="1" dirty="0" smtClean="0">
-                                <a:latin typeface="Cambria Math" panose="02040503050406030204" pitchFamily="18" charset="0"/>
+                                <a:latin typeface="Cambria Math" charset="0"/>
                               </a:rPr>
                             </m:ctrlPr>
                           </m:sSubPr>
@@ -12763,6 +12756,7 @@
                 </a:r>
               </a:p>
               <a:p>
+                <a:pPr/>
                 <a14:m>
                   <m:oMathPara xmlns:m="http://schemas.openxmlformats.org/officeDocument/2006/math">
                     <m:oMathParaPr>
@@ -12821,7 +12815,7 @@
                       <m:sSubPr>
                         <m:ctrlPr>
                           <a:rPr lang="en-US" altLang="zh-CN" sz="2400" b="0" i="1" dirty="0" smtClean="0">
-                            <a:latin typeface="Cambria Math" panose="02040503050406030204" pitchFamily="18" charset="0"/>
+                            <a:latin typeface="Cambria Math" charset="0"/>
                           </a:rPr>
                         </m:ctrlPr>
                       </m:sSubPr>
@@ -12831,7 +12825,7 @@
                             <m:chr m:val="̂"/>
                             <m:ctrlPr>
                               <a:rPr lang="en-US" altLang="zh-CN" sz="2400" b="0" i="1" smtClean="0">
-                                <a:latin typeface="Cambria Math" panose="02040503050406030204" pitchFamily="18" charset="0"/>
+                                <a:latin typeface="Cambria Math" charset="0"/>
                               </a:rPr>
                             </m:ctrlPr>
                           </m:accPr>
@@ -12870,7 +12864,7 @@
                       <m:sSubPr>
                         <m:ctrlPr>
                           <a:rPr lang="en-US" altLang="zh-CN" sz="2400" b="0" i="1" dirty="0" smtClean="0">
-                            <a:latin typeface="Cambria Math" panose="02040503050406030204" pitchFamily="18" charset="0"/>
+                            <a:latin typeface="Cambria Math" charset="0"/>
                           </a:rPr>
                         </m:ctrlPr>
                       </m:sSubPr>
@@ -12919,7 +12913,7 @@
                       <m:sSubPr>
                         <m:ctrlPr>
                           <a:rPr lang="en-US" altLang="zh-CN" sz="2400" b="0" i="1" dirty="0" smtClean="0">
-                            <a:latin typeface="Cambria Math" panose="02040503050406030204" pitchFamily="18" charset="0"/>
+                            <a:latin typeface="Cambria Math" charset="0"/>
                           </a:rPr>
                         </m:ctrlPr>
                       </m:sSubPr>
@@ -12977,7 +12971,7 @@
             </p:txBody>
           </p:sp>
         </mc:Choice>
-        <mc:Fallback>
+        <mc:Fallback xmlns="">
           <p:sp>
             <p:nvSpPr>
               <p:cNvPr id="2" name="TextBox 1"/>
@@ -13055,7 +13049,7 @@
         <p:spPr>
           <a:xfrm>
             <a:off x="5621524" y="2733805"/>
-            <a:ext cx="1082027" cy="369332"/>
+            <a:ext cx="678391" cy="369332"/>
           </a:xfrm>
           <a:prstGeom prst="rect">
             <a:avLst/>
@@ -13070,14 +13064,18 @@
           <a:p>
             <a:r>
               <a:rPr lang="en-US" altLang="zh-CN" dirty="0" smtClean="0"/>
-              <a:t>We want:</a:t>
+              <a:t>Goal</a:t>
+            </a:r>
+            <a:r>
+              <a:rPr lang="en-US" altLang="zh-CN" dirty="0" smtClean="0"/>
+              <a:t>:</a:t>
             </a:r>
             <a:endParaRPr lang="zh-CN" altLang="en-US" dirty="0"/>
           </a:p>
         </p:txBody>
       </p:sp>
-      <mc:AlternateContent xmlns:mc="http://schemas.openxmlformats.org/markup-compatibility/2006">
-        <mc:Choice xmlns:a14="http://schemas.microsoft.com/office/drawing/2010/main" Requires="a14">
+      <mc:AlternateContent xmlns:mc="http://schemas.openxmlformats.org/markup-compatibility/2006" xmlns:a14="http://schemas.microsoft.com/office/drawing/2010/main">
+        <mc:Choice Requires="a14">
           <p:sp>
             <p:nvSpPr>
               <p:cNvPr id="15" name="TextBox 14"/>
@@ -13100,6 +13098,7 @@
               </a:bodyPr>
               <a:lstStyle/>
               <a:p>
+                <a:pPr/>
                 <a14:m>
                   <m:oMathPara xmlns:m="http://schemas.openxmlformats.org/officeDocument/2006/math">
                     <m:oMathParaPr>
@@ -13116,7 +13115,7 @@
                         <m:sSubPr>
                           <m:ctrlPr>
                             <a:rPr lang="en-US" altLang="zh-CN" b="0" i="1" smtClean="0">
-                              <a:latin typeface="Cambria Math" panose="02040503050406030204" pitchFamily="18" charset="0"/>
+                              <a:latin typeface="Cambria Math" charset="0"/>
                             </a:rPr>
                           </m:ctrlPr>
                         </m:sSubPr>
@@ -13159,7 +13158,7 @@
                         <m:sSubPr>
                           <m:ctrlPr>
                             <a:rPr lang="en-US" altLang="zh-CN" b="0" i="1" smtClean="0">
-                              <a:latin typeface="Cambria Math" panose="02040503050406030204" pitchFamily="18" charset="0"/>
+                              <a:latin typeface="Cambria Math" charset="0"/>
                             </a:rPr>
                           </m:ctrlPr>
                         </m:sSubPr>
@@ -13186,6 +13185,7 @@
                 <a:endParaRPr lang="en-US" altLang="zh-CN" b="0" dirty="0" smtClean="0"/>
               </a:p>
               <a:p>
+                <a:pPr/>
                 <a14:m>
                   <m:oMathPara xmlns:m="http://schemas.openxmlformats.org/officeDocument/2006/math">
                     <m:oMathParaPr>
@@ -13202,7 +13202,7 @@
                         <m:sSubPr>
                           <m:ctrlPr>
                             <a:rPr lang="en-US" altLang="zh-CN" i="1">
-                              <a:latin typeface="Cambria Math" panose="02040503050406030204" pitchFamily="18" charset="0"/>
+                              <a:latin typeface="Cambria Math" charset="0"/>
                             </a:rPr>
                           </m:ctrlPr>
                         </m:sSubPr>
@@ -13245,7 +13245,7 @@
                         <m:sSubPr>
                           <m:ctrlPr>
                             <a:rPr lang="en-US" altLang="zh-CN" i="1">
-                              <a:latin typeface="Cambria Math" panose="02040503050406030204" pitchFamily="18" charset="0"/>
+                              <a:latin typeface="Cambria Math" charset="0"/>
                             </a:rPr>
                           </m:ctrlPr>
                         </m:sSubPr>
@@ -13272,6 +13272,7 @@
                 <a:endParaRPr lang="zh-CN" altLang="en-US" dirty="0"/>
               </a:p>
               <a:p>
+                <a:pPr/>
                 <a14:m>
                   <m:oMathPara xmlns:m="http://schemas.openxmlformats.org/officeDocument/2006/math">
                     <m:oMathParaPr>
@@ -13290,6 +13291,7 @@
                 <a:endParaRPr lang="en-US" altLang="zh-CN" dirty="0" smtClean="0"/>
               </a:p>
               <a:p>
+                <a:pPr/>
                 <a14:m>
                   <m:oMathPara xmlns:m="http://schemas.openxmlformats.org/officeDocument/2006/math">
                     <m:oMathParaPr>
@@ -13306,7 +13308,7 @@
                         <m:sSubPr>
                           <m:ctrlPr>
                             <a:rPr lang="en-US" altLang="zh-CN" i="1">
-                              <a:latin typeface="Cambria Math" panose="02040503050406030204" pitchFamily="18" charset="0"/>
+                              <a:latin typeface="Cambria Math" charset="0"/>
                             </a:rPr>
                           </m:ctrlPr>
                         </m:sSubPr>
@@ -13349,7 +13351,7 @@
                         <m:sSubPr>
                           <m:ctrlPr>
                             <a:rPr lang="en-US" altLang="zh-CN" i="1">
-                              <a:latin typeface="Cambria Math" panose="02040503050406030204" pitchFamily="18" charset="0"/>
+                              <a:latin typeface="Cambria Math" charset="0"/>
                             </a:rPr>
                           </m:ctrlPr>
                         </m:sSubPr>
@@ -13381,7 +13383,7 @@
             </p:txBody>
           </p:sp>
         </mc:Choice>
-        <mc:Fallback>
+        <mc:Fallback xmlns="">
           <p:sp>
             <p:nvSpPr>
               <p:cNvPr id="15" name="TextBox 14"/>
@@ -13668,8 +13670,8 @@
           </a:p>
         </p:txBody>
       </p:sp>
-      <mc:AlternateContent xmlns:mc="http://schemas.openxmlformats.org/markup-compatibility/2006">
-        <mc:Choice xmlns:a14="http://schemas.microsoft.com/office/drawing/2010/main" Requires="a14">
+      <mc:AlternateContent xmlns:mc="http://schemas.openxmlformats.org/markup-compatibility/2006" xmlns:a14="http://schemas.microsoft.com/office/drawing/2010/main">
+        <mc:Choice Requires="a14">
           <p:sp>
             <p:nvSpPr>
               <p:cNvPr id="2" name="TextBox 1"/>
@@ -13702,7 +13704,7 @@
                       <m:dPr>
                         <m:ctrlPr>
                           <a:rPr lang="en-US" altLang="zh-CN" sz="2400" b="0" i="1" dirty="0" smtClean="0">
-                            <a:latin typeface="Cambria Math" panose="02040503050406030204" pitchFamily="18" charset="0"/>
+                            <a:latin typeface="Cambria Math" charset="0"/>
                           </a:rPr>
                         </m:ctrlPr>
                       </m:dPr>
@@ -13711,7 +13713,7 @@
                           <m:sSubPr>
                             <m:ctrlPr>
                               <a:rPr lang="en-US" altLang="zh-CN" sz="2400" b="0" i="1" dirty="0" smtClean="0">
-                                <a:latin typeface="Cambria Math" panose="02040503050406030204" pitchFamily="18" charset="0"/>
+                                <a:latin typeface="Cambria Math" charset="0"/>
                               </a:rPr>
                             </m:ctrlPr>
                           </m:sSubPr>
@@ -13742,7 +13744,7 @@
                           <m:sSubPr>
                             <m:ctrlPr>
                               <a:rPr lang="en-US" altLang="zh-CN" sz="2400" b="0" i="1" dirty="0" smtClean="0">
-                                <a:latin typeface="Cambria Math" panose="02040503050406030204" pitchFamily="18" charset="0"/>
+                                <a:latin typeface="Cambria Math" charset="0"/>
                               </a:rPr>
                             </m:ctrlPr>
                           </m:sSubPr>
@@ -13775,7 +13777,7 @@
                       <m:dPr>
                         <m:ctrlPr>
                           <a:rPr lang="en-US" altLang="zh-CN" sz="2400" b="0" i="1" dirty="0" smtClean="0">
-                            <a:latin typeface="Cambria Math" panose="02040503050406030204" pitchFamily="18" charset="0"/>
+                            <a:latin typeface="Cambria Math" charset="0"/>
                           </a:rPr>
                         </m:ctrlPr>
                       </m:dPr>
@@ -13784,7 +13786,7 @@
                           <m:sSubPr>
                             <m:ctrlPr>
                               <a:rPr lang="en-US" altLang="zh-CN" sz="2400" b="0" i="1" dirty="0" smtClean="0">
-                                <a:latin typeface="Cambria Math" panose="02040503050406030204" pitchFamily="18" charset="0"/>
+                                <a:latin typeface="Cambria Math" charset="0"/>
                               </a:rPr>
                             </m:ctrlPr>
                           </m:sSubPr>
@@ -13815,7 +13817,7 @@
                           <m:sSubPr>
                             <m:ctrlPr>
                               <a:rPr lang="en-US" altLang="zh-CN" sz="2400" b="0" i="1" dirty="0" smtClean="0">
-                                <a:latin typeface="Cambria Math" panose="02040503050406030204" pitchFamily="18" charset="0"/>
+                                <a:latin typeface="Cambria Math" charset="0"/>
                               </a:rPr>
                             </m:ctrlPr>
                           </m:sSubPr>
@@ -13848,7 +13850,7 @@
                       <m:dPr>
                         <m:ctrlPr>
                           <a:rPr lang="en-US" altLang="zh-CN" sz="2400" b="0" i="1" dirty="0" smtClean="0">
-                            <a:latin typeface="Cambria Math" panose="02040503050406030204" pitchFamily="18" charset="0"/>
+                            <a:latin typeface="Cambria Math" charset="0"/>
                           </a:rPr>
                         </m:ctrlPr>
                       </m:dPr>
@@ -13857,7 +13859,7 @@
                           <m:sSubPr>
                             <m:ctrlPr>
                               <a:rPr lang="en-US" altLang="zh-CN" sz="2400" b="0" i="1" dirty="0" smtClean="0">
-                                <a:latin typeface="Cambria Math" panose="02040503050406030204" pitchFamily="18" charset="0"/>
+                                <a:latin typeface="Cambria Math" charset="0"/>
                               </a:rPr>
                             </m:ctrlPr>
                           </m:sSubPr>
@@ -13888,7 +13890,7 @@
                           <m:sSubPr>
                             <m:ctrlPr>
                               <a:rPr lang="en-US" altLang="zh-CN" sz="2400" b="0" i="1" dirty="0" smtClean="0">
-                                <a:latin typeface="Cambria Math" panose="02040503050406030204" pitchFamily="18" charset="0"/>
+                                <a:latin typeface="Cambria Math" charset="0"/>
                               </a:rPr>
                             </m:ctrlPr>
                           </m:sSubPr>
@@ -13937,6 +13939,7 @@
                 </a:r>
               </a:p>
               <a:p>
+                <a:pPr/>
                 <a14:m>
                   <m:oMathPara xmlns:m="http://schemas.openxmlformats.org/officeDocument/2006/math">
                     <m:oMathParaPr>
@@ -13995,7 +13998,7 @@
                       <m:sSubPr>
                         <m:ctrlPr>
                           <a:rPr lang="en-US" altLang="zh-CN" sz="2400" b="0" i="1" dirty="0" smtClean="0">
-                            <a:latin typeface="Cambria Math" panose="02040503050406030204" pitchFamily="18" charset="0"/>
+                            <a:latin typeface="Cambria Math" charset="0"/>
                           </a:rPr>
                         </m:ctrlPr>
                       </m:sSubPr>
@@ -14005,7 +14008,7 @@
                             <m:chr m:val="̂"/>
                             <m:ctrlPr>
                               <a:rPr lang="en-US" altLang="zh-CN" sz="2400" b="0" i="1" smtClean="0">
-                                <a:latin typeface="Cambria Math" panose="02040503050406030204" pitchFamily="18" charset="0"/>
+                                <a:latin typeface="Cambria Math" charset="0"/>
                               </a:rPr>
                             </m:ctrlPr>
                           </m:accPr>
@@ -14044,7 +14047,7 @@
                       <m:sSubPr>
                         <m:ctrlPr>
                           <a:rPr lang="en-US" altLang="zh-CN" sz="2400" b="0" i="1" dirty="0" smtClean="0">
-                            <a:latin typeface="Cambria Math" panose="02040503050406030204" pitchFamily="18" charset="0"/>
+                            <a:latin typeface="Cambria Math" charset="0"/>
                           </a:rPr>
                         </m:ctrlPr>
                       </m:sSubPr>
@@ -14093,7 +14096,7 @@
                       <m:sSubPr>
                         <m:ctrlPr>
                           <a:rPr lang="en-US" altLang="zh-CN" sz="2400" b="0" i="1" dirty="0" smtClean="0">
-                            <a:latin typeface="Cambria Math" panose="02040503050406030204" pitchFamily="18" charset="0"/>
+                            <a:latin typeface="Cambria Math" charset="0"/>
                           </a:rPr>
                         </m:ctrlPr>
                       </m:sSubPr>
@@ -14151,7 +14154,7 @@
             </p:txBody>
           </p:sp>
         </mc:Choice>
-        <mc:Fallback>
+        <mc:Fallback xmlns="">
           <p:sp>
             <p:nvSpPr>
               <p:cNvPr id="2" name="TextBox 1"/>
@@ -14220,8 +14223,8 @@
           </a:prstGeom>
         </p:spPr>
       </p:pic>
-      <mc:AlternateContent xmlns:mc="http://schemas.openxmlformats.org/markup-compatibility/2006">
-        <mc:Choice xmlns:a14="http://schemas.microsoft.com/office/drawing/2010/main" Requires="a14">
+      <mc:AlternateContent xmlns:mc="http://schemas.openxmlformats.org/markup-compatibility/2006" xmlns:a14="http://schemas.microsoft.com/office/drawing/2010/main">
+        <mc:Choice Requires="a14">
           <p:sp>
             <p:nvSpPr>
               <p:cNvPr id="8" name="TextBox 7"/>
@@ -14244,6 +14247,7 @@
               </a:bodyPr>
               <a:lstStyle/>
               <a:p>
+                <a:pPr/>
                 <a14:m>
                   <m:oMathPara xmlns:m="http://schemas.openxmlformats.org/officeDocument/2006/math">
                     <m:oMathParaPr>
@@ -14256,7 +14260,7 @@
                           <m:endChr m:val="]"/>
                           <m:ctrlPr>
                             <a:rPr lang="en-US" altLang="zh-CN" i="1" smtClean="0">
-                              <a:latin typeface="Cambria Math" panose="02040503050406030204" pitchFamily="18" charset="0"/>
+                              <a:latin typeface="Cambria Math" charset="0"/>
                             </a:rPr>
                           </m:ctrlPr>
                         </m:dPr>
@@ -14273,7 +14277,7 @@
                               </m:mcs>
                               <m:ctrlPr>
                                 <a:rPr lang="en-US" altLang="zh-CN" i="1" smtClean="0">
-                                  <a:latin typeface="Cambria Math" panose="02040503050406030204" pitchFamily="18" charset="0"/>
+                                  <a:latin typeface="Cambria Math" charset="0"/>
                                 </a:rPr>
                               </m:ctrlPr>
                             </m:mPr>
@@ -14283,7 +14287,7 @@
                                   <m:sSubPr>
                                     <m:ctrlPr>
                                       <a:rPr lang="en-US" altLang="zh-CN" b="0" i="1" smtClean="0">
-                                        <a:latin typeface="Cambria Math" panose="02040503050406030204" pitchFamily="18" charset="0"/>
+                                        <a:latin typeface="Cambria Math" charset="0"/>
                                       </a:rPr>
                                     </m:ctrlPr>
                                   </m:sSubPr>
@@ -14323,7 +14327,7 @@
                                   <m:sSubPr>
                                     <m:ctrlPr>
                                       <a:rPr lang="en-US" altLang="zh-CN" b="0" i="1" smtClean="0">
-                                        <a:latin typeface="Cambria Math" panose="02040503050406030204" pitchFamily="18" charset="0"/>
+                                        <a:latin typeface="Cambria Math" charset="0"/>
                                       </a:rPr>
                                     </m:ctrlPr>
                                   </m:sSubPr>
@@ -14368,7 +14372,7 @@
                                     </m:mcs>
                                     <m:ctrlPr>
                                       <a:rPr lang="en-US" altLang="zh-CN" i="1" smtClean="0">
-                                        <a:latin typeface="Cambria Math" panose="02040503050406030204" pitchFamily="18" charset="0"/>
+                                        <a:latin typeface="Cambria Math" charset="0"/>
                                       </a:rPr>
                                     </m:ctrlPr>
                                   </m:mPr>
@@ -14391,7 +14395,7 @@
                                         <m:sSubPr>
                                           <m:ctrlPr>
                                             <a:rPr lang="en-US" altLang="zh-CN" b="0" i="1" smtClean="0">
-                                              <a:latin typeface="Cambria Math" panose="02040503050406030204" pitchFamily="18" charset="0"/>
+                                              <a:latin typeface="Cambria Math" charset="0"/>
                                             </a:rPr>
                                           </m:ctrlPr>
                                         </m:sSubPr>
@@ -14429,7 +14433,7 @@
                                     </m:mcs>
                                     <m:ctrlPr>
                                       <a:rPr lang="en-US" altLang="zh-CN" i="1" smtClean="0">
-                                        <a:latin typeface="Cambria Math" panose="02040503050406030204" pitchFamily="18" charset="0"/>
+                                        <a:latin typeface="Cambria Math" charset="0"/>
                                       </a:rPr>
                                     </m:ctrlPr>
                                   </m:mPr>
@@ -14468,7 +14472,7 @@
                           <m:endChr m:val="]"/>
                           <m:ctrlPr>
                             <a:rPr lang="en-US" altLang="zh-CN" i="1" dirty="0" smtClean="0">
-                              <a:latin typeface="Cambria Math" panose="02040503050406030204" pitchFamily="18" charset="0"/>
+                              <a:latin typeface="Cambria Math" charset="0"/>
                             </a:rPr>
                           </m:ctrlPr>
                         </m:dPr>
@@ -14485,7 +14489,7 @@
                               </m:mcs>
                               <m:ctrlPr>
                                 <a:rPr lang="en-US" altLang="zh-CN" i="1" dirty="0" smtClean="0">
-                                  <a:latin typeface="Cambria Math" panose="02040503050406030204" pitchFamily="18" charset="0"/>
+                                  <a:latin typeface="Cambria Math" charset="0"/>
                                 </a:rPr>
                               </m:ctrlPr>
                             </m:mPr>
@@ -14527,7 +14531,7 @@
                           <m:endChr m:val="]"/>
                           <m:ctrlPr>
                             <a:rPr lang="en-US" altLang="zh-CN" i="1" dirty="0">
-                              <a:latin typeface="Cambria Math" panose="02040503050406030204" pitchFamily="18" charset="0"/>
+                              <a:latin typeface="Cambria Math" charset="0"/>
                             </a:rPr>
                           </m:ctrlPr>
                         </m:dPr>
@@ -14544,7 +14548,7 @@
                               </m:mcs>
                               <m:ctrlPr>
                                 <a:rPr lang="en-US" altLang="zh-CN" i="1" dirty="0" smtClean="0">
-                                  <a:latin typeface="Cambria Math" panose="02040503050406030204" pitchFamily="18" charset="0"/>
+                                  <a:latin typeface="Cambria Math" charset="0"/>
                                 </a:rPr>
                               </m:ctrlPr>
                             </m:mPr>
@@ -14554,7 +14558,7 @@
                                   <m:sSubPr>
                                     <m:ctrlPr>
                                       <a:rPr lang="en-US" altLang="zh-CN" b="0" i="1" dirty="0" smtClean="0">
-                                        <a:latin typeface="Cambria Math" panose="02040503050406030204" pitchFamily="18" charset="0"/>
+                                        <a:latin typeface="Cambria Math" charset="0"/>
                                       </a:rPr>
                                     </m:ctrlPr>
                                   </m:sSubPr>
@@ -14586,7 +14590,7 @@
                                   <m:sSubPr>
                                     <m:ctrlPr>
                                       <a:rPr lang="en-US" altLang="zh-CN" b="0" i="1" dirty="0" smtClean="0">
-                                        <a:latin typeface="Cambria Math" panose="02040503050406030204" pitchFamily="18" charset="0"/>
+                                        <a:latin typeface="Cambria Math" charset="0"/>
                                       </a:rPr>
                                     </m:ctrlPr>
                                   </m:sSubPr>
@@ -14623,7 +14627,7 @@
                                     </m:mcs>
                                     <m:ctrlPr>
                                       <a:rPr lang="en-US" altLang="zh-CN" i="1" dirty="0" smtClean="0">
-                                        <a:latin typeface="Cambria Math" panose="02040503050406030204" pitchFamily="18" charset="0"/>
+                                        <a:latin typeface="Cambria Math" charset="0"/>
                                       </a:rPr>
                                     </m:ctrlPr>
                                   </m:mPr>
@@ -14646,7 +14650,7 @@
                                         <m:sSubPr>
                                           <m:ctrlPr>
                                             <a:rPr lang="en-US" altLang="zh-CN" b="0" i="1" dirty="0" smtClean="0">
-                                              <a:latin typeface="Cambria Math" panose="02040503050406030204" pitchFamily="18" charset="0"/>
+                                              <a:latin typeface="Cambria Math" charset="0"/>
                                             </a:rPr>
                                           </m:ctrlPr>
                                         </m:sSubPr>
@@ -14683,7 +14687,7 @@
             </p:txBody>
           </p:sp>
         </mc:Choice>
-        <mc:Fallback>
+        <mc:Fallback xmlns="">
           <p:sp>
             <p:nvSpPr>
               <p:cNvPr id="8" name="TextBox 7"/>
@@ -14748,7 +14752,19 @@
               <a:p>
                 <a:r>
                   <a:rPr lang="en-US" altLang="zh-CN" dirty="0" smtClean="0"/>
-                  <a:t>From a over-determined system of linear equations, to find a closest solution </a:t>
+                  <a:t>From </a:t>
+                </a:r>
+                <a:r>
+                  <a:rPr lang="en-US" altLang="zh-CN" dirty="0" smtClean="0"/>
+                  <a:t>an </a:t>
+                </a:r>
+                <a:r>
+                  <a:rPr lang="en-US" altLang="zh-CN" dirty="0" smtClean="0"/>
+                  <a:t>over-determined system of linear equations, to find a </a:t>
+                </a:r>
+                <a:r>
+                  <a:rPr lang="en-US" altLang="zh-CN" dirty="0" smtClean="0"/>
+                  <a:t>most likely solution </a:t>
                 </a:r>
                 <a14:m>
                   <m:oMath xmlns:m="http://schemas.openxmlformats.org/officeDocument/2006/math">
@@ -14762,7 +14778,7 @@
                 </a14:m>
                 <a:r>
                   <a:rPr lang="en-US" altLang="zh-CN" dirty="0" smtClean="0"/>
-                  <a:t>: the classical </a:t>
+                  <a:t>: the </a:t>
                 </a:r>
                 <a:r>
                   <a:rPr lang="en-US" altLang="zh-CN" dirty="0" smtClean="0">
@@ -14770,11 +14786,15 @@
                       <a:srgbClr val="FF0000"/>
                     </a:solidFill>
                   </a:rPr>
-                  <a:t>least square</a:t>
+                  <a:t>“least square”</a:t>
                 </a:r>
                 <a:r>
                   <a:rPr lang="en-US" altLang="zh-CN" dirty="0" smtClean="0"/>
-                  <a:t> problem</a:t>
+                  <a:t> </a:t>
+                </a:r>
+                <a:r>
+                  <a:rPr lang="en-US" altLang="zh-CN" dirty="0" smtClean="0"/>
+                  <a:t>problem</a:t>
                 </a:r>
                 <a:endParaRPr lang="zh-CN" altLang="en-US" dirty="0"/>
               </a:p>
@@ -14810,7 +14830,7 @@
               <a:lstStyle/>
               <a:p>
                 <a:r>
-                  <a:rPr lang="zh-CN" altLang="en-US">
+                  <a:rPr lang="en-US">
                     <a:noFill/>
                   </a:rPr>
                   <a:t> </a:t>
@@ -14844,6 +14864,7 @@
               </a:bodyPr>
               <a:lstStyle/>
               <a:p>
+                <a:pPr/>
                 <a14:m>
                   <m:oMathPara xmlns:m="http://schemas.openxmlformats.org/officeDocument/2006/math">
                     <m:oMathParaPr>
@@ -14876,7 +14897,7 @@
                       </m:r>
                       <m:r>
                         <a:rPr lang="en-US" altLang="zh-CN" b="0" i="1" smtClean="0">
-                          <a:latin typeface="Cambria Math" panose="02040503050406030204" pitchFamily="18" charset="0"/>
+                          <a:latin typeface="Cambria Math" charset="0"/>
                         </a:rPr>
                         <m:t>𝑦</m:t>
                       </m:r>
@@ -14908,7 +14929,7 @@
               <a:blipFill rotWithShape="0">
                 <a:blip r:embed="rId6"/>
                 <a:stretch>
-                  <a:fillRect l="-4839" r="-4839" b="-26667"/>
+                  <a:fillRect l="-4839" t="-146667" r="-4301" b="-182222"/>
                 </a:stretch>
               </a:blipFill>
             </p:spPr>
@@ -14917,7 +14938,7 @@
               <a:lstStyle/>
               <a:p>
                 <a:r>
-                  <a:rPr lang="zh-CN" altLang="en-US">
+                  <a:rPr lang="en-US">
                     <a:noFill/>
                   </a:rPr>
                   <a:t> </a:t>
@@ -15412,21 +15433,7 @@
                 <a:latin typeface="Courier New" panose="02070309020205020404" pitchFamily="49" charset="0"/>
                 <a:cs typeface="Courier New" panose="02070309020205020404" pitchFamily="49" charset="0"/>
               </a:rPr>
-              <a:t> A and </a:t>
-            </a:r>
-            <a:r>
-              <a:rPr lang="en-US" altLang="zh-CN" dirty="0" err="1" smtClean="0">
-                <a:latin typeface="Courier New" panose="02070309020205020404" pitchFamily="49" charset="0"/>
-                <a:cs typeface="Courier New" panose="02070309020205020404" pitchFamily="49" charset="0"/>
-              </a:rPr>
-              <a:t>rhs</a:t>
-            </a:r>
-            <a:r>
-              <a:rPr lang="en-US" altLang="zh-CN" dirty="0" smtClean="0">
-                <a:latin typeface="Courier New" panose="02070309020205020404" pitchFamily="49" charset="0"/>
-                <a:cs typeface="Courier New" panose="02070309020205020404" pitchFamily="49" charset="0"/>
-              </a:rPr>
-              <a:t> vector</a:t>
+              <a:t> A and rhs vector</a:t>
             </a:r>
           </a:p>
           <a:p>
@@ -15438,7 +15445,27 @@
                 <a:latin typeface="Courier New" panose="02070309020205020404" pitchFamily="49" charset="0"/>
                 <a:cs typeface="Courier New" panose="02070309020205020404" pitchFamily="49" charset="0"/>
               </a:rPr>
-              <a:t>A = [x' ones(</a:t>
+              <a:t>A = [</a:t>
+            </a:r>
+            <a:r>
+              <a:rPr lang="en-US" altLang="zh-CN" b="1" dirty="0" smtClean="0">
+                <a:solidFill>
+                  <a:srgbClr val="FF0000"/>
+                </a:solidFill>
+                <a:latin typeface="Courier New" panose="02070309020205020404" pitchFamily="49" charset="0"/>
+                <a:cs typeface="Courier New" panose="02070309020205020404" pitchFamily="49" charset="0"/>
+              </a:rPr>
+              <a:t>x </a:t>
+            </a:r>
+            <a:r>
+              <a:rPr lang="en-US" altLang="zh-CN" b="1" dirty="0">
+                <a:solidFill>
+                  <a:srgbClr val="FF0000"/>
+                </a:solidFill>
+                <a:latin typeface="Courier New" panose="02070309020205020404" pitchFamily="49" charset="0"/>
+                <a:cs typeface="Courier New" panose="02070309020205020404" pitchFamily="49" charset="0"/>
+              </a:rPr>
+              <a:t>ones(</a:t>
             </a:r>
             <a:r>
               <a:rPr lang="en-US" altLang="zh-CN" b="1" dirty="0" err="1">
@@ -15480,8 +15507,35 @@
                 <a:latin typeface="Courier New" panose="02070309020205020404" pitchFamily="49" charset="0"/>
                 <a:cs typeface="Courier New" panose="02070309020205020404" pitchFamily="49" charset="0"/>
               </a:rPr>
-              <a:t>r = y’;</a:t>
-            </a:r>
+              <a:t>rhs </a:t>
+            </a:r>
+            <a:r>
+              <a:rPr lang="en-US" altLang="zh-CN" b="1" dirty="0" smtClean="0">
+                <a:solidFill>
+                  <a:srgbClr val="FF0000"/>
+                </a:solidFill>
+                <a:latin typeface="Courier New" panose="02070309020205020404" pitchFamily="49" charset="0"/>
+                <a:cs typeface="Courier New" panose="02070309020205020404" pitchFamily="49" charset="0"/>
+              </a:rPr>
+              <a:t>= </a:t>
+            </a:r>
+            <a:r>
+              <a:rPr lang="en-US" altLang="zh-CN" b="1" dirty="0" smtClean="0">
+                <a:solidFill>
+                  <a:srgbClr val="FF0000"/>
+                </a:solidFill>
+                <a:latin typeface="Courier New" panose="02070309020205020404" pitchFamily="49" charset="0"/>
+                <a:cs typeface="Courier New" panose="02070309020205020404" pitchFamily="49" charset="0"/>
+              </a:rPr>
+              <a:t>y;</a:t>
+            </a:r>
+            <a:endParaRPr lang="en-US" altLang="zh-CN" b="1" dirty="0" smtClean="0">
+              <a:solidFill>
+                <a:srgbClr val="FF0000"/>
+              </a:solidFill>
+              <a:latin typeface="Courier New" panose="02070309020205020404" pitchFamily="49" charset="0"/>
+              <a:cs typeface="Courier New" panose="02070309020205020404" pitchFamily="49" charset="0"/>
+            </a:endParaRPr>
           </a:p>
           <a:p>
             <a:endParaRPr lang="en-US" altLang="zh-CN" b="1" dirty="0">
@@ -15501,7 +15555,27 @@
                 <a:latin typeface="Courier New" panose="02070309020205020404" pitchFamily="49" charset="0"/>
                 <a:cs typeface="Courier New" panose="02070309020205020404" pitchFamily="49" charset="0"/>
               </a:rPr>
-              <a:t>k = A\r;		</a:t>
+              <a:t>k = </a:t>
+            </a:r>
+            <a:r>
+              <a:rPr lang="en-US" altLang="zh-CN" b="1" dirty="0" smtClean="0">
+                <a:solidFill>
+                  <a:srgbClr val="FF0000"/>
+                </a:solidFill>
+                <a:latin typeface="Courier New" panose="02070309020205020404" pitchFamily="49" charset="0"/>
+                <a:cs typeface="Courier New" panose="02070309020205020404" pitchFamily="49" charset="0"/>
+              </a:rPr>
+              <a:t>A\rhs;</a:t>
+            </a:r>
+            <a:r>
+              <a:rPr lang="en-US" altLang="zh-CN" b="1" dirty="0" smtClean="0">
+                <a:solidFill>
+                  <a:srgbClr val="FF0000"/>
+                </a:solidFill>
+                <a:latin typeface="Courier New" panose="02070309020205020404" pitchFamily="49" charset="0"/>
+                <a:cs typeface="Courier New" panose="02070309020205020404" pitchFamily="49" charset="0"/>
+              </a:rPr>
+              <a:t>		</a:t>
             </a:r>
             <a:r>
               <a:rPr lang="en-US" altLang="zh-CN" b="1" dirty="0" smtClean="0">
@@ -15716,6 +15790,804 @@
         <p:cTn id="1" dur="indefinite" restart="never" nodeType="tmRoot"/>
       </p:par>
     </p:tnLst>
+  </p:timing>
+</p:sld>
+</file>
+
+<file path=ppt/slides/slide26.xml><?xml version="1.0" encoding="utf-8"?>
+<p:sld xmlns:a="http://schemas.openxmlformats.org/drawingml/2006/main" xmlns:r="http://schemas.openxmlformats.org/officeDocument/2006/relationships" xmlns:p="http://schemas.openxmlformats.org/presentationml/2006/main">
+  <p:cSld>
+    <p:spTree>
+      <p:nvGrpSpPr>
+        <p:cNvPr id="1" name=""/>
+        <p:cNvGrpSpPr/>
+        <p:nvPr/>
+      </p:nvGrpSpPr>
+      <p:grpSpPr>
+        <a:xfrm>
+          <a:off x="0" y="0"/>
+          <a:ext cx="0" cy="0"/>
+          <a:chOff x="0" y="0"/>
+          <a:chExt cx="0" cy="0"/>
+        </a:xfrm>
+      </p:grpSpPr>
+      <p:sp>
+        <p:nvSpPr>
+          <p:cNvPr id="3" name="Content Placeholder 2"/>
+          <p:cNvSpPr>
+            <a:spLocks noGrp="1"/>
+          </p:cNvSpPr>
+          <p:nvPr>
+            <p:ph idx="1"/>
+          </p:nvPr>
+        </p:nvSpPr>
+        <p:spPr>
+          <a:xfrm>
+            <a:off x="457199" y="1600201"/>
+            <a:ext cx="7593107" cy="1250575"/>
+          </a:xfrm>
+        </p:spPr>
+        <p:txBody>
+          <a:bodyPr>
+            <a:normAutofit/>
+          </a:bodyPr>
+          <a:lstStyle/>
+          <a:p>
+            <a:endParaRPr lang="en-US" dirty="0" smtClean="0"/>
+          </a:p>
+          <a:p>
+            <a:pPr marL="0" indent="0">
+              <a:buNone/>
+            </a:pPr>
+            <a:endParaRPr lang="en-US" dirty="0" smtClean="0"/>
+          </a:p>
+          <a:p>
+            <a:pPr marL="0" indent="0">
+              <a:buNone/>
+            </a:pPr>
+            <a:endParaRPr lang="en-US" dirty="0" smtClean="0"/>
+          </a:p>
+        </p:txBody>
+      </p:sp>
+      <p:sp>
+        <p:nvSpPr>
+          <p:cNvPr id="4" name="Rectangle 3"/>
+          <p:cNvSpPr/>
+          <p:nvPr/>
+        </p:nvSpPr>
+        <p:spPr>
+          <a:xfrm>
+            <a:off x="0" y="-7550"/>
+            <a:ext cx="9144000" cy="1228835"/>
+          </a:xfrm>
+          <a:prstGeom prst="rect">
+            <a:avLst/>
+          </a:prstGeom>
+          <a:solidFill>
+            <a:srgbClr val="3DBFDB"/>
+          </a:solidFill>
+          <a:ln>
+            <a:noFill/>
+          </a:ln>
+          <a:effectLst/>
+        </p:spPr>
+        <p:style>
+          <a:lnRef idx="1">
+            <a:schemeClr val="accent1"/>
+          </a:lnRef>
+          <a:fillRef idx="3">
+            <a:schemeClr val="accent1"/>
+          </a:fillRef>
+          <a:effectRef idx="2">
+            <a:schemeClr val="accent1"/>
+          </a:effectRef>
+          <a:fontRef idx="minor">
+            <a:schemeClr val="lt1"/>
+          </a:fontRef>
+        </p:style>
+        <p:txBody>
+          <a:bodyPr rtlCol="0" anchor="ctr"/>
+          <a:lstStyle/>
+          <a:p>
+            <a:r>
+              <a:rPr lang="en-US" altLang="zh-CN" sz="4000" b="1" dirty="0"/>
+              <a:t>	</a:t>
+            </a:r>
+            <a:r>
+              <a:rPr lang="en-US" altLang="zh-CN" sz="4000" dirty="0" smtClean="0"/>
+              <a:t>Least square for line fitting</a:t>
+            </a:r>
+            <a:endParaRPr lang="en-US" sz="4000" i="1" dirty="0"/>
+          </a:p>
+        </p:txBody>
+      </p:sp>
+      <p:sp>
+        <p:nvSpPr>
+          <p:cNvPr id="5" name="Rectangle 4"/>
+          <p:cNvSpPr/>
+          <p:nvPr/>
+        </p:nvSpPr>
+        <p:spPr>
+          <a:xfrm>
+            <a:off x="0" y="6737478"/>
+            <a:ext cx="9144000" cy="120522"/>
+          </a:xfrm>
+          <a:prstGeom prst="rect">
+            <a:avLst/>
+          </a:prstGeom>
+          <a:solidFill>
+            <a:srgbClr val="3DBFDB"/>
+          </a:solidFill>
+          <a:ln>
+            <a:noFill/>
+          </a:ln>
+          <a:effectLst/>
+        </p:spPr>
+        <p:style>
+          <a:lnRef idx="1">
+            <a:schemeClr val="accent1"/>
+          </a:lnRef>
+          <a:fillRef idx="3">
+            <a:schemeClr val="accent1"/>
+          </a:fillRef>
+          <a:effectRef idx="2">
+            <a:schemeClr val="accent1"/>
+          </a:effectRef>
+          <a:fontRef idx="minor">
+            <a:schemeClr val="lt1"/>
+          </a:fontRef>
+        </p:style>
+        <p:txBody>
+          <a:bodyPr rtlCol="0" anchor="ctr"/>
+          <a:lstStyle/>
+          <a:p>
+            <a:pPr algn="ctr"/>
+            <a:endParaRPr lang="en-US"/>
+          </a:p>
+        </p:txBody>
+      </p:sp>
+      <p:sp>
+        <p:nvSpPr>
+          <p:cNvPr id="6" name="Rectangle 5"/>
+          <p:cNvSpPr/>
+          <p:nvPr/>
+        </p:nvSpPr>
+        <p:spPr>
+          <a:xfrm>
+            <a:off x="0" y="6451738"/>
+            <a:ext cx="1037664" cy="276999"/>
+          </a:xfrm>
+          <a:prstGeom prst="rect">
+            <a:avLst/>
+          </a:prstGeom>
+        </p:spPr>
+        <p:txBody>
+          <a:bodyPr wrap="none">
+            <a:spAutoFit/>
+          </a:bodyPr>
+          <a:lstStyle/>
+          <a:p>
+            <a:r>
+              <a:rPr lang="en-US" sz="1200" dirty="0" smtClean="0">
+                <a:solidFill>
+                  <a:srgbClr val="118EB0"/>
+                </a:solidFill>
+              </a:rPr>
+              <a:t>Administrivia</a:t>
+            </a:r>
+            <a:endParaRPr lang="en-US" sz="1200" dirty="0">
+              <a:solidFill>
+                <a:srgbClr val="118EB0"/>
+              </a:solidFill>
+            </a:endParaRPr>
+          </a:p>
+        </p:txBody>
+      </p:sp>
+      <p:sp>
+        <p:nvSpPr>
+          <p:cNvPr id="7" name="TextBox 6"/>
+          <p:cNvSpPr txBox="1"/>
+          <p:nvPr/>
+        </p:nvSpPr>
+        <p:spPr>
+          <a:xfrm>
+            <a:off x="8869998" y="6453063"/>
+            <a:ext cx="262662" cy="276999"/>
+          </a:xfrm>
+          <a:prstGeom prst="rect">
+            <a:avLst/>
+          </a:prstGeom>
+          <a:noFill/>
+        </p:spPr>
+        <p:txBody>
+          <a:bodyPr wrap="none" rtlCol="0">
+            <a:spAutoFit/>
+          </a:bodyPr>
+          <a:lstStyle/>
+          <a:p>
+            <a:pPr algn="r"/>
+            <a:r>
+              <a:rPr lang="en-US" sz="1200" dirty="0" smtClean="0">
+                <a:solidFill>
+                  <a:srgbClr val="118EB0"/>
+                </a:solidFill>
+              </a:rPr>
+              <a:t>1</a:t>
+            </a:r>
+            <a:endParaRPr lang="en-US" sz="1200" dirty="0">
+              <a:solidFill>
+                <a:srgbClr val="118EB0"/>
+              </a:solidFill>
+            </a:endParaRPr>
+          </a:p>
+        </p:txBody>
+      </p:sp>
+      <mc:AlternateContent xmlns:mc="http://schemas.openxmlformats.org/markup-compatibility/2006">
+        <mc:Choice xmlns:a14="http://schemas.microsoft.com/office/drawing/2010/main" Requires="a14">
+          <p:sp>
+            <p:nvSpPr>
+              <p:cNvPr id="2" name="TextBox 1"/>
+              <p:cNvSpPr txBox="1"/>
+              <p:nvPr/>
+            </p:nvSpPr>
+            <p:spPr>
+              <a:xfrm>
+                <a:off x="1197533" y="1432033"/>
+                <a:ext cx="5730736" cy="1614737"/>
+              </a:xfrm>
+              <a:prstGeom prst="rect">
+                <a:avLst/>
+              </a:prstGeom>
+              <a:noFill/>
+            </p:spPr>
+            <p:txBody>
+              <a:bodyPr wrap="none" rtlCol="0">
+                <a:spAutoFit/>
+              </a:bodyPr>
+              <a:lstStyle/>
+              <a:p>
+                <a:r>
+                  <a:rPr lang="en-US" altLang="zh-CN" sz="2400" dirty="0" smtClean="0"/>
+                  <a:t>The least square formulation for line fitting:</a:t>
+                </a:r>
+              </a:p>
+              <a:p>
+                <a:endParaRPr lang="en-US" altLang="zh-CN" sz="2400" dirty="0"/>
+              </a:p>
+              <a:p>
+                <a14:m>
+                  <m:oMathPara xmlns:m="http://schemas.openxmlformats.org/officeDocument/2006/math">
+                    <m:oMathParaPr>
+                      <m:jc m:val="centerGroup"/>
+                    </m:oMathParaPr>
+                    <m:oMath xmlns:m="http://schemas.openxmlformats.org/officeDocument/2006/math">
+                      <m:r>
+                        <a:rPr lang="en-US" altLang="zh-CN" sz="2400" b="0" i="1" dirty="0" smtClean="0">
+                          <a:latin typeface="Cambria Math" charset="0"/>
+                        </a:rPr>
+                        <m:t>𝑎</m:t>
+                      </m:r>
+                      <m:r>
+                        <a:rPr lang="en-US" altLang="zh-CN" sz="2400" b="0" i="1" dirty="0" smtClean="0">
+                          <a:latin typeface="Cambria Math" charset="0"/>
+                        </a:rPr>
+                        <m:t>,</m:t>
+                      </m:r>
+                      <m:r>
+                        <a:rPr lang="en-US" altLang="zh-CN" sz="2400" b="0" i="1" dirty="0" smtClean="0">
+                          <a:latin typeface="Cambria Math" charset="0"/>
+                        </a:rPr>
+                        <m:t>𝑏</m:t>
+                      </m:r>
+                      <m:r>
+                        <a:rPr lang="en-US" altLang="zh-CN" sz="2400" i="1" dirty="0" smtClean="0">
+                          <a:latin typeface="Cambria Math" charset="0"/>
+                        </a:rPr>
+                        <m:t> = </m:t>
+                      </m:r>
+                      <m:func>
+                        <m:funcPr>
+                          <m:ctrlPr>
+                            <a:rPr lang="mr-IN" altLang="zh-CN" sz="2400" i="1" dirty="0" smtClean="0">
+                              <a:latin typeface="Cambria Math" charset="0"/>
+                            </a:rPr>
+                          </m:ctrlPr>
+                        </m:funcPr>
+                        <m:fName>
+                          <m:limLow>
+                            <m:limLowPr>
+                              <m:ctrlPr>
+                                <a:rPr lang="mr-IN" altLang="zh-CN" sz="2400" i="1" dirty="0" smtClean="0">
+                                  <a:latin typeface="Cambria Math" charset="0"/>
+                                </a:rPr>
+                              </m:ctrlPr>
+                            </m:limLowPr>
+                            <m:e>
+                              <m:r>
+                                <m:rPr>
+                                  <m:sty m:val="p"/>
+                                </m:rPr>
+                                <a:rPr lang="en-US" altLang="zh-CN" sz="2400" b="0" i="0" dirty="0" smtClean="0">
+                                  <a:latin typeface="Cambria Math" charset="0"/>
+                                </a:rPr>
+                                <m:t>arg</m:t>
+                              </m:r>
+                              <m:r>
+                                <m:rPr>
+                                  <m:sty m:val="p"/>
+                                </m:rPr>
+                                <a:rPr lang="mr-IN" altLang="zh-CN" sz="2400" i="0" dirty="0" smtClean="0">
+                                  <a:latin typeface="Cambria Math" charset="0"/>
+                                </a:rPr>
+                                <m:t>min</m:t>
+                              </m:r>
+                            </m:e>
+                            <m:lim>
+                              <m:r>
+                                <a:rPr lang="en-US" altLang="zh-CN" sz="2400" b="0" i="1" dirty="0" smtClean="0">
+                                  <a:latin typeface="Cambria Math" charset="0"/>
+                                </a:rPr>
+                                <m:t>𝑎</m:t>
+                              </m:r>
+                              <m:r>
+                                <a:rPr lang="en-US" altLang="zh-CN" sz="2400" b="0" i="1" dirty="0" smtClean="0">
+                                  <a:latin typeface="Cambria Math" charset="0"/>
+                                </a:rPr>
+                                <m:t>,</m:t>
+                              </m:r>
+                              <m:r>
+                                <a:rPr lang="en-US" altLang="zh-CN" sz="2400" b="0" i="1" dirty="0" smtClean="0">
+                                  <a:latin typeface="Cambria Math" charset="0"/>
+                                </a:rPr>
+                                <m:t>𝑏</m:t>
+                              </m:r>
+                            </m:lim>
+                          </m:limLow>
+                        </m:fName>
+                        <m:e>
+                          <m:nary>
+                            <m:naryPr>
+                              <m:chr m:val="∑"/>
+                              <m:limLoc m:val="subSup"/>
+                              <m:ctrlPr>
+                                <a:rPr lang="is-IS" altLang="zh-CN" sz="2400" i="1" dirty="0">
+                                  <a:latin typeface="Cambria Math" charset="0"/>
+                                </a:rPr>
+                              </m:ctrlPr>
+                            </m:naryPr>
+                            <m:sub>
+                              <m:r>
+                                <m:rPr>
+                                  <m:brk m:alnAt="25"/>
+                                </m:rPr>
+                                <a:rPr lang="en-US" altLang="zh-CN" sz="2400" i="1" dirty="0">
+                                  <a:latin typeface="Cambria Math" charset="0"/>
+                                </a:rPr>
+                                <m:t>𝑖</m:t>
+                              </m:r>
+                              <m:r>
+                                <a:rPr lang="en-US" altLang="zh-CN" sz="2400" i="1" dirty="0">
+                                  <a:latin typeface="Cambria Math" charset="0"/>
+                                </a:rPr>
+                                <m:t>=1</m:t>
+                              </m:r>
+                            </m:sub>
+                            <m:sup>
+                              <m:r>
+                                <a:rPr lang="en-US" altLang="zh-CN" sz="2400" i="1" dirty="0">
+                                  <a:latin typeface="Cambria Math" charset="0"/>
+                                </a:rPr>
+                                <m:t>𝑁</m:t>
+                              </m:r>
+                            </m:sup>
+                            <m:e>
+                              <m:sSup>
+                                <m:sSupPr>
+                                  <m:ctrlPr>
+                                    <a:rPr lang="en-US" altLang="zh-CN" sz="2400" i="1" dirty="0">
+                                      <a:latin typeface="Cambria Math" charset="0"/>
+                                    </a:rPr>
+                                  </m:ctrlPr>
+                                </m:sSupPr>
+                                <m:e>
+                                  <m:d>
+                                    <m:dPr>
+                                      <m:begChr m:val="‖"/>
+                                      <m:endChr m:val="‖"/>
+                                      <m:ctrlPr>
+                                        <a:rPr lang="is-IS" altLang="zh-CN" sz="2400" i="1" dirty="0">
+                                          <a:latin typeface="Cambria Math" charset="0"/>
+                                        </a:rPr>
+                                      </m:ctrlPr>
+                                    </m:dPr>
+                                    <m:e>
+                                      <m:sSub>
+                                        <m:sSubPr>
+                                          <m:ctrlPr>
+                                            <a:rPr lang="en-US" altLang="zh-CN" sz="2400" i="1" dirty="0">
+                                              <a:latin typeface="Cambria Math" charset="0"/>
+                                            </a:rPr>
+                                          </m:ctrlPr>
+                                        </m:sSubPr>
+                                        <m:e>
+                                          <m:r>
+                                            <a:rPr lang="en-US" altLang="zh-CN" sz="2400" i="1" dirty="0">
+                                              <a:latin typeface="Cambria Math" charset="0"/>
+                                            </a:rPr>
+                                            <m:t>𝑦</m:t>
+                                          </m:r>
+                                        </m:e>
+                                        <m:sub>
+                                          <m:r>
+                                            <a:rPr lang="en-US" altLang="zh-CN" sz="2400" i="1" dirty="0">
+                                              <a:latin typeface="Cambria Math" charset="0"/>
+                                            </a:rPr>
+                                            <m:t>𝑖</m:t>
+                                          </m:r>
+                                        </m:sub>
+                                      </m:sSub>
+                                      <m:r>
+                                        <a:rPr lang="en-US" altLang="zh-CN" sz="2400" i="1" dirty="0">
+                                          <a:latin typeface="Cambria Math" charset="0"/>
+                                        </a:rPr>
+                                        <m:t>−</m:t>
+                                      </m:r>
+                                      <m:d>
+                                        <m:dPr>
+                                          <m:ctrlPr>
+                                            <a:rPr lang="en-US" altLang="zh-CN" sz="2400" i="1" dirty="0">
+                                              <a:latin typeface="Cambria Math" charset="0"/>
+                                            </a:rPr>
+                                          </m:ctrlPr>
+                                        </m:dPr>
+                                        <m:e>
+                                          <m:r>
+                                            <a:rPr lang="en-US" altLang="zh-CN" sz="2400" i="1" dirty="0">
+                                              <a:latin typeface="Cambria Math" panose="02040503050406030204" pitchFamily="18" charset="0"/>
+                                            </a:rPr>
+                                            <m:t>𝑎</m:t>
+                                          </m:r>
+                                          <m:sSub>
+                                            <m:sSubPr>
+                                              <m:ctrlPr>
+                                                <a:rPr lang="en-US" altLang="zh-CN" sz="2400" i="1" dirty="0">
+                                                  <a:latin typeface="Cambria Math" charset="0"/>
+                                                </a:rPr>
+                                              </m:ctrlPr>
+                                            </m:sSubPr>
+                                            <m:e>
+                                              <m:r>
+                                                <a:rPr lang="en-US" altLang="zh-CN" sz="2400" i="1" dirty="0">
+                                                  <a:latin typeface="Cambria Math" panose="02040503050406030204" pitchFamily="18" charset="0"/>
+                                                </a:rPr>
+                                                <m:t>𝑥</m:t>
+                                              </m:r>
+                                            </m:e>
+                                            <m:sub>
+                                              <m:r>
+                                                <a:rPr lang="en-US" altLang="zh-CN" sz="2400" i="1" dirty="0">
+                                                  <a:latin typeface="Cambria Math" panose="02040503050406030204" pitchFamily="18" charset="0"/>
+                                                </a:rPr>
+                                                <m:t>𝑖</m:t>
+                                              </m:r>
+                                            </m:sub>
+                                          </m:sSub>
+                                          <m:r>
+                                            <a:rPr lang="en-US" altLang="zh-CN" sz="2400" i="1" dirty="0">
+                                              <a:latin typeface="Cambria Math" panose="02040503050406030204" pitchFamily="18" charset="0"/>
+                                            </a:rPr>
+                                            <m:t>+</m:t>
+                                          </m:r>
+                                          <m:r>
+                                            <a:rPr lang="en-US" altLang="zh-CN" sz="2400" i="1" dirty="0">
+                                              <a:latin typeface="Cambria Math" panose="02040503050406030204" pitchFamily="18" charset="0"/>
+                                            </a:rPr>
+                                            <m:t>𝑏</m:t>
+                                          </m:r>
+                                        </m:e>
+                                      </m:d>
+                                    </m:e>
+                                  </m:d>
+                                </m:e>
+                                <m:sup>
+                                  <m:r>
+                                    <a:rPr lang="en-US" altLang="zh-CN" sz="2400" i="1" dirty="0">
+                                      <a:latin typeface="Cambria Math" charset="0"/>
+                                    </a:rPr>
+                                    <m:t>2</m:t>
+                                  </m:r>
+                                </m:sup>
+                              </m:sSup>
+                            </m:e>
+                          </m:nary>
+                        </m:e>
+                      </m:func>
+                    </m:oMath>
+                  </m:oMathPara>
+                </a14:m>
+                <a:endParaRPr lang="zh-CN" altLang="en-US" sz="2400" dirty="0"/>
+              </a:p>
+            </p:txBody>
+          </p:sp>
+        </mc:Choice>
+        <mc:Fallback>
+          <p:sp>
+            <p:nvSpPr>
+              <p:cNvPr id="2" name="TextBox 1"/>
+              <p:cNvSpPr txBox="1">
+                <a:spLocks noRot="1" noChangeAspect="1" noMove="1" noResize="1" noEditPoints="1" noAdjustHandles="1" noChangeArrowheads="1" noChangeShapeType="1" noTextEdit="1"/>
+              </p:cNvSpPr>
+              <p:nvPr/>
+            </p:nvSpPr>
+            <p:spPr>
+              <a:xfrm>
+                <a:off x="1197533" y="1432033"/>
+                <a:ext cx="5730736" cy="1614737"/>
+              </a:xfrm>
+              <a:prstGeom prst="rect">
+                <a:avLst/>
+              </a:prstGeom>
+              <a:blipFill rotWithShape="0">
+                <a:blip r:embed="rId2"/>
+                <a:stretch>
+                  <a:fillRect l="-1594" t="-3019"/>
+                </a:stretch>
+              </a:blipFill>
+            </p:spPr>
+            <p:txBody>
+              <a:bodyPr/>
+              <a:lstStyle/>
+              <a:p>
+                <a:r>
+                  <a:rPr lang="en-US">
+                    <a:noFill/>
+                  </a:rPr>
+                  <a:t> </a:t>
+                </a:r>
+              </a:p>
+            </p:txBody>
+          </p:sp>
+        </mc:Fallback>
+      </mc:AlternateContent>
+      <p:sp>
+        <p:nvSpPr>
+          <p:cNvPr id="13" name="TextBox 12"/>
+          <p:cNvSpPr txBox="1"/>
+          <p:nvPr/>
+        </p:nvSpPr>
+        <p:spPr>
+          <a:xfrm>
+            <a:off x="1197533" y="3866427"/>
+            <a:ext cx="5545172" cy="523220"/>
+          </a:xfrm>
+          <a:prstGeom prst="rect">
+            <a:avLst/>
+          </a:prstGeom>
+          <a:noFill/>
+        </p:spPr>
+        <p:txBody>
+          <a:bodyPr wrap="none" rtlCol="0">
+            <a:spAutoFit/>
+          </a:bodyPr>
+          <a:lstStyle/>
+          <a:p>
+            <a:r>
+              <a:rPr lang="en-US" sz="2800" smtClean="0">
+                <a:solidFill>
+                  <a:srgbClr val="17BBE8"/>
+                </a:solidFill>
+              </a:rPr>
+              <a:t>Why minimizing the sum </a:t>
+            </a:r>
+            <a:r>
+              <a:rPr lang="en-US" sz="2800" dirty="0" smtClean="0">
+                <a:solidFill>
+                  <a:srgbClr val="17BBE8"/>
+                </a:solidFill>
+              </a:rPr>
+              <a:t>of squares?</a:t>
+            </a:r>
+            <a:endParaRPr lang="en-US" sz="2800" dirty="0">
+              <a:solidFill>
+                <a:srgbClr val="17BBE8"/>
+              </a:solidFill>
+            </a:endParaRPr>
+          </a:p>
+        </p:txBody>
+      </p:sp>
+      <p:sp>
+        <p:nvSpPr>
+          <p:cNvPr id="14" name="TextBox 13"/>
+          <p:cNvSpPr txBox="1"/>
+          <p:nvPr/>
+        </p:nvSpPr>
+        <p:spPr>
+          <a:xfrm>
+            <a:off x="1197533" y="4748270"/>
+            <a:ext cx="6914650" cy="646331"/>
+          </a:xfrm>
+          <a:prstGeom prst="rect">
+            <a:avLst/>
+          </a:prstGeom>
+          <a:noFill/>
+        </p:spPr>
+        <p:txBody>
+          <a:bodyPr wrap="none" rtlCol="0">
+            <a:spAutoFit/>
+          </a:bodyPr>
+          <a:lstStyle/>
+          <a:p>
+            <a:r>
+              <a:rPr lang="en-US" dirty="0" smtClean="0"/>
+              <a:t>The MLE interpretation of least squares (after class reading):</a:t>
+            </a:r>
+          </a:p>
+          <a:p>
+            <a:r>
+              <a:rPr lang="en-US" dirty="0">
+                <a:hlinkClick r:id="rId3"/>
+              </a:rPr>
+              <a:t>http://people.math.gatech.edu/~</a:t>
+            </a:r>
+            <a:r>
+              <a:rPr lang="en-US" dirty="0" smtClean="0">
+                <a:hlinkClick r:id="rId3"/>
+              </a:rPr>
+              <a:t>ecroot/3225/maximum_likelihood.pdf</a:t>
+            </a:r>
+            <a:endParaRPr lang="en-US" dirty="0"/>
+          </a:p>
+        </p:txBody>
+      </p:sp>
+    </p:spTree>
+    <p:extLst>
+      <p:ext uri="{BB962C8B-B14F-4D97-AF65-F5344CB8AC3E}">
+        <p14:creationId xmlns:p14="http://schemas.microsoft.com/office/powerpoint/2010/main" val="1589418399"/>
+      </p:ext>
+    </p:extLst>
+  </p:cSld>
+  <p:clrMapOvr>
+    <a:masterClrMapping/>
+  </p:clrMapOvr>
+  <p:timing>
+    <p:tnLst>
+      <p:par>
+        <p:cTn id="1" dur="indefinite" restart="never" nodeType="tmRoot">
+          <p:childTnLst>
+            <p:seq concurrent="1" nextAc="seek">
+              <p:cTn id="2" dur="indefinite" nodeType="mainSeq">
+                <p:childTnLst>
+                  <p:par>
+                    <p:cTn id="3" fill="hold">
+                      <p:stCondLst>
+                        <p:cond delay="indefinite"/>
+                      </p:stCondLst>
+                      <p:childTnLst>
+                        <p:par>
+                          <p:cTn id="4" fill="hold">
+                            <p:stCondLst>
+                              <p:cond delay="0"/>
+                            </p:stCondLst>
+                            <p:childTnLst>
+                              <p:par>
+                                <p:cTn id="5" presetID="10" presetClass="entr" presetSubtype="0" fill="hold" grpId="0" nodeType="clickEffect">
+                                  <p:stCondLst>
+                                    <p:cond delay="0"/>
+                                  </p:stCondLst>
+                                  <p:childTnLst>
+                                    <p:set>
+                                      <p:cBhvr>
+                                        <p:cTn id="6" dur="1" fill="hold">
+                                          <p:stCondLst>
+                                            <p:cond delay="0"/>
+                                          </p:stCondLst>
+                                        </p:cTn>
+                                        <p:tgtEl>
+                                          <p:spTgt spid="13"/>
+                                        </p:tgtEl>
+                                        <p:attrNameLst>
+                                          <p:attrName>style.visibility</p:attrName>
+                                        </p:attrNameLst>
+                                      </p:cBhvr>
+                                      <p:to>
+                                        <p:strVal val="visible"/>
+                                      </p:to>
+                                    </p:set>
+                                    <p:animEffect transition="in" filter="fade">
+                                      <p:cBhvr>
+                                        <p:cTn id="7" dur="500"/>
+                                        <p:tgtEl>
+                                          <p:spTgt spid="13"/>
+                                        </p:tgtEl>
+                                      </p:cBhvr>
+                                    </p:animEffect>
+                                  </p:childTnLst>
+                                </p:cTn>
+                              </p:par>
+                            </p:childTnLst>
+                          </p:cTn>
+                        </p:par>
+                      </p:childTnLst>
+                    </p:cTn>
+                  </p:par>
+                  <p:par>
+                    <p:cTn id="8" fill="hold">
+                      <p:stCondLst>
+                        <p:cond delay="indefinite"/>
+                      </p:stCondLst>
+                      <p:childTnLst>
+                        <p:par>
+                          <p:cTn id="9" fill="hold">
+                            <p:stCondLst>
+                              <p:cond delay="0"/>
+                            </p:stCondLst>
+                            <p:childTnLst>
+                              <p:par>
+                                <p:cTn id="10" presetID="10" presetClass="entr" presetSubtype="0" fill="hold" grpId="0" nodeType="clickEffect">
+                                  <p:stCondLst>
+                                    <p:cond delay="0"/>
+                                  </p:stCondLst>
+                                  <p:childTnLst>
+                                    <p:set>
+                                      <p:cBhvr>
+                                        <p:cTn id="11" dur="1" fill="hold">
+                                          <p:stCondLst>
+                                            <p:cond delay="0"/>
+                                          </p:stCondLst>
+                                        </p:cTn>
+                                        <p:tgtEl>
+                                          <p:spTgt spid="14"/>
+                                        </p:tgtEl>
+                                        <p:attrNameLst>
+                                          <p:attrName>style.visibility</p:attrName>
+                                        </p:attrNameLst>
+                                      </p:cBhvr>
+                                      <p:to>
+                                        <p:strVal val="visible"/>
+                                      </p:to>
+                                    </p:set>
+                                    <p:animEffect transition="in" filter="fade">
+                                      <p:cBhvr>
+                                        <p:cTn id="12" dur="500"/>
+                                        <p:tgtEl>
+                                          <p:spTgt spid="14"/>
+                                        </p:tgtEl>
+                                      </p:cBhvr>
+                                    </p:animEffect>
+                                  </p:childTnLst>
+                                </p:cTn>
+                              </p:par>
+                            </p:childTnLst>
+                          </p:cTn>
+                        </p:par>
+                      </p:childTnLst>
+                    </p:cTn>
+                  </p:par>
+                </p:childTnLst>
+              </p:cTn>
+              <p:prevCondLst>
+                <p:cond evt="onPrev" delay="0">
+                  <p:tgtEl>
+                    <p:sldTgt/>
+                  </p:tgtEl>
+                </p:cond>
+              </p:prevCondLst>
+              <p:nextCondLst>
+                <p:cond evt="onNext" delay="0">
+                  <p:tgtEl>
+                    <p:sldTgt/>
+                  </p:tgtEl>
+                </p:cond>
+              </p:nextCondLst>
+            </p:seq>
+          </p:childTnLst>
+        </p:cTn>
+      </p:par>
+    </p:tnLst>
+    <p:bldLst>
+      <p:bldP spid="13" grpId="0"/>
+      <p:bldP spid="14" grpId="0"/>
+    </p:bldLst>
   </p:timing>
 </p:sld>
 </file>
@@ -16033,14 +16905,7 @@
                 <a:latin typeface="Courier New" panose="02070309020205020404" pitchFamily="49" charset="0"/>
                 <a:cs typeface="Courier New" panose="02070309020205020404" pitchFamily="49" charset="0"/>
               </a:rPr>
-              <a:t>r</a:t>
-            </a:r>
-            <a:r>
-              <a:rPr lang="en-US" altLang="zh-CN" dirty="0" err="1">
-                <a:latin typeface="Courier New" panose="02070309020205020404" pitchFamily="49" charset="0"/>
-                <a:cs typeface="Courier New" panose="02070309020205020404" pitchFamily="49" charset="0"/>
-              </a:rPr>
-              <a:t>andn</a:t>
+              <a:t>randn</a:t>
             </a:r>
             <a:r>
               <a:rPr lang="en-US" altLang="zh-CN" dirty="0" smtClean="0"/>
@@ -17219,14 +18084,7 @@
                 <a:latin typeface="Courier New" panose="02070309020205020404" pitchFamily="49" charset="0"/>
                 <a:cs typeface="Courier New" panose="02070309020205020404" pitchFamily="49" charset="0"/>
               </a:rPr>
-              <a:t>r</a:t>
-            </a:r>
-            <a:r>
-              <a:rPr lang="en-US" altLang="zh-CN" sz="2000" dirty="0" err="1">
-                <a:latin typeface="Courier New" panose="02070309020205020404" pitchFamily="49" charset="0"/>
-                <a:cs typeface="Courier New" panose="02070309020205020404" pitchFamily="49" charset="0"/>
-              </a:rPr>
-              <a:t>ng</a:t>
+              <a:t>rng</a:t>
             </a:r>
             <a:r>
               <a:rPr lang="en-US" altLang="zh-CN" sz="2000" dirty="0">
@@ -17920,8 +18778,8 @@
           </a:p>
         </p:txBody>
       </p:sp>
-      <mc:AlternateContent xmlns:mc="http://schemas.openxmlformats.org/markup-compatibility/2006">
-        <mc:Choice xmlns:a14="http://schemas.microsoft.com/office/drawing/2010/main" Requires="a14">
+      <mc:AlternateContent xmlns:mc="http://schemas.openxmlformats.org/markup-compatibility/2006" xmlns:a14="http://schemas.microsoft.com/office/drawing/2010/main">
+        <mc:Choice Requires="a14">
           <p:sp>
             <p:nvSpPr>
               <p:cNvPr id="8" name="TextBox 7"/>
@@ -17950,7 +18808,7 @@
                       <m:dPr>
                         <m:ctrlPr>
                           <a:rPr lang="en-US" altLang="zh-CN" sz="2400" i="1" smtClean="0">
-                            <a:latin typeface="Cambria Math" panose="02040503050406030204" pitchFamily="18" charset="0"/>
+                            <a:latin typeface="Cambria Math" charset="0"/>
                           </a:rPr>
                         </m:ctrlPr>
                       </m:dPr>
@@ -17967,7 +18825,7 @@
                             </m:mcs>
                             <m:ctrlPr>
                               <a:rPr lang="en-US" altLang="zh-CN" sz="2400" i="1" smtClean="0">
-                                <a:latin typeface="Cambria Math" panose="02040503050406030204" pitchFamily="18" charset="0"/>
+                                <a:latin typeface="Cambria Math" charset="0"/>
                               </a:rPr>
                             </m:ctrlPr>
                           </m:mPr>
@@ -18029,7 +18887,7 @@
                       <m:dPr>
                         <m:ctrlPr>
                           <a:rPr lang="en-US" altLang="zh-CN" sz="2400" b="0" i="1" smtClean="0">
-                            <a:latin typeface="Cambria Math" panose="02040503050406030204" pitchFamily="18" charset="0"/>
+                            <a:latin typeface="Cambria Math" charset="0"/>
                           </a:rPr>
                         </m:ctrlPr>
                       </m:dPr>
@@ -18046,7 +18904,7 @@
                             </m:mcs>
                             <m:ctrlPr>
                               <a:rPr lang="en-US" altLang="zh-CN" sz="2400" b="0" i="1" smtClean="0">
-                                <a:latin typeface="Cambria Math" panose="02040503050406030204" pitchFamily="18" charset="0"/>
+                                <a:latin typeface="Cambria Math" charset="0"/>
                               </a:rPr>
                             </m:ctrlPr>
                           </m:mPr>
@@ -18087,7 +18945,7 @@
             </p:txBody>
           </p:sp>
         </mc:Choice>
-        <mc:Fallback>
+        <mc:Fallback xmlns="">
           <p:sp>
             <p:nvSpPr>
               <p:cNvPr id="8" name="TextBox 7"/>

--- a/lectures/lec24_matlab4/lec24.pptx
+++ b/lectures/lec24_matlab4/lec24.pptx
@@ -366,7 +366,7 @@
           <a:p>
             <a:fld id="{5ECE4D60-05A1-A640-A7CD-C0D17F809990}" type="datetimeFigureOut">
               <a:rPr lang="en-US" smtClean="0"/>
-              <a:t>12/16/17</a:t>
+              <a:t>12/17/2017</a:t>
             </a:fld>
             <a:endParaRPr lang="en-US"/>
           </a:p>
@@ -536,7 +536,7 @@
           <a:p>
             <a:fld id="{5ECE4D60-05A1-A640-A7CD-C0D17F809990}" type="datetimeFigureOut">
               <a:rPr lang="en-US" smtClean="0"/>
-              <a:t>12/16/17</a:t>
+              <a:t>12/17/2017</a:t>
             </a:fld>
             <a:endParaRPr lang="en-US"/>
           </a:p>
@@ -716,7 +716,7 @@
           <a:p>
             <a:fld id="{5ECE4D60-05A1-A640-A7CD-C0D17F809990}" type="datetimeFigureOut">
               <a:rPr lang="en-US" smtClean="0"/>
-              <a:t>12/16/17</a:t>
+              <a:t>12/17/2017</a:t>
             </a:fld>
             <a:endParaRPr lang="en-US"/>
           </a:p>
@@ -886,7 +886,7 @@
           <a:p>
             <a:fld id="{5ECE4D60-05A1-A640-A7CD-C0D17F809990}" type="datetimeFigureOut">
               <a:rPr lang="en-US" smtClean="0"/>
-              <a:t>12/16/17</a:t>
+              <a:t>12/17/2017</a:t>
             </a:fld>
             <a:endParaRPr lang="en-US"/>
           </a:p>
@@ -1132,7 +1132,7 @@
           <a:p>
             <a:fld id="{5ECE4D60-05A1-A640-A7CD-C0D17F809990}" type="datetimeFigureOut">
               <a:rPr lang="en-US" smtClean="0"/>
-              <a:t>12/16/17</a:t>
+              <a:t>12/17/2017</a:t>
             </a:fld>
             <a:endParaRPr lang="en-US"/>
           </a:p>
@@ -1420,7 +1420,7 @@
           <a:p>
             <a:fld id="{5ECE4D60-05A1-A640-A7CD-C0D17F809990}" type="datetimeFigureOut">
               <a:rPr lang="en-US" smtClean="0"/>
-              <a:t>12/16/17</a:t>
+              <a:t>12/17/2017</a:t>
             </a:fld>
             <a:endParaRPr lang="en-US"/>
           </a:p>
@@ -1847,7 +1847,7 @@
           <a:p>
             <a:fld id="{5ECE4D60-05A1-A640-A7CD-C0D17F809990}" type="datetimeFigureOut">
               <a:rPr lang="en-US" smtClean="0"/>
-              <a:t>12/16/17</a:t>
+              <a:t>12/17/2017</a:t>
             </a:fld>
             <a:endParaRPr lang="en-US"/>
           </a:p>
@@ -1965,7 +1965,7 @@
           <a:p>
             <a:fld id="{5ECE4D60-05A1-A640-A7CD-C0D17F809990}" type="datetimeFigureOut">
               <a:rPr lang="en-US" smtClean="0"/>
-              <a:t>12/16/17</a:t>
+              <a:t>12/17/2017</a:t>
             </a:fld>
             <a:endParaRPr lang="en-US"/>
           </a:p>
@@ -2060,7 +2060,7 @@
           <a:p>
             <a:fld id="{5ECE4D60-05A1-A640-A7CD-C0D17F809990}" type="datetimeFigureOut">
               <a:rPr lang="en-US" smtClean="0"/>
-              <a:t>12/16/17</a:t>
+              <a:t>12/17/2017</a:t>
             </a:fld>
             <a:endParaRPr lang="en-US"/>
           </a:p>
@@ -2337,7 +2337,7 @@
           <a:p>
             <a:fld id="{5ECE4D60-05A1-A640-A7CD-C0D17F809990}" type="datetimeFigureOut">
               <a:rPr lang="en-US" smtClean="0"/>
-              <a:t>12/16/17</a:t>
+              <a:t>12/17/2017</a:t>
             </a:fld>
             <a:endParaRPr lang="en-US"/>
           </a:p>
@@ -2590,7 +2590,7 @@
           <a:p>
             <a:fld id="{5ECE4D60-05A1-A640-A7CD-C0D17F809990}" type="datetimeFigureOut">
               <a:rPr lang="en-US" smtClean="0"/>
-              <a:t>12/16/17</a:t>
+              <a:t>12/17/2017</a:t>
             </a:fld>
             <a:endParaRPr lang="en-US"/>
           </a:p>
@@ -2803,7 +2803,7 @@
           <a:p>
             <a:fld id="{5ECE4D60-05A1-A640-A7CD-C0D17F809990}" type="datetimeFigureOut">
               <a:rPr lang="en-US" smtClean="0"/>
-              <a:t>12/16/17</a:t>
+              <a:t>12/17/2017</a:t>
             </a:fld>
             <a:endParaRPr lang="en-US"/>
           </a:p>
@@ -3654,7 +3654,7 @@
                       <m:sSubPr>
                         <m:ctrlPr>
                           <a:rPr lang="en-US" altLang="zh-CN" i="1" dirty="0">
-                            <a:latin typeface="Cambria Math" charset="0"/>
+                            <a:latin typeface="Cambria Math" panose="02040503050406030204" pitchFamily="18" charset="0"/>
                             <a:cs typeface="Courier New" panose="02070309020205020404" pitchFamily="49" charset="0"/>
                           </a:rPr>
                         </m:ctrlPr>
@@ -3689,7 +3689,7 @@
                       <m:sSubPr>
                         <m:ctrlPr>
                           <a:rPr lang="en-US" altLang="zh-CN" i="1" dirty="0">
-                            <a:latin typeface="Cambria Math" charset="0"/>
+                            <a:latin typeface="Cambria Math" panose="02040503050406030204" pitchFamily="18" charset="0"/>
                             <a:cs typeface="Courier New" panose="02070309020205020404" pitchFamily="49" charset="0"/>
                           </a:rPr>
                         </m:ctrlPr>
@@ -3724,7 +3724,7 @@
                       <m:sSubPr>
                         <m:ctrlPr>
                           <a:rPr lang="en-US" altLang="zh-CN" i="1" dirty="0">
-                            <a:latin typeface="Cambria Math" charset="0"/>
+                            <a:latin typeface="Cambria Math" panose="02040503050406030204" pitchFamily="18" charset="0"/>
                             <a:cs typeface="Courier New" panose="02070309020205020404" pitchFamily="49" charset="0"/>
                           </a:rPr>
                         </m:ctrlPr>
@@ -3759,7 +3759,7 @@
                       <m:sSubPr>
                         <m:ctrlPr>
                           <a:rPr lang="en-US" altLang="zh-CN" b="0" i="1" dirty="0" smtClean="0">
-                            <a:latin typeface="Cambria Math" charset="0"/>
+                            <a:latin typeface="Cambria Math" panose="02040503050406030204" pitchFamily="18" charset="0"/>
                             <a:cs typeface="Courier New" panose="02070309020205020404" pitchFamily="49" charset="0"/>
                           </a:rPr>
                         </m:ctrlPr>
@@ -3810,7 +3810,7 @@
                       <m:sSubPr>
                         <m:ctrlPr>
                           <a:rPr lang="en-US" altLang="zh-CN" i="1" dirty="0">
-                            <a:latin typeface="Cambria Math" charset="0"/>
+                            <a:latin typeface="Cambria Math" panose="02040503050406030204" pitchFamily="18" charset="0"/>
                             <a:cs typeface="Courier New" panose="02070309020205020404" pitchFamily="49" charset="0"/>
                           </a:rPr>
                         </m:ctrlPr>
@@ -3845,7 +3845,7 @@
                       <m:sSubPr>
                         <m:ctrlPr>
                           <a:rPr lang="en-US" altLang="zh-CN" b="0" i="1" dirty="0" smtClean="0">
-                            <a:latin typeface="Cambria Math" charset="0"/>
+                            <a:latin typeface="Cambria Math" panose="02040503050406030204" pitchFamily="18" charset="0"/>
                             <a:cs typeface="Courier New" panose="02070309020205020404" pitchFamily="49" charset="0"/>
                           </a:rPr>
                         </m:ctrlPr>
@@ -3880,7 +3880,7 @@
                       <m:sSubPr>
                         <m:ctrlPr>
                           <a:rPr lang="en-US" altLang="zh-CN" b="0" i="1" dirty="0" smtClean="0">
-                            <a:latin typeface="Cambria Math" charset="0"/>
+                            <a:latin typeface="Cambria Math" panose="02040503050406030204" pitchFamily="18" charset="0"/>
                             <a:cs typeface="Courier New" panose="02070309020205020404" pitchFamily="49" charset="0"/>
                           </a:rPr>
                         </m:ctrlPr>
@@ -3915,7 +3915,7 @@
                       <m:sSubPr>
                         <m:ctrlPr>
                           <a:rPr lang="en-US" altLang="zh-CN" b="0" i="1" dirty="0" smtClean="0">
-                            <a:latin typeface="Cambria Math" charset="0"/>
+                            <a:latin typeface="Cambria Math" panose="02040503050406030204" pitchFamily="18" charset="0"/>
                             <a:cs typeface="Courier New" panose="02070309020205020404" pitchFamily="49" charset="0"/>
                           </a:rPr>
                         </m:ctrlPr>
@@ -3960,7 +3960,7 @@
                       <m:sSubPr>
                         <m:ctrlPr>
                           <a:rPr lang="en-US" altLang="zh-CN" i="1">
-                            <a:latin typeface="Cambria Math" charset="0"/>
+                            <a:latin typeface="Cambria Math" panose="02040503050406030204" pitchFamily="18" charset="0"/>
                           </a:rPr>
                         </m:ctrlPr>
                       </m:sSubPr>
@@ -3991,7 +3991,7 @@
                       <m:sSubPr>
                         <m:ctrlPr>
                           <a:rPr lang="en-US" altLang="zh-CN" i="1">
-                            <a:latin typeface="Cambria Math" charset="0"/>
+                            <a:latin typeface="Cambria Math" panose="02040503050406030204" pitchFamily="18" charset="0"/>
                           </a:rPr>
                         </m:ctrlPr>
                       </m:sSubPr>
@@ -4022,7 +4022,7 @@
                       <m:sSubPr>
                         <m:ctrlPr>
                           <a:rPr lang="en-US" altLang="zh-CN" i="1">
-                            <a:latin typeface="Cambria Math" charset="0"/>
+                            <a:latin typeface="Cambria Math" panose="02040503050406030204" pitchFamily="18" charset="0"/>
                           </a:rPr>
                         </m:ctrlPr>
                       </m:sSubPr>
@@ -4053,7 +4053,7 @@
                       <m:sSubPr>
                         <m:ctrlPr>
                           <a:rPr lang="en-US" altLang="zh-CN" i="1">
-                            <a:latin typeface="Cambria Math" charset="0"/>
+                            <a:latin typeface="Cambria Math" panose="02040503050406030204" pitchFamily="18" charset="0"/>
                           </a:rPr>
                         </m:ctrlPr>
                       </m:sSubPr>
@@ -4107,7 +4107,7 @@
                             <a:solidFill>
                               <a:schemeClr val="tx1"/>
                             </a:solidFill>
-                            <a:latin typeface="Cambria Math" charset="0"/>
+                            <a:latin typeface="Cambria Math" panose="02040503050406030204" pitchFamily="18" charset="0"/>
                           </a:rPr>
                         </m:ctrlPr>
                       </m:sSubPr>
@@ -4150,7 +4150,7 @@
                             <a:solidFill>
                               <a:schemeClr val="tx1"/>
                             </a:solidFill>
-                            <a:latin typeface="Cambria Math" charset="0"/>
+                            <a:latin typeface="Cambria Math" panose="02040503050406030204" pitchFamily="18" charset="0"/>
                           </a:rPr>
                         </m:ctrlPr>
                       </m:sSubPr>
@@ -4219,7 +4219,7 @@
                               <a:solidFill>
                                 <a:schemeClr val="tx1"/>
                               </a:solidFill>
-                              <a:latin typeface="Cambria Math" charset="0"/>
+                              <a:latin typeface="Cambria Math" panose="02040503050406030204" pitchFamily="18" charset="0"/>
                             </a:rPr>
                           </m:ctrlPr>
                         </m:sSubPr>
@@ -4262,7 +4262,7 @@
                               <a:solidFill>
                                 <a:schemeClr val="tx1"/>
                               </a:solidFill>
-                              <a:latin typeface="Cambria Math" charset="0"/>
+                              <a:latin typeface="Cambria Math" panose="02040503050406030204" pitchFamily="18" charset="0"/>
                             </a:rPr>
                           </m:ctrlPr>
                         </m:sSubPr>
@@ -4305,7 +4305,7 @@
                               <a:solidFill>
                                 <a:schemeClr val="tx1"/>
                               </a:solidFill>
-                              <a:latin typeface="Cambria Math" charset="0"/>
+                              <a:latin typeface="Cambria Math" panose="02040503050406030204" pitchFamily="18" charset="0"/>
                             </a:rPr>
                           </m:ctrlPr>
                         </m:sSubPr>
@@ -4348,7 +4348,7 @@
                               <a:solidFill>
                                 <a:schemeClr val="tx1"/>
                               </a:solidFill>
-                              <a:latin typeface="Cambria Math" charset="0"/>
+                              <a:latin typeface="Cambria Math" panose="02040503050406030204" pitchFamily="18" charset="0"/>
                             </a:rPr>
                           </m:ctrlPr>
                         </m:sSubPr>
@@ -4411,7 +4411,7 @@
                       <m:sSubPr>
                         <m:ctrlPr>
                           <a:rPr lang="en-US" altLang="zh-CN" i="1">
-                            <a:latin typeface="Cambria Math" charset="0"/>
+                            <a:latin typeface="Cambria Math" panose="02040503050406030204" pitchFamily="18" charset="0"/>
                           </a:rPr>
                         </m:ctrlPr>
                       </m:sSubPr>
@@ -4442,7 +4442,7 @@
                       <m:sSubPr>
                         <m:ctrlPr>
                           <a:rPr lang="en-US" altLang="zh-CN" i="1">
-                            <a:latin typeface="Cambria Math" charset="0"/>
+                            <a:latin typeface="Cambria Math" panose="02040503050406030204" pitchFamily="18" charset="0"/>
                           </a:rPr>
                         </m:ctrlPr>
                       </m:sSubPr>
@@ -4473,7 +4473,7 @@
                       <m:sSubPr>
                         <m:ctrlPr>
                           <a:rPr lang="en-US" altLang="zh-CN" b="0" i="1" smtClean="0">
-                            <a:latin typeface="Cambria Math" charset="0"/>
+                            <a:latin typeface="Cambria Math" panose="02040503050406030204" pitchFamily="18" charset="0"/>
                           </a:rPr>
                         </m:ctrlPr>
                       </m:sSubPr>
@@ -4530,7 +4530,7 @@
                             <a:solidFill>
                               <a:schemeClr val="tx1"/>
                             </a:solidFill>
-                            <a:latin typeface="Cambria Math" charset="0"/>
+                            <a:latin typeface="Cambria Math" panose="02040503050406030204" pitchFamily="18" charset="0"/>
                           </a:rPr>
                         </m:ctrlPr>
                       </m:sSubPr>
@@ -4573,7 +4573,7 @@
                             <a:solidFill>
                               <a:schemeClr val="tx1"/>
                             </a:solidFill>
-                            <a:latin typeface="Cambria Math" charset="0"/>
+                            <a:latin typeface="Cambria Math" panose="02040503050406030204" pitchFamily="18" charset="0"/>
                           </a:rPr>
                         </m:ctrlPr>
                       </m:sSubPr>
@@ -4616,7 +4616,7 @@
                             <a:solidFill>
                               <a:schemeClr val="tx1"/>
                             </a:solidFill>
-                            <a:latin typeface="Cambria Math" charset="0"/>
+                            <a:latin typeface="Cambria Math" panose="02040503050406030204" pitchFamily="18" charset="0"/>
                           </a:rPr>
                         </m:ctrlPr>
                       </m:sSubPr>
@@ -5634,7 +5634,7 @@
                         <m:dPr>
                           <m:ctrlPr>
                             <a:rPr lang="en-US" altLang="zh-CN" sz="2800" b="0" i="1" smtClean="0">
-                              <a:latin typeface="Cambria Math" charset="0"/>
+                              <a:latin typeface="Cambria Math" panose="02040503050406030204" pitchFamily="18" charset="0"/>
                             </a:rPr>
                           </m:ctrlPr>
                         </m:dPr>
@@ -5657,7 +5657,7 @@
                         <m:sSubPr>
                           <m:ctrlPr>
                             <a:rPr lang="en-US" altLang="zh-CN" sz="2800" b="0" i="1" smtClean="0">
-                              <a:latin typeface="Cambria Math" charset="0"/>
+                              <a:latin typeface="Cambria Math" panose="02040503050406030204" pitchFamily="18" charset="0"/>
                             </a:rPr>
                           </m:ctrlPr>
                         </m:sSubPr>
@@ -5682,7 +5682,7 @@
                         <m:sSupPr>
                           <m:ctrlPr>
                             <a:rPr lang="en-US" altLang="zh-CN" sz="2800" b="0" i="1" smtClean="0">
-                              <a:latin typeface="Cambria Math" charset="0"/>
+                              <a:latin typeface="Cambria Math" panose="02040503050406030204" pitchFamily="18" charset="0"/>
                             </a:rPr>
                           </m:ctrlPr>
                         </m:sSupPr>
@@ -5713,7 +5713,7 @@
                         <m:sSubPr>
                           <m:ctrlPr>
                             <a:rPr lang="en-US" altLang="zh-CN" sz="2800" b="0" i="1" smtClean="0">
-                              <a:latin typeface="Cambria Math" charset="0"/>
+                              <a:latin typeface="Cambria Math" panose="02040503050406030204" pitchFamily="18" charset="0"/>
                             </a:rPr>
                           </m:ctrlPr>
                         </m:sSubPr>
@@ -5738,7 +5738,7 @@
                         <m:sSupPr>
                           <m:ctrlPr>
                             <a:rPr lang="en-US" altLang="zh-CN" sz="2800" b="0" i="1" smtClean="0">
-                              <a:latin typeface="Cambria Math" charset="0"/>
+                              <a:latin typeface="Cambria Math" panose="02040503050406030204" pitchFamily="18" charset="0"/>
                             </a:rPr>
                           </m:ctrlPr>
                         </m:sSupPr>
@@ -5769,7 +5769,7 @@
                         <m:sSubPr>
                           <m:ctrlPr>
                             <a:rPr lang="en-US" altLang="zh-CN" sz="2800" b="0" i="1" smtClean="0">
-                              <a:latin typeface="Cambria Math" charset="0"/>
+                              <a:latin typeface="Cambria Math" panose="02040503050406030204" pitchFamily="18" charset="0"/>
                             </a:rPr>
                           </m:ctrlPr>
                         </m:sSubPr>
@@ -5806,7 +5806,7 @@
                         <m:sSubPr>
                           <m:ctrlPr>
                             <a:rPr lang="en-US" altLang="zh-CN" sz="2800" b="0" i="1" smtClean="0">
-                              <a:latin typeface="Cambria Math" charset="0"/>
+                              <a:latin typeface="Cambria Math" panose="02040503050406030204" pitchFamily="18" charset="0"/>
                             </a:rPr>
                           </m:ctrlPr>
                         </m:sSubPr>
@@ -5987,7 +5987,7 @@
                       <m:sSubPr>
                         <m:ctrlPr>
                           <a:rPr lang="en-US" sz="2400" b="0" i="1" dirty="0" smtClean="0">
-                            <a:latin typeface="Cambria Math" charset="0"/>
+                            <a:latin typeface="Cambria Math" panose="02040503050406030204" pitchFamily="18" charset="0"/>
                           </a:rPr>
                         </m:ctrlPr>
                       </m:sSubPr>
@@ -6018,7 +6018,7 @@
                       <m:sSubPr>
                         <m:ctrlPr>
                           <a:rPr lang="en-US" sz="2400" b="0" i="1" dirty="0" smtClean="0">
-                            <a:latin typeface="Cambria Math" charset="0"/>
+                            <a:latin typeface="Cambria Math" panose="02040503050406030204" pitchFamily="18" charset="0"/>
                           </a:rPr>
                         </m:ctrlPr>
                       </m:sSubPr>
@@ -6049,7 +6049,7 @@
                       <m:sSubPr>
                         <m:ctrlPr>
                           <a:rPr lang="en-US" sz="2400" b="0" i="1" dirty="0" smtClean="0">
-                            <a:latin typeface="Cambria Math" charset="0"/>
+                            <a:latin typeface="Cambria Math" panose="02040503050406030204" pitchFamily="18" charset="0"/>
                           </a:rPr>
                         </m:ctrlPr>
                       </m:sSubPr>
@@ -6080,7 +6080,7 @@
                       <m:sSubPr>
                         <m:ctrlPr>
                           <a:rPr lang="en-US" sz="2400" b="0" i="1" dirty="0" smtClean="0">
-                            <a:latin typeface="Cambria Math" charset="0"/>
+                            <a:latin typeface="Cambria Math" panose="02040503050406030204" pitchFamily="18" charset="0"/>
                           </a:rPr>
                         </m:ctrlPr>
                       </m:sSubPr>
@@ -6438,7 +6438,7 @@
                         <m:dPr>
                           <m:ctrlPr>
                             <a:rPr lang="en-US" altLang="zh-CN" sz="2800" b="0" i="1" smtClean="0">
-                              <a:latin typeface="Cambria Math" charset="0"/>
+                              <a:latin typeface="Cambria Math" panose="02040503050406030204" pitchFamily="18" charset="0"/>
                             </a:rPr>
                           </m:ctrlPr>
                         </m:dPr>
@@ -6461,7 +6461,7 @@
                         <m:sSubPr>
                           <m:ctrlPr>
                             <a:rPr lang="en-US" altLang="zh-CN" sz="2800" b="0" i="1" smtClean="0">
-                              <a:latin typeface="Cambria Math" charset="0"/>
+                              <a:latin typeface="Cambria Math" panose="02040503050406030204" pitchFamily="18" charset="0"/>
                             </a:rPr>
                           </m:ctrlPr>
                         </m:sSubPr>
@@ -6486,7 +6486,7 @@
                         <m:sSupPr>
                           <m:ctrlPr>
                             <a:rPr lang="en-US" altLang="zh-CN" sz="2800" b="0" i="1" smtClean="0">
-                              <a:latin typeface="Cambria Math" charset="0"/>
+                              <a:latin typeface="Cambria Math" panose="02040503050406030204" pitchFamily="18" charset="0"/>
                             </a:rPr>
                           </m:ctrlPr>
                         </m:sSupPr>
@@ -6517,7 +6517,7 @@
                         <m:sSubPr>
                           <m:ctrlPr>
                             <a:rPr lang="en-US" altLang="zh-CN" sz="2800" b="0" i="1" smtClean="0">
-                              <a:latin typeface="Cambria Math" charset="0"/>
+                              <a:latin typeface="Cambria Math" panose="02040503050406030204" pitchFamily="18" charset="0"/>
                             </a:rPr>
                           </m:ctrlPr>
                         </m:sSubPr>
@@ -6542,7 +6542,7 @@
                         <m:sSupPr>
                           <m:ctrlPr>
                             <a:rPr lang="en-US" altLang="zh-CN" sz="2800" b="0" i="1" smtClean="0">
-                              <a:latin typeface="Cambria Math" charset="0"/>
+                              <a:latin typeface="Cambria Math" panose="02040503050406030204" pitchFamily="18" charset="0"/>
                             </a:rPr>
                           </m:ctrlPr>
                         </m:sSupPr>
@@ -6573,7 +6573,7 @@
                         <m:sSubPr>
                           <m:ctrlPr>
                             <a:rPr lang="en-US" altLang="zh-CN" sz="2800" b="0" i="1" smtClean="0">
-                              <a:latin typeface="Cambria Math" charset="0"/>
+                              <a:latin typeface="Cambria Math" panose="02040503050406030204" pitchFamily="18" charset="0"/>
                             </a:rPr>
                           </m:ctrlPr>
                         </m:sSubPr>
@@ -6610,7 +6610,7 @@
                         <m:sSubPr>
                           <m:ctrlPr>
                             <a:rPr lang="en-US" altLang="zh-CN" sz="2800" b="0" i="1" smtClean="0">
-                              <a:latin typeface="Cambria Math" charset="0"/>
+                              <a:latin typeface="Cambria Math" panose="02040503050406030204" pitchFamily="18" charset="0"/>
                             </a:rPr>
                           </m:ctrlPr>
                         </m:sSubPr>
@@ -6718,7 +6718,7 @@
                         <m:dPr>
                           <m:ctrlPr>
                             <a:rPr lang="en-US" altLang="zh-CN" sz="2800" b="0" i="1" smtClean="0">
-                              <a:latin typeface="Cambria Math" charset="0"/>
+                              <a:latin typeface="Cambria Math" panose="02040503050406030204" pitchFamily="18" charset="0"/>
                             </a:rPr>
                           </m:ctrlPr>
                         </m:dPr>
@@ -6741,7 +6741,7 @@
                         <m:sSupPr>
                           <m:ctrlPr>
                             <a:rPr lang="en-US" altLang="zh-CN" sz="2800" i="1" smtClean="0">
-                              <a:latin typeface="Cambria Math" charset="0"/>
+                              <a:latin typeface="Cambria Math" panose="02040503050406030204" pitchFamily="18" charset="0"/>
                             </a:rPr>
                           </m:ctrlPr>
                         </m:sSupPr>
@@ -6772,7 +6772,7 @@
                         <m:sSupPr>
                           <m:ctrlPr>
                             <a:rPr lang="en-US" altLang="zh-CN" sz="2800" i="1">
-                              <a:latin typeface="Cambria Math" charset="0"/>
+                              <a:latin typeface="Cambria Math" panose="02040503050406030204" pitchFamily="18" charset="0"/>
                             </a:rPr>
                           </m:ctrlPr>
                         </m:sSupPr>
@@ -7427,7 +7427,7 @@
                         <m:dPr>
                           <m:ctrlPr>
                             <a:rPr lang="en-US" altLang="zh-CN" sz="2800" b="0" i="1" smtClean="0">
-                              <a:latin typeface="Cambria Math" charset="0"/>
+                              <a:latin typeface="Cambria Math" panose="02040503050406030204" pitchFamily="18" charset="0"/>
                             </a:rPr>
                           </m:ctrlPr>
                         </m:dPr>
@@ -7450,7 +7450,7 @@
                         <m:sSupPr>
                           <m:ctrlPr>
                             <a:rPr lang="en-US" altLang="zh-CN" sz="2800" i="1" smtClean="0">
-                              <a:latin typeface="Cambria Math" charset="0"/>
+                              <a:latin typeface="Cambria Math" panose="02040503050406030204" pitchFamily="18" charset="0"/>
                             </a:rPr>
                           </m:ctrlPr>
                         </m:sSupPr>
@@ -7481,7 +7481,7 @@
                         <m:sSupPr>
                           <m:ctrlPr>
                             <a:rPr lang="en-US" altLang="zh-CN" sz="2800" i="1">
-                              <a:latin typeface="Cambria Math" charset="0"/>
+                              <a:latin typeface="Cambria Math" panose="02040503050406030204" pitchFamily="18" charset="0"/>
                             </a:rPr>
                           </m:ctrlPr>
                         </m:sSupPr>
@@ -10764,7 +10764,11 @@
             </a:r>
             <a:r>
               <a:rPr lang="en-US" sz="4000" i="1" dirty="0" smtClean="0"/>
-              <a:t>Fitting a line to your data</a:t>
+              <a:t>Fit </a:t>
+            </a:r>
+            <a:r>
+              <a:rPr lang="en-US" sz="4000" i="1" dirty="0" smtClean="0"/>
+              <a:t>a line to your data</a:t>
             </a:r>
             <a:endParaRPr lang="en-US" sz="4000" i="1" dirty="0"/>
           </a:p>
@@ -10891,8 +10895,8 @@
           </a:p>
         </p:txBody>
       </p:sp>
-      <mc:AlternateContent xmlns:mc="http://schemas.openxmlformats.org/markup-compatibility/2006">
-        <mc:Choice xmlns:a14="http://schemas.microsoft.com/office/drawing/2010/main" Requires="a14">
+      <mc:AlternateContent xmlns:mc="http://schemas.openxmlformats.org/markup-compatibility/2006" xmlns:a14="http://schemas.microsoft.com/office/drawing/2010/main">
+        <mc:Choice Requires="a14">
           <p:sp>
             <p:nvSpPr>
               <p:cNvPr id="2" name="TextBox 1"/>
@@ -10925,7 +10929,7 @@
                       <m:dPr>
                         <m:ctrlPr>
                           <a:rPr lang="en-US" altLang="zh-CN" sz="2400" i="1" dirty="0">
-                            <a:latin typeface="Cambria Math" charset="0"/>
+                            <a:latin typeface="Cambria Math" panose="02040503050406030204" pitchFamily="18" charset="0"/>
                           </a:rPr>
                         </m:ctrlPr>
                       </m:dPr>
@@ -10934,7 +10938,7 @@
                           <m:sSubPr>
                             <m:ctrlPr>
                               <a:rPr lang="en-US" altLang="zh-CN" sz="2400" i="1" dirty="0">
-                                <a:latin typeface="Cambria Math" charset="0"/>
+                                <a:latin typeface="Cambria Math" panose="02040503050406030204" pitchFamily="18" charset="0"/>
                               </a:rPr>
                             </m:ctrlPr>
                           </m:sSubPr>
@@ -10965,7 +10969,7 @@
                           <m:sSubPr>
                             <m:ctrlPr>
                               <a:rPr lang="en-US" altLang="zh-CN" sz="2400" i="1" dirty="0">
-                                <a:latin typeface="Cambria Math" charset="0"/>
+                                <a:latin typeface="Cambria Math" panose="02040503050406030204" pitchFamily="18" charset="0"/>
                               </a:rPr>
                             </m:ctrlPr>
                           </m:sSubPr>
@@ -10998,7 +11002,7 @@
                       <m:dPr>
                         <m:ctrlPr>
                           <a:rPr lang="en-US" altLang="zh-CN" sz="2400" i="1" dirty="0">
-                            <a:latin typeface="Cambria Math" charset="0"/>
+                            <a:latin typeface="Cambria Math" panose="02040503050406030204" pitchFamily="18" charset="0"/>
                           </a:rPr>
                         </m:ctrlPr>
                       </m:dPr>
@@ -11007,7 +11011,7 @@
                           <m:sSubPr>
                             <m:ctrlPr>
                               <a:rPr lang="en-US" altLang="zh-CN" sz="2400" i="1" dirty="0">
-                                <a:latin typeface="Cambria Math" charset="0"/>
+                                <a:latin typeface="Cambria Math" panose="02040503050406030204" pitchFamily="18" charset="0"/>
                               </a:rPr>
                             </m:ctrlPr>
                           </m:sSubPr>
@@ -11038,7 +11042,7 @@
                           <m:sSubPr>
                             <m:ctrlPr>
                               <a:rPr lang="en-US" altLang="zh-CN" sz="2400" i="1" dirty="0">
-                                <a:latin typeface="Cambria Math" charset="0"/>
+                                <a:latin typeface="Cambria Math" panose="02040503050406030204" pitchFamily="18" charset="0"/>
                               </a:rPr>
                             </m:ctrlPr>
                           </m:sSubPr>
@@ -11071,7 +11075,7 @@
                       <m:dPr>
                         <m:ctrlPr>
                           <a:rPr lang="en-US" altLang="zh-CN" sz="2400" i="1" dirty="0">
-                            <a:latin typeface="Cambria Math" charset="0"/>
+                            <a:latin typeface="Cambria Math" panose="02040503050406030204" pitchFamily="18" charset="0"/>
                           </a:rPr>
                         </m:ctrlPr>
                       </m:dPr>
@@ -11080,7 +11084,7 @@
                           <m:sSubPr>
                             <m:ctrlPr>
                               <a:rPr lang="en-US" altLang="zh-CN" sz="2400" i="1" dirty="0">
-                                <a:latin typeface="Cambria Math" charset="0"/>
+                                <a:latin typeface="Cambria Math" panose="02040503050406030204" pitchFamily="18" charset="0"/>
                               </a:rPr>
                             </m:ctrlPr>
                           </m:sSubPr>
@@ -11111,7 +11115,7 @@
                           <m:sSubPr>
                             <m:ctrlPr>
                               <a:rPr lang="en-US" altLang="zh-CN" sz="2400" i="1" dirty="0">
-                                <a:latin typeface="Cambria Math" charset="0"/>
+                                <a:latin typeface="Cambria Math" panose="02040503050406030204" pitchFamily="18" charset="0"/>
                               </a:rPr>
                             </m:ctrlPr>
                           </m:sSubPr>
@@ -11219,7 +11223,7 @@
                       <m:sSubPr>
                         <m:ctrlPr>
                           <a:rPr lang="en-US" altLang="zh-CN" sz="2400" i="1" dirty="0">
-                            <a:latin typeface="Cambria Math" charset="0"/>
+                            <a:latin typeface="Cambria Math" panose="02040503050406030204" pitchFamily="18" charset="0"/>
                           </a:rPr>
                         </m:ctrlPr>
                       </m:sSubPr>
@@ -11229,7 +11233,7 @@
                             <m:chr m:val="̂"/>
                             <m:ctrlPr>
                               <a:rPr lang="en-US" altLang="zh-CN" sz="2400" i="1">
-                                <a:latin typeface="Cambria Math" charset="0"/>
+                                <a:latin typeface="Cambria Math" panose="02040503050406030204" pitchFamily="18" charset="0"/>
                               </a:rPr>
                             </m:ctrlPr>
                           </m:accPr>
@@ -11268,7 +11272,7 @@
                       <m:sSubPr>
                         <m:ctrlPr>
                           <a:rPr lang="en-US" altLang="zh-CN" sz="2400" i="1" dirty="0">
-                            <a:latin typeface="Cambria Math" charset="0"/>
+                            <a:latin typeface="Cambria Math" panose="02040503050406030204" pitchFamily="18" charset="0"/>
                           </a:rPr>
                         </m:ctrlPr>
                       </m:sSubPr>
@@ -11317,7 +11321,7 @@
                       <m:sSubPr>
                         <m:ctrlPr>
                           <a:rPr lang="en-US" altLang="zh-CN" sz="2400" i="1" dirty="0">
-                            <a:latin typeface="Cambria Math" charset="0"/>
+                            <a:latin typeface="Cambria Math" panose="02040503050406030204" pitchFamily="18" charset="0"/>
                           </a:rPr>
                         </m:ctrlPr>
                       </m:sSubPr>
@@ -11375,7 +11379,7 @@
             </p:txBody>
           </p:sp>
         </mc:Choice>
-        <mc:Fallback>
+        <mc:Fallback xmlns="">
           <p:sp>
             <p:nvSpPr>
               <p:cNvPr id="2" name="TextBox 1"/>
@@ -11595,7 +11599,11 @@
             </a:r>
             <a:r>
               <a:rPr lang="en-US" sz="4000" i="1" dirty="0" smtClean="0"/>
-              <a:t>Fitting a line to your data</a:t>
+              <a:t>Fit </a:t>
+            </a:r>
+            <a:r>
+              <a:rPr lang="en-US" sz="4000" i="1" dirty="0" smtClean="0"/>
+              <a:t>a line to your data</a:t>
             </a:r>
             <a:endParaRPr lang="en-US" sz="4000" i="1" dirty="0"/>
           </a:p>
@@ -11756,7 +11764,7 @@
                       <m:dPr>
                         <m:ctrlPr>
                           <a:rPr lang="en-US" altLang="zh-CN" sz="2400" i="1" dirty="0">
-                            <a:latin typeface="Cambria Math" charset="0"/>
+                            <a:latin typeface="Cambria Math" panose="02040503050406030204" pitchFamily="18" charset="0"/>
                           </a:rPr>
                         </m:ctrlPr>
                       </m:dPr>
@@ -11765,7 +11773,7 @@
                           <m:sSubPr>
                             <m:ctrlPr>
                               <a:rPr lang="en-US" altLang="zh-CN" sz="2400" i="1" dirty="0">
-                                <a:latin typeface="Cambria Math" charset="0"/>
+                                <a:latin typeface="Cambria Math" panose="02040503050406030204" pitchFamily="18" charset="0"/>
                               </a:rPr>
                             </m:ctrlPr>
                           </m:sSubPr>
@@ -11796,7 +11804,7 @@
                           <m:sSubPr>
                             <m:ctrlPr>
                               <a:rPr lang="en-US" altLang="zh-CN" sz="2400" i="1" dirty="0">
-                                <a:latin typeface="Cambria Math" charset="0"/>
+                                <a:latin typeface="Cambria Math" panose="02040503050406030204" pitchFamily="18" charset="0"/>
                               </a:rPr>
                             </m:ctrlPr>
                           </m:sSubPr>
@@ -11829,7 +11837,7 @@
                       <m:dPr>
                         <m:ctrlPr>
                           <a:rPr lang="en-US" altLang="zh-CN" sz="2400" i="1" dirty="0">
-                            <a:latin typeface="Cambria Math" charset="0"/>
+                            <a:latin typeface="Cambria Math" panose="02040503050406030204" pitchFamily="18" charset="0"/>
                           </a:rPr>
                         </m:ctrlPr>
                       </m:dPr>
@@ -11838,7 +11846,7 @@
                           <m:sSubPr>
                             <m:ctrlPr>
                               <a:rPr lang="en-US" altLang="zh-CN" sz="2400" i="1" dirty="0">
-                                <a:latin typeface="Cambria Math" charset="0"/>
+                                <a:latin typeface="Cambria Math" panose="02040503050406030204" pitchFamily="18" charset="0"/>
                               </a:rPr>
                             </m:ctrlPr>
                           </m:sSubPr>
@@ -11869,7 +11877,7 @@
                           <m:sSubPr>
                             <m:ctrlPr>
                               <a:rPr lang="en-US" altLang="zh-CN" sz="2400" i="1" dirty="0">
-                                <a:latin typeface="Cambria Math" charset="0"/>
+                                <a:latin typeface="Cambria Math" panose="02040503050406030204" pitchFamily="18" charset="0"/>
                               </a:rPr>
                             </m:ctrlPr>
                           </m:sSubPr>
@@ -11902,7 +11910,7 @@
                       <m:dPr>
                         <m:ctrlPr>
                           <a:rPr lang="en-US" altLang="zh-CN" sz="2400" i="1" dirty="0">
-                            <a:latin typeface="Cambria Math" charset="0"/>
+                            <a:latin typeface="Cambria Math" panose="02040503050406030204" pitchFamily="18" charset="0"/>
                           </a:rPr>
                         </m:ctrlPr>
                       </m:dPr>
@@ -11911,7 +11919,7 @@
                           <m:sSubPr>
                             <m:ctrlPr>
                               <a:rPr lang="en-US" altLang="zh-CN" sz="2400" i="1" dirty="0">
-                                <a:latin typeface="Cambria Math" charset="0"/>
+                                <a:latin typeface="Cambria Math" panose="02040503050406030204" pitchFamily="18" charset="0"/>
                               </a:rPr>
                             </m:ctrlPr>
                           </m:sSubPr>
@@ -11942,7 +11950,7 @@
                           <m:sSubPr>
                             <m:ctrlPr>
                               <a:rPr lang="en-US" altLang="zh-CN" sz="2400" i="1" dirty="0">
-                                <a:latin typeface="Cambria Math" charset="0"/>
+                                <a:latin typeface="Cambria Math" panose="02040503050406030204" pitchFamily="18" charset="0"/>
                               </a:rPr>
                             </m:ctrlPr>
                           </m:sSubPr>
@@ -12044,7 +12052,7 @@
                       <m:sSubPr>
                         <m:ctrlPr>
                           <a:rPr lang="en-US" altLang="zh-CN" sz="2400" i="1" dirty="0">
-                            <a:latin typeface="Cambria Math" charset="0"/>
+                            <a:latin typeface="Cambria Math" panose="02040503050406030204" pitchFamily="18" charset="0"/>
                           </a:rPr>
                         </m:ctrlPr>
                       </m:sSubPr>
@@ -12054,7 +12062,7 @@
                             <m:chr m:val="̂"/>
                             <m:ctrlPr>
                               <a:rPr lang="en-US" altLang="zh-CN" sz="2400" i="1">
-                                <a:latin typeface="Cambria Math" charset="0"/>
+                                <a:latin typeface="Cambria Math" panose="02040503050406030204" pitchFamily="18" charset="0"/>
                               </a:rPr>
                             </m:ctrlPr>
                           </m:accPr>
@@ -12093,7 +12101,7 @@
                       <m:sSubPr>
                         <m:ctrlPr>
                           <a:rPr lang="en-US" altLang="zh-CN" sz="2400" i="1" dirty="0">
-                            <a:latin typeface="Cambria Math" charset="0"/>
+                            <a:latin typeface="Cambria Math" panose="02040503050406030204" pitchFamily="18" charset="0"/>
                           </a:rPr>
                         </m:ctrlPr>
                       </m:sSubPr>
@@ -12142,7 +12150,7 @@
                       <m:sSubPr>
                         <m:ctrlPr>
                           <a:rPr lang="en-US" altLang="zh-CN" sz="2400" i="1" dirty="0">
-                            <a:latin typeface="Cambria Math" charset="0"/>
+                            <a:latin typeface="Cambria Math" panose="02040503050406030204" pitchFamily="18" charset="0"/>
                           </a:rPr>
                         </m:ctrlPr>
                       </m:sSubPr>
@@ -12360,7 +12368,11 @@
             </a:r>
             <a:r>
               <a:rPr lang="en-US" sz="4000" i="1" dirty="0" smtClean="0"/>
-              <a:t>Fitting a line to your data</a:t>
+              <a:t>Fit </a:t>
+            </a:r>
+            <a:r>
+              <a:rPr lang="en-US" sz="4000" i="1" dirty="0" smtClean="0"/>
+              <a:t>a line to your data</a:t>
             </a:r>
             <a:endParaRPr lang="en-US" sz="4000" i="1" dirty="0"/>
           </a:p>
@@ -12521,7 +12533,7 @@
                       <m:dPr>
                         <m:ctrlPr>
                           <a:rPr lang="en-US" altLang="zh-CN" sz="2400" b="0" i="1" dirty="0" smtClean="0">
-                            <a:latin typeface="Cambria Math" charset="0"/>
+                            <a:latin typeface="Cambria Math" panose="02040503050406030204" pitchFamily="18" charset="0"/>
                           </a:rPr>
                         </m:ctrlPr>
                       </m:dPr>
@@ -12530,7 +12542,7 @@
                           <m:sSubPr>
                             <m:ctrlPr>
                               <a:rPr lang="en-US" altLang="zh-CN" sz="2400" b="0" i="1" dirty="0" smtClean="0">
-                                <a:latin typeface="Cambria Math" charset="0"/>
+                                <a:latin typeface="Cambria Math" panose="02040503050406030204" pitchFamily="18" charset="0"/>
                               </a:rPr>
                             </m:ctrlPr>
                           </m:sSubPr>
@@ -12561,7 +12573,7 @@
                           <m:sSubPr>
                             <m:ctrlPr>
                               <a:rPr lang="en-US" altLang="zh-CN" sz="2400" b="0" i="1" dirty="0" smtClean="0">
-                                <a:latin typeface="Cambria Math" charset="0"/>
+                                <a:latin typeface="Cambria Math" panose="02040503050406030204" pitchFamily="18" charset="0"/>
                               </a:rPr>
                             </m:ctrlPr>
                           </m:sSubPr>
@@ -12594,7 +12606,7 @@
                       <m:dPr>
                         <m:ctrlPr>
                           <a:rPr lang="en-US" altLang="zh-CN" sz="2400" b="0" i="1" dirty="0" smtClean="0">
-                            <a:latin typeface="Cambria Math" charset="0"/>
+                            <a:latin typeface="Cambria Math" panose="02040503050406030204" pitchFamily="18" charset="0"/>
                           </a:rPr>
                         </m:ctrlPr>
                       </m:dPr>
@@ -12603,7 +12615,7 @@
                           <m:sSubPr>
                             <m:ctrlPr>
                               <a:rPr lang="en-US" altLang="zh-CN" sz="2400" b="0" i="1" dirty="0" smtClean="0">
-                                <a:latin typeface="Cambria Math" charset="0"/>
+                                <a:latin typeface="Cambria Math" panose="02040503050406030204" pitchFamily="18" charset="0"/>
                               </a:rPr>
                             </m:ctrlPr>
                           </m:sSubPr>
@@ -12634,7 +12646,7 @@
                           <m:sSubPr>
                             <m:ctrlPr>
                               <a:rPr lang="en-US" altLang="zh-CN" sz="2400" b="0" i="1" dirty="0" smtClean="0">
-                                <a:latin typeface="Cambria Math" charset="0"/>
+                                <a:latin typeface="Cambria Math" panose="02040503050406030204" pitchFamily="18" charset="0"/>
                               </a:rPr>
                             </m:ctrlPr>
                           </m:sSubPr>
@@ -12667,7 +12679,7 @@
                       <m:dPr>
                         <m:ctrlPr>
                           <a:rPr lang="en-US" altLang="zh-CN" sz="2400" b="0" i="1" dirty="0" smtClean="0">
-                            <a:latin typeface="Cambria Math" charset="0"/>
+                            <a:latin typeface="Cambria Math" panose="02040503050406030204" pitchFamily="18" charset="0"/>
                           </a:rPr>
                         </m:ctrlPr>
                       </m:dPr>
@@ -12676,7 +12688,7 @@
                           <m:sSubPr>
                             <m:ctrlPr>
                               <a:rPr lang="en-US" altLang="zh-CN" sz="2400" b="0" i="1" dirty="0" smtClean="0">
-                                <a:latin typeface="Cambria Math" charset="0"/>
+                                <a:latin typeface="Cambria Math" panose="02040503050406030204" pitchFamily="18" charset="0"/>
                               </a:rPr>
                             </m:ctrlPr>
                           </m:sSubPr>
@@ -12707,7 +12719,7 @@
                           <m:sSubPr>
                             <m:ctrlPr>
                               <a:rPr lang="en-US" altLang="zh-CN" sz="2400" b="0" i="1" dirty="0" smtClean="0">
-                                <a:latin typeface="Cambria Math" charset="0"/>
+                                <a:latin typeface="Cambria Math" panose="02040503050406030204" pitchFamily="18" charset="0"/>
                               </a:rPr>
                             </m:ctrlPr>
                           </m:sSubPr>
@@ -12815,7 +12827,7 @@
                       <m:sSubPr>
                         <m:ctrlPr>
                           <a:rPr lang="en-US" altLang="zh-CN" sz="2400" b="0" i="1" dirty="0" smtClean="0">
-                            <a:latin typeface="Cambria Math" charset="0"/>
+                            <a:latin typeface="Cambria Math" panose="02040503050406030204" pitchFamily="18" charset="0"/>
                           </a:rPr>
                         </m:ctrlPr>
                       </m:sSubPr>
@@ -12825,7 +12837,7 @@
                             <m:chr m:val="̂"/>
                             <m:ctrlPr>
                               <a:rPr lang="en-US" altLang="zh-CN" sz="2400" b="0" i="1" smtClean="0">
-                                <a:latin typeface="Cambria Math" charset="0"/>
+                                <a:latin typeface="Cambria Math" panose="02040503050406030204" pitchFamily="18" charset="0"/>
                               </a:rPr>
                             </m:ctrlPr>
                           </m:accPr>
@@ -12864,7 +12876,7 @@
                       <m:sSubPr>
                         <m:ctrlPr>
                           <a:rPr lang="en-US" altLang="zh-CN" sz="2400" b="0" i="1" dirty="0" smtClean="0">
-                            <a:latin typeface="Cambria Math" charset="0"/>
+                            <a:latin typeface="Cambria Math" panose="02040503050406030204" pitchFamily="18" charset="0"/>
                           </a:rPr>
                         </m:ctrlPr>
                       </m:sSubPr>
@@ -12913,7 +12925,7 @@
                       <m:sSubPr>
                         <m:ctrlPr>
                           <a:rPr lang="en-US" altLang="zh-CN" sz="2400" b="0" i="1" dirty="0" smtClean="0">
-                            <a:latin typeface="Cambria Math" charset="0"/>
+                            <a:latin typeface="Cambria Math" panose="02040503050406030204" pitchFamily="18" charset="0"/>
                           </a:rPr>
                         </m:ctrlPr>
                       </m:sSubPr>
@@ -13064,11 +13076,7 @@
           <a:p>
             <a:r>
               <a:rPr lang="en-US" altLang="zh-CN" dirty="0" smtClean="0"/>
-              <a:t>Goal</a:t>
-            </a:r>
-            <a:r>
-              <a:rPr lang="en-US" altLang="zh-CN" dirty="0" smtClean="0"/>
-              <a:t>:</a:t>
+              <a:t>Goal:</a:t>
             </a:r>
             <a:endParaRPr lang="zh-CN" altLang="en-US" dirty="0"/>
           </a:p>
@@ -13115,7 +13123,7 @@
                         <m:sSubPr>
                           <m:ctrlPr>
                             <a:rPr lang="en-US" altLang="zh-CN" b="0" i="1" smtClean="0">
-                              <a:latin typeface="Cambria Math" charset="0"/>
+                              <a:latin typeface="Cambria Math" panose="02040503050406030204" pitchFamily="18" charset="0"/>
                             </a:rPr>
                           </m:ctrlPr>
                         </m:sSubPr>
@@ -13158,7 +13166,7 @@
                         <m:sSubPr>
                           <m:ctrlPr>
                             <a:rPr lang="en-US" altLang="zh-CN" b="0" i="1" smtClean="0">
-                              <a:latin typeface="Cambria Math" charset="0"/>
+                              <a:latin typeface="Cambria Math" panose="02040503050406030204" pitchFamily="18" charset="0"/>
                             </a:rPr>
                           </m:ctrlPr>
                         </m:sSubPr>
@@ -13202,7 +13210,7 @@
                         <m:sSubPr>
                           <m:ctrlPr>
                             <a:rPr lang="en-US" altLang="zh-CN" i="1">
-                              <a:latin typeface="Cambria Math" charset="0"/>
+                              <a:latin typeface="Cambria Math" panose="02040503050406030204" pitchFamily="18" charset="0"/>
                             </a:rPr>
                           </m:ctrlPr>
                         </m:sSubPr>
@@ -13245,7 +13253,7 @@
                         <m:sSubPr>
                           <m:ctrlPr>
                             <a:rPr lang="en-US" altLang="zh-CN" i="1">
-                              <a:latin typeface="Cambria Math" charset="0"/>
+                              <a:latin typeface="Cambria Math" panose="02040503050406030204" pitchFamily="18" charset="0"/>
                             </a:rPr>
                           </m:ctrlPr>
                         </m:sSubPr>
@@ -13308,7 +13316,7 @@
                         <m:sSubPr>
                           <m:ctrlPr>
                             <a:rPr lang="en-US" altLang="zh-CN" i="1">
-                              <a:latin typeface="Cambria Math" charset="0"/>
+                              <a:latin typeface="Cambria Math" panose="02040503050406030204" pitchFamily="18" charset="0"/>
                             </a:rPr>
                           </m:ctrlPr>
                         </m:sSubPr>
@@ -13351,7 +13359,7 @@
                         <m:sSubPr>
                           <m:ctrlPr>
                             <a:rPr lang="en-US" altLang="zh-CN" i="1">
-                              <a:latin typeface="Cambria Math" charset="0"/>
+                              <a:latin typeface="Cambria Math" panose="02040503050406030204" pitchFamily="18" charset="0"/>
                             </a:rPr>
                           </m:ctrlPr>
                         </m:sSubPr>
@@ -13543,7 +13551,11 @@
             </a:r>
             <a:r>
               <a:rPr lang="en-US" sz="4000" i="1" dirty="0" smtClean="0"/>
-              <a:t>Fitting a line to your data</a:t>
+              <a:t>Fit </a:t>
+            </a:r>
+            <a:r>
+              <a:rPr lang="en-US" sz="4000" i="1" dirty="0" smtClean="0"/>
+              <a:t>a line to your data</a:t>
             </a:r>
             <a:endParaRPr lang="en-US" sz="4000" i="1" dirty="0"/>
           </a:p>
@@ -13704,7 +13716,7 @@
                       <m:dPr>
                         <m:ctrlPr>
                           <a:rPr lang="en-US" altLang="zh-CN" sz="2400" b="0" i="1" dirty="0" smtClean="0">
-                            <a:latin typeface="Cambria Math" charset="0"/>
+                            <a:latin typeface="Cambria Math" panose="02040503050406030204" pitchFamily="18" charset="0"/>
                           </a:rPr>
                         </m:ctrlPr>
                       </m:dPr>
@@ -13713,7 +13725,7 @@
                           <m:sSubPr>
                             <m:ctrlPr>
                               <a:rPr lang="en-US" altLang="zh-CN" sz="2400" b="0" i="1" dirty="0" smtClean="0">
-                                <a:latin typeface="Cambria Math" charset="0"/>
+                                <a:latin typeface="Cambria Math" panose="02040503050406030204" pitchFamily="18" charset="0"/>
                               </a:rPr>
                             </m:ctrlPr>
                           </m:sSubPr>
@@ -13744,7 +13756,7 @@
                           <m:sSubPr>
                             <m:ctrlPr>
                               <a:rPr lang="en-US" altLang="zh-CN" sz="2400" b="0" i="1" dirty="0" smtClean="0">
-                                <a:latin typeface="Cambria Math" charset="0"/>
+                                <a:latin typeface="Cambria Math" panose="02040503050406030204" pitchFamily="18" charset="0"/>
                               </a:rPr>
                             </m:ctrlPr>
                           </m:sSubPr>
@@ -13777,7 +13789,7 @@
                       <m:dPr>
                         <m:ctrlPr>
                           <a:rPr lang="en-US" altLang="zh-CN" sz="2400" b="0" i="1" dirty="0" smtClean="0">
-                            <a:latin typeface="Cambria Math" charset="0"/>
+                            <a:latin typeface="Cambria Math" panose="02040503050406030204" pitchFamily="18" charset="0"/>
                           </a:rPr>
                         </m:ctrlPr>
                       </m:dPr>
@@ -13786,7 +13798,7 @@
                           <m:sSubPr>
                             <m:ctrlPr>
                               <a:rPr lang="en-US" altLang="zh-CN" sz="2400" b="0" i="1" dirty="0" smtClean="0">
-                                <a:latin typeface="Cambria Math" charset="0"/>
+                                <a:latin typeface="Cambria Math" panose="02040503050406030204" pitchFamily="18" charset="0"/>
                               </a:rPr>
                             </m:ctrlPr>
                           </m:sSubPr>
@@ -13817,7 +13829,7 @@
                           <m:sSubPr>
                             <m:ctrlPr>
                               <a:rPr lang="en-US" altLang="zh-CN" sz="2400" b="0" i="1" dirty="0" smtClean="0">
-                                <a:latin typeface="Cambria Math" charset="0"/>
+                                <a:latin typeface="Cambria Math" panose="02040503050406030204" pitchFamily="18" charset="0"/>
                               </a:rPr>
                             </m:ctrlPr>
                           </m:sSubPr>
@@ -13850,7 +13862,7 @@
                       <m:dPr>
                         <m:ctrlPr>
                           <a:rPr lang="en-US" altLang="zh-CN" sz="2400" b="0" i="1" dirty="0" smtClean="0">
-                            <a:latin typeface="Cambria Math" charset="0"/>
+                            <a:latin typeface="Cambria Math" panose="02040503050406030204" pitchFamily="18" charset="0"/>
                           </a:rPr>
                         </m:ctrlPr>
                       </m:dPr>
@@ -13859,7 +13871,7 @@
                           <m:sSubPr>
                             <m:ctrlPr>
                               <a:rPr lang="en-US" altLang="zh-CN" sz="2400" b="0" i="1" dirty="0" smtClean="0">
-                                <a:latin typeface="Cambria Math" charset="0"/>
+                                <a:latin typeface="Cambria Math" panose="02040503050406030204" pitchFamily="18" charset="0"/>
                               </a:rPr>
                             </m:ctrlPr>
                           </m:sSubPr>
@@ -13890,7 +13902,7 @@
                           <m:sSubPr>
                             <m:ctrlPr>
                               <a:rPr lang="en-US" altLang="zh-CN" sz="2400" b="0" i="1" dirty="0" smtClean="0">
-                                <a:latin typeface="Cambria Math" charset="0"/>
+                                <a:latin typeface="Cambria Math" panose="02040503050406030204" pitchFamily="18" charset="0"/>
                               </a:rPr>
                             </m:ctrlPr>
                           </m:sSubPr>
@@ -13998,7 +14010,7 @@
                       <m:sSubPr>
                         <m:ctrlPr>
                           <a:rPr lang="en-US" altLang="zh-CN" sz="2400" b="0" i="1" dirty="0" smtClean="0">
-                            <a:latin typeface="Cambria Math" charset="0"/>
+                            <a:latin typeface="Cambria Math" panose="02040503050406030204" pitchFamily="18" charset="0"/>
                           </a:rPr>
                         </m:ctrlPr>
                       </m:sSubPr>
@@ -14008,7 +14020,7 @@
                             <m:chr m:val="̂"/>
                             <m:ctrlPr>
                               <a:rPr lang="en-US" altLang="zh-CN" sz="2400" b="0" i="1" smtClean="0">
-                                <a:latin typeface="Cambria Math" charset="0"/>
+                                <a:latin typeface="Cambria Math" panose="02040503050406030204" pitchFamily="18" charset="0"/>
                               </a:rPr>
                             </m:ctrlPr>
                           </m:accPr>
@@ -14047,7 +14059,7 @@
                       <m:sSubPr>
                         <m:ctrlPr>
                           <a:rPr lang="en-US" altLang="zh-CN" sz="2400" b="0" i="1" dirty="0" smtClean="0">
-                            <a:latin typeface="Cambria Math" charset="0"/>
+                            <a:latin typeface="Cambria Math" panose="02040503050406030204" pitchFamily="18" charset="0"/>
                           </a:rPr>
                         </m:ctrlPr>
                       </m:sSubPr>
@@ -14096,7 +14108,7 @@
                       <m:sSubPr>
                         <m:ctrlPr>
                           <a:rPr lang="en-US" altLang="zh-CN" sz="2400" b="0" i="1" dirty="0" smtClean="0">
-                            <a:latin typeface="Cambria Math" charset="0"/>
+                            <a:latin typeface="Cambria Math" panose="02040503050406030204" pitchFamily="18" charset="0"/>
                           </a:rPr>
                         </m:ctrlPr>
                       </m:sSubPr>
@@ -14260,7 +14272,7 @@
                           <m:endChr m:val="]"/>
                           <m:ctrlPr>
                             <a:rPr lang="en-US" altLang="zh-CN" i="1" smtClean="0">
-                              <a:latin typeface="Cambria Math" charset="0"/>
+                              <a:latin typeface="Cambria Math" panose="02040503050406030204" pitchFamily="18" charset="0"/>
                             </a:rPr>
                           </m:ctrlPr>
                         </m:dPr>
@@ -14277,7 +14289,7 @@
                               </m:mcs>
                               <m:ctrlPr>
                                 <a:rPr lang="en-US" altLang="zh-CN" i="1" smtClean="0">
-                                  <a:latin typeface="Cambria Math" charset="0"/>
+                                  <a:latin typeface="Cambria Math" panose="02040503050406030204" pitchFamily="18" charset="0"/>
                                 </a:rPr>
                               </m:ctrlPr>
                             </m:mPr>
@@ -14287,7 +14299,7 @@
                                   <m:sSubPr>
                                     <m:ctrlPr>
                                       <a:rPr lang="en-US" altLang="zh-CN" b="0" i="1" smtClean="0">
-                                        <a:latin typeface="Cambria Math" charset="0"/>
+                                        <a:latin typeface="Cambria Math" panose="02040503050406030204" pitchFamily="18" charset="0"/>
                                       </a:rPr>
                                     </m:ctrlPr>
                                   </m:sSubPr>
@@ -14327,7 +14339,7 @@
                                   <m:sSubPr>
                                     <m:ctrlPr>
                                       <a:rPr lang="en-US" altLang="zh-CN" b="0" i="1" smtClean="0">
-                                        <a:latin typeface="Cambria Math" charset="0"/>
+                                        <a:latin typeface="Cambria Math" panose="02040503050406030204" pitchFamily="18" charset="0"/>
                                       </a:rPr>
                                     </m:ctrlPr>
                                   </m:sSubPr>
@@ -14372,7 +14384,7 @@
                                     </m:mcs>
                                     <m:ctrlPr>
                                       <a:rPr lang="en-US" altLang="zh-CN" i="1" smtClean="0">
-                                        <a:latin typeface="Cambria Math" charset="0"/>
+                                        <a:latin typeface="Cambria Math" panose="02040503050406030204" pitchFamily="18" charset="0"/>
                                       </a:rPr>
                                     </m:ctrlPr>
                                   </m:mPr>
@@ -14395,7 +14407,7 @@
                                         <m:sSubPr>
                                           <m:ctrlPr>
                                             <a:rPr lang="en-US" altLang="zh-CN" b="0" i="1" smtClean="0">
-                                              <a:latin typeface="Cambria Math" charset="0"/>
+                                              <a:latin typeface="Cambria Math" panose="02040503050406030204" pitchFamily="18" charset="0"/>
                                             </a:rPr>
                                           </m:ctrlPr>
                                         </m:sSubPr>
@@ -14433,7 +14445,7 @@
                                     </m:mcs>
                                     <m:ctrlPr>
                                       <a:rPr lang="en-US" altLang="zh-CN" i="1" smtClean="0">
-                                        <a:latin typeface="Cambria Math" charset="0"/>
+                                        <a:latin typeface="Cambria Math" panose="02040503050406030204" pitchFamily="18" charset="0"/>
                                       </a:rPr>
                                     </m:ctrlPr>
                                   </m:mPr>
@@ -14472,7 +14484,7 @@
                           <m:endChr m:val="]"/>
                           <m:ctrlPr>
                             <a:rPr lang="en-US" altLang="zh-CN" i="1" dirty="0" smtClean="0">
-                              <a:latin typeface="Cambria Math" charset="0"/>
+                              <a:latin typeface="Cambria Math" panose="02040503050406030204" pitchFamily="18" charset="0"/>
                             </a:rPr>
                           </m:ctrlPr>
                         </m:dPr>
@@ -14489,7 +14501,7 @@
                               </m:mcs>
                               <m:ctrlPr>
                                 <a:rPr lang="en-US" altLang="zh-CN" i="1" dirty="0" smtClean="0">
-                                  <a:latin typeface="Cambria Math" charset="0"/>
+                                  <a:latin typeface="Cambria Math" panose="02040503050406030204" pitchFamily="18" charset="0"/>
                                 </a:rPr>
                               </m:ctrlPr>
                             </m:mPr>
@@ -14531,7 +14543,7 @@
                           <m:endChr m:val="]"/>
                           <m:ctrlPr>
                             <a:rPr lang="en-US" altLang="zh-CN" i="1" dirty="0">
-                              <a:latin typeface="Cambria Math" charset="0"/>
+                              <a:latin typeface="Cambria Math" panose="02040503050406030204" pitchFamily="18" charset="0"/>
                             </a:rPr>
                           </m:ctrlPr>
                         </m:dPr>
@@ -14548,7 +14560,7 @@
                               </m:mcs>
                               <m:ctrlPr>
                                 <a:rPr lang="en-US" altLang="zh-CN" i="1" dirty="0" smtClean="0">
-                                  <a:latin typeface="Cambria Math" charset="0"/>
+                                  <a:latin typeface="Cambria Math" panose="02040503050406030204" pitchFamily="18" charset="0"/>
                                 </a:rPr>
                               </m:ctrlPr>
                             </m:mPr>
@@ -14558,7 +14570,7 @@
                                   <m:sSubPr>
                                     <m:ctrlPr>
                                       <a:rPr lang="en-US" altLang="zh-CN" b="0" i="1" dirty="0" smtClean="0">
-                                        <a:latin typeface="Cambria Math" charset="0"/>
+                                        <a:latin typeface="Cambria Math" panose="02040503050406030204" pitchFamily="18" charset="0"/>
                                       </a:rPr>
                                     </m:ctrlPr>
                                   </m:sSubPr>
@@ -14590,7 +14602,7 @@
                                   <m:sSubPr>
                                     <m:ctrlPr>
                                       <a:rPr lang="en-US" altLang="zh-CN" b="0" i="1" dirty="0" smtClean="0">
-                                        <a:latin typeface="Cambria Math" charset="0"/>
+                                        <a:latin typeface="Cambria Math" panose="02040503050406030204" pitchFamily="18" charset="0"/>
                                       </a:rPr>
                                     </m:ctrlPr>
                                   </m:sSubPr>
@@ -14627,7 +14639,7 @@
                                     </m:mcs>
                                     <m:ctrlPr>
                                       <a:rPr lang="en-US" altLang="zh-CN" i="1" dirty="0" smtClean="0">
-                                        <a:latin typeface="Cambria Math" charset="0"/>
+                                        <a:latin typeface="Cambria Math" panose="02040503050406030204" pitchFamily="18" charset="0"/>
                                       </a:rPr>
                                     </m:ctrlPr>
                                   </m:mPr>
@@ -14650,7 +14662,7 @@
                                         <m:sSubPr>
                                           <m:ctrlPr>
                                             <a:rPr lang="en-US" altLang="zh-CN" b="0" i="1" dirty="0" smtClean="0">
-                                              <a:latin typeface="Cambria Math" charset="0"/>
+                                              <a:latin typeface="Cambria Math" panose="02040503050406030204" pitchFamily="18" charset="0"/>
                                             </a:rPr>
                                           </m:ctrlPr>
                                         </m:sSubPr>
@@ -14726,8 +14738,8 @@
           </p:sp>
         </mc:Fallback>
       </mc:AlternateContent>
-      <mc:AlternateContent xmlns:mc="http://schemas.openxmlformats.org/markup-compatibility/2006">
-        <mc:Choice xmlns:a14="http://schemas.microsoft.com/office/drawing/2010/main" Requires="a14">
+      <mc:AlternateContent xmlns:mc="http://schemas.openxmlformats.org/markup-compatibility/2006" xmlns:a14="http://schemas.microsoft.com/office/drawing/2010/main">
+        <mc:Choice Requires="a14">
           <p:sp>
             <p:nvSpPr>
               <p:cNvPr id="11" name="TextBox 10"/>
@@ -14752,19 +14764,7 @@
               <a:p>
                 <a:r>
                   <a:rPr lang="en-US" altLang="zh-CN" dirty="0" smtClean="0"/>
-                  <a:t>From </a:t>
-                </a:r>
-                <a:r>
-                  <a:rPr lang="en-US" altLang="zh-CN" dirty="0" smtClean="0"/>
-                  <a:t>an </a:t>
-                </a:r>
-                <a:r>
-                  <a:rPr lang="en-US" altLang="zh-CN" dirty="0" smtClean="0"/>
-                  <a:t>over-determined system of linear equations, to find a </a:t>
-                </a:r>
-                <a:r>
-                  <a:rPr lang="en-US" altLang="zh-CN" dirty="0" smtClean="0"/>
-                  <a:t>most likely solution </a:t>
+                  <a:t>From an over-determined system of linear equations, to find a most likely solution </a:t>
                 </a:r>
                 <a14:m>
                   <m:oMath xmlns:m="http://schemas.openxmlformats.org/officeDocument/2006/math">
@@ -14790,18 +14790,14 @@
                 </a:r>
                 <a:r>
                   <a:rPr lang="en-US" altLang="zh-CN" dirty="0" smtClean="0"/>
-                  <a:t> </a:t>
-                </a:r>
-                <a:r>
-                  <a:rPr lang="en-US" altLang="zh-CN" dirty="0" smtClean="0"/>
-                  <a:t>problem</a:t>
+                  <a:t> problem</a:t>
                 </a:r>
                 <a:endParaRPr lang="zh-CN" altLang="en-US" dirty="0"/>
               </a:p>
             </p:txBody>
           </p:sp>
         </mc:Choice>
-        <mc:Fallback>
+        <mc:Fallback xmlns="">
           <p:sp>
             <p:nvSpPr>
               <p:cNvPr id="11" name="TextBox 10"/>
@@ -14840,8 +14836,8 @@
           </p:sp>
         </mc:Fallback>
       </mc:AlternateContent>
-      <mc:AlternateContent xmlns:mc="http://schemas.openxmlformats.org/markup-compatibility/2006">
-        <mc:Choice xmlns:a14="http://schemas.microsoft.com/office/drawing/2010/main" Requires="a14">
+      <mc:AlternateContent xmlns:mc="http://schemas.openxmlformats.org/markup-compatibility/2006" xmlns:a14="http://schemas.microsoft.com/office/drawing/2010/main">
+        <mc:Choice Requires="a14">
           <p:sp>
             <p:nvSpPr>
               <p:cNvPr id="12" name="TextBox 11"/>
@@ -14909,7 +14905,7 @@
             </p:txBody>
           </p:sp>
         </mc:Choice>
-        <mc:Fallback>
+        <mc:Fallback xmlns="">
           <p:sp>
             <p:nvSpPr>
               <p:cNvPr id="12" name="TextBox 11"/>
@@ -15232,7 +15228,11 @@
             </a:r>
             <a:r>
               <a:rPr lang="en-US" sz="4000" i="1" dirty="0" smtClean="0"/>
-              <a:t>Fitting a line to your data</a:t>
+              <a:t>Fit </a:t>
+            </a:r>
+            <a:r>
+              <a:rPr lang="en-US" sz="4000" i="1" dirty="0" smtClean="0"/>
+              <a:t>a line to your data</a:t>
             </a:r>
             <a:endParaRPr lang="en-US" sz="4000" i="1" dirty="0"/>
           </a:p>
@@ -15507,35 +15507,8 @@
                 <a:latin typeface="Courier New" panose="02070309020205020404" pitchFamily="49" charset="0"/>
                 <a:cs typeface="Courier New" panose="02070309020205020404" pitchFamily="49" charset="0"/>
               </a:rPr>
-              <a:t>rhs </a:t>
-            </a:r>
-            <a:r>
-              <a:rPr lang="en-US" altLang="zh-CN" b="1" dirty="0" smtClean="0">
-                <a:solidFill>
-                  <a:srgbClr val="FF0000"/>
-                </a:solidFill>
-                <a:latin typeface="Courier New" panose="02070309020205020404" pitchFamily="49" charset="0"/>
-                <a:cs typeface="Courier New" panose="02070309020205020404" pitchFamily="49" charset="0"/>
-              </a:rPr>
-              <a:t>= </a:t>
-            </a:r>
-            <a:r>
-              <a:rPr lang="en-US" altLang="zh-CN" b="1" dirty="0" smtClean="0">
-                <a:solidFill>
-                  <a:srgbClr val="FF0000"/>
-                </a:solidFill>
-                <a:latin typeface="Courier New" panose="02070309020205020404" pitchFamily="49" charset="0"/>
-                <a:cs typeface="Courier New" panose="02070309020205020404" pitchFamily="49" charset="0"/>
-              </a:rPr>
-              <a:t>y;</a:t>
-            </a:r>
-            <a:endParaRPr lang="en-US" altLang="zh-CN" b="1" dirty="0" smtClean="0">
-              <a:solidFill>
-                <a:srgbClr val="FF0000"/>
-              </a:solidFill>
-              <a:latin typeface="Courier New" panose="02070309020205020404" pitchFamily="49" charset="0"/>
-              <a:cs typeface="Courier New" panose="02070309020205020404" pitchFamily="49" charset="0"/>
-            </a:endParaRPr>
+              <a:t>rhs = y;</a:t>
+            </a:r>
           </a:p>
           <a:p>
             <a:endParaRPr lang="en-US" altLang="zh-CN" b="1" dirty="0">
@@ -15555,27 +15528,7 @@
                 <a:latin typeface="Courier New" panose="02070309020205020404" pitchFamily="49" charset="0"/>
                 <a:cs typeface="Courier New" panose="02070309020205020404" pitchFamily="49" charset="0"/>
               </a:rPr>
-              <a:t>k = </a:t>
-            </a:r>
-            <a:r>
-              <a:rPr lang="en-US" altLang="zh-CN" b="1" dirty="0" smtClean="0">
-                <a:solidFill>
-                  <a:srgbClr val="FF0000"/>
-                </a:solidFill>
-                <a:latin typeface="Courier New" panose="02070309020205020404" pitchFamily="49" charset="0"/>
-                <a:cs typeface="Courier New" panose="02070309020205020404" pitchFamily="49" charset="0"/>
-              </a:rPr>
-              <a:t>A\rhs;</a:t>
-            </a:r>
-            <a:r>
-              <a:rPr lang="en-US" altLang="zh-CN" b="1" dirty="0" smtClean="0">
-                <a:solidFill>
-                  <a:srgbClr val="FF0000"/>
-                </a:solidFill>
-                <a:latin typeface="Courier New" panose="02070309020205020404" pitchFamily="49" charset="0"/>
-                <a:cs typeface="Courier New" panose="02070309020205020404" pitchFamily="49" charset="0"/>
-              </a:rPr>
-              <a:t>		</a:t>
+              <a:t>k = A\rhs;		</a:t>
             </a:r>
             <a:r>
               <a:rPr lang="en-US" altLang="zh-CN" b="1" dirty="0" smtClean="0">
@@ -16022,8 +15975,8 @@
           </a:p>
         </p:txBody>
       </p:sp>
-      <mc:AlternateContent xmlns:mc="http://schemas.openxmlformats.org/markup-compatibility/2006">
-        <mc:Choice xmlns:a14="http://schemas.microsoft.com/office/drawing/2010/main" Requires="a14">
+      <mc:AlternateContent xmlns:mc="http://schemas.openxmlformats.org/markup-compatibility/2006" xmlns:a14="http://schemas.microsoft.com/office/drawing/2010/main">
+        <mc:Choice Requires="a14">
           <p:sp>
             <p:nvSpPr>
               <p:cNvPr id="2" name="TextBox 1"/>
@@ -16055,6 +16008,7 @@
                 <a:endParaRPr lang="en-US" altLang="zh-CN" sz="2400" dirty="0"/>
               </a:p>
               <a:p>
+                <a:pPr/>
                 <a14:m>
                   <m:oMathPara xmlns:m="http://schemas.openxmlformats.org/officeDocument/2006/math">
                     <m:oMathParaPr>
@@ -16089,7 +16043,7 @@
                         <m:funcPr>
                           <m:ctrlPr>
                             <a:rPr lang="mr-IN" altLang="zh-CN" sz="2400" i="1" dirty="0" smtClean="0">
-                              <a:latin typeface="Cambria Math" charset="0"/>
+                              <a:latin typeface="Cambria Math" panose="02040503050406030204" pitchFamily="18" charset="0"/>
                             </a:rPr>
                           </m:ctrlPr>
                         </m:funcPr>
@@ -16098,7 +16052,7 @@
                             <m:limLowPr>
                               <m:ctrlPr>
                                 <a:rPr lang="mr-IN" altLang="zh-CN" sz="2400" i="1" dirty="0" smtClean="0">
-                                  <a:latin typeface="Cambria Math" charset="0"/>
+                                  <a:latin typeface="Cambria Math" panose="02040503050406030204" pitchFamily="18" charset="0"/>
                                 </a:rPr>
                               </m:ctrlPr>
                             </m:limLowPr>
@@ -16151,7 +16105,7 @@
                               <m:limLoc m:val="subSup"/>
                               <m:ctrlPr>
                                 <a:rPr lang="is-IS" altLang="zh-CN" sz="2400" i="1" dirty="0">
-                                  <a:latin typeface="Cambria Math" charset="0"/>
+                                  <a:latin typeface="Cambria Math" panose="02040503050406030204" pitchFamily="18" charset="0"/>
                                 </a:rPr>
                               </m:ctrlPr>
                             </m:naryPr>
@@ -16185,7 +16139,7 @@
                                 <m:sSupPr>
                                   <m:ctrlPr>
                                     <a:rPr lang="en-US" altLang="zh-CN" sz="2400" i="1" dirty="0">
-                                      <a:latin typeface="Cambria Math" charset="0"/>
+                                      <a:latin typeface="Cambria Math" panose="02040503050406030204" pitchFamily="18" charset="0"/>
                                     </a:rPr>
                                   </m:ctrlPr>
                                 </m:sSupPr>
@@ -16196,7 +16150,7 @@
                                       <m:endChr m:val="‖"/>
                                       <m:ctrlPr>
                                         <a:rPr lang="is-IS" altLang="zh-CN" sz="2400" i="1" dirty="0">
-                                          <a:latin typeface="Cambria Math" charset="0"/>
+                                          <a:latin typeface="Cambria Math" panose="02040503050406030204" pitchFamily="18" charset="0"/>
                                         </a:rPr>
                                       </m:ctrlPr>
                                     </m:dPr>
@@ -16205,7 +16159,7 @@
                                         <m:sSubPr>
                                           <m:ctrlPr>
                                             <a:rPr lang="en-US" altLang="zh-CN" sz="2400" i="1" dirty="0">
-                                              <a:latin typeface="Cambria Math" charset="0"/>
+                                              <a:latin typeface="Cambria Math" panose="02040503050406030204" pitchFamily="18" charset="0"/>
                                             </a:rPr>
                                           </m:ctrlPr>
                                         </m:sSubPr>
@@ -16236,7 +16190,7 @@
                                         <m:dPr>
                                           <m:ctrlPr>
                                             <a:rPr lang="en-US" altLang="zh-CN" sz="2400" i="1" dirty="0">
-                                              <a:latin typeface="Cambria Math" charset="0"/>
+                                              <a:latin typeface="Cambria Math" panose="02040503050406030204" pitchFamily="18" charset="0"/>
                                             </a:rPr>
                                           </m:ctrlPr>
                                         </m:dPr>
@@ -16251,7 +16205,7 @@
                                             <m:sSubPr>
                                               <m:ctrlPr>
                                                 <a:rPr lang="en-US" altLang="zh-CN" sz="2400" i="1" dirty="0">
-                                                  <a:latin typeface="Cambria Math" charset="0"/>
+                                                  <a:latin typeface="Cambria Math" panose="02040503050406030204" pitchFamily="18" charset="0"/>
                                                 </a:rPr>
                                               </m:ctrlPr>
                                             </m:sSubPr>
@@ -16310,7 +16264,7 @@
             </p:txBody>
           </p:sp>
         </mc:Choice>
-        <mc:Fallback>
+        <mc:Fallback xmlns="">
           <p:sp>
             <p:nvSpPr>
               <p:cNvPr id="2" name="TextBox 1"/>
@@ -16372,20 +16326,28 @@
           <a:lstStyle/>
           <a:p>
             <a:r>
-              <a:rPr lang="en-US" sz="2800" smtClean="0">
-                <a:solidFill>
-                  <a:srgbClr val="17BBE8"/>
-                </a:solidFill>
-              </a:rPr>
-              <a:t>Why minimizing the sum </a:t>
-            </a:r>
-            <a:r>
               <a:rPr lang="en-US" sz="2800" dirty="0" smtClean="0">
                 <a:solidFill>
                   <a:srgbClr val="17BBE8"/>
                 </a:solidFill>
               </a:rPr>
-              <a:t>of squares?</a:t>
+              <a:t>Why minimizing the </a:t>
+            </a:r>
+            <a:r>
+              <a:rPr lang="en-US" sz="2800" u="sng" dirty="0" smtClean="0">
+                <a:solidFill>
+                  <a:srgbClr val="17BBE8"/>
+                </a:solidFill>
+              </a:rPr>
+              <a:t>sum of squares</a:t>
+            </a:r>
+            <a:r>
+              <a:rPr lang="en-US" sz="2800" dirty="0" smtClean="0">
+                <a:solidFill>
+                  <a:srgbClr val="17BBE8"/>
+                </a:solidFill>
+              </a:rPr>
+              <a:t>?</a:t>
             </a:r>
             <a:endParaRPr lang="en-US" sz="2800" dirty="0">
               <a:solidFill>
@@ -18808,7 +18770,7 @@
                       <m:dPr>
                         <m:ctrlPr>
                           <a:rPr lang="en-US" altLang="zh-CN" sz="2400" i="1" smtClean="0">
-                            <a:latin typeface="Cambria Math" charset="0"/>
+                            <a:latin typeface="Cambria Math" panose="02040503050406030204" pitchFamily="18" charset="0"/>
                           </a:rPr>
                         </m:ctrlPr>
                       </m:dPr>
@@ -18825,7 +18787,7 @@
                             </m:mcs>
                             <m:ctrlPr>
                               <a:rPr lang="en-US" altLang="zh-CN" sz="2400" i="1" smtClean="0">
-                                <a:latin typeface="Cambria Math" charset="0"/>
+                                <a:latin typeface="Cambria Math" panose="02040503050406030204" pitchFamily="18" charset="0"/>
                               </a:rPr>
                             </m:ctrlPr>
                           </m:mPr>
@@ -18887,7 +18849,7 @@
                       <m:dPr>
                         <m:ctrlPr>
                           <a:rPr lang="en-US" altLang="zh-CN" sz="2400" b="0" i="1" smtClean="0">
-                            <a:latin typeface="Cambria Math" charset="0"/>
+                            <a:latin typeface="Cambria Math" panose="02040503050406030204" pitchFamily="18" charset="0"/>
                           </a:rPr>
                         </m:ctrlPr>
                       </m:dPr>
@@ -18904,7 +18866,7 @@
                             </m:mcs>
                             <m:ctrlPr>
                               <a:rPr lang="en-US" altLang="zh-CN" sz="2400" b="0" i="1" smtClean="0">
-                                <a:latin typeface="Cambria Math" charset="0"/>
+                                <a:latin typeface="Cambria Math" panose="02040503050406030204" pitchFamily="18" charset="0"/>
                               </a:rPr>
                             </m:ctrlPr>
                           </m:mPr>

--- a/lectures/lec24_matlab4/lec24.pptx
+++ b/lectures/lec24_matlab4/lec24.pptx
@@ -8,29 +8,30 @@
     <p:sldId id="263" r:id="rId2"/>
     <p:sldId id="264" r:id="rId3"/>
     <p:sldId id="265" r:id="rId4"/>
-    <p:sldId id="267" r:id="rId5"/>
-    <p:sldId id="268" r:id="rId6"/>
-    <p:sldId id="269" r:id="rId7"/>
-    <p:sldId id="270" r:id="rId8"/>
-    <p:sldId id="271" r:id="rId9"/>
-    <p:sldId id="272" r:id="rId10"/>
-    <p:sldId id="274" r:id="rId11"/>
-    <p:sldId id="275" r:id="rId12"/>
-    <p:sldId id="273" r:id="rId13"/>
-    <p:sldId id="276" r:id="rId14"/>
-    <p:sldId id="277" r:id="rId15"/>
-    <p:sldId id="278" r:id="rId16"/>
-    <p:sldId id="279" r:id="rId17"/>
-    <p:sldId id="280" r:id="rId18"/>
-    <p:sldId id="281" r:id="rId19"/>
-    <p:sldId id="282" r:id="rId20"/>
-    <p:sldId id="288" r:id="rId21"/>
-    <p:sldId id="283" r:id="rId22"/>
-    <p:sldId id="284" r:id="rId23"/>
-    <p:sldId id="286" r:id="rId24"/>
-    <p:sldId id="287" r:id="rId25"/>
-    <p:sldId id="285" r:id="rId26"/>
-    <p:sldId id="289" r:id="rId27"/>
+    <p:sldId id="290" r:id="rId5"/>
+    <p:sldId id="267" r:id="rId6"/>
+    <p:sldId id="268" r:id="rId7"/>
+    <p:sldId id="269" r:id="rId8"/>
+    <p:sldId id="270" r:id="rId9"/>
+    <p:sldId id="271" r:id="rId10"/>
+    <p:sldId id="272" r:id="rId11"/>
+    <p:sldId id="274" r:id="rId12"/>
+    <p:sldId id="275" r:id="rId13"/>
+    <p:sldId id="273" r:id="rId14"/>
+    <p:sldId id="276" r:id="rId15"/>
+    <p:sldId id="277" r:id="rId16"/>
+    <p:sldId id="278" r:id="rId17"/>
+    <p:sldId id="279" r:id="rId18"/>
+    <p:sldId id="280" r:id="rId19"/>
+    <p:sldId id="281" r:id="rId20"/>
+    <p:sldId id="282" r:id="rId21"/>
+    <p:sldId id="288" r:id="rId22"/>
+    <p:sldId id="283" r:id="rId23"/>
+    <p:sldId id="284" r:id="rId24"/>
+    <p:sldId id="286" r:id="rId25"/>
+    <p:sldId id="287" r:id="rId26"/>
+    <p:sldId id="285" r:id="rId27"/>
+    <p:sldId id="289" r:id="rId28"/>
   </p:sldIdLst>
   <p:sldSz cx="9144000" cy="6858000" type="screen4x3"/>
   <p:notesSz cx="6858000" cy="9144000"/>
@@ -137,6 +138,7 @@
             <p14:sldId id="263"/>
             <p14:sldId id="264"/>
             <p14:sldId id="265"/>
+            <p14:sldId id="290"/>
             <p14:sldId id="267"/>
             <p14:sldId id="268"/>
             <p14:sldId id="269"/>
@@ -366,7 +368,7 @@
           <a:p>
             <a:fld id="{5ECE4D60-05A1-A640-A7CD-C0D17F809990}" type="datetimeFigureOut">
               <a:rPr lang="en-US" smtClean="0"/>
-              <a:t>12/17/2017</a:t>
+              <a:t>12/19/17</a:t>
             </a:fld>
             <a:endParaRPr lang="en-US"/>
           </a:p>
@@ -536,7 +538,7 @@
           <a:p>
             <a:fld id="{5ECE4D60-05A1-A640-A7CD-C0D17F809990}" type="datetimeFigureOut">
               <a:rPr lang="en-US" smtClean="0"/>
-              <a:t>12/17/2017</a:t>
+              <a:t>12/19/17</a:t>
             </a:fld>
             <a:endParaRPr lang="en-US"/>
           </a:p>
@@ -716,7 +718,7 @@
           <a:p>
             <a:fld id="{5ECE4D60-05A1-A640-A7CD-C0D17F809990}" type="datetimeFigureOut">
               <a:rPr lang="en-US" smtClean="0"/>
-              <a:t>12/17/2017</a:t>
+              <a:t>12/19/17</a:t>
             </a:fld>
             <a:endParaRPr lang="en-US"/>
           </a:p>
@@ -886,7 +888,7 @@
           <a:p>
             <a:fld id="{5ECE4D60-05A1-A640-A7CD-C0D17F809990}" type="datetimeFigureOut">
               <a:rPr lang="en-US" smtClean="0"/>
-              <a:t>12/17/2017</a:t>
+              <a:t>12/19/17</a:t>
             </a:fld>
             <a:endParaRPr lang="en-US"/>
           </a:p>
@@ -1132,7 +1134,7 @@
           <a:p>
             <a:fld id="{5ECE4D60-05A1-A640-A7CD-C0D17F809990}" type="datetimeFigureOut">
               <a:rPr lang="en-US" smtClean="0"/>
-              <a:t>12/17/2017</a:t>
+              <a:t>12/19/17</a:t>
             </a:fld>
             <a:endParaRPr lang="en-US"/>
           </a:p>
@@ -1420,7 +1422,7 @@
           <a:p>
             <a:fld id="{5ECE4D60-05A1-A640-A7CD-C0D17F809990}" type="datetimeFigureOut">
               <a:rPr lang="en-US" smtClean="0"/>
-              <a:t>12/17/2017</a:t>
+              <a:t>12/19/17</a:t>
             </a:fld>
             <a:endParaRPr lang="en-US"/>
           </a:p>
@@ -1847,7 +1849,7 @@
           <a:p>
             <a:fld id="{5ECE4D60-05A1-A640-A7CD-C0D17F809990}" type="datetimeFigureOut">
               <a:rPr lang="en-US" smtClean="0"/>
-              <a:t>12/17/2017</a:t>
+              <a:t>12/19/17</a:t>
             </a:fld>
             <a:endParaRPr lang="en-US"/>
           </a:p>
@@ -1965,7 +1967,7 @@
           <a:p>
             <a:fld id="{5ECE4D60-05A1-A640-A7CD-C0D17F809990}" type="datetimeFigureOut">
               <a:rPr lang="en-US" smtClean="0"/>
-              <a:t>12/17/2017</a:t>
+              <a:t>12/19/17</a:t>
             </a:fld>
             <a:endParaRPr lang="en-US"/>
           </a:p>
@@ -2060,7 +2062,7 @@
           <a:p>
             <a:fld id="{5ECE4D60-05A1-A640-A7CD-C0D17F809990}" type="datetimeFigureOut">
               <a:rPr lang="en-US" smtClean="0"/>
-              <a:t>12/17/2017</a:t>
+              <a:t>12/19/17</a:t>
             </a:fld>
             <a:endParaRPr lang="en-US"/>
           </a:p>
@@ -2337,7 +2339,7 @@
           <a:p>
             <a:fld id="{5ECE4D60-05A1-A640-A7CD-C0D17F809990}" type="datetimeFigureOut">
               <a:rPr lang="en-US" smtClean="0"/>
-              <a:t>12/17/2017</a:t>
+              <a:t>12/19/17</a:t>
             </a:fld>
             <a:endParaRPr lang="en-US"/>
           </a:p>
@@ -2590,7 +2592,7 @@
           <a:p>
             <a:fld id="{5ECE4D60-05A1-A640-A7CD-C0D17F809990}" type="datetimeFigureOut">
               <a:rPr lang="en-US" smtClean="0"/>
-              <a:t>12/17/2017</a:t>
+              <a:t>12/19/17</a:t>
             </a:fld>
             <a:endParaRPr lang="en-US"/>
           </a:p>
@@ -2803,7 +2805,7 @@
           <a:p>
             <a:fld id="{5ECE4D60-05A1-A640-A7CD-C0D17F809990}" type="datetimeFigureOut">
               <a:rPr lang="en-US" smtClean="0"/>
-              <a:t>12/17/2017</a:t>
+              <a:t>12/19/17</a:t>
             </a:fld>
             <a:endParaRPr lang="en-US"/>
           </a:p>
@@ -3409,7 +3411,7 @@
           <a:p>
             <a:r>
               <a:rPr lang="en-US" dirty="0" smtClean="0"/>
-              <a:t>Consider a truss problem:</a:t>
+              <a:t>A classical linear algebra problem:</a:t>
             </a:r>
           </a:p>
           <a:p>
@@ -3429,6 +3431,13 @@
           </a:p>
           <a:p>
             <a:endParaRPr lang="en-US" sz="2600" dirty="0" smtClean="0"/>
+          </a:p>
+          <a:p>
+            <a:r>
+              <a:rPr lang="en-US" sz="2600" dirty="0" smtClean="0"/>
+              <a:t>Also called ‘left division’</a:t>
+            </a:r>
+            <a:endParaRPr lang="en-US" dirty="0" smtClean="0"/>
           </a:p>
           <a:p>
             <a:pPr marL="457200" lvl="1" indent="0">
@@ -3544,7 +3553,7 @@
         <p:spPr>
           <a:xfrm>
             <a:off x="0" y="6451738"/>
-            <a:ext cx="1037664" cy="276999"/>
+            <a:ext cx="1208601" cy="276999"/>
           </a:xfrm>
           <a:prstGeom prst="rect">
             <a:avLst/>
@@ -3557,12 +3566,12 @@
           <a:lstStyle/>
           <a:p>
             <a:r>
-              <a:rPr lang="en-US" sz="1200" dirty="0" smtClean="0">
+              <a:rPr lang="en-US" sz="1200" smtClean="0">
                 <a:solidFill>
                   <a:srgbClr val="118EB0"/>
                 </a:solidFill>
               </a:rPr>
-              <a:t>Administrivia</a:t>
+              <a:t>Equation solving</a:t>
             </a:r>
             <a:endParaRPr lang="en-US" sz="1200" dirty="0">
               <a:solidFill>
@@ -3611,8 +3620,555 @@
           </a:p>
         </p:txBody>
       </p:sp>
+      <p:sp>
+        <p:nvSpPr>
+          <p:cNvPr id="2" name="TextBox 1"/>
+          <p:cNvSpPr txBox="1"/>
+          <p:nvPr/>
+        </p:nvSpPr>
+        <p:spPr>
+          <a:xfrm>
+            <a:off x="3989295" y="2259105"/>
+            <a:ext cx="1018227" cy="461665"/>
+          </a:xfrm>
+          <a:prstGeom prst="rect">
+            <a:avLst/>
+          </a:prstGeom>
+          <a:noFill/>
+        </p:spPr>
+        <p:txBody>
+          <a:bodyPr wrap="none" rtlCol="0">
+            <a:spAutoFit/>
+          </a:bodyPr>
+          <a:lstStyle/>
+          <a:p>
+            <a:r>
+              <a:rPr lang="en-US" altLang="zh-CN" sz="2400" dirty="0" smtClean="0"/>
+              <a:t>A x = b</a:t>
+            </a:r>
+            <a:endParaRPr lang="zh-CN" altLang="en-US" sz="2400" dirty="0"/>
+          </a:p>
+        </p:txBody>
+      </p:sp>
       <mc:AlternateContent xmlns:mc="http://schemas.openxmlformats.org/markup-compatibility/2006" xmlns:a14="http://schemas.microsoft.com/office/drawing/2010/main">
         <mc:Choice Requires="a14">
+          <p:sp>
+            <p:nvSpPr>
+              <p:cNvPr id="8" name="TextBox 7"/>
+              <p:cNvSpPr txBox="1"/>
+              <p:nvPr/>
+            </p:nvSpPr>
+            <p:spPr>
+              <a:xfrm>
+                <a:off x="3514883" y="2901682"/>
+                <a:ext cx="2114233" cy="615810"/>
+              </a:xfrm>
+              <a:prstGeom prst="rect">
+                <a:avLst/>
+              </a:prstGeom>
+              <a:noFill/>
+            </p:spPr>
+            <p:txBody>
+              <a:bodyPr wrap="none" lIns="0" tIns="0" rIns="0" bIns="0" rtlCol="0">
+                <a:spAutoFit/>
+              </a:bodyPr>
+              <a:lstStyle/>
+              <a:p>
+                <a14:m>
+                  <m:oMath xmlns:m="http://schemas.openxmlformats.org/officeDocument/2006/math">
+                    <m:d>
+                      <m:dPr>
+                        <m:ctrlPr>
+                          <a:rPr lang="en-US" altLang="zh-CN" sz="2400" i="1" smtClean="0">
+                            <a:latin typeface="Cambria Math" charset="0"/>
+                          </a:rPr>
+                        </m:ctrlPr>
+                      </m:dPr>
+                      <m:e>
+                        <m:m>
+                          <m:mPr>
+                            <m:mcs>
+                              <m:mc>
+                                <m:mcPr>
+                                  <m:count m:val="2"/>
+                                  <m:mcJc m:val="center"/>
+                                </m:mcPr>
+                              </m:mc>
+                            </m:mcs>
+                            <m:ctrlPr>
+                              <a:rPr lang="en-US" altLang="zh-CN" sz="2400" i="1" smtClean="0">
+                                <a:latin typeface="Cambria Math" charset="0"/>
+                              </a:rPr>
+                            </m:ctrlPr>
+                          </m:mPr>
+                          <m:mr>
+                            <m:e>
+                              <m:r>
+                                <m:rPr>
+                                  <m:brk m:alnAt="7"/>
+                                </m:rPr>
+                                <a:rPr lang="en-US" altLang="zh-CN" sz="2400" b="0" i="1" smtClean="0">
+                                  <a:latin typeface="Cambria Math" panose="02040503050406030204" pitchFamily="18" charset="0"/>
+                                </a:rPr>
+                                <m:t>2</m:t>
+                              </m:r>
+                            </m:e>
+                            <m:e>
+                              <m:r>
+                                <a:rPr lang="en-US" altLang="zh-CN" sz="2400" b="0" i="1" smtClean="0">
+                                  <a:latin typeface="Cambria Math" panose="02040503050406030204" pitchFamily="18" charset="0"/>
+                                </a:rPr>
+                                <m:t>3</m:t>
+                              </m:r>
+                            </m:e>
+                          </m:mr>
+                          <m:mr>
+                            <m:e>
+                              <m:r>
+                                <a:rPr lang="en-US" altLang="zh-CN" sz="2400" b="0" i="1" smtClean="0">
+                                  <a:latin typeface="Cambria Math" panose="02040503050406030204" pitchFamily="18" charset="0"/>
+                                </a:rPr>
+                                <m:t>1</m:t>
+                              </m:r>
+                            </m:e>
+                            <m:e>
+                              <m:r>
+                                <a:rPr lang="en-US" altLang="zh-CN" sz="2400" b="0" i="1" smtClean="0">
+                                  <a:latin typeface="Cambria Math" panose="02040503050406030204" pitchFamily="18" charset="0"/>
+                                </a:rPr>
+                                <m:t>2</m:t>
+                              </m:r>
+                            </m:e>
+                          </m:mr>
+                        </m:m>
+                      </m:e>
+                    </m:d>
+                    <m:r>
+                      <a:rPr lang="en-US" altLang="zh-CN" sz="2400" b="0" i="1" smtClean="0">
+                        <a:latin typeface="Cambria Math" panose="02040503050406030204" pitchFamily="18" charset="0"/>
+                      </a:rPr>
+                      <m:t>𝑥</m:t>
+                    </m:r>
+                    <m:r>
+                      <a:rPr lang="en-US" altLang="zh-CN" sz="2400" b="0" i="1" smtClean="0">
+                        <a:latin typeface="Cambria Math" panose="02040503050406030204" pitchFamily="18" charset="0"/>
+                      </a:rPr>
+                      <m:t>=</m:t>
+                    </m:r>
+                    <m:d>
+                      <m:dPr>
+                        <m:ctrlPr>
+                          <a:rPr lang="en-US" altLang="zh-CN" sz="2400" b="0" i="1" smtClean="0">
+                            <a:latin typeface="Cambria Math" charset="0"/>
+                          </a:rPr>
+                        </m:ctrlPr>
+                      </m:dPr>
+                      <m:e>
+                        <m:m>
+                          <m:mPr>
+                            <m:mcs>
+                              <m:mc>
+                                <m:mcPr>
+                                  <m:count m:val="1"/>
+                                  <m:mcJc m:val="center"/>
+                                </m:mcPr>
+                              </m:mc>
+                            </m:mcs>
+                            <m:ctrlPr>
+                              <a:rPr lang="en-US" altLang="zh-CN" sz="2400" b="0" i="1" smtClean="0">
+                                <a:latin typeface="Cambria Math" charset="0"/>
+                              </a:rPr>
+                            </m:ctrlPr>
+                          </m:mPr>
+                          <m:mr>
+                            <m:e>
+                              <m:r>
+                                <m:rPr>
+                                  <m:brk m:alnAt="7"/>
+                                </m:rPr>
+                                <a:rPr lang="en-US" altLang="zh-CN" sz="2400" b="0" i="1" smtClean="0">
+                                  <a:latin typeface="Cambria Math" panose="02040503050406030204" pitchFamily="18" charset="0"/>
+                                </a:rPr>
+                                <m:t>1</m:t>
+                              </m:r>
+                            </m:e>
+                          </m:mr>
+                          <m:mr>
+                            <m:e>
+                              <m:r>
+                                <a:rPr lang="en-US" altLang="zh-CN" sz="2400" b="0" i="1" smtClean="0">
+                                  <a:latin typeface="Cambria Math" panose="02040503050406030204" pitchFamily="18" charset="0"/>
+                                </a:rPr>
+                                <m:t>0</m:t>
+                              </m:r>
+                            </m:e>
+                          </m:mr>
+                        </m:m>
+                      </m:e>
+                    </m:d>
+                  </m:oMath>
+                </a14:m>
+                <a:r>
+                  <a:rPr lang="en-US" altLang="zh-CN" sz="2400" dirty="0" smtClean="0"/>
+                  <a:t> </a:t>
+                </a:r>
+                <a:endParaRPr lang="zh-CN" altLang="en-US" sz="2400" dirty="0"/>
+              </a:p>
+            </p:txBody>
+          </p:sp>
+        </mc:Choice>
+        <mc:Fallback xmlns="">
+          <p:sp>
+            <p:nvSpPr>
+              <p:cNvPr id="8" name="TextBox 7"/>
+              <p:cNvSpPr txBox="1">
+                <a:spLocks noRot="1" noChangeAspect="1" noMove="1" noResize="1" noEditPoints="1" noAdjustHandles="1" noChangeArrowheads="1" noChangeShapeType="1" noTextEdit="1"/>
+              </p:cNvSpPr>
+              <p:nvPr/>
+            </p:nvSpPr>
+            <p:spPr>
+              <a:xfrm>
+                <a:off x="3514883" y="2901682"/>
+                <a:ext cx="2114233" cy="615810"/>
+              </a:xfrm>
+              <a:prstGeom prst="rect">
+                <a:avLst/>
+              </a:prstGeom>
+              <a:blipFill rotWithShape="0">
+                <a:blip r:embed="rId2"/>
+                <a:stretch>
+                  <a:fillRect/>
+                </a:stretch>
+              </a:blipFill>
+            </p:spPr>
+            <p:txBody>
+              <a:bodyPr/>
+              <a:lstStyle/>
+              <a:p>
+                <a:r>
+                  <a:rPr lang="zh-CN" altLang="en-US">
+                    <a:noFill/>
+                  </a:rPr>
+                  <a:t> </a:t>
+                </a:r>
+              </a:p>
+            </p:txBody>
+          </p:sp>
+        </mc:Fallback>
+      </mc:AlternateContent>
+      <p:sp>
+        <p:nvSpPr>
+          <p:cNvPr id="9" name="TextBox 8"/>
+          <p:cNvSpPr txBox="1"/>
+          <p:nvPr/>
+        </p:nvSpPr>
+        <p:spPr>
+          <a:xfrm>
+            <a:off x="876299" y="4052926"/>
+            <a:ext cx="6034344" cy="1200329"/>
+          </a:xfrm>
+          <a:prstGeom prst="rect">
+            <a:avLst/>
+          </a:prstGeom>
+          <a:noFill/>
+        </p:spPr>
+        <p:txBody>
+          <a:bodyPr wrap="none" rtlCol="0">
+            <a:spAutoFit/>
+          </a:bodyPr>
+          <a:lstStyle/>
+          <a:p>
+            <a:r>
+              <a:rPr lang="en-US" altLang="zh-CN" sz="2400" dirty="0" smtClean="0">
+                <a:latin typeface="Courier New" panose="02070309020205020404" pitchFamily="49" charset="0"/>
+                <a:cs typeface="Courier New" panose="02070309020205020404" pitchFamily="49" charset="0"/>
+              </a:rPr>
+              <a:t>A = [2 3; 1 2];</a:t>
+            </a:r>
+          </a:p>
+          <a:p>
+            <a:r>
+              <a:rPr lang="en-US" altLang="zh-CN" sz="2400" dirty="0" smtClean="0">
+                <a:latin typeface="Courier New" panose="02070309020205020404" pitchFamily="49" charset="0"/>
+                <a:cs typeface="Courier New" panose="02070309020205020404" pitchFamily="49" charset="0"/>
+              </a:rPr>
+              <a:t>b = [1 0]’;</a:t>
+            </a:r>
+          </a:p>
+          <a:p>
+            <a:r>
+              <a:rPr lang="en-US" altLang="zh-CN" sz="2400" dirty="0" smtClean="0">
+                <a:latin typeface="Courier New" panose="02070309020205020404" pitchFamily="49" charset="0"/>
+                <a:cs typeface="Courier New" panose="02070309020205020404" pitchFamily="49" charset="0"/>
+              </a:rPr>
+              <a:t>x = A\b;</a:t>
+            </a:r>
+            <a:r>
+              <a:rPr lang="en-US" altLang="zh-CN" sz="2400" dirty="0" smtClean="0"/>
+              <a:t>			</a:t>
+            </a:r>
+            <a:r>
+              <a:rPr lang="en-US" altLang="zh-CN" sz="2400" dirty="0" smtClean="0">
+                <a:solidFill>
+                  <a:srgbClr val="FF0000"/>
+                </a:solidFill>
+              </a:rPr>
+              <a:t>‘</a:t>
+            </a:r>
+            <a:r>
+              <a:rPr lang="en-US" altLang="zh-CN" sz="2400" dirty="0" smtClean="0">
+                <a:solidFill>
+                  <a:srgbClr val="FF0000"/>
+                </a:solidFill>
+                <a:latin typeface="Courier New" panose="02070309020205020404" pitchFamily="49" charset="0"/>
+                <a:cs typeface="Courier New" panose="02070309020205020404" pitchFamily="49" charset="0"/>
+              </a:rPr>
+              <a:t>\</a:t>
+            </a:r>
+            <a:r>
+              <a:rPr lang="en-US" altLang="zh-CN" sz="2400" dirty="0" smtClean="0">
+                <a:solidFill>
+                  <a:srgbClr val="FF0000"/>
+                </a:solidFill>
+              </a:rPr>
+              <a:t>’: the magic backslash!</a:t>
+            </a:r>
+            <a:endParaRPr lang="zh-CN" altLang="en-US" sz="2400" dirty="0">
+              <a:solidFill>
+                <a:srgbClr val="FF0000"/>
+              </a:solidFill>
+            </a:endParaRPr>
+          </a:p>
+        </p:txBody>
+      </p:sp>
+    </p:spTree>
+    <p:extLst>
+      <p:ext uri="{BB962C8B-B14F-4D97-AF65-F5344CB8AC3E}">
+        <p14:creationId xmlns:p14="http://schemas.microsoft.com/office/powerpoint/2010/main" val="1625926148"/>
+      </p:ext>
+    </p:extLst>
+  </p:cSld>
+  <p:clrMapOvr>
+    <a:masterClrMapping/>
+  </p:clrMapOvr>
+  <p:timing>
+    <p:tnLst>
+      <p:par>
+        <p:cTn id="1" dur="indefinite" restart="never" nodeType="tmRoot"/>
+      </p:par>
+    </p:tnLst>
+  </p:timing>
+</p:sld>
+</file>
+
+<file path=ppt/slides/slide11.xml><?xml version="1.0" encoding="utf-8"?>
+<p:sld xmlns:a="http://schemas.openxmlformats.org/drawingml/2006/main" xmlns:r="http://schemas.openxmlformats.org/officeDocument/2006/relationships" xmlns:p="http://schemas.openxmlformats.org/presentationml/2006/main">
+  <p:cSld>
+    <p:spTree>
+      <p:nvGrpSpPr>
+        <p:cNvPr id="1" name=""/>
+        <p:cNvGrpSpPr/>
+        <p:nvPr/>
+      </p:nvGrpSpPr>
+      <p:grpSpPr>
+        <a:xfrm>
+          <a:off x="0" y="0"/>
+          <a:ext cx="0" cy="0"/>
+          <a:chOff x="0" y="0"/>
+          <a:chExt cx="0" cy="0"/>
+        </a:xfrm>
+      </p:grpSpPr>
+      <p:sp>
+        <p:nvSpPr>
+          <p:cNvPr id="3" name="Content Placeholder 2"/>
+          <p:cNvSpPr>
+            <a:spLocks noGrp="1"/>
+          </p:cNvSpPr>
+          <p:nvPr>
+            <p:ph idx="1"/>
+          </p:nvPr>
+        </p:nvSpPr>
+        <p:spPr>
+          <a:xfrm>
+            <a:off x="457200" y="1600201"/>
+            <a:ext cx="8229600" cy="4852862"/>
+          </a:xfrm>
+        </p:spPr>
+        <p:txBody>
+          <a:bodyPr>
+            <a:normAutofit/>
+          </a:bodyPr>
+          <a:lstStyle/>
+          <a:p>
+            <a:r>
+              <a:rPr lang="en-US" dirty="0" smtClean="0"/>
+              <a:t>Consider a truss problem:</a:t>
+            </a:r>
+          </a:p>
+          <a:p>
+            <a:endParaRPr lang="en-US" dirty="0"/>
+          </a:p>
+          <a:p>
+            <a:endParaRPr lang="en-US" dirty="0" smtClean="0"/>
+          </a:p>
+          <a:p>
+            <a:endParaRPr lang="en-US" dirty="0"/>
+          </a:p>
+          <a:p>
+            <a:endParaRPr lang="en-US" dirty="0" smtClean="0"/>
+          </a:p>
+          <a:p>
+            <a:endParaRPr lang="en-US" dirty="0"/>
+          </a:p>
+          <a:p>
+            <a:endParaRPr lang="en-US" sz="2600" dirty="0" smtClean="0"/>
+          </a:p>
+          <a:p>
+            <a:pPr marL="457200" lvl="1" indent="0">
+              <a:buNone/>
+            </a:pPr>
+            <a:endParaRPr lang="en-US" dirty="0"/>
+          </a:p>
+        </p:txBody>
+      </p:sp>
+      <p:sp>
+        <p:nvSpPr>
+          <p:cNvPr id="4" name="Rectangle 3"/>
+          <p:cNvSpPr/>
+          <p:nvPr/>
+        </p:nvSpPr>
+        <p:spPr>
+          <a:xfrm>
+            <a:off x="0" y="-7550"/>
+            <a:ext cx="9144000" cy="1228835"/>
+          </a:xfrm>
+          <a:prstGeom prst="rect">
+            <a:avLst/>
+          </a:prstGeom>
+          <a:solidFill>
+            <a:srgbClr val="3DBFDB"/>
+          </a:solidFill>
+          <a:ln>
+            <a:noFill/>
+          </a:ln>
+          <a:effectLst/>
+        </p:spPr>
+        <p:style>
+          <a:lnRef idx="1">
+            <a:schemeClr val="accent1"/>
+          </a:lnRef>
+          <a:fillRef idx="3">
+            <a:schemeClr val="accent1"/>
+          </a:fillRef>
+          <a:effectRef idx="2">
+            <a:schemeClr val="accent1"/>
+          </a:effectRef>
+          <a:fontRef idx="minor">
+            <a:schemeClr val="lt1"/>
+          </a:fontRef>
+        </p:style>
+        <p:txBody>
+          <a:bodyPr rtlCol="0" anchor="ctr"/>
+          <a:lstStyle/>
+          <a:p>
+            <a:r>
+              <a:rPr lang="en-US" sz="4000" b="1" dirty="0" smtClean="0"/>
+              <a:t>   </a:t>
+            </a:r>
+            <a:r>
+              <a:rPr lang="en-US" sz="4000" i="1" dirty="0" smtClean="0"/>
+              <a:t>System of linear equations</a:t>
+            </a:r>
+            <a:endParaRPr lang="en-US" sz="4000" i="1" dirty="0"/>
+          </a:p>
+        </p:txBody>
+      </p:sp>
+      <p:sp>
+        <p:nvSpPr>
+          <p:cNvPr id="5" name="Rectangle 4"/>
+          <p:cNvSpPr/>
+          <p:nvPr/>
+        </p:nvSpPr>
+        <p:spPr>
+          <a:xfrm>
+            <a:off x="0" y="6737478"/>
+            <a:ext cx="9144000" cy="120522"/>
+          </a:xfrm>
+          <a:prstGeom prst="rect">
+            <a:avLst/>
+          </a:prstGeom>
+          <a:solidFill>
+            <a:srgbClr val="3DBFDB"/>
+          </a:solidFill>
+          <a:ln>
+            <a:noFill/>
+          </a:ln>
+          <a:effectLst/>
+        </p:spPr>
+        <p:style>
+          <a:lnRef idx="1">
+            <a:schemeClr val="accent1"/>
+          </a:lnRef>
+          <a:fillRef idx="3">
+            <a:schemeClr val="accent1"/>
+          </a:fillRef>
+          <a:effectRef idx="2">
+            <a:schemeClr val="accent1"/>
+          </a:effectRef>
+          <a:fontRef idx="minor">
+            <a:schemeClr val="lt1"/>
+          </a:fontRef>
+        </p:style>
+        <p:txBody>
+          <a:bodyPr rtlCol="0" anchor="ctr"/>
+          <a:lstStyle/>
+          <a:p>
+            <a:pPr algn="ctr"/>
+            <a:endParaRPr lang="en-US"/>
+          </a:p>
+        </p:txBody>
+      </p:sp>
+      <p:sp>
+        <p:nvSpPr>
+          <p:cNvPr id="7" name="TextBox 6"/>
+          <p:cNvSpPr txBox="1"/>
+          <p:nvPr/>
+        </p:nvSpPr>
+        <p:spPr>
+          <a:xfrm>
+            <a:off x="8869998" y="6453063"/>
+            <a:ext cx="262662" cy="276999"/>
+          </a:xfrm>
+          <a:prstGeom prst="rect">
+            <a:avLst/>
+          </a:prstGeom>
+          <a:noFill/>
+        </p:spPr>
+        <p:txBody>
+          <a:bodyPr wrap="none" rtlCol="0">
+            <a:spAutoFit/>
+          </a:bodyPr>
+          <a:lstStyle/>
+          <a:p>
+            <a:pPr algn="r"/>
+            <a:r>
+              <a:rPr lang="en-US" sz="1200" dirty="0" smtClean="0">
+                <a:solidFill>
+                  <a:srgbClr val="118EB0"/>
+                </a:solidFill>
+              </a:rPr>
+              <a:t>1</a:t>
+            </a:r>
+            <a:endParaRPr lang="en-US" sz="1200" dirty="0">
+              <a:solidFill>
+                <a:srgbClr val="118EB0"/>
+              </a:solidFill>
+            </a:endParaRPr>
+          </a:p>
+        </p:txBody>
+      </p:sp>
+      <mc:AlternateContent xmlns:mc="http://schemas.openxmlformats.org/markup-compatibility/2006">
+        <mc:Choice xmlns:a14="http://schemas.microsoft.com/office/drawing/2010/main" Requires="a14">
           <p:sp>
             <p:nvSpPr>
               <p:cNvPr id="9" name="TextBox 8"/>
@@ -3654,7 +4210,7 @@
                       <m:sSubPr>
                         <m:ctrlPr>
                           <a:rPr lang="en-US" altLang="zh-CN" i="1" dirty="0">
-                            <a:latin typeface="Cambria Math" panose="02040503050406030204" pitchFamily="18" charset="0"/>
+                            <a:latin typeface="Cambria Math" charset="0"/>
                             <a:cs typeface="Courier New" panose="02070309020205020404" pitchFamily="49" charset="0"/>
                           </a:rPr>
                         </m:ctrlPr>
@@ -3689,7 +4245,7 @@
                       <m:sSubPr>
                         <m:ctrlPr>
                           <a:rPr lang="en-US" altLang="zh-CN" i="1" dirty="0">
-                            <a:latin typeface="Cambria Math" panose="02040503050406030204" pitchFamily="18" charset="0"/>
+                            <a:latin typeface="Cambria Math" charset="0"/>
                             <a:cs typeface="Courier New" panose="02070309020205020404" pitchFamily="49" charset="0"/>
                           </a:rPr>
                         </m:ctrlPr>
@@ -3724,7 +4280,7 @@
                       <m:sSubPr>
                         <m:ctrlPr>
                           <a:rPr lang="en-US" altLang="zh-CN" i="1" dirty="0">
-                            <a:latin typeface="Cambria Math" panose="02040503050406030204" pitchFamily="18" charset="0"/>
+                            <a:latin typeface="Cambria Math" charset="0"/>
                             <a:cs typeface="Courier New" panose="02070309020205020404" pitchFamily="49" charset="0"/>
                           </a:rPr>
                         </m:ctrlPr>
@@ -3759,12 +4315,19 @@
                       <m:sSubPr>
                         <m:ctrlPr>
                           <a:rPr lang="en-US" altLang="zh-CN" b="0" i="1" dirty="0" smtClean="0">
-                            <a:latin typeface="Cambria Math" panose="02040503050406030204" pitchFamily="18" charset="0"/>
+                            <a:latin typeface="Cambria Math" charset="0"/>
                             <a:cs typeface="Courier New" panose="02070309020205020404" pitchFamily="49" charset="0"/>
                           </a:rPr>
                         </m:ctrlPr>
                       </m:sSubPr>
                       <m:e>
+                        <m:r>
+                          <a:rPr lang="en-US" altLang="zh-CN" b="0" i="1" dirty="0" smtClean="0">
+                            <a:latin typeface="Cambria Math" charset="0"/>
+                            <a:cs typeface="Courier New" panose="02070309020205020404" pitchFamily="49" charset="0"/>
+                          </a:rPr>
+                          <m:t>−</m:t>
+                        </m:r>
                         <m:r>
                           <a:rPr lang="en-US" altLang="zh-CN" b="0" i="1" dirty="0" smtClean="0">
                             <a:latin typeface="Cambria Math" panose="02040503050406030204" pitchFamily="18" charset="0"/>
@@ -3810,7 +4373,7 @@
                       <m:sSubPr>
                         <m:ctrlPr>
                           <a:rPr lang="en-US" altLang="zh-CN" i="1" dirty="0">
-                            <a:latin typeface="Cambria Math" panose="02040503050406030204" pitchFamily="18" charset="0"/>
+                            <a:latin typeface="Cambria Math" charset="0"/>
                             <a:cs typeface="Courier New" panose="02070309020205020404" pitchFamily="49" charset="0"/>
                           </a:rPr>
                         </m:ctrlPr>
@@ -3845,7 +4408,7 @@
                       <m:sSubPr>
                         <m:ctrlPr>
                           <a:rPr lang="en-US" altLang="zh-CN" b="0" i="1" dirty="0" smtClean="0">
-                            <a:latin typeface="Cambria Math" panose="02040503050406030204" pitchFamily="18" charset="0"/>
+                            <a:latin typeface="Cambria Math" charset="0"/>
                             <a:cs typeface="Courier New" panose="02070309020205020404" pitchFamily="49" charset="0"/>
                           </a:rPr>
                         </m:ctrlPr>
@@ -3880,7 +4443,7 @@
                       <m:sSubPr>
                         <m:ctrlPr>
                           <a:rPr lang="en-US" altLang="zh-CN" b="0" i="1" dirty="0" smtClean="0">
-                            <a:latin typeface="Cambria Math" panose="02040503050406030204" pitchFamily="18" charset="0"/>
+                            <a:latin typeface="Cambria Math" charset="0"/>
                             <a:cs typeface="Courier New" panose="02070309020205020404" pitchFamily="49" charset="0"/>
                           </a:rPr>
                         </m:ctrlPr>
@@ -3915,7 +4478,7 @@
                       <m:sSubPr>
                         <m:ctrlPr>
                           <a:rPr lang="en-US" altLang="zh-CN" b="0" i="1" dirty="0" smtClean="0">
-                            <a:latin typeface="Cambria Math" panose="02040503050406030204" pitchFamily="18" charset="0"/>
+                            <a:latin typeface="Cambria Math" charset="0"/>
                             <a:cs typeface="Courier New" panose="02070309020205020404" pitchFamily="49" charset="0"/>
                           </a:rPr>
                         </m:ctrlPr>
@@ -3960,7 +4523,7 @@
                       <m:sSubPr>
                         <m:ctrlPr>
                           <a:rPr lang="en-US" altLang="zh-CN" i="1">
-                            <a:latin typeface="Cambria Math" panose="02040503050406030204" pitchFamily="18" charset="0"/>
+                            <a:latin typeface="Cambria Math" charset="0"/>
                           </a:rPr>
                         </m:ctrlPr>
                       </m:sSubPr>
@@ -3991,7 +4554,7 @@
                       <m:sSubPr>
                         <m:ctrlPr>
                           <a:rPr lang="en-US" altLang="zh-CN" i="1">
-                            <a:latin typeface="Cambria Math" panose="02040503050406030204" pitchFamily="18" charset="0"/>
+                            <a:latin typeface="Cambria Math" charset="0"/>
                           </a:rPr>
                         </m:ctrlPr>
                       </m:sSubPr>
@@ -4022,7 +4585,7 @@
                       <m:sSubPr>
                         <m:ctrlPr>
                           <a:rPr lang="en-US" altLang="zh-CN" i="1">
-                            <a:latin typeface="Cambria Math" panose="02040503050406030204" pitchFamily="18" charset="0"/>
+                            <a:latin typeface="Cambria Math" charset="0"/>
                           </a:rPr>
                         </m:ctrlPr>
                       </m:sSubPr>
@@ -4047,13 +4610,13 @@
                       <a:rPr lang="en-US" altLang="zh-CN" i="1">
                         <a:latin typeface="Cambria Math" panose="02040503050406030204" pitchFamily="18" charset="0"/>
                       </a:rPr>
-                      <m:t>=−</m:t>
+                      <m:t>=</m:t>
                     </m:r>
                     <m:sSub>
                       <m:sSubPr>
                         <m:ctrlPr>
                           <a:rPr lang="en-US" altLang="zh-CN" i="1">
-                            <a:latin typeface="Cambria Math" panose="02040503050406030204" pitchFamily="18" charset="0"/>
+                            <a:latin typeface="Cambria Math" charset="0"/>
                           </a:rPr>
                         </m:ctrlPr>
                       </m:sSubPr>
@@ -4107,7 +4670,7 @@
                             <a:solidFill>
                               <a:schemeClr val="tx1"/>
                             </a:solidFill>
-                            <a:latin typeface="Cambria Math" panose="02040503050406030204" pitchFamily="18" charset="0"/>
+                            <a:latin typeface="Cambria Math" charset="0"/>
                           </a:rPr>
                         </m:ctrlPr>
                       </m:sSubPr>
@@ -4150,7 +4713,7 @@
                             <a:solidFill>
                               <a:schemeClr val="tx1"/>
                             </a:solidFill>
-                            <a:latin typeface="Cambria Math" panose="02040503050406030204" pitchFamily="18" charset="0"/>
+                            <a:latin typeface="Cambria Math" charset="0"/>
                           </a:rPr>
                         </m:ctrlPr>
                       </m:sSubPr>
@@ -4219,7 +4782,7 @@
                               <a:solidFill>
                                 <a:schemeClr val="tx1"/>
                               </a:solidFill>
-                              <a:latin typeface="Cambria Math" panose="02040503050406030204" pitchFamily="18" charset="0"/>
+                              <a:latin typeface="Cambria Math" charset="0"/>
                             </a:rPr>
                           </m:ctrlPr>
                         </m:sSubPr>
@@ -4262,7 +4825,7 @@
                               <a:solidFill>
                                 <a:schemeClr val="tx1"/>
                               </a:solidFill>
-                              <a:latin typeface="Cambria Math" panose="02040503050406030204" pitchFamily="18" charset="0"/>
+                              <a:latin typeface="Cambria Math" charset="0"/>
                             </a:rPr>
                           </m:ctrlPr>
                         </m:sSubPr>
@@ -4305,7 +4868,7 @@
                               <a:solidFill>
                                 <a:schemeClr val="tx1"/>
                               </a:solidFill>
-                              <a:latin typeface="Cambria Math" panose="02040503050406030204" pitchFamily="18" charset="0"/>
+                              <a:latin typeface="Cambria Math" charset="0"/>
                             </a:rPr>
                           </m:ctrlPr>
                         </m:sSubPr>
@@ -4348,7 +4911,7 @@
                               <a:solidFill>
                                 <a:schemeClr val="tx1"/>
                               </a:solidFill>
-                              <a:latin typeface="Cambria Math" panose="02040503050406030204" pitchFamily="18" charset="0"/>
+                              <a:latin typeface="Cambria Math" charset="0"/>
                             </a:rPr>
                           </m:ctrlPr>
                         </m:sSubPr>
@@ -4411,7 +4974,7 @@
                       <m:sSubPr>
                         <m:ctrlPr>
                           <a:rPr lang="en-US" altLang="zh-CN" i="1">
-                            <a:latin typeface="Cambria Math" panose="02040503050406030204" pitchFamily="18" charset="0"/>
+                            <a:latin typeface="Cambria Math" charset="0"/>
                           </a:rPr>
                         </m:ctrlPr>
                       </m:sSubPr>
@@ -4442,7 +5005,7 @@
                       <m:sSubPr>
                         <m:ctrlPr>
                           <a:rPr lang="en-US" altLang="zh-CN" i="1">
-                            <a:latin typeface="Cambria Math" panose="02040503050406030204" pitchFamily="18" charset="0"/>
+                            <a:latin typeface="Cambria Math" charset="0"/>
                           </a:rPr>
                         </m:ctrlPr>
                       </m:sSubPr>
@@ -4473,7 +5036,7 @@
                       <m:sSubPr>
                         <m:ctrlPr>
                           <a:rPr lang="en-US" altLang="zh-CN" b="0" i="1" smtClean="0">
-                            <a:latin typeface="Cambria Math" panose="02040503050406030204" pitchFamily="18" charset="0"/>
+                            <a:latin typeface="Cambria Math" charset="0"/>
                           </a:rPr>
                         </m:ctrlPr>
                       </m:sSubPr>
@@ -4530,7 +5093,7 @@
                             <a:solidFill>
                               <a:schemeClr val="tx1"/>
                             </a:solidFill>
-                            <a:latin typeface="Cambria Math" panose="02040503050406030204" pitchFamily="18" charset="0"/>
+                            <a:latin typeface="Cambria Math" charset="0"/>
                           </a:rPr>
                         </m:ctrlPr>
                       </m:sSubPr>
@@ -4573,7 +5136,7 @@
                             <a:solidFill>
                               <a:schemeClr val="tx1"/>
                             </a:solidFill>
-                            <a:latin typeface="Cambria Math" panose="02040503050406030204" pitchFamily="18" charset="0"/>
+                            <a:latin typeface="Cambria Math" charset="0"/>
                           </a:rPr>
                         </m:ctrlPr>
                       </m:sSubPr>
@@ -4616,7 +5179,7 @@
                             <a:solidFill>
                               <a:schemeClr val="tx1"/>
                             </a:solidFill>
-                            <a:latin typeface="Cambria Math" panose="02040503050406030204" pitchFamily="18" charset="0"/>
+                            <a:latin typeface="Cambria Math" charset="0"/>
                           </a:rPr>
                         </m:ctrlPr>
                       </m:sSubPr>
@@ -4663,7 +5226,7 @@
             </p:txBody>
           </p:sp>
         </mc:Choice>
-        <mc:Fallback xmlns="">
+        <mc:Fallback>
           <p:sp>
             <p:nvSpPr>
               <p:cNvPr id="9" name="TextBox 8"/>
@@ -4692,7 +5255,7 @@
               <a:lstStyle/>
               <a:p>
                 <a:r>
-                  <a:rPr lang="zh-CN" altLang="en-US">
+                  <a:rPr lang="en-US">
                     <a:noFill/>
                   </a:rPr>
                   <a:t> </a:t>
@@ -4726,6 +5289,43 @@
           </a:prstGeom>
         </p:spPr>
       </p:pic>
+      <p:sp>
+        <p:nvSpPr>
+          <p:cNvPr id="11" name="Rectangle 10"/>
+          <p:cNvSpPr/>
+          <p:nvPr/>
+        </p:nvSpPr>
+        <p:spPr>
+          <a:xfrm>
+            <a:off x="0" y="6451738"/>
+            <a:ext cx="1208601" cy="276999"/>
+          </a:xfrm>
+          <a:prstGeom prst="rect">
+            <a:avLst/>
+          </a:prstGeom>
+        </p:spPr>
+        <p:txBody>
+          <a:bodyPr wrap="none">
+            <a:spAutoFit/>
+          </a:bodyPr>
+          <a:lstStyle/>
+          <a:p>
+            <a:r>
+              <a:rPr lang="en-US" sz="1200" smtClean="0">
+                <a:solidFill>
+                  <a:srgbClr val="118EB0"/>
+                </a:solidFill>
+              </a:rPr>
+              <a:t>Equation solving</a:t>
+            </a:r>
+            <a:endParaRPr lang="en-US" sz="1200" dirty="0">
+              <a:solidFill>
+                <a:srgbClr val="118EB0"/>
+              </a:solidFill>
+            </a:endParaRPr>
+          </a:p>
+        </p:txBody>
+      </p:sp>
     </p:spTree>
     <p:extLst>
       <p:ext uri="{BB962C8B-B14F-4D97-AF65-F5344CB8AC3E}">
@@ -4825,7 +5425,7 @@
 </p:sld>
 </file>
 
-<file path=ppt/slides/slide11.xml><?xml version="1.0" encoding="utf-8"?>
+<file path=ppt/slides/slide12.xml><?xml version="1.0" encoding="utf-8"?>
 <p:sld xmlns:a="http://schemas.openxmlformats.org/drawingml/2006/main" xmlns:r="http://schemas.openxmlformats.org/officeDocument/2006/relationships" xmlns:p="http://schemas.openxmlformats.org/presentationml/2006/main">
   <p:cSld>
     <p:spTree>
@@ -5135,59 +5735,59 @@
           </p:txBody>
         </p:sp>
       </p:grpSp>
-    </p:spTree>
-    <p:extLst>
-      <p:ext uri="{BB962C8B-B14F-4D97-AF65-F5344CB8AC3E}">
-        <p14:creationId xmlns:p14="http://schemas.microsoft.com/office/powerpoint/2010/main" val="2304987192"/>
-      </p:ext>
-    </p:extLst>
-  </p:cSld>
-  <p:clrMapOvr>
-    <a:masterClrMapping/>
-  </p:clrMapOvr>
-  <p:timing>
-    <p:tnLst>
-      <p:par>
-        <p:cTn id="1" dur="indefinite" restart="never" nodeType="tmRoot"/>
-      </p:par>
-    </p:tnLst>
-  </p:timing>
-</p:sld>
-</file>
-
-<file path=ppt/slides/slide12.xml><?xml version="1.0" encoding="utf-8"?>
-<p:sld xmlns:a="http://schemas.openxmlformats.org/drawingml/2006/main" xmlns:r="http://schemas.openxmlformats.org/officeDocument/2006/relationships" xmlns:p="http://schemas.openxmlformats.org/presentationml/2006/main">
-  <p:cSld>
-    <p:spTree>
-      <p:nvGrpSpPr>
-        <p:cNvPr id="1" name=""/>
-        <p:cNvGrpSpPr/>
-        <p:nvPr/>
-      </p:nvGrpSpPr>
-      <p:grpSpPr>
-        <a:xfrm>
-          <a:off x="0" y="0"/>
-          <a:ext cx="0" cy="0"/>
-          <a:chOff x="0" y="0"/>
-          <a:chExt cx="0" cy="0"/>
-        </a:xfrm>
-      </p:grpSpPr>
-      <p:sp>
-        <p:nvSpPr>
-          <p:cNvPr id="4" name="Rectangle 3"/>
+      <p:sp>
+        <p:nvSpPr>
+          <p:cNvPr id="9" name="Rectangle 8"/>
           <p:cNvSpPr/>
           <p:nvPr/>
         </p:nvSpPr>
         <p:spPr>
           <a:xfrm>
-            <a:off x="0" y="2586816"/>
-            <a:ext cx="9144000" cy="1228835"/>
+            <a:off x="0" y="6451738"/>
+            <a:ext cx="1208601" cy="276999"/>
+          </a:xfrm>
+          <a:prstGeom prst="rect">
+            <a:avLst/>
+          </a:prstGeom>
+        </p:spPr>
+        <p:txBody>
+          <a:bodyPr wrap="none">
+            <a:spAutoFit/>
+          </a:bodyPr>
+          <a:lstStyle/>
+          <a:p>
+            <a:r>
+              <a:rPr lang="en-US" sz="1200" smtClean="0">
+                <a:solidFill>
+                  <a:srgbClr val="118EB0"/>
+                </a:solidFill>
+              </a:rPr>
+              <a:t>Equation solving</a:t>
+            </a:r>
+            <a:endParaRPr lang="en-US" sz="1200" dirty="0">
+              <a:solidFill>
+                <a:srgbClr val="118EB0"/>
+              </a:solidFill>
+            </a:endParaRPr>
+          </a:p>
+        </p:txBody>
+      </p:sp>
+      <p:sp>
+        <p:nvSpPr>
+          <p:cNvPr id="2" name="Rectangle 1"/>
+          <p:cNvSpPr/>
+          <p:nvPr/>
+        </p:nvSpPr>
+        <p:spPr>
+          <a:xfrm>
+            <a:off x="7590773" y="2906038"/>
+            <a:ext cx="237995" cy="263289"/>
           </a:xfrm>
           <a:prstGeom prst="rect">
             <a:avLst/>
           </a:prstGeom>
           <a:solidFill>
-            <a:srgbClr val="3DBFDB"/>
+            <a:schemeClr val="bg1"/>
           </a:solidFill>
           <a:ln>
             <a:noFill/>
@@ -5213,139 +5813,127 @@
           <a:lstStyle/>
           <a:p>
             <a:pPr algn="ctr"/>
-            <a:r>
-              <a:rPr lang="en-US" sz="4800" b="1" dirty="0" smtClean="0"/>
-              <a:t>Curve fitting</a:t>
-            </a:r>
-            <a:endParaRPr lang="en-US" sz="4800" b="1" dirty="0"/>
-          </a:p>
-        </p:txBody>
-      </p:sp>
-      <p:sp>
-        <p:nvSpPr>
-          <p:cNvPr id="5" name="Rectangle 4"/>
-          <p:cNvSpPr/>
-          <p:nvPr/>
-        </p:nvSpPr>
-        <p:spPr>
-          <a:xfrm>
-            <a:off x="0" y="6737478"/>
-            <a:ext cx="9144000" cy="120522"/>
-          </a:xfrm>
-          <a:prstGeom prst="rect">
-            <a:avLst/>
-          </a:prstGeom>
-          <a:solidFill>
-            <a:srgbClr val="3DBFDB"/>
-          </a:solidFill>
-          <a:ln>
-            <a:noFill/>
-          </a:ln>
-          <a:effectLst/>
-        </p:spPr>
-        <p:style>
-          <a:lnRef idx="1">
-            <a:schemeClr val="accent1"/>
-          </a:lnRef>
-          <a:fillRef idx="3">
-            <a:schemeClr val="accent1"/>
-          </a:fillRef>
-          <a:effectRef idx="2">
-            <a:schemeClr val="accent1"/>
-          </a:effectRef>
-          <a:fontRef idx="minor">
-            <a:schemeClr val="lt1"/>
-          </a:fontRef>
-        </p:style>
-        <p:txBody>
-          <a:bodyPr rtlCol="0" anchor="ctr"/>
-          <a:lstStyle/>
-          <a:p>
-            <a:pPr algn="ctr"/>
             <a:endParaRPr lang="en-US"/>
           </a:p>
         </p:txBody>
       </p:sp>
-      <p:sp>
-        <p:nvSpPr>
-          <p:cNvPr id="6" name="Rectangle 5"/>
-          <p:cNvSpPr/>
-          <p:nvPr/>
-        </p:nvSpPr>
-        <p:spPr>
-          <a:xfrm>
-            <a:off x="0" y="6451738"/>
-            <a:ext cx="1037664" cy="276999"/>
-          </a:xfrm>
-          <a:prstGeom prst="rect">
-            <a:avLst/>
-          </a:prstGeom>
-        </p:spPr>
-        <p:txBody>
-          <a:bodyPr wrap="none">
-            <a:spAutoFit/>
-          </a:bodyPr>
-          <a:lstStyle/>
-          <a:p>
-            <a:r>
-              <a:rPr lang="en-US" sz="1200" dirty="0" smtClean="0">
-                <a:solidFill>
-                  <a:srgbClr val="118EB0"/>
-                </a:solidFill>
-              </a:rPr>
-              <a:t>Administrivia</a:t>
-            </a:r>
-            <a:endParaRPr lang="en-US" sz="1200" dirty="0">
+      <mc:AlternateContent xmlns:mc="http://schemas.openxmlformats.org/markup-compatibility/2006">
+        <mc:Choice xmlns:a14="http://schemas.microsoft.com/office/drawing/2010/main" Requires="a14">
+          <p:sp>
+            <p:nvSpPr>
+              <p:cNvPr id="10" name="Rectangle 9"/>
+              <p:cNvSpPr/>
+              <p:nvPr/>
+            </p:nvSpPr>
+            <p:spPr>
+              <a:xfrm>
+                <a:off x="7565668" y="2076105"/>
+                <a:ext cx="216387" cy="235907"/>
+              </a:xfrm>
+              <a:prstGeom prst="rect">
+                <a:avLst/>
+              </a:prstGeom>
               <a:solidFill>
-                <a:srgbClr val="118EB0"/>
+                <a:schemeClr val="bg1"/>
               </a:solidFill>
-            </a:endParaRPr>
-          </a:p>
-        </p:txBody>
-      </p:sp>
-      <p:sp>
-        <p:nvSpPr>
-          <p:cNvPr id="7" name="TextBox 6"/>
-          <p:cNvSpPr txBox="1"/>
-          <p:nvPr/>
-        </p:nvSpPr>
-        <p:spPr>
-          <a:xfrm>
-            <a:off x="8869998" y="6453063"/>
-            <a:ext cx="262662" cy="276999"/>
-          </a:xfrm>
-          <a:prstGeom prst="rect">
-            <a:avLst/>
-          </a:prstGeom>
-          <a:noFill/>
-        </p:spPr>
-        <p:txBody>
-          <a:bodyPr wrap="none" rtlCol="0">
-            <a:spAutoFit/>
-          </a:bodyPr>
-          <a:lstStyle/>
-          <a:p>
-            <a:pPr algn="r"/>
-            <a:r>
-              <a:rPr lang="en-US" sz="1200" dirty="0" smtClean="0">
-                <a:solidFill>
-                  <a:srgbClr val="118EB0"/>
-                </a:solidFill>
-              </a:rPr>
-              <a:t>1</a:t>
-            </a:r>
-            <a:endParaRPr lang="en-US" sz="1200" dirty="0">
-              <a:solidFill>
-                <a:srgbClr val="118EB0"/>
-              </a:solidFill>
-            </a:endParaRPr>
-          </a:p>
-        </p:txBody>
-      </p:sp>
+              <a:ln>
+                <a:noFill/>
+              </a:ln>
+              <a:effectLst/>
+            </p:spPr>
+            <p:style>
+              <a:lnRef idx="1">
+                <a:schemeClr val="accent1"/>
+              </a:lnRef>
+              <a:fillRef idx="3">
+                <a:schemeClr val="accent1"/>
+              </a:fillRef>
+              <a:effectRef idx="2">
+                <a:schemeClr val="accent1"/>
+              </a:effectRef>
+              <a:fontRef idx="minor">
+                <a:schemeClr val="lt1"/>
+              </a:fontRef>
+            </p:style>
+            <p:txBody>
+              <a:bodyPr rtlCol="0" anchor="ctr"/>
+              <a:lstStyle/>
+              <a:p>
+                <a:pPr algn="ctr"/>
+                <a14:m>
+                  <m:oMathPara xmlns:m="http://schemas.openxmlformats.org/officeDocument/2006/math">
+                    <m:oMathParaPr>
+                      <m:jc m:val="centerGroup"/>
+                    </m:oMathParaPr>
+                    <m:oMath xmlns:m="http://schemas.openxmlformats.org/officeDocument/2006/math">
+                      <m:r>
+                        <a:rPr lang="en-US" i="1" dirty="0" smtClean="0">
+                          <a:solidFill>
+                            <a:schemeClr val="tx1"/>
+                          </a:solidFill>
+                          <a:latin typeface="Cambria Math" charset="0"/>
+                        </a:rPr>
+                        <m:t>−</m:t>
+                      </m:r>
+                    </m:oMath>
+                  </m:oMathPara>
+                </a14:m>
+                <a:endParaRPr lang="en-US" dirty="0">
+                  <a:solidFill>
+                    <a:schemeClr val="tx1"/>
+                  </a:solidFill>
+                </a:endParaRPr>
+              </a:p>
+            </p:txBody>
+          </p:sp>
+        </mc:Choice>
+        <mc:Fallback>
+          <p:sp>
+            <p:nvSpPr>
+              <p:cNvPr id="10" name="Rectangle 9"/>
+              <p:cNvSpPr>
+                <a:spLocks noRot="1" noChangeAspect="1" noMove="1" noResize="1" noEditPoints="1" noAdjustHandles="1" noChangeArrowheads="1" noChangeShapeType="1" noTextEdit="1"/>
+              </p:cNvSpPr>
+              <p:nvPr/>
+            </p:nvSpPr>
+            <p:spPr>
+              <a:xfrm>
+                <a:off x="7565668" y="2076105"/>
+                <a:ext cx="216387" cy="235907"/>
+              </a:xfrm>
+              <a:prstGeom prst="rect">
+                <a:avLst/>
+              </a:prstGeom>
+              <a:blipFill rotWithShape="0">
+                <a:blip r:embed="rId4"/>
+                <a:stretch>
+                  <a:fillRect l="-19444"/>
+                </a:stretch>
+              </a:blipFill>
+              <a:ln>
+                <a:noFill/>
+              </a:ln>
+              <a:effectLst/>
+            </p:spPr>
+            <p:txBody>
+              <a:bodyPr/>
+              <a:lstStyle/>
+              <a:p>
+                <a:r>
+                  <a:rPr lang="en-US">
+                    <a:noFill/>
+                  </a:rPr>
+                  <a:t> </a:t>
+                </a:r>
+              </a:p>
+            </p:txBody>
+          </p:sp>
+        </mc:Fallback>
+      </mc:AlternateContent>
     </p:spTree>
     <p:extLst>
       <p:ext uri="{BB962C8B-B14F-4D97-AF65-F5344CB8AC3E}">
-        <p14:creationId xmlns:p14="http://schemas.microsoft.com/office/powerpoint/2010/main" val="829912374"/>
+        <p14:creationId xmlns:p14="http://schemas.microsoft.com/office/powerpoint/2010/main" val="2304987192"/>
       </p:ext>
     </p:extLst>
   </p:cSld>
@@ -5381,6 +5969,213 @@
       </p:grpSpPr>
       <p:sp>
         <p:nvSpPr>
+          <p:cNvPr id="4" name="Rectangle 3"/>
+          <p:cNvSpPr/>
+          <p:nvPr/>
+        </p:nvSpPr>
+        <p:spPr>
+          <a:xfrm>
+            <a:off x="0" y="2586816"/>
+            <a:ext cx="9144000" cy="1228835"/>
+          </a:xfrm>
+          <a:prstGeom prst="rect">
+            <a:avLst/>
+          </a:prstGeom>
+          <a:solidFill>
+            <a:srgbClr val="3DBFDB"/>
+          </a:solidFill>
+          <a:ln>
+            <a:noFill/>
+          </a:ln>
+          <a:effectLst/>
+        </p:spPr>
+        <p:style>
+          <a:lnRef idx="1">
+            <a:schemeClr val="accent1"/>
+          </a:lnRef>
+          <a:fillRef idx="3">
+            <a:schemeClr val="accent1"/>
+          </a:fillRef>
+          <a:effectRef idx="2">
+            <a:schemeClr val="accent1"/>
+          </a:effectRef>
+          <a:fontRef idx="minor">
+            <a:schemeClr val="lt1"/>
+          </a:fontRef>
+        </p:style>
+        <p:txBody>
+          <a:bodyPr rtlCol="0" anchor="ctr"/>
+          <a:lstStyle/>
+          <a:p>
+            <a:pPr algn="ctr"/>
+            <a:r>
+              <a:rPr lang="en-US" sz="4800" b="1" dirty="0" smtClean="0"/>
+              <a:t>Curve fitting</a:t>
+            </a:r>
+            <a:endParaRPr lang="en-US" sz="4800" b="1" dirty="0"/>
+          </a:p>
+        </p:txBody>
+      </p:sp>
+      <p:sp>
+        <p:nvSpPr>
+          <p:cNvPr id="5" name="Rectangle 4"/>
+          <p:cNvSpPr/>
+          <p:nvPr/>
+        </p:nvSpPr>
+        <p:spPr>
+          <a:xfrm>
+            <a:off x="0" y="6737478"/>
+            <a:ext cx="9144000" cy="120522"/>
+          </a:xfrm>
+          <a:prstGeom prst="rect">
+            <a:avLst/>
+          </a:prstGeom>
+          <a:solidFill>
+            <a:srgbClr val="3DBFDB"/>
+          </a:solidFill>
+          <a:ln>
+            <a:noFill/>
+          </a:ln>
+          <a:effectLst/>
+        </p:spPr>
+        <p:style>
+          <a:lnRef idx="1">
+            <a:schemeClr val="accent1"/>
+          </a:lnRef>
+          <a:fillRef idx="3">
+            <a:schemeClr val="accent1"/>
+          </a:fillRef>
+          <a:effectRef idx="2">
+            <a:schemeClr val="accent1"/>
+          </a:effectRef>
+          <a:fontRef idx="minor">
+            <a:schemeClr val="lt1"/>
+          </a:fontRef>
+        </p:style>
+        <p:txBody>
+          <a:bodyPr rtlCol="0" anchor="ctr"/>
+          <a:lstStyle/>
+          <a:p>
+            <a:pPr algn="ctr"/>
+            <a:endParaRPr lang="en-US"/>
+          </a:p>
+        </p:txBody>
+      </p:sp>
+      <p:sp>
+        <p:nvSpPr>
+          <p:cNvPr id="6" name="Rectangle 5"/>
+          <p:cNvSpPr/>
+          <p:nvPr/>
+        </p:nvSpPr>
+        <p:spPr>
+          <a:xfrm>
+            <a:off x="0" y="6451738"/>
+            <a:ext cx="578428" cy="276999"/>
+          </a:xfrm>
+          <a:prstGeom prst="rect">
+            <a:avLst/>
+          </a:prstGeom>
+        </p:spPr>
+        <p:txBody>
+          <a:bodyPr wrap="none">
+            <a:spAutoFit/>
+          </a:bodyPr>
+          <a:lstStyle/>
+          <a:p>
+            <a:r>
+              <a:rPr lang="en-US" sz="1200" dirty="0" smtClean="0">
+                <a:solidFill>
+                  <a:srgbClr val="118EB0"/>
+                </a:solidFill>
+              </a:rPr>
+              <a:t>Fitting</a:t>
+            </a:r>
+            <a:endParaRPr lang="en-US" sz="1200" dirty="0">
+              <a:solidFill>
+                <a:srgbClr val="118EB0"/>
+              </a:solidFill>
+            </a:endParaRPr>
+          </a:p>
+        </p:txBody>
+      </p:sp>
+      <p:sp>
+        <p:nvSpPr>
+          <p:cNvPr id="7" name="TextBox 6"/>
+          <p:cNvSpPr txBox="1"/>
+          <p:nvPr/>
+        </p:nvSpPr>
+        <p:spPr>
+          <a:xfrm>
+            <a:off x="8869998" y="6453063"/>
+            <a:ext cx="262662" cy="276999"/>
+          </a:xfrm>
+          <a:prstGeom prst="rect">
+            <a:avLst/>
+          </a:prstGeom>
+          <a:noFill/>
+        </p:spPr>
+        <p:txBody>
+          <a:bodyPr wrap="none" rtlCol="0">
+            <a:spAutoFit/>
+          </a:bodyPr>
+          <a:lstStyle/>
+          <a:p>
+            <a:pPr algn="r"/>
+            <a:r>
+              <a:rPr lang="en-US" sz="1200" dirty="0" smtClean="0">
+                <a:solidFill>
+                  <a:srgbClr val="118EB0"/>
+                </a:solidFill>
+              </a:rPr>
+              <a:t>1</a:t>
+            </a:r>
+            <a:endParaRPr lang="en-US" sz="1200" dirty="0">
+              <a:solidFill>
+                <a:srgbClr val="118EB0"/>
+              </a:solidFill>
+            </a:endParaRPr>
+          </a:p>
+        </p:txBody>
+      </p:sp>
+    </p:spTree>
+    <p:extLst>
+      <p:ext uri="{BB962C8B-B14F-4D97-AF65-F5344CB8AC3E}">
+        <p14:creationId xmlns:p14="http://schemas.microsoft.com/office/powerpoint/2010/main" val="829912374"/>
+      </p:ext>
+    </p:extLst>
+  </p:cSld>
+  <p:clrMapOvr>
+    <a:masterClrMapping/>
+  </p:clrMapOvr>
+  <p:timing>
+    <p:tnLst>
+      <p:par>
+        <p:cTn id="1" dur="indefinite" restart="never" nodeType="tmRoot"/>
+      </p:par>
+    </p:tnLst>
+  </p:timing>
+</p:sld>
+</file>
+
+<file path=ppt/slides/slide14.xml><?xml version="1.0" encoding="utf-8"?>
+<p:sld xmlns:a="http://schemas.openxmlformats.org/drawingml/2006/main" xmlns:r="http://schemas.openxmlformats.org/officeDocument/2006/relationships" xmlns:p="http://schemas.openxmlformats.org/presentationml/2006/main">
+  <p:cSld>
+    <p:spTree>
+      <p:nvGrpSpPr>
+        <p:cNvPr id="1" name=""/>
+        <p:cNvGrpSpPr/>
+        <p:nvPr/>
+      </p:nvGrpSpPr>
+      <p:grpSpPr>
+        <a:xfrm>
+          <a:off x="0" y="0"/>
+          <a:ext cx="0" cy="0"/>
+          <a:chOff x="0" y="0"/>
+          <a:chExt cx="0" cy="0"/>
+        </a:xfrm>
+      </p:grpSpPr>
+      <p:sp>
+        <p:nvSpPr>
           <p:cNvPr id="3" name="Content Placeholder 2"/>
           <p:cNvSpPr>
             <a:spLocks noGrp="1"/>
@@ -5514,43 +6309,6 @@
           <a:p>
             <a:pPr algn="ctr"/>
             <a:endParaRPr lang="en-US"/>
-          </a:p>
-        </p:txBody>
-      </p:sp>
-      <p:sp>
-        <p:nvSpPr>
-          <p:cNvPr id="6" name="Rectangle 5"/>
-          <p:cNvSpPr/>
-          <p:nvPr/>
-        </p:nvSpPr>
-        <p:spPr>
-          <a:xfrm>
-            <a:off x="0" y="6451738"/>
-            <a:ext cx="1037664" cy="276999"/>
-          </a:xfrm>
-          <a:prstGeom prst="rect">
-            <a:avLst/>
-          </a:prstGeom>
-        </p:spPr>
-        <p:txBody>
-          <a:bodyPr wrap="none">
-            <a:spAutoFit/>
-          </a:bodyPr>
-          <a:lstStyle/>
-          <a:p>
-            <a:r>
-              <a:rPr lang="en-US" sz="1200" dirty="0" smtClean="0">
-                <a:solidFill>
-                  <a:srgbClr val="118EB0"/>
-                </a:solidFill>
-              </a:rPr>
-              <a:t>Administrivia</a:t>
-            </a:r>
-            <a:endParaRPr lang="en-US" sz="1200" dirty="0">
-              <a:solidFill>
-                <a:srgbClr val="118EB0"/>
-              </a:solidFill>
-            </a:endParaRPr>
           </a:p>
         </p:txBody>
       </p:sp>
@@ -5634,7 +6392,7 @@
                         <m:dPr>
                           <m:ctrlPr>
                             <a:rPr lang="en-US" altLang="zh-CN" sz="2800" b="0" i="1" smtClean="0">
-                              <a:latin typeface="Cambria Math" panose="02040503050406030204" pitchFamily="18" charset="0"/>
+                              <a:latin typeface="Cambria Math" charset="0"/>
                             </a:rPr>
                           </m:ctrlPr>
                         </m:dPr>
@@ -5657,7 +6415,7 @@
                         <m:sSubPr>
                           <m:ctrlPr>
                             <a:rPr lang="en-US" altLang="zh-CN" sz="2800" b="0" i="1" smtClean="0">
-                              <a:latin typeface="Cambria Math" panose="02040503050406030204" pitchFamily="18" charset="0"/>
+                              <a:latin typeface="Cambria Math" charset="0"/>
                             </a:rPr>
                           </m:ctrlPr>
                         </m:sSubPr>
@@ -5682,7 +6440,7 @@
                         <m:sSupPr>
                           <m:ctrlPr>
                             <a:rPr lang="en-US" altLang="zh-CN" sz="2800" b="0" i="1" smtClean="0">
-                              <a:latin typeface="Cambria Math" panose="02040503050406030204" pitchFamily="18" charset="0"/>
+                              <a:latin typeface="Cambria Math" charset="0"/>
                             </a:rPr>
                           </m:ctrlPr>
                         </m:sSupPr>
@@ -5713,7 +6471,7 @@
                         <m:sSubPr>
                           <m:ctrlPr>
                             <a:rPr lang="en-US" altLang="zh-CN" sz="2800" b="0" i="1" smtClean="0">
-                              <a:latin typeface="Cambria Math" panose="02040503050406030204" pitchFamily="18" charset="0"/>
+                              <a:latin typeface="Cambria Math" charset="0"/>
                             </a:rPr>
                           </m:ctrlPr>
                         </m:sSubPr>
@@ -5738,7 +6496,7 @@
                         <m:sSupPr>
                           <m:ctrlPr>
                             <a:rPr lang="en-US" altLang="zh-CN" sz="2800" b="0" i="1" smtClean="0">
-                              <a:latin typeface="Cambria Math" panose="02040503050406030204" pitchFamily="18" charset="0"/>
+                              <a:latin typeface="Cambria Math" charset="0"/>
                             </a:rPr>
                           </m:ctrlPr>
                         </m:sSupPr>
@@ -5769,7 +6527,7 @@
                         <m:sSubPr>
                           <m:ctrlPr>
                             <a:rPr lang="en-US" altLang="zh-CN" sz="2800" b="0" i="1" smtClean="0">
-                              <a:latin typeface="Cambria Math" panose="02040503050406030204" pitchFamily="18" charset="0"/>
+                              <a:latin typeface="Cambria Math" charset="0"/>
                             </a:rPr>
                           </m:ctrlPr>
                         </m:sSubPr>
@@ -5806,7 +6564,7 @@
                         <m:sSubPr>
                           <m:ctrlPr>
                             <a:rPr lang="en-US" altLang="zh-CN" sz="2800" b="0" i="1" smtClean="0">
-                              <a:latin typeface="Cambria Math" panose="02040503050406030204" pitchFamily="18" charset="0"/>
+                              <a:latin typeface="Cambria Math" charset="0"/>
                             </a:rPr>
                           </m:ctrlPr>
                         </m:sSubPr>
@@ -5874,6 +6632,43 @@
           </p:sp>
         </mc:Fallback>
       </mc:AlternateContent>
+      <p:sp>
+        <p:nvSpPr>
+          <p:cNvPr id="8" name="Rectangle 7"/>
+          <p:cNvSpPr/>
+          <p:nvPr/>
+        </p:nvSpPr>
+        <p:spPr>
+          <a:xfrm>
+            <a:off x="0" y="6451738"/>
+            <a:ext cx="578428" cy="276999"/>
+          </a:xfrm>
+          <a:prstGeom prst="rect">
+            <a:avLst/>
+          </a:prstGeom>
+        </p:spPr>
+        <p:txBody>
+          <a:bodyPr wrap="none">
+            <a:spAutoFit/>
+          </a:bodyPr>
+          <a:lstStyle/>
+          <a:p>
+            <a:r>
+              <a:rPr lang="en-US" sz="1200" dirty="0" smtClean="0">
+                <a:solidFill>
+                  <a:srgbClr val="118EB0"/>
+                </a:solidFill>
+              </a:rPr>
+              <a:t>Fitting</a:t>
+            </a:r>
+            <a:endParaRPr lang="en-US" sz="1200" dirty="0">
+              <a:solidFill>
+                <a:srgbClr val="118EB0"/>
+              </a:solidFill>
+            </a:endParaRPr>
+          </a:p>
+        </p:txBody>
+      </p:sp>
     </p:spTree>
     <p:extLst>
       <p:ext uri="{BB962C8B-B14F-4D97-AF65-F5344CB8AC3E}">
@@ -5894,7 +6689,7 @@
 </p:sld>
 </file>
 
-<file path=ppt/slides/slide14.xml><?xml version="1.0" encoding="utf-8"?>
+<file path=ppt/slides/slide15.xml><?xml version="1.0" encoding="utf-8"?>
 <p:sld xmlns:a="http://schemas.openxmlformats.org/drawingml/2006/main" xmlns:r="http://schemas.openxmlformats.org/officeDocument/2006/relationships" xmlns:p="http://schemas.openxmlformats.org/presentationml/2006/main">
   <p:cSld>
     <p:spTree>
@@ -5987,7 +6782,7 @@
                       <m:sSubPr>
                         <m:ctrlPr>
                           <a:rPr lang="en-US" sz="2400" b="0" i="1" dirty="0" smtClean="0">
-                            <a:latin typeface="Cambria Math" panose="02040503050406030204" pitchFamily="18" charset="0"/>
+                            <a:latin typeface="Cambria Math" charset="0"/>
                           </a:rPr>
                         </m:ctrlPr>
                       </m:sSubPr>
@@ -6018,7 +6813,7 @@
                       <m:sSubPr>
                         <m:ctrlPr>
                           <a:rPr lang="en-US" sz="2400" b="0" i="1" dirty="0" smtClean="0">
-                            <a:latin typeface="Cambria Math" panose="02040503050406030204" pitchFamily="18" charset="0"/>
+                            <a:latin typeface="Cambria Math" charset="0"/>
                           </a:rPr>
                         </m:ctrlPr>
                       </m:sSubPr>
@@ -6049,7 +6844,7 @@
                       <m:sSubPr>
                         <m:ctrlPr>
                           <a:rPr lang="en-US" sz="2400" b="0" i="1" dirty="0" smtClean="0">
-                            <a:latin typeface="Cambria Math" panose="02040503050406030204" pitchFamily="18" charset="0"/>
+                            <a:latin typeface="Cambria Math" charset="0"/>
                           </a:rPr>
                         </m:ctrlPr>
                       </m:sSubPr>
@@ -6080,7 +6875,7 @@
                       <m:sSubPr>
                         <m:ctrlPr>
                           <a:rPr lang="en-US" sz="2400" b="0" i="1" dirty="0" smtClean="0">
-                            <a:latin typeface="Cambria Math" panose="02040503050406030204" pitchFamily="18" charset="0"/>
+                            <a:latin typeface="Cambria Math" charset="0"/>
                           </a:rPr>
                         </m:ctrlPr>
                       </m:sSubPr>
@@ -6323,43 +7118,6 @@
       </p:sp>
       <p:sp>
         <p:nvSpPr>
-          <p:cNvPr id="6" name="Rectangle 5"/>
-          <p:cNvSpPr/>
-          <p:nvPr/>
-        </p:nvSpPr>
-        <p:spPr>
-          <a:xfrm>
-            <a:off x="0" y="6451738"/>
-            <a:ext cx="1037664" cy="276999"/>
-          </a:xfrm>
-          <a:prstGeom prst="rect">
-            <a:avLst/>
-          </a:prstGeom>
-        </p:spPr>
-        <p:txBody>
-          <a:bodyPr wrap="none">
-            <a:spAutoFit/>
-          </a:bodyPr>
-          <a:lstStyle/>
-          <a:p>
-            <a:r>
-              <a:rPr lang="en-US" sz="1200" dirty="0" smtClean="0">
-                <a:solidFill>
-                  <a:srgbClr val="118EB0"/>
-                </a:solidFill>
-              </a:rPr>
-              <a:t>Administrivia</a:t>
-            </a:r>
-            <a:endParaRPr lang="en-US" sz="1200" dirty="0">
-              <a:solidFill>
-                <a:srgbClr val="118EB0"/>
-              </a:solidFill>
-            </a:endParaRPr>
-          </a:p>
-        </p:txBody>
-      </p:sp>
-      <p:sp>
-        <p:nvSpPr>
           <p:cNvPr id="7" name="TextBox 6"/>
           <p:cNvSpPr txBox="1"/>
           <p:nvPr/>
@@ -6438,7 +7196,7 @@
                         <m:dPr>
                           <m:ctrlPr>
                             <a:rPr lang="en-US" altLang="zh-CN" sz="2800" b="0" i="1" smtClean="0">
-                              <a:latin typeface="Cambria Math" panose="02040503050406030204" pitchFamily="18" charset="0"/>
+                              <a:latin typeface="Cambria Math" charset="0"/>
                             </a:rPr>
                           </m:ctrlPr>
                         </m:dPr>
@@ -6461,7 +7219,7 @@
                         <m:sSubPr>
                           <m:ctrlPr>
                             <a:rPr lang="en-US" altLang="zh-CN" sz="2800" b="0" i="1" smtClean="0">
-                              <a:latin typeface="Cambria Math" panose="02040503050406030204" pitchFamily="18" charset="0"/>
+                              <a:latin typeface="Cambria Math" charset="0"/>
                             </a:rPr>
                           </m:ctrlPr>
                         </m:sSubPr>
@@ -6486,7 +7244,7 @@
                         <m:sSupPr>
                           <m:ctrlPr>
                             <a:rPr lang="en-US" altLang="zh-CN" sz="2800" b="0" i="1" smtClean="0">
-                              <a:latin typeface="Cambria Math" panose="02040503050406030204" pitchFamily="18" charset="0"/>
+                              <a:latin typeface="Cambria Math" charset="0"/>
                             </a:rPr>
                           </m:ctrlPr>
                         </m:sSupPr>
@@ -6517,7 +7275,7 @@
                         <m:sSubPr>
                           <m:ctrlPr>
                             <a:rPr lang="en-US" altLang="zh-CN" sz="2800" b="0" i="1" smtClean="0">
-                              <a:latin typeface="Cambria Math" panose="02040503050406030204" pitchFamily="18" charset="0"/>
+                              <a:latin typeface="Cambria Math" charset="0"/>
                             </a:rPr>
                           </m:ctrlPr>
                         </m:sSubPr>
@@ -6542,7 +7300,7 @@
                         <m:sSupPr>
                           <m:ctrlPr>
                             <a:rPr lang="en-US" altLang="zh-CN" sz="2800" b="0" i="1" smtClean="0">
-                              <a:latin typeface="Cambria Math" panose="02040503050406030204" pitchFamily="18" charset="0"/>
+                              <a:latin typeface="Cambria Math" charset="0"/>
                             </a:rPr>
                           </m:ctrlPr>
                         </m:sSupPr>
@@ -6573,7 +7331,7 @@
                         <m:sSubPr>
                           <m:ctrlPr>
                             <a:rPr lang="en-US" altLang="zh-CN" sz="2800" b="0" i="1" smtClean="0">
-                              <a:latin typeface="Cambria Math" panose="02040503050406030204" pitchFamily="18" charset="0"/>
+                              <a:latin typeface="Cambria Math" charset="0"/>
                             </a:rPr>
                           </m:ctrlPr>
                         </m:sSubPr>
@@ -6610,7 +7368,7 @@
                         <m:sSubPr>
                           <m:ctrlPr>
                             <a:rPr lang="en-US" altLang="zh-CN" sz="2800" b="0" i="1" smtClean="0">
-                              <a:latin typeface="Cambria Math" panose="02040503050406030204" pitchFamily="18" charset="0"/>
+                              <a:latin typeface="Cambria Math" charset="0"/>
                             </a:rPr>
                           </m:ctrlPr>
                         </m:sSubPr>
@@ -6718,7 +7476,7 @@
                         <m:dPr>
                           <m:ctrlPr>
                             <a:rPr lang="en-US" altLang="zh-CN" sz="2800" b="0" i="1" smtClean="0">
-                              <a:latin typeface="Cambria Math" panose="02040503050406030204" pitchFamily="18" charset="0"/>
+                              <a:latin typeface="Cambria Math" charset="0"/>
                             </a:rPr>
                           </m:ctrlPr>
                         </m:dPr>
@@ -6741,7 +7499,7 @@
                         <m:sSupPr>
                           <m:ctrlPr>
                             <a:rPr lang="en-US" altLang="zh-CN" sz="2800" i="1" smtClean="0">
-                              <a:latin typeface="Cambria Math" panose="02040503050406030204" pitchFamily="18" charset="0"/>
+                              <a:latin typeface="Cambria Math" charset="0"/>
                             </a:rPr>
                           </m:ctrlPr>
                         </m:sSupPr>
@@ -6772,7 +7530,7 @@
                         <m:sSupPr>
                           <m:ctrlPr>
                             <a:rPr lang="en-US" altLang="zh-CN" sz="2800" i="1">
-                              <a:latin typeface="Cambria Math" panose="02040503050406030204" pitchFamily="18" charset="0"/>
+                              <a:latin typeface="Cambria Math" charset="0"/>
                             </a:rPr>
                           </m:ctrlPr>
                         </m:sSupPr>
@@ -6858,6 +7616,43 @@
           </p:sp>
         </mc:Fallback>
       </mc:AlternateContent>
+      <p:sp>
+        <p:nvSpPr>
+          <p:cNvPr id="10" name="Rectangle 9"/>
+          <p:cNvSpPr/>
+          <p:nvPr/>
+        </p:nvSpPr>
+        <p:spPr>
+          <a:xfrm>
+            <a:off x="0" y="6451738"/>
+            <a:ext cx="578428" cy="276999"/>
+          </a:xfrm>
+          <a:prstGeom prst="rect">
+            <a:avLst/>
+          </a:prstGeom>
+        </p:spPr>
+        <p:txBody>
+          <a:bodyPr wrap="none">
+            <a:spAutoFit/>
+          </a:bodyPr>
+          <a:lstStyle/>
+          <a:p>
+            <a:r>
+              <a:rPr lang="en-US" sz="1200" dirty="0" smtClean="0">
+                <a:solidFill>
+                  <a:srgbClr val="118EB0"/>
+                </a:solidFill>
+              </a:rPr>
+              <a:t>Fitting</a:t>
+            </a:r>
+            <a:endParaRPr lang="en-US" sz="1200" dirty="0">
+              <a:solidFill>
+                <a:srgbClr val="118EB0"/>
+              </a:solidFill>
+            </a:endParaRPr>
+          </a:p>
+        </p:txBody>
+      </p:sp>
     </p:spTree>
     <p:extLst>
       <p:ext uri="{BB962C8B-B14F-4D97-AF65-F5344CB8AC3E}">
@@ -7114,7 +7909,7 @@
 </p:sld>
 </file>
 
-<file path=ppt/slides/slide15.xml><?xml version="1.0" encoding="utf-8"?>
+<file path=ppt/slides/slide16.xml><?xml version="1.0" encoding="utf-8"?>
 <p:sld xmlns:a="http://schemas.openxmlformats.org/drawingml/2006/main" xmlns:r="http://schemas.openxmlformats.org/officeDocument/2006/relationships" xmlns:p="http://schemas.openxmlformats.org/presentationml/2006/main">
   <p:cSld>
     <p:spTree>
@@ -7308,43 +8103,6 @@
           <a:p>
             <a:pPr algn="ctr"/>
             <a:endParaRPr lang="en-US"/>
-          </a:p>
-        </p:txBody>
-      </p:sp>
-      <p:sp>
-        <p:nvSpPr>
-          <p:cNvPr id="6" name="Rectangle 5"/>
-          <p:cNvSpPr/>
-          <p:nvPr/>
-        </p:nvSpPr>
-        <p:spPr>
-          <a:xfrm>
-            <a:off x="0" y="6451738"/>
-            <a:ext cx="1037664" cy="276999"/>
-          </a:xfrm>
-          <a:prstGeom prst="rect">
-            <a:avLst/>
-          </a:prstGeom>
-        </p:spPr>
-        <p:txBody>
-          <a:bodyPr wrap="none">
-            <a:spAutoFit/>
-          </a:bodyPr>
-          <a:lstStyle/>
-          <a:p>
-            <a:r>
-              <a:rPr lang="en-US" sz="1200" dirty="0" smtClean="0">
-                <a:solidFill>
-                  <a:srgbClr val="118EB0"/>
-                </a:solidFill>
-              </a:rPr>
-              <a:t>Administrivia</a:t>
-            </a:r>
-            <a:endParaRPr lang="en-US" sz="1200" dirty="0">
-              <a:solidFill>
-                <a:srgbClr val="118EB0"/>
-              </a:solidFill>
-            </a:endParaRPr>
           </a:p>
         </p:txBody>
       </p:sp>
@@ -7427,7 +8185,7 @@
                         <m:dPr>
                           <m:ctrlPr>
                             <a:rPr lang="en-US" altLang="zh-CN" sz="2800" b="0" i="1" smtClean="0">
-                              <a:latin typeface="Cambria Math" panose="02040503050406030204" pitchFamily="18" charset="0"/>
+                              <a:latin typeface="Cambria Math" charset="0"/>
                             </a:rPr>
                           </m:ctrlPr>
                         </m:dPr>
@@ -7450,7 +8208,7 @@
                         <m:sSupPr>
                           <m:ctrlPr>
                             <a:rPr lang="en-US" altLang="zh-CN" sz="2800" i="1" smtClean="0">
-                              <a:latin typeface="Cambria Math" panose="02040503050406030204" pitchFamily="18" charset="0"/>
+                              <a:latin typeface="Cambria Math" charset="0"/>
                             </a:rPr>
                           </m:ctrlPr>
                         </m:sSupPr>
@@ -7481,7 +8239,7 @@
                         <m:sSupPr>
                           <m:ctrlPr>
                             <a:rPr lang="en-US" altLang="zh-CN" sz="2800" i="1">
-                              <a:latin typeface="Cambria Math" panose="02040503050406030204" pitchFamily="18" charset="0"/>
+                              <a:latin typeface="Cambria Math" charset="0"/>
                             </a:rPr>
                           </m:ctrlPr>
                         </m:sSupPr>
@@ -7736,6 +8494,43 @@
           </a:p>
         </p:txBody>
       </p:sp>
+      <p:sp>
+        <p:nvSpPr>
+          <p:cNvPr id="12" name="Rectangle 11"/>
+          <p:cNvSpPr/>
+          <p:nvPr/>
+        </p:nvSpPr>
+        <p:spPr>
+          <a:xfrm>
+            <a:off x="0" y="6451738"/>
+            <a:ext cx="578428" cy="276999"/>
+          </a:xfrm>
+          <a:prstGeom prst="rect">
+            <a:avLst/>
+          </a:prstGeom>
+        </p:spPr>
+        <p:txBody>
+          <a:bodyPr wrap="none">
+            <a:spAutoFit/>
+          </a:bodyPr>
+          <a:lstStyle/>
+          <a:p>
+            <a:r>
+              <a:rPr lang="en-US" sz="1200" dirty="0" smtClean="0">
+                <a:solidFill>
+                  <a:srgbClr val="118EB0"/>
+                </a:solidFill>
+              </a:rPr>
+              <a:t>Fitting</a:t>
+            </a:r>
+            <a:endParaRPr lang="en-US" sz="1200" dirty="0">
+              <a:solidFill>
+                <a:srgbClr val="118EB0"/>
+              </a:solidFill>
+            </a:endParaRPr>
+          </a:p>
+        </p:txBody>
+      </p:sp>
     </p:spTree>
     <p:extLst>
       <p:ext uri="{BB962C8B-B14F-4D97-AF65-F5344CB8AC3E}">
@@ -7931,7 +8726,7 @@
 </p:sld>
 </file>
 
-<file path=ppt/slides/slide16.xml><?xml version="1.0" encoding="utf-8"?>
+<file path=ppt/slides/slide17.xml><?xml version="1.0" encoding="utf-8"?>
 <p:sld xmlns:a="http://schemas.openxmlformats.org/drawingml/2006/main" xmlns:r="http://schemas.openxmlformats.org/officeDocument/2006/relationships" xmlns:p="http://schemas.openxmlformats.org/presentationml/2006/main">
   <p:cSld>
     <p:spTree>
@@ -8116,43 +8911,6 @@
           <a:p>
             <a:pPr algn="ctr"/>
             <a:endParaRPr lang="en-US"/>
-          </a:p>
-        </p:txBody>
-      </p:sp>
-      <p:sp>
-        <p:nvSpPr>
-          <p:cNvPr id="6" name="Rectangle 5"/>
-          <p:cNvSpPr/>
-          <p:nvPr/>
-        </p:nvSpPr>
-        <p:spPr>
-          <a:xfrm>
-            <a:off x="0" y="6451738"/>
-            <a:ext cx="1037664" cy="276999"/>
-          </a:xfrm>
-          <a:prstGeom prst="rect">
-            <a:avLst/>
-          </a:prstGeom>
-        </p:spPr>
-        <p:txBody>
-          <a:bodyPr wrap="none">
-            <a:spAutoFit/>
-          </a:bodyPr>
-          <a:lstStyle/>
-          <a:p>
-            <a:r>
-              <a:rPr lang="en-US" sz="1200" dirty="0" smtClean="0">
-                <a:solidFill>
-                  <a:srgbClr val="118EB0"/>
-                </a:solidFill>
-              </a:rPr>
-              <a:t>Administrivia</a:t>
-            </a:r>
-            <a:endParaRPr lang="en-US" sz="1200" dirty="0">
-              <a:solidFill>
-                <a:srgbClr val="118EB0"/>
-              </a:solidFill>
-            </a:endParaRPr>
           </a:p>
         </p:txBody>
       </p:sp>
@@ -8688,308 +9446,16 @@
           </a:p>
         </p:txBody>
       </p:sp>
-    </p:spTree>
-    <p:extLst>
-      <p:ext uri="{BB962C8B-B14F-4D97-AF65-F5344CB8AC3E}">
-        <p14:creationId xmlns:p14="http://schemas.microsoft.com/office/powerpoint/2010/main" val="2800173523"/>
-      </p:ext>
-    </p:extLst>
-  </p:cSld>
-  <p:clrMapOvr>
-    <a:masterClrMapping/>
-  </p:clrMapOvr>
-  <p:timing>
-    <p:tnLst>
-      <p:par>
-        <p:cTn id="1" dur="indefinite" restart="never" nodeType="tmRoot">
-          <p:childTnLst>
-            <p:seq concurrent="1" nextAc="seek">
-              <p:cTn id="2" dur="indefinite" nodeType="mainSeq">
-                <p:childTnLst>
-                  <p:par>
-                    <p:cTn id="3" fill="hold">
-                      <p:stCondLst>
-                        <p:cond delay="indefinite"/>
-                      </p:stCondLst>
-                      <p:childTnLst>
-                        <p:par>
-                          <p:cTn id="4" fill="hold">
-                            <p:stCondLst>
-                              <p:cond delay="0"/>
-                            </p:stCondLst>
-                            <p:childTnLst>
-                              <p:par>
-                                <p:cTn id="5" presetID="10" presetClass="entr" presetSubtype="0" fill="hold" nodeType="clickEffect">
-                                  <p:stCondLst>
-                                    <p:cond delay="0"/>
-                                  </p:stCondLst>
-                                  <p:childTnLst>
-                                    <p:set>
-                                      <p:cBhvr>
-                                        <p:cTn id="6" dur="1" fill="hold">
-                                          <p:stCondLst>
-                                            <p:cond delay="0"/>
-                                          </p:stCondLst>
-                                        </p:cTn>
-                                        <p:tgtEl>
-                                          <p:spTgt spid="3">
-                                            <p:txEl>
-                                              <p:pRg st="6" end="6"/>
-                                            </p:txEl>
-                                          </p:spTgt>
-                                        </p:tgtEl>
-                                        <p:attrNameLst>
-                                          <p:attrName>style.visibility</p:attrName>
-                                        </p:attrNameLst>
-                                      </p:cBhvr>
-                                      <p:to>
-                                        <p:strVal val="visible"/>
-                                      </p:to>
-                                    </p:set>
-                                    <p:animEffect transition="in" filter="fade">
-                                      <p:cBhvr>
-                                        <p:cTn id="7" dur="500"/>
-                                        <p:tgtEl>
-                                          <p:spTgt spid="3">
-                                            <p:txEl>
-                                              <p:pRg st="6" end="6"/>
-                                            </p:txEl>
-                                          </p:spTgt>
-                                        </p:tgtEl>
-                                      </p:cBhvr>
-                                    </p:animEffect>
-                                  </p:childTnLst>
-                                </p:cTn>
-                              </p:par>
-                            </p:childTnLst>
-                          </p:cTn>
-                        </p:par>
-                      </p:childTnLst>
-                    </p:cTn>
-                  </p:par>
-                </p:childTnLst>
-              </p:cTn>
-              <p:prevCondLst>
-                <p:cond evt="onPrev" delay="0">
-                  <p:tgtEl>
-                    <p:sldTgt/>
-                  </p:tgtEl>
-                </p:cond>
-              </p:prevCondLst>
-              <p:nextCondLst>
-                <p:cond evt="onNext" delay="0">
-                  <p:tgtEl>
-                    <p:sldTgt/>
-                  </p:tgtEl>
-                </p:cond>
-              </p:nextCondLst>
-            </p:seq>
-          </p:childTnLst>
-        </p:cTn>
-      </p:par>
-    </p:tnLst>
-  </p:timing>
-</p:sld>
-</file>
-
-<file path=ppt/slides/slide17.xml><?xml version="1.0" encoding="utf-8"?>
-<p:sld xmlns:a="http://schemas.openxmlformats.org/drawingml/2006/main" xmlns:r="http://schemas.openxmlformats.org/officeDocument/2006/relationships" xmlns:p="http://schemas.openxmlformats.org/presentationml/2006/main">
-  <p:cSld>
-    <p:spTree>
-      <p:nvGrpSpPr>
-        <p:cNvPr id="1" name=""/>
-        <p:cNvGrpSpPr/>
-        <p:nvPr/>
-      </p:nvGrpSpPr>
-      <p:grpSpPr>
-        <a:xfrm>
-          <a:off x="0" y="0"/>
-          <a:ext cx="0" cy="0"/>
-          <a:chOff x="0" y="0"/>
-          <a:chExt cx="0" cy="0"/>
-        </a:xfrm>
-      </p:grpSpPr>
-      <p:sp>
-        <p:nvSpPr>
-          <p:cNvPr id="3" name="Content Placeholder 2"/>
-          <p:cNvSpPr>
-            <a:spLocks noGrp="1"/>
-          </p:cNvSpPr>
-          <p:nvPr>
-            <p:ph idx="1"/>
-          </p:nvPr>
-        </p:nvSpPr>
-        <p:spPr>
-          <a:xfrm>
-            <a:off x="457199" y="1600201"/>
-            <a:ext cx="7754471" cy="4988858"/>
-          </a:xfrm>
-        </p:spPr>
-        <p:txBody>
-          <a:bodyPr>
-            <a:normAutofit/>
-          </a:bodyPr>
-          <a:lstStyle/>
-          <a:p>
-            <a:endParaRPr lang="en-US" dirty="0" smtClean="0"/>
-          </a:p>
-          <a:p>
-            <a:endParaRPr lang="en-US" dirty="0"/>
-          </a:p>
-          <a:p>
-            <a:endParaRPr lang="en-US" dirty="0" smtClean="0"/>
-          </a:p>
-          <a:p>
-            <a:pPr marL="0" indent="0">
-              <a:buNone/>
-            </a:pPr>
-            <a:endParaRPr lang="en-US" altLang="zh-CN" i="1" dirty="0" smtClean="0">
-              <a:latin typeface="Cambria Math" panose="02040503050406030204" pitchFamily="18" charset="0"/>
-            </a:endParaRPr>
-          </a:p>
-          <a:p>
-            <a:endParaRPr lang="en-US" dirty="0"/>
-          </a:p>
-          <a:p>
-            <a:endParaRPr lang="en-US" dirty="0" smtClean="0"/>
-          </a:p>
-          <a:p>
-            <a:pPr marL="0" indent="0">
-              <a:buNone/>
-            </a:pPr>
-            <a:r>
-              <a:rPr lang="en-US" dirty="0" smtClean="0"/>
-              <a:t>  </a:t>
-            </a:r>
-            <a:endParaRPr lang="en-US" dirty="0"/>
-          </a:p>
-          <a:p>
-            <a:pPr marL="0" indent="0">
-              <a:buNone/>
-            </a:pPr>
-            <a:endParaRPr lang="en-US" dirty="0" smtClean="0"/>
-          </a:p>
-          <a:p>
-            <a:pPr marL="0" indent="0">
-              <a:buNone/>
-            </a:pPr>
-            <a:endParaRPr lang="en-US" dirty="0" smtClean="0"/>
-          </a:p>
-          <a:p>
-            <a:pPr marL="0" indent="0">
-              <a:buNone/>
-            </a:pPr>
-            <a:endParaRPr lang="en-US" dirty="0" smtClean="0"/>
-          </a:p>
-        </p:txBody>
-      </p:sp>
-      <p:sp>
-        <p:nvSpPr>
-          <p:cNvPr id="4" name="Rectangle 3"/>
-          <p:cNvSpPr/>
-          <p:nvPr/>
-        </p:nvSpPr>
-        <p:spPr>
-          <a:xfrm>
-            <a:off x="0" y="-7550"/>
-            <a:ext cx="9144000" cy="1228835"/>
-          </a:xfrm>
-          <a:prstGeom prst="rect">
-            <a:avLst/>
-          </a:prstGeom>
-          <a:solidFill>
-            <a:srgbClr val="3DBFDB"/>
-          </a:solidFill>
-          <a:ln>
-            <a:noFill/>
-          </a:ln>
-          <a:effectLst/>
-        </p:spPr>
-        <p:style>
-          <a:lnRef idx="1">
-            <a:schemeClr val="accent1"/>
-          </a:lnRef>
-          <a:fillRef idx="3">
-            <a:schemeClr val="accent1"/>
-          </a:fillRef>
-          <a:effectRef idx="2">
-            <a:schemeClr val="accent1"/>
-          </a:effectRef>
-          <a:fontRef idx="minor">
-            <a:schemeClr val="lt1"/>
-          </a:fontRef>
-        </p:style>
-        <p:txBody>
-          <a:bodyPr rtlCol="0" anchor="ctr"/>
-          <a:lstStyle/>
-          <a:p>
-            <a:r>
-              <a:rPr lang="en-US" sz="4000" b="1" dirty="0" smtClean="0"/>
-              <a:t>   </a:t>
-            </a:r>
-            <a:r>
-              <a:rPr lang="en-US" sz="4000" i="1" dirty="0" smtClean="0"/>
-              <a:t>Fitting data with a polynomial</a:t>
-            </a:r>
-            <a:endParaRPr lang="en-US" sz="4000" i="1" dirty="0"/>
-          </a:p>
-        </p:txBody>
-      </p:sp>
-      <p:sp>
-        <p:nvSpPr>
-          <p:cNvPr id="5" name="Rectangle 4"/>
-          <p:cNvSpPr/>
-          <p:nvPr/>
-        </p:nvSpPr>
-        <p:spPr>
-          <a:xfrm>
-            <a:off x="0" y="6737478"/>
-            <a:ext cx="9144000" cy="120522"/>
-          </a:xfrm>
-          <a:prstGeom prst="rect">
-            <a:avLst/>
-          </a:prstGeom>
-          <a:solidFill>
-            <a:srgbClr val="3DBFDB"/>
-          </a:solidFill>
-          <a:ln>
-            <a:noFill/>
-          </a:ln>
-          <a:effectLst/>
-        </p:spPr>
-        <p:style>
-          <a:lnRef idx="1">
-            <a:schemeClr val="accent1"/>
-          </a:lnRef>
-          <a:fillRef idx="3">
-            <a:schemeClr val="accent1"/>
-          </a:fillRef>
-          <a:effectRef idx="2">
-            <a:schemeClr val="accent1"/>
-          </a:effectRef>
-          <a:fontRef idx="minor">
-            <a:schemeClr val="lt1"/>
-          </a:fontRef>
-        </p:style>
-        <p:txBody>
-          <a:bodyPr rtlCol="0" anchor="ctr"/>
-          <a:lstStyle/>
-          <a:p>
-            <a:pPr algn="ctr"/>
-            <a:endParaRPr lang="en-US"/>
-          </a:p>
-        </p:txBody>
-      </p:sp>
-      <p:sp>
-        <p:nvSpPr>
-          <p:cNvPr id="6" name="Rectangle 5"/>
+      <p:sp>
+        <p:nvSpPr>
+          <p:cNvPr id="9" name="Rectangle 8"/>
           <p:cNvSpPr/>
           <p:nvPr/>
         </p:nvSpPr>
         <p:spPr>
           <a:xfrm>
             <a:off x="0" y="6451738"/>
-            <a:ext cx="1037664" cy="276999"/>
+            <a:ext cx="578428" cy="276999"/>
           </a:xfrm>
           <a:prstGeom prst="rect">
             <a:avLst/>
@@ -9007,7 +9473,7 @@
                   <a:srgbClr val="118EB0"/>
                 </a:solidFill>
               </a:rPr>
-              <a:t>Administrivia</a:t>
+              <a:t>Fitting</a:t>
             </a:r>
             <a:endParaRPr lang="en-US" sz="1200" dirty="0">
               <a:solidFill>
@@ -9017,73 +9483,10 @@
           </a:p>
         </p:txBody>
       </p:sp>
-      <p:sp>
-        <p:nvSpPr>
-          <p:cNvPr id="7" name="TextBox 6"/>
-          <p:cNvSpPr txBox="1"/>
-          <p:nvPr/>
-        </p:nvSpPr>
-        <p:spPr>
-          <a:xfrm>
-            <a:off x="8869998" y="6453063"/>
-            <a:ext cx="262662" cy="276999"/>
-          </a:xfrm>
-          <a:prstGeom prst="rect">
-            <a:avLst/>
-          </a:prstGeom>
-          <a:noFill/>
-        </p:spPr>
-        <p:txBody>
-          <a:bodyPr wrap="none" rtlCol="0">
-            <a:spAutoFit/>
-          </a:bodyPr>
-          <a:lstStyle/>
-          <a:p>
-            <a:pPr algn="r"/>
-            <a:r>
-              <a:rPr lang="en-US" sz="1200" dirty="0" smtClean="0">
-                <a:solidFill>
-                  <a:srgbClr val="118EB0"/>
-                </a:solidFill>
-              </a:rPr>
-              <a:t>1</a:t>
-            </a:r>
-            <a:endParaRPr lang="en-US" sz="1200" dirty="0">
-              <a:solidFill>
-                <a:srgbClr val="118EB0"/>
-              </a:solidFill>
-            </a:endParaRPr>
-          </a:p>
-        </p:txBody>
-      </p:sp>
-      <p:pic>
-        <p:nvPicPr>
-          <p:cNvPr id="2" name="Picture 1"/>
-          <p:cNvPicPr>
-            <a:picLocks noChangeAspect="1"/>
-          </p:cNvPicPr>
-          <p:nvPr/>
-        </p:nvPicPr>
-        <p:blipFill>
-          <a:blip r:embed="rId2"/>
-          <a:stretch>
-            <a:fillRect/>
-          </a:stretch>
-        </p:blipFill>
-        <p:spPr>
-          <a:xfrm>
-            <a:off x="1577099" y="1369704"/>
-            <a:ext cx="5989801" cy="5030860"/>
-          </a:xfrm>
-          <a:prstGeom prst="rect">
-            <a:avLst/>
-          </a:prstGeom>
-        </p:spPr>
-      </p:pic>
     </p:spTree>
     <p:extLst>
       <p:ext uri="{BB962C8B-B14F-4D97-AF65-F5344CB8AC3E}">
-        <p14:creationId xmlns:p14="http://schemas.microsoft.com/office/powerpoint/2010/main" val="368323623"/>
+        <p14:creationId xmlns:p14="http://schemas.microsoft.com/office/powerpoint/2010/main" val="2800173523"/>
       </p:ext>
     </p:extLst>
   </p:cSld>
@@ -9214,7 +9617,7 @@
         <p:spPr>
           <a:xfrm>
             <a:off x="457199" y="1600201"/>
-            <a:ext cx="7593107" cy="1250575"/>
+            <a:ext cx="7754471" cy="4988858"/>
           </a:xfrm>
         </p:spPr>
         <p:txBody>
@@ -9223,6 +9626,42 @@
           </a:bodyPr>
           <a:lstStyle/>
           <a:p>
+            <a:endParaRPr lang="en-US" dirty="0" smtClean="0"/>
+          </a:p>
+          <a:p>
+            <a:endParaRPr lang="en-US" dirty="0"/>
+          </a:p>
+          <a:p>
+            <a:endParaRPr lang="en-US" dirty="0" smtClean="0"/>
+          </a:p>
+          <a:p>
+            <a:pPr marL="0" indent="0">
+              <a:buNone/>
+            </a:pPr>
+            <a:endParaRPr lang="en-US" altLang="zh-CN" i="1" dirty="0" smtClean="0">
+              <a:latin typeface="Cambria Math" panose="02040503050406030204" pitchFamily="18" charset="0"/>
+            </a:endParaRPr>
+          </a:p>
+          <a:p>
+            <a:endParaRPr lang="en-US" dirty="0"/>
+          </a:p>
+          <a:p>
+            <a:endParaRPr lang="en-US" dirty="0" smtClean="0"/>
+          </a:p>
+          <a:p>
+            <a:pPr marL="0" indent="0">
+              <a:buNone/>
+            </a:pPr>
+            <a:r>
+              <a:rPr lang="en-US" dirty="0" smtClean="0"/>
+              <a:t>  </a:t>
+            </a:r>
+            <a:endParaRPr lang="en-US" dirty="0"/>
+          </a:p>
+          <a:p>
+            <a:pPr marL="0" indent="0">
+              <a:buNone/>
+            </a:pPr>
             <a:endParaRPr lang="en-US" dirty="0" smtClean="0"/>
           </a:p>
           <a:p>
@@ -9375,6 +9814,362 @@
           </a:p>
         </p:txBody>
       </p:sp>
+      <p:pic>
+        <p:nvPicPr>
+          <p:cNvPr id="2" name="Picture 1"/>
+          <p:cNvPicPr>
+            <a:picLocks noChangeAspect="1"/>
+          </p:cNvPicPr>
+          <p:nvPr/>
+        </p:nvPicPr>
+        <p:blipFill>
+          <a:blip r:embed="rId2"/>
+          <a:stretch>
+            <a:fillRect/>
+          </a:stretch>
+        </p:blipFill>
+        <p:spPr>
+          <a:xfrm>
+            <a:off x="1577099" y="1369704"/>
+            <a:ext cx="5989801" cy="5030860"/>
+          </a:xfrm>
+          <a:prstGeom prst="rect">
+            <a:avLst/>
+          </a:prstGeom>
+        </p:spPr>
+      </p:pic>
+      <p:sp>
+        <p:nvSpPr>
+          <p:cNvPr id="8" name="Rectangle 7"/>
+          <p:cNvSpPr/>
+          <p:nvPr/>
+        </p:nvSpPr>
+        <p:spPr>
+          <a:xfrm>
+            <a:off x="0" y="6451738"/>
+            <a:ext cx="578428" cy="276999"/>
+          </a:xfrm>
+          <a:prstGeom prst="rect">
+            <a:avLst/>
+          </a:prstGeom>
+        </p:spPr>
+        <p:txBody>
+          <a:bodyPr wrap="none">
+            <a:spAutoFit/>
+          </a:bodyPr>
+          <a:lstStyle/>
+          <a:p>
+            <a:r>
+              <a:rPr lang="en-US" sz="1200" dirty="0" smtClean="0">
+                <a:solidFill>
+                  <a:srgbClr val="118EB0"/>
+                </a:solidFill>
+              </a:rPr>
+              <a:t>Fitting</a:t>
+            </a:r>
+            <a:endParaRPr lang="en-US" sz="1200" dirty="0">
+              <a:solidFill>
+                <a:srgbClr val="118EB0"/>
+              </a:solidFill>
+            </a:endParaRPr>
+          </a:p>
+        </p:txBody>
+      </p:sp>
+    </p:spTree>
+    <p:extLst>
+      <p:ext uri="{BB962C8B-B14F-4D97-AF65-F5344CB8AC3E}">
+        <p14:creationId xmlns:p14="http://schemas.microsoft.com/office/powerpoint/2010/main" val="368323623"/>
+      </p:ext>
+    </p:extLst>
+  </p:cSld>
+  <p:clrMapOvr>
+    <a:masterClrMapping/>
+  </p:clrMapOvr>
+  <p:timing>
+    <p:tnLst>
+      <p:par>
+        <p:cTn id="1" dur="indefinite" restart="never" nodeType="tmRoot">
+          <p:childTnLst>
+            <p:seq concurrent="1" nextAc="seek">
+              <p:cTn id="2" dur="indefinite" nodeType="mainSeq">
+                <p:childTnLst>
+                  <p:par>
+                    <p:cTn id="3" fill="hold">
+                      <p:stCondLst>
+                        <p:cond delay="indefinite"/>
+                      </p:stCondLst>
+                      <p:childTnLst>
+                        <p:par>
+                          <p:cTn id="4" fill="hold">
+                            <p:stCondLst>
+                              <p:cond delay="0"/>
+                            </p:stCondLst>
+                            <p:childTnLst>
+                              <p:par>
+                                <p:cTn id="5" presetID="10" presetClass="entr" presetSubtype="0" fill="hold" nodeType="clickEffect">
+                                  <p:stCondLst>
+                                    <p:cond delay="0"/>
+                                  </p:stCondLst>
+                                  <p:childTnLst>
+                                    <p:set>
+                                      <p:cBhvr>
+                                        <p:cTn id="6" dur="1" fill="hold">
+                                          <p:stCondLst>
+                                            <p:cond delay="0"/>
+                                          </p:stCondLst>
+                                        </p:cTn>
+                                        <p:tgtEl>
+                                          <p:spTgt spid="3">
+                                            <p:txEl>
+                                              <p:pRg st="6" end="6"/>
+                                            </p:txEl>
+                                          </p:spTgt>
+                                        </p:tgtEl>
+                                        <p:attrNameLst>
+                                          <p:attrName>style.visibility</p:attrName>
+                                        </p:attrNameLst>
+                                      </p:cBhvr>
+                                      <p:to>
+                                        <p:strVal val="visible"/>
+                                      </p:to>
+                                    </p:set>
+                                    <p:animEffect transition="in" filter="fade">
+                                      <p:cBhvr>
+                                        <p:cTn id="7" dur="500"/>
+                                        <p:tgtEl>
+                                          <p:spTgt spid="3">
+                                            <p:txEl>
+                                              <p:pRg st="6" end="6"/>
+                                            </p:txEl>
+                                          </p:spTgt>
+                                        </p:tgtEl>
+                                      </p:cBhvr>
+                                    </p:animEffect>
+                                  </p:childTnLst>
+                                </p:cTn>
+                              </p:par>
+                            </p:childTnLst>
+                          </p:cTn>
+                        </p:par>
+                      </p:childTnLst>
+                    </p:cTn>
+                  </p:par>
+                </p:childTnLst>
+              </p:cTn>
+              <p:prevCondLst>
+                <p:cond evt="onPrev" delay="0">
+                  <p:tgtEl>
+                    <p:sldTgt/>
+                  </p:tgtEl>
+                </p:cond>
+              </p:prevCondLst>
+              <p:nextCondLst>
+                <p:cond evt="onNext" delay="0">
+                  <p:tgtEl>
+                    <p:sldTgt/>
+                  </p:tgtEl>
+                </p:cond>
+              </p:nextCondLst>
+            </p:seq>
+          </p:childTnLst>
+        </p:cTn>
+      </p:par>
+    </p:tnLst>
+  </p:timing>
+</p:sld>
+</file>
+
+<file path=ppt/slides/slide19.xml><?xml version="1.0" encoding="utf-8"?>
+<p:sld xmlns:a="http://schemas.openxmlformats.org/drawingml/2006/main" xmlns:r="http://schemas.openxmlformats.org/officeDocument/2006/relationships" xmlns:p="http://schemas.openxmlformats.org/presentationml/2006/main">
+  <p:cSld>
+    <p:spTree>
+      <p:nvGrpSpPr>
+        <p:cNvPr id="1" name=""/>
+        <p:cNvGrpSpPr/>
+        <p:nvPr/>
+      </p:nvGrpSpPr>
+      <p:grpSpPr>
+        <a:xfrm>
+          <a:off x="0" y="0"/>
+          <a:ext cx="0" cy="0"/>
+          <a:chOff x="0" y="0"/>
+          <a:chExt cx="0" cy="0"/>
+        </a:xfrm>
+      </p:grpSpPr>
+      <p:sp>
+        <p:nvSpPr>
+          <p:cNvPr id="3" name="Content Placeholder 2"/>
+          <p:cNvSpPr>
+            <a:spLocks noGrp="1"/>
+          </p:cNvSpPr>
+          <p:nvPr>
+            <p:ph idx="1"/>
+          </p:nvPr>
+        </p:nvSpPr>
+        <p:spPr>
+          <a:xfrm>
+            <a:off x="457199" y="1600201"/>
+            <a:ext cx="7593107" cy="1250575"/>
+          </a:xfrm>
+        </p:spPr>
+        <p:txBody>
+          <a:bodyPr>
+            <a:normAutofit/>
+          </a:bodyPr>
+          <a:lstStyle/>
+          <a:p>
+            <a:endParaRPr lang="en-US" dirty="0" smtClean="0"/>
+          </a:p>
+          <a:p>
+            <a:pPr marL="0" indent="0">
+              <a:buNone/>
+            </a:pPr>
+            <a:endParaRPr lang="en-US" dirty="0" smtClean="0"/>
+          </a:p>
+          <a:p>
+            <a:pPr marL="0" indent="0">
+              <a:buNone/>
+            </a:pPr>
+            <a:endParaRPr lang="en-US" dirty="0" smtClean="0"/>
+          </a:p>
+        </p:txBody>
+      </p:sp>
+      <p:sp>
+        <p:nvSpPr>
+          <p:cNvPr id="4" name="Rectangle 3"/>
+          <p:cNvSpPr/>
+          <p:nvPr/>
+        </p:nvSpPr>
+        <p:spPr>
+          <a:xfrm>
+            <a:off x="0" y="-7550"/>
+            <a:ext cx="9144000" cy="1228835"/>
+          </a:xfrm>
+          <a:prstGeom prst="rect">
+            <a:avLst/>
+          </a:prstGeom>
+          <a:solidFill>
+            <a:srgbClr val="3DBFDB"/>
+          </a:solidFill>
+          <a:ln>
+            <a:noFill/>
+          </a:ln>
+          <a:effectLst/>
+        </p:spPr>
+        <p:style>
+          <a:lnRef idx="1">
+            <a:schemeClr val="accent1"/>
+          </a:lnRef>
+          <a:fillRef idx="3">
+            <a:schemeClr val="accent1"/>
+          </a:fillRef>
+          <a:effectRef idx="2">
+            <a:schemeClr val="accent1"/>
+          </a:effectRef>
+          <a:fontRef idx="minor">
+            <a:schemeClr val="lt1"/>
+          </a:fontRef>
+        </p:style>
+        <p:txBody>
+          <a:bodyPr rtlCol="0" anchor="ctr"/>
+          <a:lstStyle/>
+          <a:p>
+            <a:r>
+              <a:rPr lang="en-US" sz="4000" b="1" dirty="0" smtClean="0"/>
+              <a:t>   </a:t>
+            </a:r>
+            <a:r>
+              <a:rPr lang="en-US" sz="4000" i="1" dirty="0" smtClean="0"/>
+              <a:t>Fitting data with a polynomial</a:t>
+            </a:r>
+            <a:endParaRPr lang="en-US" sz="4000" i="1" dirty="0"/>
+          </a:p>
+        </p:txBody>
+      </p:sp>
+      <p:sp>
+        <p:nvSpPr>
+          <p:cNvPr id="5" name="Rectangle 4"/>
+          <p:cNvSpPr/>
+          <p:nvPr/>
+        </p:nvSpPr>
+        <p:spPr>
+          <a:xfrm>
+            <a:off x="0" y="6737478"/>
+            <a:ext cx="9144000" cy="120522"/>
+          </a:xfrm>
+          <a:prstGeom prst="rect">
+            <a:avLst/>
+          </a:prstGeom>
+          <a:solidFill>
+            <a:srgbClr val="3DBFDB"/>
+          </a:solidFill>
+          <a:ln>
+            <a:noFill/>
+          </a:ln>
+          <a:effectLst/>
+        </p:spPr>
+        <p:style>
+          <a:lnRef idx="1">
+            <a:schemeClr val="accent1"/>
+          </a:lnRef>
+          <a:fillRef idx="3">
+            <a:schemeClr val="accent1"/>
+          </a:fillRef>
+          <a:effectRef idx="2">
+            <a:schemeClr val="accent1"/>
+          </a:effectRef>
+          <a:fontRef idx="minor">
+            <a:schemeClr val="lt1"/>
+          </a:fontRef>
+        </p:style>
+        <p:txBody>
+          <a:bodyPr rtlCol="0" anchor="ctr"/>
+          <a:lstStyle/>
+          <a:p>
+            <a:pPr algn="ctr"/>
+            <a:endParaRPr lang="en-US"/>
+          </a:p>
+        </p:txBody>
+      </p:sp>
+      <p:sp>
+        <p:nvSpPr>
+          <p:cNvPr id="7" name="TextBox 6"/>
+          <p:cNvSpPr txBox="1"/>
+          <p:nvPr/>
+        </p:nvSpPr>
+        <p:spPr>
+          <a:xfrm>
+            <a:off x="8869998" y="6453063"/>
+            <a:ext cx="262662" cy="276999"/>
+          </a:xfrm>
+          <a:prstGeom prst="rect">
+            <a:avLst/>
+          </a:prstGeom>
+          <a:noFill/>
+        </p:spPr>
+        <p:txBody>
+          <a:bodyPr wrap="none" rtlCol="0">
+            <a:spAutoFit/>
+          </a:bodyPr>
+          <a:lstStyle/>
+          <a:p>
+            <a:pPr algn="r"/>
+            <a:r>
+              <a:rPr lang="en-US" sz="1200" dirty="0" smtClean="0">
+                <a:solidFill>
+                  <a:srgbClr val="118EB0"/>
+                </a:solidFill>
+              </a:rPr>
+              <a:t>1</a:t>
+            </a:r>
+            <a:endParaRPr lang="en-US" sz="1200" dirty="0">
+              <a:solidFill>
+                <a:srgbClr val="118EB0"/>
+              </a:solidFill>
+            </a:endParaRPr>
+          </a:p>
+        </p:txBody>
+      </p:sp>
       <p:sp>
         <p:nvSpPr>
           <p:cNvPr id="11" name="TextBox 10"/>
@@ -9471,14 +10266,14 @@
               <a:t>polyfit</a:t>
             </a:r>
             <a:r>
-              <a:rPr lang="en-US" altLang="zh-CN" dirty="0" smtClean="0">
+              <a:rPr lang="en-US" altLang="zh-CN" smtClean="0">
                 <a:latin typeface="Courier New" panose="02070309020205020404" pitchFamily="49" charset="0"/>
                 <a:cs typeface="Courier New" panose="02070309020205020404" pitchFamily="49" charset="0"/>
               </a:rPr>
               <a:t>(x,y,</a:t>
             </a:r>
             <a:r>
-              <a:rPr lang="en-US" altLang="zh-CN" dirty="0" smtClean="0">
+              <a:rPr lang="en-US" altLang="zh-CN" smtClean="0">
                 <a:solidFill>
                   <a:srgbClr val="FF0000"/>
                 </a:solidFill>
@@ -9488,7 +10283,7 @@
               <a:t>10</a:t>
             </a:r>
             <a:r>
-              <a:rPr lang="en-US" altLang="zh-CN" dirty="0" smtClean="0">
+              <a:rPr lang="en-US" altLang="zh-CN" smtClean="0">
                 <a:latin typeface="Courier New" panose="02070309020205020404" pitchFamily="49" charset="0"/>
                 <a:cs typeface="Courier New" panose="02070309020205020404" pitchFamily="49" charset="0"/>
               </a:rPr>
@@ -9957,188 +10752,16 @@
           </a:p>
         </p:txBody>
       </p:sp>
-    </p:spTree>
-    <p:extLst>
-      <p:ext uri="{BB962C8B-B14F-4D97-AF65-F5344CB8AC3E}">
-        <p14:creationId xmlns:p14="http://schemas.microsoft.com/office/powerpoint/2010/main" val="3548094737"/>
-      </p:ext>
-    </p:extLst>
-  </p:cSld>
-  <p:clrMapOvr>
-    <a:masterClrMapping/>
-  </p:clrMapOvr>
-  <p:timing>
-    <p:tnLst>
-      <p:par>
-        <p:cTn id="1" dur="indefinite" restart="never" nodeType="tmRoot"/>
-      </p:par>
-    </p:tnLst>
-  </p:timing>
-</p:sld>
-</file>
-
-<file path=ppt/slides/slide19.xml><?xml version="1.0" encoding="utf-8"?>
-<p:sld xmlns:a="http://schemas.openxmlformats.org/drawingml/2006/main" xmlns:r="http://schemas.openxmlformats.org/officeDocument/2006/relationships" xmlns:p="http://schemas.openxmlformats.org/presentationml/2006/main">
-  <p:cSld>
-    <p:spTree>
-      <p:nvGrpSpPr>
-        <p:cNvPr id="1" name=""/>
-        <p:cNvGrpSpPr/>
-        <p:nvPr/>
-      </p:nvGrpSpPr>
-      <p:grpSpPr>
-        <a:xfrm>
-          <a:off x="0" y="0"/>
-          <a:ext cx="0" cy="0"/>
-          <a:chOff x="0" y="0"/>
-          <a:chExt cx="0" cy="0"/>
-        </a:xfrm>
-      </p:grpSpPr>
-      <p:sp>
-        <p:nvSpPr>
-          <p:cNvPr id="3" name="Content Placeholder 2"/>
-          <p:cNvSpPr>
-            <a:spLocks noGrp="1"/>
-          </p:cNvSpPr>
-          <p:nvPr>
-            <p:ph idx="1"/>
-          </p:nvPr>
-        </p:nvSpPr>
-        <p:spPr>
-          <a:xfrm>
-            <a:off x="457199" y="1600201"/>
-            <a:ext cx="7593107" cy="1250575"/>
-          </a:xfrm>
-        </p:spPr>
-        <p:txBody>
-          <a:bodyPr>
-            <a:normAutofit/>
-          </a:bodyPr>
-          <a:lstStyle/>
-          <a:p>
-            <a:endParaRPr lang="en-US" dirty="0" smtClean="0"/>
-          </a:p>
-          <a:p>
-            <a:pPr marL="0" indent="0">
-              <a:buNone/>
-            </a:pPr>
-            <a:endParaRPr lang="en-US" dirty="0" smtClean="0"/>
-          </a:p>
-          <a:p>
-            <a:pPr marL="0" indent="0">
-              <a:buNone/>
-            </a:pPr>
-            <a:endParaRPr lang="en-US" dirty="0" smtClean="0"/>
-          </a:p>
-        </p:txBody>
-      </p:sp>
-      <p:sp>
-        <p:nvSpPr>
-          <p:cNvPr id="4" name="Rectangle 3"/>
-          <p:cNvSpPr/>
-          <p:nvPr/>
-        </p:nvSpPr>
-        <p:spPr>
-          <a:xfrm>
-            <a:off x="0" y="-7550"/>
-            <a:ext cx="9144000" cy="1228835"/>
-          </a:xfrm>
-          <a:prstGeom prst="rect">
-            <a:avLst/>
-          </a:prstGeom>
-          <a:solidFill>
-            <a:srgbClr val="3DBFDB"/>
-          </a:solidFill>
-          <a:ln>
-            <a:noFill/>
-          </a:ln>
-          <a:effectLst/>
-        </p:spPr>
-        <p:style>
-          <a:lnRef idx="1">
-            <a:schemeClr val="accent1"/>
-          </a:lnRef>
-          <a:fillRef idx="3">
-            <a:schemeClr val="accent1"/>
-          </a:fillRef>
-          <a:effectRef idx="2">
-            <a:schemeClr val="accent1"/>
-          </a:effectRef>
-          <a:fontRef idx="minor">
-            <a:schemeClr val="lt1"/>
-          </a:fontRef>
-        </p:style>
-        <p:txBody>
-          <a:bodyPr rtlCol="0" anchor="ctr"/>
-          <a:lstStyle/>
-          <a:p>
-            <a:r>
-              <a:rPr lang="en-US" sz="4000" b="1" dirty="0" smtClean="0"/>
-              <a:t>   </a:t>
-            </a:r>
-            <a:r>
-              <a:rPr lang="en-US" sz="4000" i="1" dirty="0" smtClean="0"/>
-              <a:t>Fitting data with a polynomial</a:t>
-            </a:r>
-            <a:endParaRPr lang="en-US" sz="4000" i="1" dirty="0"/>
-          </a:p>
-        </p:txBody>
-      </p:sp>
-      <p:sp>
-        <p:nvSpPr>
-          <p:cNvPr id="5" name="Rectangle 4"/>
-          <p:cNvSpPr/>
-          <p:nvPr/>
-        </p:nvSpPr>
-        <p:spPr>
-          <a:xfrm>
-            <a:off x="0" y="6737478"/>
-            <a:ext cx="9144000" cy="120522"/>
-          </a:xfrm>
-          <a:prstGeom prst="rect">
-            <a:avLst/>
-          </a:prstGeom>
-          <a:solidFill>
-            <a:srgbClr val="3DBFDB"/>
-          </a:solidFill>
-          <a:ln>
-            <a:noFill/>
-          </a:ln>
-          <a:effectLst/>
-        </p:spPr>
-        <p:style>
-          <a:lnRef idx="1">
-            <a:schemeClr val="accent1"/>
-          </a:lnRef>
-          <a:fillRef idx="3">
-            <a:schemeClr val="accent1"/>
-          </a:fillRef>
-          <a:effectRef idx="2">
-            <a:schemeClr val="accent1"/>
-          </a:effectRef>
-          <a:fontRef idx="minor">
-            <a:schemeClr val="lt1"/>
-          </a:fontRef>
-        </p:style>
-        <p:txBody>
-          <a:bodyPr rtlCol="0" anchor="ctr"/>
-          <a:lstStyle/>
-          <a:p>
-            <a:pPr algn="ctr"/>
-            <a:endParaRPr lang="en-US"/>
-          </a:p>
-        </p:txBody>
-      </p:sp>
-      <p:sp>
-        <p:nvSpPr>
-          <p:cNvPr id="6" name="Rectangle 5"/>
+      <p:sp>
+        <p:nvSpPr>
+          <p:cNvPr id="8" name="Rectangle 7"/>
           <p:cNvSpPr/>
           <p:nvPr/>
         </p:nvSpPr>
         <p:spPr>
           <a:xfrm>
             <a:off x="0" y="6451738"/>
-            <a:ext cx="1037664" cy="276999"/>
+            <a:ext cx="578428" cy="276999"/>
           </a:xfrm>
           <a:prstGeom prst="rect">
             <a:avLst/>
@@ -10156,7 +10779,7 @@
                   <a:srgbClr val="118EB0"/>
                 </a:solidFill>
               </a:rPr>
-              <a:t>Administrivia</a:t>
+              <a:t>Fitting</a:t>
             </a:r>
             <a:endParaRPr lang="en-US" sz="1200" dirty="0">
               <a:solidFill>
@@ -10166,73 +10789,10 @@
           </a:p>
         </p:txBody>
       </p:sp>
-      <p:sp>
-        <p:nvSpPr>
-          <p:cNvPr id="7" name="TextBox 6"/>
-          <p:cNvSpPr txBox="1"/>
-          <p:nvPr/>
-        </p:nvSpPr>
-        <p:spPr>
-          <a:xfrm>
-            <a:off x="8869998" y="6453063"/>
-            <a:ext cx="262662" cy="276999"/>
-          </a:xfrm>
-          <a:prstGeom prst="rect">
-            <a:avLst/>
-          </a:prstGeom>
-          <a:noFill/>
-        </p:spPr>
-        <p:txBody>
-          <a:bodyPr wrap="none" rtlCol="0">
-            <a:spAutoFit/>
-          </a:bodyPr>
-          <a:lstStyle/>
-          <a:p>
-            <a:pPr algn="r"/>
-            <a:r>
-              <a:rPr lang="en-US" sz="1200" dirty="0" smtClean="0">
-                <a:solidFill>
-                  <a:srgbClr val="118EB0"/>
-                </a:solidFill>
-              </a:rPr>
-              <a:t>1</a:t>
-            </a:r>
-            <a:endParaRPr lang="en-US" sz="1200" dirty="0">
-              <a:solidFill>
-                <a:srgbClr val="118EB0"/>
-              </a:solidFill>
-            </a:endParaRPr>
-          </a:p>
-        </p:txBody>
-      </p:sp>
-      <p:pic>
-        <p:nvPicPr>
-          <p:cNvPr id="2" name="Picture 1"/>
-          <p:cNvPicPr>
-            <a:picLocks noChangeAspect="1"/>
-          </p:cNvPicPr>
-          <p:nvPr/>
-        </p:nvPicPr>
-        <p:blipFill>
-          <a:blip r:embed="rId2"/>
-          <a:stretch>
-            <a:fillRect/>
-          </a:stretch>
-        </p:blipFill>
-        <p:spPr>
-          <a:xfrm>
-            <a:off x="1037664" y="1407642"/>
-            <a:ext cx="7057159" cy="4572000"/>
-          </a:xfrm>
-          <a:prstGeom prst="rect">
-            <a:avLst/>
-          </a:prstGeom>
-        </p:spPr>
-      </p:pic>
     </p:spTree>
     <p:extLst>
       <p:ext uri="{BB962C8B-B14F-4D97-AF65-F5344CB8AC3E}">
-        <p14:creationId xmlns:p14="http://schemas.microsoft.com/office/powerpoint/2010/main" val="2429126023"/>
+        <p14:creationId xmlns:p14="http://schemas.microsoft.com/office/powerpoint/2010/main" val="3548094737"/>
       </p:ext>
     </p:extLst>
   </p:cSld>
@@ -10475,13 +11035,51 @@
       </p:grpSpPr>
       <p:sp>
         <p:nvSpPr>
+          <p:cNvPr id="3" name="Content Placeholder 2"/>
+          <p:cNvSpPr>
+            <a:spLocks noGrp="1"/>
+          </p:cNvSpPr>
+          <p:nvPr>
+            <p:ph idx="1"/>
+          </p:nvPr>
+        </p:nvSpPr>
+        <p:spPr>
+          <a:xfrm>
+            <a:off x="457199" y="1600201"/>
+            <a:ext cx="7593107" cy="1250575"/>
+          </a:xfrm>
+        </p:spPr>
+        <p:txBody>
+          <a:bodyPr>
+            <a:normAutofit/>
+          </a:bodyPr>
+          <a:lstStyle/>
+          <a:p>
+            <a:endParaRPr lang="en-US" dirty="0" smtClean="0"/>
+          </a:p>
+          <a:p>
+            <a:pPr marL="0" indent="0">
+              <a:buNone/>
+            </a:pPr>
+            <a:endParaRPr lang="en-US" dirty="0" smtClean="0"/>
+          </a:p>
+          <a:p>
+            <a:pPr marL="0" indent="0">
+              <a:buNone/>
+            </a:pPr>
+            <a:endParaRPr lang="en-US" dirty="0" smtClean="0"/>
+          </a:p>
+        </p:txBody>
+      </p:sp>
+      <p:sp>
+        <p:nvSpPr>
           <p:cNvPr id="4" name="Rectangle 3"/>
           <p:cNvSpPr/>
           <p:nvPr/>
         </p:nvSpPr>
         <p:spPr>
           <a:xfrm>
-            <a:off x="0" y="2586816"/>
+            <a:off x="0" y="-7550"/>
             <a:ext cx="9144000" cy="1228835"/>
           </a:xfrm>
           <a:prstGeom prst="rect">
@@ -10513,12 +11111,15 @@
           <a:bodyPr rtlCol="0" anchor="ctr"/>
           <a:lstStyle/>
           <a:p>
-            <a:pPr algn="ctr"/>
-            <a:r>
-              <a:rPr lang="en-US" sz="4800" b="1" dirty="0" smtClean="0"/>
-              <a:t>Line fitting</a:t>
-            </a:r>
-            <a:endParaRPr lang="en-US" sz="4800" b="1" dirty="0"/>
+            <a:r>
+              <a:rPr lang="en-US" sz="4000" b="1" dirty="0" smtClean="0"/>
+              <a:t>   </a:t>
+            </a:r>
+            <a:r>
+              <a:rPr lang="en-US" sz="4000" i="1" dirty="0" smtClean="0"/>
+              <a:t>Fitting data with a polynomial</a:t>
+            </a:r>
+            <a:endParaRPr lang="en-US" sz="4000" i="1" dirty="0"/>
           </a:p>
         </p:txBody>
       </p:sp>
@@ -10569,43 +11170,6 @@
       </p:sp>
       <p:sp>
         <p:nvSpPr>
-          <p:cNvPr id="6" name="Rectangle 5"/>
-          <p:cNvSpPr/>
-          <p:nvPr/>
-        </p:nvSpPr>
-        <p:spPr>
-          <a:xfrm>
-            <a:off x="0" y="6451738"/>
-            <a:ext cx="1037664" cy="276999"/>
-          </a:xfrm>
-          <a:prstGeom prst="rect">
-            <a:avLst/>
-          </a:prstGeom>
-        </p:spPr>
-        <p:txBody>
-          <a:bodyPr wrap="none">
-            <a:spAutoFit/>
-          </a:bodyPr>
-          <a:lstStyle/>
-          <a:p>
-            <a:r>
-              <a:rPr lang="en-US" sz="1200" dirty="0" smtClean="0">
-                <a:solidFill>
-                  <a:srgbClr val="118EB0"/>
-                </a:solidFill>
-              </a:rPr>
-              <a:t>Administrivia</a:t>
-            </a:r>
-            <a:endParaRPr lang="en-US" sz="1200" dirty="0">
-              <a:solidFill>
-                <a:srgbClr val="118EB0"/>
-              </a:solidFill>
-            </a:endParaRPr>
-          </a:p>
-        </p:txBody>
-      </p:sp>
-      <p:sp>
-        <p:nvSpPr>
           <p:cNvPr id="7" name="TextBox 6"/>
           <p:cNvSpPr txBox="1"/>
           <p:nvPr/>
@@ -10643,10 +11207,71 @@
           </a:p>
         </p:txBody>
       </p:sp>
+      <p:pic>
+        <p:nvPicPr>
+          <p:cNvPr id="2" name="Picture 1"/>
+          <p:cNvPicPr>
+            <a:picLocks noChangeAspect="1"/>
+          </p:cNvPicPr>
+          <p:nvPr/>
+        </p:nvPicPr>
+        <p:blipFill>
+          <a:blip r:embed="rId2"/>
+          <a:stretch>
+            <a:fillRect/>
+          </a:stretch>
+        </p:blipFill>
+        <p:spPr>
+          <a:xfrm>
+            <a:off x="1037664" y="1407642"/>
+            <a:ext cx="7057159" cy="4572000"/>
+          </a:xfrm>
+          <a:prstGeom prst="rect">
+            <a:avLst/>
+          </a:prstGeom>
+        </p:spPr>
+      </p:pic>
+      <p:sp>
+        <p:nvSpPr>
+          <p:cNvPr id="8" name="Rectangle 7"/>
+          <p:cNvSpPr/>
+          <p:nvPr/>
+        </p:nvSpPr>
+        <p:spPr>
+          <a:xfrm>
+            <a:off x="0" y="6451738"/>
+            <a:ext cx="578428" cy="276999"/>
+          </a:xfrm>
+          <a:prstGeom prst="rect">
+            <a:avLst/>
+          </a:prstGeom>
+        </p:spPr>
+        <p:txBody>
+          <a:bodyPr wrap="none">
+            <a:spAutoFit/>
+          </a:bodyPr>
+          <a:lstStyle/>
+          <a:p>
+            <a:r>
+              <a:rPr lang="en-US" sz="1200" dirty="0" smtClean="0">
+                <a:solidFill>
+                  <a:srgbClr val="118EB0"/>
+                </a:solidFill>
+              </a:rPr>
+              <a:t>Fitting</a:t>
+            </a:r>
+            <a:endParaRPr lang="en-US" sz="1200" dirty="0">
+              <a:solidFill>
+                <a:srgbClr val="118EB0"/>
+              </a:solidFill>
+            </a:endParaRPr>
+          </a:p>
+        </p:txBody>
+      </p:sp>
     </p:spTree>
     <p:extLst>
       <p:ext uri="{BB962C8B-B14F-4D97-AF65-F5344CB8AC3E}">
-        <p14:creationId xmlns:p14="http://schemas.microsoft.com/office/powerpoint/2010/main" val="2366044178"/>
+        <p14:creationId xmlns:p14="http://schemas.microsoft.com/office/powerpoint/2010/main" val="2429126023"/>
       </p:ext>
     </p:extLst>
   </p:cSld>
@@ -10682,6 +11307,176 @@
       </p:grpSpPr>
       <p:sp>
         <p:nvSpPr>
+          <p:cNvPr id="4" name="Rectangle 3"/>
+          <p:cNvSpPr/>
+          <p:nvPr/>
+        </p:nvSpPr>
+        <p:spPr>
+          <a:xfrm>
+            <a:off x="0" y="2586816"/>
+            <a:ext cx="9144000" cy="1228835"/>
+          </a:xfrm>
+          <a:prstGeom prst="rect">
+            <a:avLst/>
+          </a:prstGeom>
+          <a:solidFill>
+            <a:srgbClr val="3DBFDB"/>
+          </a:solidFill>
+          <a:ln>
+            <a:noFill/>
+          </a:ln>
+          <a:effectLst/>
+        </p:spPr>
+        <p:style>
+          <a:lnRef idx="1">
+            <a:schemeClr val="accent1"/>
+          </a:lnRef>
+          <a:fillRef idx="3">
+            <a:schemeClr val="accent1"/>
+          </a:fillRef>
+          <a:effectRef idx="2">
+            <a:schemeClr val="accent1"/>
+          </a:effectRef>
+          <a:fontRef idx="minor">
+            <a:schemeClr val="lt1"/>
+          </a:fontRef>
+        </p:style>
+        <p:txBody>
+          <a:bodyPr rtlCol="0" anchor="ctr"/>
+          <a:lstStyle/>
+          <a:p>
+            <a:pPr algn="ctr"/>
+            <a:r>
+              <a:rPr lang="en-US" sz="4800" b="1" dirty="0" smtClean="0"/>
+              <a:t>Line fitting</a:t>
+            </a:r>
+            <a:endParaRPr lang="en-US" sz="4800" b="1" dirty="0"/>
+          </a:p>
+        </p:txBody>
+      </p:sp>
+      <p:sp>
+        <p:nvSpPr>
+          <p:cNvPr id="5" name="Rectangle 4"/>
+          <p:cNvSpPr/>
+          <p:nvPr/>
+        </p:nvSpPr>
+        <p:spPr>
+          <a:xfrm>
+            <a:off x="0" y="6737478"/>
+            <a:ext cx="9144000" cy="120522"/>
+          </a:xfrm>
+          <a:prstGeom prst="rect">
+            <a:avLst/>
+          </a:prstGeom>
+          <a:solidFill>
+            <a:srgbClr val="3DBFDB"/>
+          </a:solidFill>
+          <a:ln>
+            <a:noFill/>
+          </a:ln>
+          <a:effectLst/>
+        </p:spPr>
+        <p:style>
+          <a:lnRef idx="1">
+            <a:schemeClr val="accent1"/>
+          </a:lnRef>
+          <a:fillRef idx="3">
+            <a:schemeClr val="accent1"/>
+          </a:fillRef>
+          <a:effectRef idx="2">
+            <a:schemeClr val="accent1"/>
+          </a:effectRef>
+          <a:fontRef idx="minor">
+            <a:schemeClr val="lt1"/>
+          </a:fontRef>
+        </p:style>
+        <p:txBody>
+          <a:bodyPr rtlCol="0" anchor="ctr"/>
+          <a:lstStyle/>
+          <a:p>
+            <a:pPr algn="ctr"/>
+            <a:endParaRPr lang="en-US"/>
+          </a:p>
+        </p:txBody>
+      </p:sp>
+      <p:sp>
+        <p:nvSpPr>
+          <p:cNvPr id="7" name="TextBox 6"/>
+          <p:cNvSpPr txBox="1"/>
+          <p:nvPr/>
+        </p:nvSpPr>
+        <p:spPr>
+          <a:xfrm>
+            <a:off x="8869998" y="6453063"/>
+            <a:ext cx="262662" cy="276999"/>
+          </a:xfrm>
+          <a:prstGeom prst="rect">
+            <a:avLst/>
+          </a:prstGeom>
+          <a:noFill/>
+        </p:spPr>
+        <p:txBody>
+          <a:bodyPr wrap="none" rtlCol="0">
+            <a:spAutoFit/>
+          </a:bodyPr>
+          <a:lstStyle/>
+          <a:p>
+            <a:pPr algn="r"/>
+            <a:r>
+              <a:rPr lang="en-US" sz="1200" dirty="0" smtClean="0">
+                <a:solidFill>
+                  <a:srgbClr val="118EB0"/>
+                </a:solidFill>
+              </a:rPr>
+              <a:t>1</a:t>
+            </a:r>
+            <a:endParaRPr lang="en-US" sz="1200" dirty="0">
+              <a:solidFill>
+                <a:srgbClr val="118EB0"/>
+              </a:solidFill>
+            </a:endParaRPr>
+          </a:p>
+        </p:txBody>
+      </p:sp>
+    </p:spTree>
+    <p:extLst>
+      <p:ext uri="{BB962C8B-B14F-4D97-AF65-F5344CB8AC3E}">
+        <p14:creationId xmlns:p14="http://schemas.microsoft.com/office/powerpoint/2010/main" val="2366044178"/>
+      </p:ext>
+    </p:extLst>
+  </p:cSld>
+  <p:clrMapOvr>
+    <a:masterClrMapping/>
+  </p:clrMapOvr>
+  <p:timing>
+    <p:tnLst>
+      <p:par>
+        <p:cTn id="1" dur="indefinite" restart="never" nodeType="tmRoot"/>
+      </p:par>
+    </p:tnLst>
+  </p:timing>
+</p:sld>
+</file>
+
+<file path=ppt/slides/slide22.xml><?xml version="1.0" encoding="utf-8"?>
+<p:sld xmlns:a="http://schemas.openxmlformats.org/drawingml/2006/main" xmlns:r="http://schemas.openxmlformats.org/officeDocument/2006/relationships" xmlns:p="http://schemas.openxmlformats.org/presentationml/2006/main">
+  <p:cSld>
+    <p:spTree>
+      <p:nvGrpSpPr>
+        <p:cNvPr id="1" name=""/>
+        <p:cNvGrpSpPr/>
+        <p:nvPr/>
+      </p:nvGrpSpPr>
+      <p:grpSpPr>
+        <a:xfrm>
+          <a:off x="0" y="0"/>
+          <a:ext cx="0" cy="0"/>
+          <a:chOff x="0" y="0"/>
+          <a:chExt cx="0" cy="0"/>
+        </a:xfrm>
+      </p:grpSpPr>
+      <p:sp>
+        <p:nvSpPr>
           <p:cNvPr id="3" name="Content Placeholder 2"/>
           <p:cNvSpPr>
             <a:spLocks noGrp="1"/>
@@ -10764,11 +11559,7 @@
             </a:r>
             <a:r>
               <a:rPr lang="en-US" sz="4000" i="1" dirty="0" smtClean="0"/>
-              <a:t>Fit </a:t>
-            </a:r>
-            <a:r>
-              <a:rPr lang="en-US" sz="4000" i="1" dirty="0" smtClean="0"/>
-              <a:t>a line to your data</a:t>
+              <a:t>Fit a line to your data</a:t>
             </a:r>
             <a:endParaRPr lang="en-US" sz="4000" i="1" dirty="0"/>
           </a:p>
@@ -10816,43 +11607,6 @@
           <a:p>
             <a:pPr algn="ctr"/>
             <a:endParaRPr lang="en-US"/>
-          </a:p>
-        </p:txBody>
-      </p:sp>
-      <p:sp>
-        <p:nvSpPr>
-          <p:cNvPr id="6" name="Rectangle 5"/>
-          <p:cNvSpPr/>
-          <p:nvPr/>
-        </p:nvSpPr>
-        <p:spPr>
-          <a:xfrm>
-            <a:off x="0" y="6451738"/>
-            <a:ext cx="1037664" cy="276999"/>
-          </a:xfrm>
-          <a:prstGeom prst="rect">
-            <a:avLst/>
-          </a:prstGeom>
-        </p:spPr>
-        <p:txBody>
-          <a:bodyPr wrap="none">
-            <a:spAutoFit/>
-          </a:bodyPr>
-          <a:lstStyle/>
-          <a:p>
-            <a:r>
-              <a:rPr lang="en-US" sz="1200" dirty="0" smtClean="0">
-                <a:solidFill>
-                  <a:srgbClr val="118EB0"/>
-                </a:solidFill>
-              </a:rPr>
-              <a:t>Administrivia</a:t>
-            </a:r>
-            <a:endParaRPr lang="en-US" sz="1200" dirty="0">
-              <a:solidFill>
-                <a:srgbClr val="118EB0"/>
-              </a:solidFill>
-            </a:endParaRPr>
           </a:p>
         </p:txBody>
       </p:sp>
@@ -10929,7 +11683,7 @@
                       <m:dPr>
                         <m:ctrlPr>
                           <a:rPr lang="en-US" altLang="zh-CN" sz="2400" i="1" dirty="0">
-                            <a:latin typeface="Cambria Math" panose="02040503050406030204" pitchFamily="18" charset="0"/>
+                            <a:latin typeface="Cambria Math" charset="0"/>
                           </a:rPr>
                         </m:ctrlPr>
                       </m:dPr>
@@ -10938,7 +11692,7 @@
                           <m:sSubPr>
                             <m:ctrlPr>
                               <a:rPr lang="en-US" altLang="zh-CN" sz="2400" i="1" dirty="0">
-                                <a:latin typeface="Cambria Math" panose="02040503050406030204" pitchFamily="18" charset="0"/>
+                                <a:latin typeface="Cambria Math" charset="0"/>
                               </a:rPr>
                             </m:ctrlPr>
                           </m:sSubPr>
@@ -10969,7 +11723,7 @@
                           <m:sSubPr>
                             <m:ctrlPr>
                               <a:rPr lang="en-US" altLang="zh-CN" sz="2400" i="1" dirty="0">
-                                <a:latin typeface="Cambria Math" panose="02040503050406030204" pitchFamily="18" charset="0"/>
+                                <a:latin typeface="Cambria Math" charset="0"/>
                               </a:rPr>
                             </m:ctrlPr>
                           </m:sSubPr>
@@ -11002,7 +11756,7 @@
                       <m:dPr>
                         <m:ctrlPr>
                           <a:rPr lang="en-US" altLang="zh-CN" sz="2400" i="1" dirty="0">
-                            <a:latin typeface="Cambria Math" panose="02040503050406030204" pitchFamily="18" charset="0"/>
+                            <a:latin typeface="Cambria Math" charset="0"/>
                           </a:rPr>
                         </m:ctrlPr>
                       </m:dPr>
@@ -11011,7 +11765,7 @@
                           <m:sSubPr>
                             <m:ctrlPr>
                               <a:rPr lang="en-US" altLang="zh-CN" sz="2400" i="1" dirty="0">
-                                <a:latin typeface="Cambria Math" panose="02040503050406030204" pitchFamily="18" charset="0"/>
+                                <a:latin typeface="Cambria Math" charset="0"/>
                               </a:rPr>
                             </m:ctrlPr>
                           </m:sSubPr>
@@ -11042,7 +11796,7 @@
                           <m:sSubPr>
                             <m:ctrlPr>
                               <a:rPr lang="en-US" altLang="zh-CN" sz="2400" i="1" dirty="0">
-                                <a:latin typeface="Cambria Math" panose="02040503050406030204" pitchFamily="18" charset="0"/>
+                                <a:latin typeface="Cambria Math" charset="0"/>
                               </a:rPr>
                             </m:ctrlPr>
                           </m:sSubPr>
@@ -11075,7 +11829,7 @@
                       <m:dPr>
                         <m:ctrlPr>
                           <a:rPr lang="en-US" altLang="zh-CN" sz="2400" i="1" dirty="0">
-                            <a:latin typeface="Cambria Math" panose="02040503050406030204" pitchFamily="18" charset="0"/>
+                            <a:latin typeface="Cambria Math" charset="0"/>
                           </a:rPr>
                         </m:ctrlPr>
                       </m:dPr>
@@ -11084,7 +11838,7 @@
                           <m:sSubPr>
                             <m:ctrlPr>
                               <a:rPr lang="en-US" altLang="zh-CN" sz="2400" i="1" dirty="0">
-                                <a:latin typeface="Cambria Math" panose="02040503050406030204" pitchFamily="18" charset="0"/>
+                                <a:latin typeface="Cambria Math" charset="0"/>
                               </a:rPr>
                             </m:ctrlPr>
                           </m:sSubPr>
@@ -11115,7 +11869,7 @@
                           <m:sSubPr>
                             <m:ctrlPr>
                               <a:rPr lang="en-US" altLang="zh-CN" sz="2400" i="1" dirty="0">
-                                <a:latin typeface="Cambria Math" panose="02040503050406030204" pitchFamily="18" charset="0"/>
+                                <a:latin typeface="Cambria Math" charset="0"/>
                               </a:rPr>
                             </m:ctrlPr>
                           </m:sSubPr>
@@ -11223,7 +11977,7 @@
                       <m:sSubPr>
                         <m:ctrlPr>
                           <a:rPr lang="en-US" altLang="zh-CN" sz="2400" i="1" dirty="0">
-                            <a:latin typeface="Cambria Math" panose="02040503050406030204" pitchFamily="18" charset="0"/>
+                            <a:latin typeface="Cambria Math" charset="0"/>
                           </a:rPr>
                         </m:ctrlPr>
                       </m:sSubPr>
@@ -11233,7 +11987,7 @@
                             <m:chr m:val="̂"/>
                             <m:ctrlPr>
                               <a:rPr lang="en-US" altLang="zh-CN" sz="2400" i="1">
-                                <a:latin typeface="Cambria Math" panose="02040503050406030204" pitchFamily="18" charset="0"/>
+                                <a:latin typeface="Cambria Math" charset="0"/>
                               </a:rPr>
                             </m:ctrlPr>
                           </m:accPr>
@@ -11272,7 +12026,7 @@
                       <m:sSubPr>
                         <m:ctrlPr>
                           <a:rPr lang="en-US" altLang="zh-CN" sz="2400" i="1" dirty="0">
-                            <a:latin typeface="Cambria Math" panose="02040503050406030204" pitchFamily="18" charset="0"/>
+                            <a:latin typeface="Cambria Math" charset="0"/>
                           </a:rPr>
                         </m:ctrlPr>
                       </m:sSubPr>
@@ -11321,7 +12075,7 @@
                       <m:sSubPr>
                         <m:ctrlPr>
                           <a:rPr lang="en-US" altLang="zh-CN" sz="2400" i="1" dirty="0">
-                            <a:latin typeface="Cambria Math" panose="02040503050406030204" pitchFamily="18" charset="0"/>
+                            <a:latin typeface="Cambria Math" charset="0"/>
                           </a:rPr>
                         </m:ctrlPr>
                       </m:sSubPr>
@@ -11448,6 +12202,43 @@
           </a:prstGeom>
         </p:spPr>
       </p:pic>
+      <p:sp>
+        <p:nvSpPr>
+          <p:cNvPr id="9" name="Rectangle 8"/>
+          <p:cNvSpPr/>
+          <p:nvPr/>
+        </p:nvSpPr>
+        <p:spPr>
+          <a:xfrm>
+            <a:off x="0" y="6451738"/>
+            <a:ext cx="578428" cy="276999"/>
+          </a:xfrm>
+          <a:prstGeom prst="rect">
+            <a:avLst/>
+          </a:prstGeom>
+        </p:spPr>
+        <p:txBody>
+          <a:bodyPr wrap="none">
+            <a:spAutoFit/>
+          </a:bodyPr>
+          <a:lstStyle/>
+          <a:p>
+            <a:r>
+              <a:rPr lang="en-US" sz="1200" dirty="0" smtClean="0">
+                <a:solidFill>
+                  <a:srgbClr val="118EB0"/>
+                </a:solidFill>
+              </a:rPr>
+              <a:t>Fitting</a:t>
+            </a:r>
+            <a:endParaRPr lang="en-US" sz="1200" dirty="0">
+              <a:solidFill>
+                <a:srgbClr val="118EB0"/>
+              </a:solidFill>
+            </a:endParaRPr>
+          </a:p>
+        </p:txBody>
+      </p:sp>
     </p:spTree>
     <p:extLst>
       <p:ext uri="{BB962C8B-B14F-4D97-AF65-F5344CB8AC3E}">
@@ -11468,7 +12259,7 @@
 </p:sld>
 </file>
 
-<file path=ppt/slides/slide22.xml><?xml version="1.0" encoding="utf-8"?>
+<file path=ppt/slides/slide23.xml><?xml version="1.0" encoding="utf-8"?>
 <p:sld xmlns:a="http://schemas.openxmlformats.org/drawingml/2006/main" xmlns:r="http://schemas.openxmlformats.org/officeDocument/2006/relationships" xmlns:p="http://schemas.openxmlformats.org/presentationml/2006/main">
   <p:cSld>
     <p:spTree>
@@ -11599,11 +12390,7 @@
             </a:r>
             <a:r>
               <a:rPr lang="en-US" sz="4000" i="1" dirty="0" smtClean="0"/>
-              <a:t>Fit </a:t>
-            </a:r>
-            <a:r>
-              <a:rPr lang="en-US" sz="4000" i="1" dirty="0" smtClean="0"/>
-              <a:t>a line to your data</a:t>
+              <a:t>Fit a line to your data</a:t>
             </a:r>
             <a:endParaRPr lang="en-US" sz="4000" i="1" dirty="0"/>
           </a:p>
@@ -11651,43 +12438,6 @@
           <a:p>
             <a:pPr algn="ctr"/>
             <a:endParaRPr lang="en-US"/>
-          </a:p>
-        </p:txBody>
-      </p:sp>
-      <p:sp>
-        <p:nvSpPr>
-          <p:cNvPr id="6" name="Rectangle 5"/>
-          <p:cNvSpPr/>
-          <p:nvPr/>
-        </p:nvSpPr>
-        <p:spPr>
-          <a:xfrm>
-            <a:off x="0" y="6451738"/>
-            <a:ext cx="1037664" cy="276999"/>
-          </a:xfrm>
-          <a:prstGeom prst="rect">
-            <a:avLst/>
-          </a:prstGeom>
-        </p:spPr>
-        <p:txBody>
-          <a:bodyPr wrap="none">
-            <a:spAutoFit/>
-          </a:bodyPr>
-          <a:lstStyle/>
-          <a:p>
-            <a:r>
-              <a:rPr lang="en-US" sz="1200" dirty="0" smtClean="0">
-                <a:solidFill>
-                  <a:srgbClr val="118EB0"/>
-                </a:solidFill>
-              </a:rPr>
-              <a:t>Administrivia</a:t>
-            </a:r>
-            <a:endParaRPr lang="en-US" sz="1200" dirty="0">
-              <a:solidFill>
-                <a:srgbClr val="118EB0"/>
-              </a:solidFill>
-            </a:endParaRPr>
           </a:p>
         </p:txBody>
       </p:sp>
@@ -11764,7 +12514,7 @@
                       <m:dPr>
                         <m:ctrlPr>
                           <a:rPr lang="en-US" altLang="zh-CN" sz="2400" i="1" dirty="0">
-                            <a:latin typeface="Cambria Math" panose="02040503050406030204" pitchFamily="18" charset="0"/>
+                            <a:latin typeface="Cambria Math" charset="0"/>
                           </a:rPr>
                         </m:ctrlPr>
                       </m:dPr>
@@ -11773,7 +12523,7 @@
                           <m:sSubPr>
                             <m:ctrlPr>
                               <a:rPr lang="en-US" altLang="zh-CN" sz="2400" i="1" dirty="0">
-                                <a:latin typeface="Cambria Math" panose="02040503050406030204" pitchFamily="18" charset="0"/>
+                                <a:latin typeface="Cambria Math" charset="0"/>
                               </a:rPr>
                             </m:ctrlPr>
                           </m:sSubPr>
@@ -11804,7 +12554,7 @@
                           <m:sSubPr>
                             <m:ctrlPr>
                               <a:rPr lang="en-US" altLang="zh-CN" sz="2400" i="1" dirty="0">
-                                <a:latin typeface="Cambria Math" panose="02040503050406030204" pitchFamily="18" charset="0"/>
+                                <a:latin typeface="Cambria Math" charset="0"/>
                               </a:rPr>
                             </m:ctrlPr>
                           </m:sSubPr>
@@ -11837,7 +12587,7 @@
                       <m:dPr>
                         <m:ctrlPr>
                           <a:rPr lang="en-US" altLang="zh-CN" sz="2400" i="1" dirty="0">
-                            <a:latin typeface="Cambria Math" panose="02040503050406030204" pitchFamily="18" charset="0"/>
+                            <a:latin typeface="Cambria Math" charset="0"/>
                           </a:rPr>
                         </m:ctrlPr>
                       </m:dPr>
@@ -11846,7 +12596,7 @@
                           <m:sSubPr>
                             <m:ctrlPr>
                               <a:rPr lang="en-US" altLang="zh-CN" sz="2400" i="1" dirty="0">
-                                <a:latin typeface="Cambria Math" panose="02040503050406030204" pitchFamily="18" charset="0"/>
+                                <a:latin typeface="Cambria Math" charset="0"/>
                               </a:rPr>
                             </m:ctrlPr>
                           </m:sSubPr>
@@ -11877,7 +12627,7 @@
                           <m:sSubPr>
                             <m:ctrlPr>
                               <a:rPr lang="en-US" altLang="zh-CN" sz="2400" i="1" dirty="0">
-                                <a:latin typeface="Cambria Math" panose="02040503050406030204" pitchFamily="18" charset="0"/>
+                                <a:latin typeface="Cambria Math" charset="0"/>
                               </a:rPr>
                             </m:ctrlPr>
                           </m:sSubPr>
@@ -11910,7 +12660,7 @@
                       <m:dPr>
                         <m:ctrlPr>
                           <a:rPr lang="en-US" altLang="zh-CN" sz="2400" i="1" dirty="0">
-                            <a:latin typeface="Cambria Math" panose="02040503050406030204" pitchFamily="18" charset="0"/>
+                            <a:latin typeface="Cambria Math" charset="0"/>
                           </a:rPr>
                         </m:ctrlPr>
                       </m:dPr>
@@ -11919,7 +12669,7 @@
                           <m:sSubPr>
                             <m:ctrlPr>
                               <a:rPr lang="en-US" altLang="zh-CN" sz="2400" i="1" dirty="0">
-                                <a:latin typeface="Cambria Math" panose="02040503050406030204" pitchFamily="18" charset="0"/>
+                                <a:latin typeface="Cambria Math" charset="0"/>
                               </a:rPr>
                             </m:ctrlPr>
                           </m:sSubPr>
@@ -11950,7 +12700,7 @@
                           <m:sSubPr>
                             <m:ctrlPr>
                               <a:rPr lang="en-US" altLang="zh-CN" sz="2400" i="1" dirty="0">
-                                <a:latin typeface="Cambria Math" panose="02040503050406030204" pitchFamily="18" charset="0"/>
+                                <a:latin typeface="Cambria Math" charset="0"/>
                               </a:rPr>
                             </m:ctrlPr>
                           </m:sSubPr>
@@ -12052,7 +12802,7 @@
                       <m:sSubPr>
                         <m:ctrlPr>
                           <a:rPr lang="en-US" altLang="zh-CN" sz="2400" i="1" dirty="0">
-                            <a:latin typeface="Cambria Math" panose="02040503050406030204" pitchFamily="18" charset="0"/>
+                            <a:latin typeface="Cambria Math" charset="0"/>
                           </a:rPr>
                         </m:ctrlPr>
                       </m:sSubPr>
@@ -12062,7 +12812,7 @@
                             <m:chr m:val="̂"/>
                             <m:ctrlPr>
                               <a:rPr lang="en-US" altLang="zh-CN" sz="2400" i="1">
-                                <a:latin typeface="Cambria Math" panose="02040503050406030204" pitchFamily="18" charset="0"/>
+                                <a:latin typeface="Cambria Math" charset="0"/>
                               </a:rPr>
                             </m:ctrlPr>
                           </m:accPr>
@@ -12101,7 +12851,7 @@
                       <m:sSubPr>
                         <m:ctrlPr>
                           <a:rPr lang="en-US" altLang="zh-CN" sz="2400" i="1" dirty="0">
-                            <a:latin typeface="Cambria Math" panose="02040503050406030204" pitchFamily="18" charset="0"/>
+                            <a:latin typeface="Cambria Math" charset="0"/>
                           </a:rPr>
                         </m:ctrlPr>
                       </m:sSubPr>
@@ -12150,7 +12900,7 @@
                       <m:sSubPr>
                         <m:ctrlPr>
                           <a:rPr lang="en-US" altLang="zh-CN" sz="2400" i="1" dirty="0">
-                            <a:latin typeface="Cambria Math" panose="02040503050406030204" pitchFamily="18" charset="0"/>
+                            <a:latin typeface="Cambria Math" charset="0"/>
                           </a:rPr>
                         </m:ctrlPr>
                       </m:sSubPr>
@@ -12247,6 +12997,43 @@
           </p:sp>
         </mc:Fallback>
       </mc:AlternateContent>
+      <p:sp>
+        <p:nvSpPr>
+          <p:cNvPr id="10" name="Rectangle 9"/>
+          <p:cNvSpPr/>
+          <p:nvPr/>
+        </p:nvSpPr>
+        <p:spPr>
+          <a:xfrm>
+            <a:off x="0" y="6451738"/>
+            <a:ext cx="578428" cy="276999"/>
+          </a:xfrm>
+          <a:prstGeom prst="rect">
+            <a:avLst/>
+          </a:prstGeom>
+        </p:spPr>
+        <p:txBody>
+          <a:bodyPr wrap="none">
+            <a:spAutoFit/>
+          </a:bodyPr>
+          <a:lstStyle/>
+          <a:p>
+            <a:r>
+              <a:rPr lang="en-US" sz="1200" dirty="0" smtClean="0">
+                <a:solidFill>
+                  <a:srgbClr val="118EB0"/>
+                </a:solidFill>
+              </a:rPr>
+              <a:t>Fitting</a:t>
+            </a:r>
+            <a:endParaRPr lang="en-US" sz="1200" dirty="0">
+              <a:solidFill>
+                <a:srgbClr val="118EB0"/>
+              </a:solidFill>
+            </a:endParaRPr>
+          </a:p>
+        </p:txBody>
+      </p:sp>
     </p:spTree>
     <p:extLst>
       <p:ext uri="{BB962C8B-B14F-4D97-AF65-F5344CB8AC3E}">
@@ -12267,7 +13054,7 @@
 </p:sld>
 </file>
 
-<file path=ppt/slides/slide23.xml><?xml version="1.0" encoding="utf-8"?>
+<file path=ppt/slides/slide24.xml><?xml version="1.0" encoding="utf-8"?>
 <p:sld xmlns:a="http://schemas.openxmlformats.org/drawingml/2006/main" xmlns:r="http://schemas.openxmlformats.org/officeDocument/2006/relationships" xmlns:p="http://schemas.openxmlformats.org/presentationml/2006/main">
   <p:cSld>
     <p:spTree>
@@ -12368,11 +13155,7 @@
             </a:r>
             <a:r>
               <a:rPr lang="en-US" sz="4000" i="1" dirty="0" smtClean="0"/>
-              <a:t>Fit </a:t>
-            </a:r>
-            <a:r>
-              <a:rPr lang="en-US" sz="4000" i="1" dirty="0" smtClean="0"/>
-              <a:t>a line to your data</a:t>
+              <a:t>Fit a line to your data</a:t>
             </a:r>
             <a:endParaRPr lang="en-US" sz="4000" i="1" dirty="0"/>
           </a:p>
@@ -12420,43 +13203,6 @@
           <a:p>
             <a:pPr algn="ctr"/>
             <a:endParaRPr lang="en-US"/>
-          </a:p>
-        </p:txBody>
-      </p:sp>
-      <p:sp>
-        <p:nvSpPr>
-          <p:cNvPr id="6" name="Rectangle 5"/>
-          <p:cNvSpPr/>
-          <p:nvPr/>
-        </p:nvSpPr>
-        <p:spPr>
-          <a:xfrm>
-            <a:off x="0" y="6451738"/>
-            <a:ext cx="1037664" cy="276999"/>
-          </a:xfrm>
-          <a:prstGeom prst="rect">
-            <a:avLst/>
-          </a:prstGeom>
-        </p:spPr>
-        <p:txBody>
-          <a:bodyPr wrap="none">
-            <a:spAutoFit/>
-          </a:bodyPr>
-          <a:lstStyle/>
-          <a:p>
-            <a:r>
-              <a:rPr lang="en-US" sz="1200" dirty="0" smtClean="0">
-                <a:solidFill>
-                  <a:srgbClr val="118EB0"/>
-                </a:solidFill>
-              </a:rPr>
-              <a:t>Administrivia</a:t>
-            </a:r>
-            <a:endParaRPr lang="en-US" sz="1200" dirty="0">
-              <a:solidFill>
-                <a:srgbClr val="118EB0"/>
-              </a:solidFill>
-            </a:endParaRPr>
           </a:p>
         </p:txBody>
       </p:sp>
@@ -12533,7 +13279,7 @@
                       <m:dPr>
                         <m:ctrlPr>
                           <a:rPr lang="en-US" altLang="zh-CN" sz="2400" b="0" i="1" dirty="0" smtClean="0">
-                            <a:latin typeface="Cambria Math" panose="02040503050406030204" pitchFamily="18" charset="0"/>
+                            <a:latin typeface="Cambria Math" charset="0"/>
                           </a:rPr>
                         </m:ctrlPr>
                       </m:dPr>
@@ -12542,7 +13288,7 @@
                           <m:sSubPr>
                             <m:ctrlPr>
                               <a:rPr lang="en-US" altLang="zh-CN" sz="2400" b="0" i="1" dirty="0" smtClean="0">
-                                <a:latin typeface="Cambria Math" panose="02040503050406030204" pitchFamily="18" charset="0"/>
+                                <a:latin typeface="Cambria Math" charset="0"/>
                               </a:rPr>
                             </m:ctrlPr>
                           </m:sSubPr>
@@ -12573,7 +13319,7 @@
                           <m:sSubPr>
                             <m:ctrlPr>
                               <a:rPr lang="en-US" altLang="zh-CN" sz="2400" b="0" i="1" dirty="0" smtClean="0">
-                                <a:latin typeface="Cambria Math" panose="02040503050406030204" pitchFamily="18" charset="0"/>
+                                <a:latin typeface="Cambria Math" charset="0"/>
                               </a:rPr>
                             </m:ctrlPr>
                           </m:sSubPr>
@@ -12606,7 +13352,7 @@
                       <m:dPr>
                         <m:ctrlPr>
                           <a:rPr lang="en-US" altLang="zh-CN" sz="2400" b="0" i="1" dirty="0" smtClean="0">
-                            <a:latin typeface="Cambria Math" panose="02040503050406030204" pitchFamily="18" charset="0"/>
+                            <a:latin typeface="Cambria Math" charset="0"/>
                           </a:rPr>
                         </m:ctrlPr>
                       </m:dPr>
@@ -12615,7 +13361,7 @@
                           <m:sSubPr>
                             <m:ctrlPr>
                               <a:rPr lang="en-US" altLang="zh-CN" sz="2400" b="0" i="1" dirty="0" smtClean="0">
-                                <a:latin typeface="Cambria Math" panose="02040503050406030204" pitchFamily="18" charset="0"/>
+                                <a:latin typeface="Cambria Math" charset="0"/>
                               </a:rPr>
                             </m:ctrlPr>
                           </m:sSubPr>
@@ -12646,7 +13392,7 @@
                           <m:sSubPr>
                             <m:ctrlPr>
                               <a:rPr lang="en-US" altLang="zh-CN" sz="2400" b="0" i="1" dirty="0" smtClean="0">
-                                <a:latin typeface="Cambria Math" panose="02040503050406030204" pitchFamily="18" charset="0"/>
+                                <a:latin typeface="Cambria Math" charset="0"/>
                               </a:rPr>
                             </m:ctrlPr>
                           </m:sSubPr>
@@ -12679,7 +13425,7 @@
                       <m:dPr>
                         <m:ctrlPr>
                           <a:rPr lang="en-US" altLang="zh-CN" sz="2400" b="0" i="1" dirty="0" smtClean="0">
-                            <a:latin typeface="Cambria Math" panose="02040503050406030204" pitchFamily="18" charset="0"/>
+                            <a:latin typeface="Cambria Math" charset="0"/>
                           </a:rPr>
                         </m:ctrlPr>
                       </m:dPr>
@@ -12688,7 +13434,7 @@
                           <m:sSubPr>
                             <m:ctrlPr>
                               <a:rPr lang="en-US" altLang="zh-CN" sz="2400" b="0" i="1" dirty="0" smtClean="0">
-                                <a:latin typeface="Cambria Math" panose="02040503050406030204" pitchFamily="18" charset="0"/>
+                                <a:latin typeface="Cambria Math" charset="0"/>
                               </a:rPr>
                             </m:ctrlPr>
                           </m:sSubPr>
@@ -12719,7 +13465,7 @@
                           <m:sSubPr>
                             <m:ctrlPr>
                               <a:rPr lang="en-US" altLang="zh-CN" sz="2400" b="0" i="1" dirty="0" smtClean="0">
-                                <a:latin typeface="Cambria Math" panose="02040503050406030204" pitchFamily="18" charset="0"/>
+                                <a:latin typeface="Cambria Math" charset="0"/>
                               </a:rPr>
                             </m:ctrlPr>
                           </m:sSubPr>
@@ -12827,7 +13573,7 @@
                       <m:sSubPr>
                         <m:ctrlPr>
                           <a:rPr lang="en-US" altLang="zh-CN" sz="2400" b="0" i="1" dirty="0" smtClean="0">
-                            <a:latin typeface="Cambria Math" panose="02040503050406030204" pitchFamily="18" charset="0"/>
+                            <a:latin typeface="Cambria Math" charset="0"/>
                           </a:rPr>
                         </m:ctrlPr>
                       </m:sSubPr>
@@ -12837,7 +13583,7 @@
                             <m:chr m:val="̂"/>
                             <m:ctrlPr>
                               <a:rPr lang="en-US" altLang="zh-CN" sz="2400" b="0" i="1" smtClean="0">
-                                <a:latin typeface="Cambria Math" panose="02040503050406030204" pitchFamily="18" charset="0"/>
+                                <a:latin typeface="Cambria Math" charset="0"/>
                               </a:rPr>
                             </m:ctrlPr>
                           </m:accPr>
@@ -12876,7 +13622,7 @@
                       <m:sSubPr>
                         <m:ctrlPr>
                           <a:rPr lang="en-US" altLang="zh-CN" sz="2400" b="0" i="1" dirty="0" smtClean="0">
-                            <a:latin typeface="Cambria Math" panose="02040503050406030204" pitchFamily="18" charset="0"/>
+                            <a:latin typeface="Cambria Math" charset="0"/>
                           </a:rPr>
                         </m:ctrlPr>
                       </m:sSubPr>
@@ -12925,7 +13671,7 @@
                       <m:sSubPr>
                         <m:ctrlPr>
                           <a:rPr lang="en-US" altLang="zh-CN" sz="2400" b="0" i="1" dirty="0" smtClean="0">
-                            <a:latin typeface="Cambria Math" panose="02040503050406030204" pitchFamily="18" charset="0"/>
+                            <a:latin typeface="Cambria Math" charset="0"/>
                           </a:rPr>
                         </m:ctrlPr>
                       </m:sSubPr>
@@ -13123,7 +13869,7 @@
                         <m:sSubPr>
                           <m:ctrlPr>
                             <a:rPr lang="en-US" altLang="zh-CN" b="0" i="1" smtClean="0">
-                              <a:latin typeface="Cambria Math" panose="02040503050406030204" pitchFamily="18" charset="0"/>
+                              <a:latin typeface="Cambria Math" charset="0"/>
                             </a:rPr>
                           </m:ctrlPr>
                         </m:sSubPr>
@@ -13166,7 +13912,7 @@
                         <m:sSubPr>
                           <m:ctrlPr>
                             <a:rPr lang="en-US" altLang="zh-CN" b="0" i="1" smtClean="0">
-                              <a:latin typeface="Cambria Math" panose="02040503050406030204" pitchFamily="18" charset="0"/>
+                              <a:latin typeface="Cambria Math" charset="0"/>
                             </a:rPr>
                           </m:ctrlPr>
                         </m:sSubPr>
@@ -13210,7 +13956,7 @@
                         <m:sSubPr>
                           <m:ctrlPr>
                             <a:rPr lang="en-US" altLang="zh-CN" i="1">
-                              <a:latin typeface="Cambria Math" panose="02040503050406030204" pitchFamily="18" charset="0"/>
+                              <a:latin typeface="Cambria Math" charset="0"/>
                             </a:rPr>
                           </m:ctrlPr>
                         </m:sSubPr>
@@ -13253,7 +13999,7 @@
                         <m:sSubPr>
                           <m:ctrlPr>
                             <a:rPr lang="en-US" altLang="zh-CN" i="1">
-                              <a:latin typeface="Cambria Math" panose="02040503050406030204" pitchFamily="18" charset="0"/>
+                              <a:latin typeface="Cambria Math" charset="0"/>
                             </a:rPr>
                           </m:ctrlPr>
                         </m:sSubPr>
@@ -13316,7 +14062,7 @@
                         <m:sSubPr>
                           <m:ctrlPr>
                             <a:rPr lang="en-US" altLang="zh-CN" i="1">
-                              <a:latin typeface="Cambria Math" panose="02040503050406030204" pitchFamily="18" charset="0"/>
+                              <a:latin typeface="Cambria Math" charset="0"/>
                             </a:rPr>
                           </m:ctrlPr>
                         </m:sSubPr>
@@ -13359,7 +14105,7 @@
                         <m:sSubPr>
                           <m:ctrlPr>
                             <a:rPr lang="en-US" altLang="zh-CN" i="1">
-                              <a:latin typeface="Cambria Math" panose="02040503050406030204" pitchFamily="18" charset="0"/>
+                              <a:latin typeface="Cambria Math" charset="0"/>
                             </a:rPr>
                           </m:ctrlPr>
                         </m:sSubPr>
@@ -13430,6 +14176,43 @@
           </p:sp>
         </mc:Fallback>
       </mc:AlternateContent>
+      <p:sp>
+        <p:nvSpPr>
+          <p:cNvPr id="11" name="Rectangle 10"/>
+          <p:cNvSpPr/>
+          <p:nvPr/>
+        </p:nvSpPr>
+        <p:spPr>
+          <a:xfrm>
+            <a:off x="0" y="6451738"/>
+            <a:ext cx="578428" cy="276999"/>
+          </a:xfrm>
+          <a:prstGeom prst="rect">
+            <a:avLst/>
+          </a:prstGeom>
+        </p:spPr>
+        <p:txBody>
+          <a:bodyPr wrap="none">
+            <a:spAutoFit/>
+          </a:bodyPr>
+          <a:lstStyle/>
+          <a:p>
+            <a:r>
+              <a:rPr lang="en-US" sz="1200" dirty="0" smtClean="0">
+                <a:solidFill>
+                  <a:srgbClr val="118EB0"/>
+                </a:solidFill>
+              </a:rPr>
+              <a:t>Fitting</a:t>
+            </a:r>
+            <a:endParaRPr lang="en-US" sz="1200" dirty="0">
+              <a:solidFill>
+                <a:srgbClr val="118EB0"/>
+              </a:solidFill>
+            </a:endParaRPr>
+          </a:p>
+        </p:txBody>
+      </p:sp>
     </p:spTree>
     <p:extLst>
       <p:ext uri="{BB962C8B-B14F-4D97-AF65-F5344CB8AC3E}">
@@ -13450,7 +14233,7 @@
 </p:sld>
 </file>
 
-<file path=ppt/slides/slide24.xml><?xml version="1.0" encoding="utf-8"?>
+<file path=ppt/slides/slide25.xml><?xml version="1.0" encoding="utf-8"?>
 <p:sld xmlns:a="http://schemas.openxmlformats.org/drawingml/2006/main" xmlns:r="http://schemas.openxmlformats.org/officeDocument/2006/relationships" xmlns:p="http://schemas.openxmlformats.org/presentationml/2006/main">
   <p:cSld>
     <p:spTree>
@@ -13551,11 +14334,7 @@
             </a:r>
             <a:r>
               <a:rPr lang="en-US" sz="4000" i="1" dirty="0" smtClean="0"/>
-              <a:t>Fit </a:t>
-            </a:r>
-            <a:r>
-              <a:rPr lang="en-US" sz="4000" i="1" dirty="0" smtClean="0"/>
-              <a:t>a line to your data</a:t>
+              <a:t>Fit a line to your data</a:t>
             </a:r>
             <a:endParaRPr lang="en-US" sz="4000" i="1" dirty="0"/>
           </a:p>
@@ -13603,43 +14382,6 @@
           <a:p>
             <a:pPr algn="ctr"/>
             <a:endParaRPr lang="en-US"/>
-          </a:p>
-        </p:txBody>
-      </p:sp>
-      <p:sp>
-        <p:nvSpPr>
-          <p:cNvPr id="6" name="Rectangle 5"/>
-          <p:cNvSpPr/>
-          <p:nvPr/>
-        </p:nvSpPr>
-        <p:spPr>
-          <a:xfrm>
-            <a:off x="0" y="6451738"/>
-            <a:ext cx="1037664" cy="276999"/>
-          </a:xfrm>
-          <a:prstGeom prst="rect">
-            <a:avLst/>
-          </a:prstGeom>
-        </p:spPr>
-        <p:txBody>
-          <a:bodyPr wrap="none">
-            <a:spAutoFit/>
-          </a:bodyPr>
-          <a:lstStyle/>
-          <a:p>
-            <a:r>
-              <a:rPr lang="en-US" sz="1200" dirty="0" smtClean="0">
-                <a:solidFill>
-                  <a:srgbClr val="118EB0"/>
-                </a:solidFill>
-              </a:rPr>
-              <a:t>Administrivia</a:t>
-            </a:r>
-            <a:endParaRPr lang="en-US" sz="1200" dirty="0">
-              <a:solidFill>
-                <a:srgbClr val="118EB0"/>
-              </a:solidFill>
-            </a:endParaRPr>
           </a:p>
         </p:txBody>
       </p:sp>
@@ -13716,7 +14458,7 @@
                       <m:dPr>
                         <m:ctrlPr>
                           <a:rPr lang="en-US" altLang="zh-CN" sz="2400" b="0" i="1" dirty="0" smtClean="0">
-                            <a:latin typeface="Cambria Math" panose="02040503050406030204" pitchFamily="18" charset="0"/>
+                            <a:latin typeface="Cambria Math" charset="0"/>
                           </a:rPr>
                         </m:ctrlPr>
                       </m:dPr>
@@ -13725,7 +14467,7 @@
                           <m:sSubPr>
                             <m:ctrlPr>
                               <a:rPr lang="en-US" altLang="zh-CN" sz="2400" b="0" i="1" dirty="0" smtClean="0">
-                                <a:latin typeface="Cambria Math" panose="02040503050406030204" pitchFamily="18" charset="0"/>
+                                <a:latin typeface="Cambria Math" charset="0"/>
                               </a:rPr>
                             </m:ctrlPr>
                           </m:sSubPr>
@@ -13756,7 +14498,7 @@
                           <m:sSubPr>
                             <m:ctrlPr>
                               <a:rPr lang="en-US" altLang="zh-CN" sz="2400" b="0" i="1" dirty="0" smtClean="0">
-                                <a:latin typeface="Cambria Math" panose="02040503050406030204" pitchFamily="18" charset="0"/>
+                                <a:latin typeface="Cambria Math" charset="0"/>
                               </a:rPr>
                             </m:ctrlPr>
                           </m:sSubPr>
@@ -13789,7 +14531,7 @@
                       <m:dPr>
                         <m:ctrlPr>
                           <a:rPr lang="en-US" altLang="zh-CN" sz="2400" b="0" i="1" dirty="0" smtClean="0">
-                            <a:latin typeface="Cambria Math" panose="02040503050406030204" pitchFamily="18" charset="0"/>
+                            <a:latin typeface="Cambria Math" charset="0"/>
                           </a:rPr>
                         </m:ctrlPr>
                       </m:dPr>
@@ -13798,7 +14540,7 @@
                           <m:sSubPr>
                             <m:ctrlPr>
                               <a:rPr lang="en-US" altLang="zh-CN" sz="2400" b="0" i="1" dirty="0" smtClean="0">
-                                <a:latin typeface="Cambria Math" panose="02040503050406030204" pitchFamily="18" charset="0"/>
+                                <a:latin typeface="Cambria Math" charset="0"/>
                               </a:rPr>
                             </m:ctrlPr>
                           </m:sSubPr>
@@ -13829,7 +14571,7 @@
                           <m:sSubPr>
                             <m:ctrlPr>
                               <a:rPr lang="en-US" altLang="zh-CN" sz="2400" b="0" i="1" dirty="0" smtClean="0">
-                                <a:latin typeface="Cambria Math" panose="02040503050406030204" pitchFamily="18" charset="0"/>
+                                <a:latin typeface="Cambria Math" charset="0"/>
                               </a:rPr>
                             </m:ctrlPr>
                           </m:sSubPr>
@@ -13862,7 +14604,7 @@
                       <m:dPr>
                         <m:ctrlPr>
                           <a:rPr lang="en-US" altLang="zh-CN" sz="2400" b="0" i="1" dirty="0" smtClean="0">
-                            <a:latin typeface="Cambria Math" panose="02040503050406030204" pitchFamily="18" charset="0"/>
+                            <a:latin typeface="Cambria Math" charset="0"/>
                           </a:rPr>
                         </m:ctrlPr>
                       </m:dPr>
@@ -13871,7 +14613,7 @@
                           <m:sSubPr>
                             <m:ctrlPr>
                               <a:rPr lang="en-US" altLang="zh-CN" sz="2400" b="0" i="1" dirty="0" smtClean="0">
-                                <a:latin typeface="Cambria Math" panose="02040503050406030204" pitchFamily="18" charset="0"/>
+                                <a:latin typeface="Cambria Math" charset="0"/>
                               </a:rPr>
                             </m:ctrlPr>
                           </m:sSubPr>
@@ -13902,7 +14644,7 @@
                           <m:sSubPr>
                             <m:ctrlPr>
                               <a:rPr lang="en-US" altLang="zh-CN" sz="2400" b="0" i="1" dirty="0" smtClean="0">
-                                <a:latin typeface="Cambria Math" panose="02040503050406030204" pitchFamily="18" charset="0"/>
+                                <a:latin typeface="Cambria Math" charset="0"/>
                               </a:rPr>
                             </m:ctrlPr>
                           </m:sSubPr>
@@ -14010,7 +14752,7 @@
                       <m:sSubPr>
                         <m:ctrlPr>
                           <a:rPr lang="en-US" altLang="zh-CN" sz="2400" b="0" i="1" dirty="0" smtClean="0">
-                            <a:latin typeface="Cambria Math" panose="02040503050406030204" pitchFamily="18" charset="0"/>
+                            <a:latin typeface="Cambria Math" charset="0"/>
                           </a:rPr>
                         </m:ctrlPr>
                       </m:sSubPr>
@@ -14020,7 +14762,7 @@
                             <m:chr m:val="̂"/>
                             <m:ctrlPr>
                               <a:rPr lang="en-US" altLang="zh-CN" sz="2400" b="0" i="1" smtClean="0">
-                                <a:latin typeface="Cambria Math" panose="02040503050406030204" pitchFamily="18" charset="0"/>
+                                <a:latin typeface="Cambria Math" charset="0"/>
                               </a:rPr>
                             </m:ctrlPr>
                           </m:accPr>
@@ -14059,7 +14801,7 @@
                       <m:sSubPr>
                         <m:ctrlPr>
                           <a:rPr lang="en-US" altLang="zh-CN" sz="2400" b="0" i="1" dirty="0" smtClean="0">
-                            <a:latin typeface="Cambria Math" panose="02040503050406030204" pitchFamily="18" charset="0"/>
+                            <a:latin typeface="Cambria Math" charset="0"/>
                           </a:rPr>
                         </m:ctrlPr>
                       </m:sSubPr>
@@ -14108,7 +14850,7 @@
                       <m:sSubPr>
                         <m:ctrlPr>
                           <a:rPr lang="en-US" altLang="zh-CN" sz="2400" b="0" i="1" dirty="0" smtClean="0">
-                            <a:latin typeface="Cambria Math" panose="02040503050406030204" pitchFamily="18" charset="0"/>
+                            <a:latin typeface="Cambria Math" charset="0"/>
                           </a:rPr>
                         </m:ctrlPr>
                       </m:sSubPr>
@@ -14272,7 +15014,7 @@
                           <m:endChr m:val="]"/>
                           <m:ctrlPr>
                             <a:rPr lang="en-US" altLang="zh-CN" i="1" smtClean="0">
-                              <a:latin typeface="Cambria Math" panose="02040503050406030204" pitchFamily="18" charset="0"/>
+                              <a:latin typeface="Cambria Math" charset="0"/>
                             </a:rPr>
                           </m:ctrlPr>
                         </m:dPr>
@@ -14289,7 +15031,7 @@
                               </m:mcs>
                               <m:ctrlPr>
                                 <a:rPr lang="en-US" altLang="zh-CN" i="1" smtClean="0">
-                                  <a:latin typeface="Cambria Math" panose="02040503050406030204" pitchFamily="18" charset="0"/>
+                                  <a:latin typeface="Cambria Math" charset="0"/>
                                 </a:rPr>
                               </m:ctrlPr>
                             </m:mPr>
@@ -14299,7 +15041,7 @@
                                   <m:sSubPr>
                                     <m:ctrlPr>
                                       <a:rPr lang="en-US" altLang="zh-CN" b="0" i="1" smtClean="0">
-                                        <a:latin typeface="Cambria Math" panose="02040503050406030204" pitchFamily="18" charset="0"/>
+                                        <a:latin typeface="Cambria Math" charset="0"/>
                                       </a:rPr>
                                     </m:ctrlPr>
                                   </m:sSubPr>
@@ -14339,7 +15081,7 @@
                                   <m:sSubPr>
                                     <m:ctrlPr>
                                       <a:rPr lang="en-US" altLang="zh-CN" b="0" i="1" smtClean="0">
-                                        <a:latin typeface="Cambria Math" panose="02040503050406030204" pitchFamily="18" charset="0"/>
+                                        <a:latin typeface="Cambria Math" charset="0"/>
                                       </a:rPr>
                                     </m:ctrlPr>
                                   </m:sSubPr>
@@ -14384,7 +15126,7 @@
                                     </m:mcs>
                                     <m:ctrlPr>
                                       <a:rPr lang="en-US" altLang="zh-CN" i="1" smtClean="0">
-                                        <a:latin typeface="Cambria Math" panose="02040503050406030204" pitchFamily="18" charset="0"/>
+                                        <a:latin typeface="Cambria Math" charset="0"/>
                                       </a:rPr>
                                     </m:ctrlPr>
                                   </m:mPr>
@@ -14407,7 +15149,7 @@
                                         <m:sSubPr>
                                           <m:ctrlPr>
                                             <a:rPr lang="en-US" altLang="zh-CN" b="0" i="1" smtClean="0">
-                                              <a:latin typeface="Cambria Math" panose="02040503050406030204" pitchFamily="18" charset="0"/>
+                                              <a:latin typeface="Cambria Math" charset="0"/>
                                             </a:rPr>
                                           </m:ctrlPr>
                                         </m:sSubPr>
@@ -14445,7 +15187,7 @@
                                     </m:mcs>
                                     <m:ctrlPr>
                                       <a:rPr lang="en-US" altLang="zh-CN" i="1" smtClean="0">
-                                        <a:latin typeface="Cambria Math" panose="02040503050406030204" pitchFamily="18" charset="0"/>
+                                        <a:latin typeface="Cambria Math" charset="0"/>
                                       </a:rPr>
                                     </m:ctrlPr>
                                   </m:mPr>
@@ -14484,7 +15226,7 @@
                           <m:endChr m:val="]"/>
                           <m:ctrlPr>
                             <a:rPr lang="en-US" altLang="zh-CN" i="1" dirty="0" smtClean="0">
-                              <a:latin typeface="Cambria Math" panose="02040503050406030204" pitchFamily="18" charset="0"/>
+                              <a:latin typeface="Cambria Math" charset="0"/>
                             </a:rPr>
                           </m:ctrlPr>
                         </m:dPr>
@@ -14501,7 +15243,7 @@
                               </m:mcs>
                               <m:ctrlPr>
                                 <a:rPr lang="en-US" altLang="zh-CN" i="1" dirty="0" smtClean="0">
-                                  <a:latin typeface="Cambria Math" panose="02040503050406030204" pitchFamily="18" charset="0"/>
+                                  <a:latin typeface="Cambria Math" charset="0"/>
                                 </a:rPr>
                               </m:ctrlPr>
                             </m:mPr>
@@ -14543,7 +15285,7 @@
                           <m:endChr m:val="]"/>
                           <m:ctrlPr>
                             <a:rPr lang="en-US" altLang="zh-CN" i="1" dirty="0">
-                              <a:latin typeface="Cambria Math" panose="02040503050406030204" pitchFamily="18" charset="0"/>
+                              <a:latin typeface="Cambria Math" charset="0"/>
                             </a:rPr>
                           </m:ctrlPr>
                         </m:dPr>
@@ -14560,7 +15302,7 @@
                               </m:mcs>
                               <m:ctrlPr>
                                 <a:rPr lang="en-US" altLang="zh-CN" i="1" dirty="0" smtClean="0">
-                                  <a:latin typeface="Cambria Math" panose="02040503050406030204" pitchFamily="18" charset="0"/>
+                                  <a:latin typeface="Cambria Math" charset="0"/>
                                 </a:rPr>
                               </m:ctrlPr>
                             </m:mPr>
@@ -14570,7 +15312,7 @@
                                   <m:sSubPr>
                                     <m:ctrlPr>
                                       <a:rPr lang="en-US" altLang="zh-CN" b="0" i="1" dirty="0" smtClean="0">
-                                        <a:latin typeface="Cambria Math" panose="02040503050406030204" pitchFamily="18" charset="0"/>
+                                        <a:latin typeface="Cambria Math" charset="0"/>
                                       </a:rPr>
                                     </m:ctrlPr>
                                   </m:sSubPr>
@@ -14602,7 +15344,7 @@
                                   <m:sSubPr>
                                     <m:ctrlPr>
                                       <a:rPr lang="en-US" altLang="zh-CN" b="0" i="1" dirty="0" smtClean="0">
-                                        <a:latin typeface="Cambria Math" panose="02040503050406030204" pitchFamily="18" charset="0"/>
+                                        <a:latin typeface="Cambria Math" charset="0"/>
                                       </a:rPr>
                                     </m:ctrlPr>
                                   </m:sSubPr>
@@ -14639,7 +15381,7 @@
                                     </m:mcs>
                                     <m:ctrlPr>
                                       <a:rPr lang="en-US" altLang="zh-CN" i="1" dirty="0" smtClean="0">
-                                        <a:latin typeface="Cambria Math" panose="02040503050406030204" pitchFamily="18" charset="0"/>
+                                        <a:latin typeface="Cambria Math" charset="0"/>
                                       </a:rPr>
                                     </m:ctrlPr>
                                   </m:mPr>
@@ -14662,7 +15404,7 @@
                                         <m:sSubPr>
                                           <m:ctrlPr>
                                             <a:rPr lang="en-US" altLang="zh-CN" b="0" i="1" dirty="0" smtClean="0">
-                                              <a:latin typeface="Cambria Math" panose="02040503050406030204" pitchFamily="18" charset="0"/>
+                                              <a:latin typeface="Cambria Math" charset="0"/>
                                             </a:rPr>
                                           </m:ctrlPr>
                                         </m:sSubPr>
@@ -14974,6 +15716,43 @@
           </a:p>
         </p:txBody>
       </p:sp>
+      <p:sp>
+        <p:nvSpPr>
+          <p:cNvPr id="13" name="Rectangle 12"/>
+          <p:cNvSpPr/>
+          <p:nvPr/>
+        </p:nvSpPr>
+        <p:spPr>
+          <a:xfrm>
+            <a:off x="0" y="6451738"/>
+            <a:ext cx="578428" cy="276999"/>
+          </a:xfrm>
+          <a:prstGeom prst="rect">
+            <a:avLst/>
+          </a:prstGeom>
+        </p:spPr>
+        <p:txBody>
+          <a:bodyPr wrap="none">
+            <a:spAutoFit/>
+          </a:bodyPr>
+          <a:lstStyle/>
+          <a:p>
+            <a:r>
+              <a:rPr lang="en-US" sz="1200" dirty="0" smtClean="0">
+                <a:solidFill>
+                  <a:srgbClr val="118EB0"/>
+                </a:solidFill>
+              </a:rPr>
+              <a:t>Fitting</a:t>
+            </a:r>
+            <a:endParaRPr lang="en-US" sz="1200" dirty="0">
+              <a:solidFill>
+                <a:srgbClr val="118EB0"/>
+              </a:solidFill>
+            </a:endParaRPr>
+          </a:p>
+        </p:txBody>
+      </p:sp>
     </p:spTree>
     <p:extLst>
       <p:ext uri="{BB962C8B-B14F-4D97-AF65-F5344CB8AC3E}">
@@ -15127,7 +15906,7 @@
 </p:sld>
 </file>
 
-<file path=ppt/slides/slide25.xml><?xml version="1.0" encoding="utf-8"?>
+<file path=ppt/slides/slide26.xml><?xml version="1.0" encoding="utf-8"?>
 <p:sld xmlns:a="http://schemas.openxmlformats.org/drawingml/2006/main" xmlns:r="http://schemas.openxmlformats.org/officeDocument/2006/relationships" xmlns:p="http://schemas.openxmlformats.org/presentationml/2006/main">
   <p:cSld>
     <p:spTree>
@@ -15228,11 +16007,7 @@
             </a:r>
             <a:r>
               <a:rPr lang="en-US" sz="4000" i="1" dirty="0" smtClean="0"/>
-              <a:t>Fit </a:t>
-            </a:r>
-            <a:r>
-              <a:rPr lang="en-US" sz="4000" i="1" dirty="0" smtClean="0"/>
-              <a:t>a line to your data</a:t>
+              <a:t>Fit a line to your data</a:t>
             </a:r>
             <a:endParaRPr lang="en-US" sz="4000" i="1" dirty="0"/>
           </a:p>
@@ -15285,43 +16060,6 @@
       </p:sp>
       <p:sp>
         <p:nvSpPr>
-          <p:cNvPr id="6" name="Rectangle 5"/>
-          <p:cNvSpPr/>
-          <p:nvPr/>
-        </p:nvSpPr>
-        <p:spPr>
-          <a:xfrm>
-            <a:off x="0" y="6451738"/>
-            <a:ext cx="1037664" cy="276999"/>
-          </a:xfrm>
-          <a:prstGeom prst="rect">
-            <a:avLst/>
-          </a:prstGeom>
-        </p:spPr>
-        <p:txBody>
-          <a:bodyPr wrap="none">
-            <a:spAutoFit/>
-          </a:bodyPr>
-          <a:lstStyle/>
-          <a:p>
-            <a:r>
-              <a:rPr lang="en-US" sz="1200" dirty="0" smtClean="0">
-                <a:solidFill>
-                  <a:srgbClr val="118EB0"/>
-                </a:solidFill>
-              </a:rPr>
-              <a:t>Administrivia</a:t>
-            </a:r>
-            <a:endParaRPr lang="en-US" sz="1200" dirty="0">
-              <a:solidFill>
-                <a:srgbClr val="118EB0"/>
-              </a:solidFill>
-            </a:endParaRPr>
-          </a:p>
-        </p:txBody>
-      </p:sp>
-      <p:sp>
-        <p:nvSpPr>
           <p:cNvPr id="7" name="TextBox 6"/>
           <p:cNvSpPr txBox="1"/>
           <p:nvPr/>
@@ -15723,6 +16461,43 @@
             <a:endParaRPr lang="zh-CN" altLang="en-US" dirty="0">
               <a:latin typeface="Courier New" panose="02070309020205020404" pitchFamily="49" charset="0"/>
               <a:cs typeface="Courier New" panose="02070309020205020404" pitchFamily="49" charset="0"/>
+            </a:endParaRPr>
+          </a:p>
+        </p:txBody>
+      </p:sp>
+      <p:sp>
+        <p:nvSpPr>
+          <p:cNvPr id="8" name="Rectangle 7"/>
+          <p:cNvSpPr/>
+          <p:nvPr/>
+        </p:nvSpPr>
+        <p:spPr>
+          <a:xfrm>
+            <a:off x="0" y="6451738"/>
+            <a:ext cx="578428" cy="276999"/>
+          </a:xfrm>
+          <a:prstGeom prst="rect">
+            <a:avLst/>
+          </a:prstGeom>
+        </p:spPr>
+        <p:txBody>
+          <a:bodyPr wrap="none">
+            <a:spAutoFit/>
+          </a:bodyPr>
+          <a:lstStyle/>
+          <a:p>
+            <a:r>
+              <a:rPr lang="en-US" sz="1200" dirty="0" smtClean="0">
+                <a:solidFill>
+                  <a:srgbClr val="118EB0"/>
+                </a:solidFill>
+              </a:rPr>
+              <a:t>Fitting</a:t>
+            </a:r>
+            <a:endParaRPr lang="en-US" sz="1200" dirty="0">
+              <a:solidFill>
+                <a:srgbClr val="118EB0"/>
+              </a:solidFill>
             </a:endParaRPr>
           </a:p>
         </p:txBody>
@@ -15747,7 +16522,7 @@
 </p:sld>
 </file>
 
-<file path=ppt/slides/slide26.xml><?xml version="1.0" encoding="utf-8"?>
+<file path=ppt/slides/slide27.xml><?xml version="1.0" encoding="utf-8"?>
 <p:sld xmlns:a="http://schemas.openxmlformats.org/drawingml/2006/main" xmlns:r="http://schemas.openxmlformats.org/officeDocument/2006/relationships" xmlns:p="http://schemas.openxmlformats.org/presentationml/2006/main">
   <p:cSld>
     <p:spTree>
@@ -15896,43 +16671,6 @@
           <a:p>
             <a:pPr algn="ctr"/>
             <a:endParaRPr lang="en-US"/>
-          </a:p>
-        </p:txBody>
-      </p:sp>
-      <p:sp>
-        <p:nvSpPr>
-          <p:cNvPr id="6" name="Rectangle 5"/>
-          <p:cNvSpPr/>
-          <p:nvPr/>
-        </p:nvSpPr>
-        <p:spPr>
-          <a:xfrm>
-            <a:off x="0" y="6451738"/>
-            <a:ext cx="1037664" cy="276999"/>
-          </a:xfrm>
-          <a:prstGeom prst="rect">
-            <a:avLst/>
-          </a:prstGeom>
-        </p:spPr>
-        <p:txBody>
-          <a:bodyPr wrap="none">
-            <a:spAutoFit/>
-          </a:bodyPr>
-          <a:lstStyle/>
-          <a:p>
-            <a:r>
-              <a:rPr lang="en-US" sz="1200" dirty="0" smtClean="0">
-                <a:solidFill>
-                  <a:srgbClr val="118EB0"/>
-                </a:solidFill>
-              </a:rPr>
-              <a:t>Administrivia</a:t>
-            </a:r>
-            <a:endParaRPr lang="en-US" sz="1200" dirty="0">
-              <a:solidFill>
-                <a:srgbClr val="118EB0"/>
-              </a:solidFill>
-            </a:endParaRPr>
           </a:p>
         </p:txBody>
       </p:sp>
@@ -16043,7 +16781,7 @@
                         <m:funcPr>
                           <m:ctrlPr>
                             <a:rPr lang="mr-IN" altLang="zh-CN" sz="2400" i="1" dirty="0" smtClean="0">
-                              <a:latin typeface="Cambria Math" panose="02040503050406030204" pitchFamily="18" charset="0"/>
+                              <a:latin typeface="Cambria Math" charset="0"/>
                             </a:rPr>
                           </m:ctrlPr>
                         </m:funcPr>
@@ -16052,7 +16790,7 @@
                             <m:limLowPr>
                               <m:ctrlPr>
                                 <a:rPr lang="mr-IN" altLang="zh-CN" sz="2400" i="1" dirty="0" smtClean="0">
-                                  <a:latin typeface="Cambria Math" panose="02040503050406030204" pitchFamily="18" charset="0"/>
+                                  <a:latin typeface="Cambria Math" charset="0"/>
                                 </a:rPr>
                               </m:ctrlPr>
                             </m:limLowPr>
@@ -16105,7 +16843,7 @@
                               <m:limLoc m:val="subSup"/>
                               <m:ctrlPr>
                                 <a:rPr lang="is-IS" altLang="zh-CN" sz="2400" i="1" dirty="0">
-                                  <a:latin typeface="Cambria Math" panose="02040503050406030204" pitchFamily="18" charset="0"/>
+                                  <a:latin typeface="Cambria Math" charset="0"/>
                                 </a:rPr>
                               </m:ctrlPr>
                             </m:naryPr>
@@ -16139,7 +16877,7 @@
                                 <m:sSupPr>
                                   <m:ctrlPr>
                                     <a:rPr lang="en-US" altLang="zh-CN" sz="2400" i="1" dirty="0">
-                                      <a:latin typeface="Cambria Math" panose="02040503050406030204" pitchFamily="18" charset="0"/>
+                                      <a:latin typeface="Cambria Math" charset="0"/>
                                     </a:rPr>
                                   </m:ctrlPr>
                                 </m:sSupPr>
@@ -16150,7 +16888,7 @@
                                       <m:endChr m:val="‖"/>
                                       <m:ctrlPr>
                                         <a:rPr lang="is-IS" altLang="zh-CN" sz="2400" i="1" dirty="0">
-                                          <a:latin typeface="Cambria Math" panose="02040503050406030204" pitchFamily="18" charset="0"/>
+                                          <a:latin typeface="Cambria Math" charset="0"/>
                                         </a:rPr>
                                       </m:ctrlPr>
                                     </m:dPr>
@@ -16159,7 +16897,7 @@
                                         <m:sSubPr>
                                           <m:ctrlPr>
                                             <a:rPr lang="en-US" altLang="zh-CN" sz="2400" i="1" dirty="0">
-                                              <a:latin typeface="Cambria Math" panose="02040503050406030204" pitchFamily="18" charset="0"/>
+                                              <a:latin typeface="Cambria Math" charset="0"/>
                                             </a:rPr>
                                           </m:ctrlPr>
                                         </m:sSubPr>
@@ -16190,7 +16928,7 @@
                                         <m:dPr>
                                           <m:ctrlPr>
                                             <a:rPr lang="en-US" altLang="zh-CN" sz="2400" i="1" dirty="0">
-                                              <a:latin typeface="Cambria Math" panose="02040503050406030204" pitchFamily="18" charset="0"/>
+                                              <a:latin typeface="Cambria Math" charset="0"/>
                                             </a:rPr>
                                           </m:ctrlPr>
                                         </m:dPr>
@@ -16205,7 +16943,7 @@
                                             <m:sSubPr>
                                               <m:ctrlPr>
                                                 <a:rPr lang="en-US" altLang="zh-CN" sz="2400" i="1" dirty="0">
-                                                  <a:latin typeface="Cambria Math" panose="02040503050406030204" pitchFamily="18" charset="0"/>
+                                                  <a:latin typeface="Cambria Math" charset="0"/>
                                                 </a:rPr>
                                               </m:ctrlPr>
                                             </m:sSubPr>
@@ -16398,6 +17136,43 @@
               <a:t>ecroot/3225/maximum_likelihood.pdf</a:t>
             </a:r>
             <a:endParaRPr lang="en-US" dirty="0"/>
+          </a:p>
+        </p:txBody>
+      </p:sp>
+      <p:sp>
+        <p:nvSpPr>
+          <p:cNvPr id="10" name="Rectangle 9"/>
+          <p:cNvSpPr/>
+          <p:nvPr/>
+        </p:nvSpPr>
+        <p:spPr>
+          <a:xfrm>
+            <a:off x="0" y="6451738"/>
+            <a:ext cx="578428" cy="276999"/>
+          </a:xfrm>
+          <a:prstGeom prst="rect">
+            <a:avLst/>
+          </a:prstGeom>
+        </p:spPr>
+        <p:txBody>
+          <a:bodyPr wrap="none">
+            <a:spAutoFit/>
+          </a:bodyPr>
+          <a:lstStyle/>
+          <a:p>
+            <a:r>
+              <a:rPr lang="en-US" sz="1200" dirty="0" smtClean="0">
+                <a:solidFill>
+                  <a:srgbClr val="118EB0"/>
+                </a:solidFill>
+              </a:rPr>
+              <a:t>Fitting</a:t>
+            </a:r>
+            <a:endParaRPr lang="en-US" sz="1200" dirty="0">
+              <a:solidFill>
+                <a:srgbClr val="118EB0"/>
+              </a:solidFill>
+            </a:endParaRPr>
           </a:p>
         </p:txBody>
       </p:sp>
@@ -16586,7 +17361,23 @@
           <a:bodyPr/>
           <a:lstStyle/>
           <a:p>
-            <a:endParaRPr lang="en-US"/>
+            <a:r>
+              <a:rPr lang="en-US" dirty="0" smtClean="0"/>
+              <a:t>HW9 due this Friday 6pm.</a:t>
+            </a:r>
+          </a:p>
+          <a:p>
+            <a:r>
+              <a:rPr lang="en-US" dirty="0" smtClean="0"/>
+              <a:t>Q/A on Wednesday’s lab sessions</a:t>
+            </a:r>
+            <a:endParaRPr lang="en-US" dirty="0"/>
+          </a:p>
+          <a:p>
+            <a:r>
+              <a:rPr lang="en-US" dirty="0" smtClean="0"/>
+              <a:t>Final exam location update:</a:t>
+            </a:r>
           </a:p>
         </p:txBody>
       </p:sp>
@@ -16763,6 +17554,30 @@
           </a:p>
         </p:txBody>
       </p:sp>
+      <p:pic>
+        <p:nvPicPr>
+          <p:cNvPr id="8" name="Picture 7"/>
+          <p:cNvPicPr>
+            <a:picLocks noChangeAspect="1"/>
+          </p:cNvPicPr>
+          <p:nvPr/>
+        </p:nvPicPr>
+        <p:blipFill>
+          <a:blip r:embed="rId2"/>
+          <a:stretch>
+            <a:fillRect/>
+          </a:stretch>
+        </p:blipFill>
+        <p:spPr>
+          <a:xfrm>
+            <a:off x="906222" y="3435507"/>
+            <a:ext cx="7557025" cy="855350"/>
+          </a:xfrm>
+          <a:prstGeom prst="rect">
+            <a:avLst/>
+          </a:prstGeom>
+        </p:spPr>
+      </p:pic>
     </p:spTree>
     <p:extLst>
       <p:ext uri="{BB962C8B-B14F-4D97-AF65-F5344CB8AC3E}">
@@ -16773,10 +17588,187 @@
   <p:clrMapOvr>
     <a:masterClrMapping/>
   </p:clrMapOvr>
+  <p:timing>
+    <p:tnLst>
+      <p:par>
+        <p:cTn id="1" dur="indefinite" restart="never" nodeType="tmRoot"/>
+      </p:par>
+    </p:tnLst>
+  </p:timing>
 </p:sld>
 </file>
 
 <file path=ppt/slides/slide4.xml><?xml version="1.0" encoding="utf-8"?>
+<p:sld xmlns:a="http://schemas.openxmlformats.org/drawingml/2006/main" xmlns:r="http://schemas.openxmlformats.org/officeDocument/2006/relationships" xmlns:p="http://schemas.openxmlformats.org/presentationml/2006/main">
+  <p:cSld>
+    <p:spTree>
+      <p:nvGrpSpPr>
+        <p:cNvPr id="1" name=""/>
+        <p:cNvGrpSpPr/>
+        <p:nvPr/>
+      </p:nvGrpSpPr>
+      <p:grpSpPr>
+        <a:xfrm>
+          <a:off x="0" y="0"/>
+          <a:ext cx="0" cy="0"/>
+          <a:chOff x="0" y="0"/>
+          <a:chExt cx="0" cy="0"/>
+        </a:xfrm>
+      </p:grpSpPr>
+      <p:sp>
+        <p:nvSpPr>
+          <p:cNvPr id="4" name="Rectangle 3"/>
+          <p:cNvSpPr/>
+          <p:nvPr/>
+        </p:nvSpPr>
+        <p:spPr>
+          <a:xfrm>
+            <a:off x="0" y="2586816"/>
+            <a:ext cx="9144000" cy="1228835"/>
+          </a:xfrm>
+          <a:prstGeom prst="rect">
+            <a:avLst/>
+          </a:prstGeom>
+          <a:solidFill>
+            <a:srgbClr val="3DBFDB"/>
+          </a:solidFill>
+          <a:ln>
+            <a:noFill/>
+          </a:ln>
+          <a:effectLst/>
+        </p:spPr>
+        <p:style>
+          <a:lnRef idx="1">
+            <a:schemeClr val="accent1"/>
+          </a:lnRef>
+          <a:fillRef idx="3">
+            <a:schemeClr val="accent1"/>
+          </a:fillRef>
+          <a:effectRef idx="2">
+            <a:schemeClr val="accent1"/>
+          </a:effectRef>
+          <a:fontRef idx="minor">
+            <a:schemeClr val="lt1"/>
+          </a:fontRef>
+        </p:style>
+        <p:txBody>
+          <a:bodyPr rtlCol="0" anchor="ctr"/>
+          <a:lstStyle/>
+          <a:p>
+            <a:pPr algn="ctr"/>
+            <a:r>
+              <a:rPr lang="en-US" sz="4800" b="1" smtClean="0"/>
+              <a:t>Random numbers</a:t>
+            </a:r>
+            <a:endParaRPr lang="en-US" sz="4800" b="1" dirty="0"/>
+          </a:p>
+        </p:txBody>
+      </p:sp>
+      <p:sp>
+        <p:nvSpPr>
+          <p:cNvPr id="5" name="Rectangle 4"/>
+          <p:cNvSpPr/>
+          <p:nvPr/>
+        </p:nvSpPr>
+        <p:spPr>
+          <a:xfrm>
+            <a:off x="0" y="6737478"/>
+            <a:ext cx="9144000" cy="120522"/>
+          </a:xfrm>
+          <a:prstGeom prst="rect">
+            <a:avLst/>
+          </a:prstGeom>
+          <a:solidFill>
+            <a:srgbClr val="3DBFDB"/>
+          </a:solidFill>
+          <a:ln>
+            <a:noFill/>
+          </a:ln>
+          <a:effectLst/>
+        </p:spPr>
+        <p:style>
+          <a:lnRef idx="1">
+            <a:schemeClr val="accent1"/>
+          </a:lnRef>
+          <a:fillRef idx="3">
+            <a:schemeClr val="accent1"/>
+          </a:fillRef>
+          <a:effectRef idx="2">
+            <a:schemeClr val="accent1"/>
+          </a:effectRef>
+          <a:fontRef idx="minor">
+            <a:schemeClr val="lt1"/>
+          </a:fontRef>
+        </p:style>
+        <p:txBody>
+          <a:bodyPr rtlCol="0" anchor="ctr"/>
+          <a:lstStyle/>
+          <a:p>
+            <a:pPr algn="ctr"/>
+            <a:endParaRPr lang="en-US"/>
+          </a:p>
+        </p:txBody>
+      </p:sp>
+      <p:sp>
+        <p:nvSpPr>
+          <p:cNvPr id="7" name="TextBox 6"/>
+          <p:cNvSpPr txBox="1"/>
+          <p:nvPr/>
+        </p:nvSpPr>
+        <p:spPr>
+          <a:xfrm>
+            <a:off x="8869998" y="6453063"/>
+            <a:ext cx="262662" cy="276999"/>
+          </a:xfrm>
+          <a:prstGeom prst="rect">
+            <a:avLst/>
+          </a:prstGeom>
+          <a:noFill/>
+        </p:spPr>
+        <p:txBody>
+          <a:bodyPr wrap="none" rtlCol="0">
+            <a:spAutoFit/>
+          </a:bodyPr>
+          <a:lstStyle/>
+          <a:p>
+            <a:pPr algn="r"/>
+            <a:r>
+              <a:rPr lang="en-US" sz="1200" dirty="0" smtClean="0">
+                <a:solidFill>
+                  <a:srgbClr val="118EB0"/>
+                </a:solidFill>
+              </a:rPr>
+              <a:t>1</a:t>
+            </a:r>
+            <a:endParaRPr lang="en-US" sz="1200" dirty="0">
+              <a:solidFill>
+                <a:srgbClr val="118EB0"/>
+              </a:solidFill>
+            </a:endParaRPr>
+          </a:p>
+        </p:txBody>
+      </p:sp>
+    </p:spTree>
+    <p:extLst>
+      <p:ext uri="{BB962C8B-B14F-4D97-AF65-F5344CB8AC3E}">
+        <p14:creationId xmlns:p14="http://schemas.microsoft.com/office/powerpoint/2010/main" val="1036544435"/>
+      </p:ext>
+    </p:extLst>
+  </p:cSld>
+  <p:clrMapOvr>
+    <a:masterClrMapping/>
+  </p:clrMapOvr>
+  <p:timing>
+    <p:tnLst>
+      <p:par>
+        <p:cTn id="1" dur="indefinite" restart="never" nodeType="tmRoot"/>
+      </p:par>
+    </p:tnLst>
+  </p:timing>
+</p:sld>
+</file>
+
+<file path=ppt/slides/slide5.xml><?xml version="1.0" encoding="utf-8"?>
 <p:sld xmlns:a="http://schemas.openxmlformats.org/drawingml/2006/main" xmlns:r="http://schemas.openxmlformats.org/officeDocument/2006/relationships" xmlns:p="http://schemas.openxmlformats.org/presentationml/2006/main">
   <p:cSld>
     <p:spTree>
@@ -16995,7 +17987,7 @@
         <p:spPr>
           <a:xfrm>
             <a:off x="0" y="6451738"/>
-            <a:ext cx="1037664" cy="276999"/>
+            <a:ext cx="1294522" cy="276999"/>
           </a:xfrm>
           <a:prstGeom prst="rect">
             <a:avLst/>
@@ -17008,12 +18000,12 @@
           <a:lstStyle/>
           <a:p>
             <a:r>
-              <a:rPr lang="en-US" sz="1200" dirty="0" smtClean="0">
+              <a:rPr lang="en-US" altLang="zh-CN" sz="1200" dirty="0" smtClean="0">
                 <a:solidFill>
                   <a:srgbClr val="118EB0"/>
                 </a:solidFill>
               </a:rPr>
-              <a:t>Administrivia</a:t>
+              <a:t>Random numbers</a:t>
             </a:r>
             <a:endParaRPr lang="en-US" sz="1200" dirty="0">
               <a:solidFill>
@@ -17072,10 +18064,17 @@
   <p:clrMapOvr>
     <a:masterClrMapping/>
   </p:clrMapOvr>
+  <p:timing>
+    <p:tnLst>
+      <p:par>
+        <p:cTn id="1" dur="indefinite" restart="never" nodeType="tmRoot"/>
+      </p:par>
+    </p:tnLst>
+  </p:timing>
 </p:sld>
 </file>
 
-<file path=ppt/slides/slide5.xml><?xml version="1.0" encoding="utf-8"?>
+<file path=ppt/slides/slide6.xml><?xml version="1.0" encoding="utf-8"?>
 <p:sld xmlns:a="http://schemas.openxmlformats.org/drawingml/2006/main" xmlns:r="http://schemas.openxmlformats.org/officeDocument/2006/relationships" xmlns:p="http://schemas.openxmlformats.org/presentationml/2006/main">
   <p:cSld>
     <p:spTree>
@@ -17204,43 +18203,6 @@
       </p:sp>
       <p:sp>
         <p:nvSpPr>
-          <p:cNvPr id="6" name="Rectangle 5"/>
-          <p:cNvSpPr/>
-          <p:nvPr/>
-        </p:nvSpPr>
-        <p:spPr>
-          <a:xfrm>
-            <a:off x="0" y="6451738"/>
-            <a:ext cx="1037664" cy="276999"/>
-          </a:xfrm>
-          <a:prstGeom prst="rect">
-            <a:avLst/>
-          </a:prstGeom>
-        </p:spPr>
-        <p:txBody>
-          <a:bodyPr wrap="none">
-            <a:spAutoFit/>
-          </a:bodyPr>
-          <a:lstStyle/>
-          <a:p>
-            <a:r>
-              <a:rPr lang="en-US" sz="1200" dirty="0" smtClean="0">
-                <a:solidFill>
-                  <a:srgbClr val="118EB0"/>
-                </a:solidFill>
-              </a:rPr>
-              <a:t>Administrivia</a:t>
-            </a:r>
-            <a:endParaRPr lang="en-US" sz="1200" dirty="0">
-              <a:solidFill>
-                <a:srgbClr val="118EB0"/>
-              </a:solidFill>
-            </a:endParaRPr>
-          </a:p>
-        </p:txBody>
-      </p:sp>
-      <p:sp>
-        <p:nvSpPr>
           <p:cNvPr id="7" name="TextBox 6"/>
           <p:cNvSpPr txBox="1"/>
           <p:nvPr/>
@@ -17411,149 +18373,16 @@
           </a:p>
         </p:txBody>
       </p:sp>
-    </p:spTree>
-    <p:extLst>
-      <p:ext uri="{BB962C8B-B14F-4D97-AF65-F5344CB8AC3E}">
-        <p14:creationId xmlns:p14="http://schemas.microsoft.com/office/powerpoint/2010/main" val="3182069"/>
-      </p:ext>
-    </p:extLst>
-  </p:cSld>
-  <p:clrMapOvr>
-    <a:masterClrMapping/>
-  </p:clrMapOvr>
-</p:sld>
-</file>
-
-<file path=ppt/slides/slide6.xml><?xml version="1.0" encoding="utf-8"?>
-<p:sld xmlns:a="http://schemas.openxmlformats.org/drawingml/2006/main" xmlns:r="http://schemas.openxmlformats.org/officeDocument/2006/relationships" xmlns:p="http://schemas.openxmlformats.org/presentationml/2006/main">
-  <p:cSld>
-    <p:spTree>
-      <p:nvGrpSpPr>
-        <p:cNvPr id="1" name=""/>
-        <p:cNvGrpSpPr/>
-        <p:nvPr/>
-      </p:nvGrpSpPr>
-      <p:grpSpPr>
-        <a:xfrm>
-          <a:off x="0" y="0"/>
-          <a:ext cx="0" cy="0"/>
-          <a:chOff x="0" y="0"/>
-          <a:chExt cx="0" cy="0"/>
-        </a:xfrm>
-      </p:grpSpPr>
-      <p:sp>
-        <p:nvSpPr>
-          <p:cNvPr id="4" name="Rectangle 3"/>
-          <p:cNvSpPr/>
-          <p:nvPr/>
-        </p:nvSpPr>
-        <p:spPr>
-          <a:xfrm>
-            <a:off x="0" y="-7550"/>
-            <a:ext cx="9144000" cy="1228835"/>
-          </a:xfrm>
-          <a:prstGeom prst="rect">
-            <a:avLst/>
-          </a:prstGeom>
-          <a:solidFill>
-            <a:srgbClr val="3DBFDB"/>
-          </a:solidFill>
-          <a:ln>
-            <a:noFill/>
-          </a:ln>
-          <a:effectLst/>
-        </p:spPr>
-        <p:style>
-          <a:lnRef idx="1">
-            <a:schemeClr val="accent1"/>
-          </a:lnRef>
-          <a:fillRef idx="3">
-            <a:schemeClr val="accent1"/>
-          </a:fillRef>
-          <a:effectRef idx="2">
-            <a:schemeClr val="accent1"/>
-          </a:effectRef>
-          <a:fontRef idx="minor">
-            <a:schemeClr val="lt1"/>
-          </a:fontRef>
-        </p:style>
-        <p:txBody>
-          <a:bodyPr rtlCol="0" anchor="ctr"/>
-          <a:lstStyle/>
-          <a:p>
-            <a:r>
-              <a:rPr lang="en-US" sz="4000" b="1" dirty="0" smtClean="0"/>
-              <a:t>   </a:t>
-            </a:r>
-            <a:r>
-              <a:rPr lang="en-US" sz="4000" i="1" dirty="0" err="1" smtClean="0">
-                <a:latin typeface="Courier New" panose="02070309020205020404" pitchFamily="49" charset="0"/>
-                <a:cs typeface="Courier New" panose="02070309020205020404" pitchFamily="49" charset="0"/>
-              </a:rPr>
-              <a:t>randn</a:t>
-            </a:r>
-            <a:endParaRPr lang="en-US" sz="4000" i="1" dirty="0">
-              <a:latin typeface="Courier New" panose="02070309020205020404" pitchFamily="49" charset="0"/>
-              <a:cs typeface="Courier New" panose="02070309020205020404" pitchFamily="49" charset="0"/>
-            </a:endParaRPr>
-          </a:p>
-        </p:txBody>
-      </p:sp>
-      <p:sp>
-        <p:nvSpPr>
-          <p:cNvPr id="5" name="Rectangle 4"/>
-          <p:cNvSpPr/>
-          <p:nvPr/>
-        </p:nvSpPr>
-        <p:spPr>
-          <a:xfrm>
-            <a:off x="0" y="6737478"/>
-            <a:ext cx="9144000" cy="120522"/>
-          </a:xfrm>
-          <a:prstGeom prst="rect">
-            <a:avLst/>
-          </a:prstGeom>
-          <a:solidFill>
-            <a:srgbClr val="3DBFDB"/>
-          </a:solidFill>
-          <a:ln>
-            <a:noFill/>
-          </a:ln>
-          <a:effectLst/>
-        </p:spPr>
-        <p:style>
-          <a:lnRef idx="1">
-            <a:schemeClr val="accent1"/>
-          </a:lnRef>
-          <a:fillRef idx="3">
-            <a:schemeClr val="accent1"/>
-          </a:fillRef>
-          <a:effectRef idx="2">
-            <a:schemeClr val="accent1"/>
-          </a:effectRef>
-          <a:fontRef idx="minor">
-            <a:schemeClr val="lt1"/>
-          </a:fontRef>
-        </p:style>
-        <p:txBody>
-          <a:bodyPr rtlCol="0" anchor="ctr"/>
-          <a:lstStyle/>
-          <a:p>
-            <a:pPr algn="ctr"/>
-            <a:endParaRPr lang="en-US"/>
-          </a:p>
-        </p:txBody>
-      </p:sp>
-      <p:sp>
-        <p:nvSpPr>
-          <p:cNvPr id="6" name="Rectangle 5"/>
+      <p:sp>
+        <p:nvSpPr>
+          <p:cNvPr id="10" name="Rectangle 9"/>
           <p:cNvSpPr/>
           <p:nvPr/>
         </p:nvSpPr>
         <p:spPr>
           <a:xfrm>
             <a:off x="0" y="6451738"/>
-            <a:ext cx="1037664" cy="276999"/>
+            <a:ext cx="1294522" cy="276999"/>
           </a:xfrm>
           <a:prstGeom prst="rect">
             <a:avLst/>
@@ -17566,12 +18395,12 @@
           <a:lstStyle/>
           <a:p>
             <a:r>
-              <a:rPr lang="en-US" sz="1200" dirty="0" smtClean="0">
+              <a:rPr lang="en-US" altLang="zh-CN" sz="1200" dirty="0" smtClean="0">
                 <a:solidFill>
                   <a:srgbClr val="118EB0"/>
                 </a:solidFill>
               </a:rPr>
-              <a:t>Administrivia</a:t>
+              <a:t>Random numbers</a:t>
             </a:r>
             <a:endParaRPr lang="en-US" sz="1200" dirty="0">
               <a:solidFill>
@@ -17581,184 +18410,10 @@
           </a:p>
         </p:txBody>
       </p:sp>
-      <p:sp>
-        <p:nvSpPr>
-          <p:cNvPr id="7" name="TextBox 6"/>
-          <p:cNvSpPr txBox="1"/>
-          <p:nvPr/>
-        </p:nvSpPr>
-        <p:spPr>
-          <a:xfrm>
-            <a:off x="8869998" y="6453063"/>
-            <a:ext cx="262662" cy="276999"/>
-          </a:xfrm>
-          <a:prstGeom prst="rect">
-            <a:avLst/>
-          </a:prstGeom>
-          <a:noFill/>
-        </p:spPr>
-        <p:txBody>
-          <a:bodyPr wrap="none" rtlCol="0">
-            <a:spAutoFit/>
-          </a:bodyPr>
-          <a:lstStyle/>
-          <a:p>
-            <a:pPr algn="r"/>
-            <a:r>
-              <a:rPr lang="en-US" sz="1200" dirty="0" smtClean="0">
-                <a:solidFill>
-                  <a:srgbClr val="118EB0"/>
-                </a:solidFill>
-              </a:rPr>
-              <a:t>1</a:t>
-            </a:r>
-            <a:endParaRPr lang="en-US" sz="1200" dirty="0">
-              <a:solidFill>
-                <a:srgbClr val="118EB0"/>
-              </a:solidFill>
-            </a:endParaRPr>
-          </a:p>
-        </p:txBody>
-      </p:sp>
-      <p:sp>
-        <p:nvSpPr>
-          <p:cNvPr id="8" name="TextBox 7"/>
-          <p:cNvSpPr txBox="1"/>
-          <p:nvPr/>
-        </p:nvSpPr>
-        <p:spPr>
-          <a:xfrm>
-            <a:off x="905434" y="2043952"/>
-            <a:ext cx="8227225" cy="2000548"/>
-          </a:xfrm>
-          <a:prstGeom prst="rect">
-            <a:avLst/>
-          </a:prstGeom>
-          <a:noFill/>
-        </p:spPr>
-        <p:txBody>
-          <a:bodyPr wrap="square" rtlCol="0">
-            <a:spAutoFit/>
-          </a:bodyPr>
-          <a:lstStyle/>
-          <a:p>
-            <a:r>
-              <a:rPr lang="en-US" altLang="zh-CN" sz="2800" dirty="0" err="1" smtClean="0">
-                <a:latin typeface="Courier New" panose="02070309020205020404" pitchFamily="49" charset="0"/>
-                <a:cs typeface="Courier New" panose="02070309020205020404" pitchFamily="49" charset="0"/>
-              </a:rPr>
-              <a:t>randn</a:t>
-            </a:r>
-            <a:r>
-              <a:rPr lang="en-US" altLang="zh-CN" sz="2800" dirty="0" smtClean="0">
-                <a:latin typeface="Courier New" panose="02070309020205020404" pitchFamily="49" charset="0"/>
-                <a:cs typeface="Courier New" panose="02070309020205020404" pitchFamily="49" charset="0"/>
-              </a:rPr>
-              <a:t>();				</a:t>
-            </a:r>
-            <a:r>
-              <a:rPr lang="en-US" altLang="zh-CN" dirty="0" smtClean="0">
-                <a:latin typeface="Courier New" panose="02070309020205020404" pitchFamily="49" charset="0"/>
-                <a:cs typeface="Courier New" panose="02070309020205020404" pitchFamily="49" charset="0"/>
-              </a:rPr>
-              <a:t>%a single normal number</a:t>
-            </a:r>
-          </a:p>
-          <a:p>
-            <a:r>
-              <a:rPr lang="en-US" altLang="zh-CN" sz="2800" dirty="0" err="1" smtClean="0">
-                <a:latin typeface="Courier New" panose="02070309020205020404" pitchFamily="49" charset="0"/>
-                <a:cs typeface="Courier New" panose="02070309020205020404" pitchFamily="49" charset="0"/>
-              </a:rPr>
-              <a:t>randn</a:t>
-            </a:r>
-            <a:r>
-              <a:rPr lang="en-US" altLang="zh-CN" sz="2800" dirty="0" smtClean="0">
-                <a:latin typeface="Courier New" panose="02070309020205020404" pitchFamily="49" charset="0"/>
-                <a:cs typeface="Courier New" panose="02070309020205020404" pitchFamily="49" charset="0"/>
-              </a:rPr>
-              <a:t>(5);			</a:t>
-            </a:r>
-            <a:r>
-              <a:rPr lang="en-US" altLang="zh-CN" sz="2000" dirty="0" smtClean="0">
-                <a:latin typeface="Courier New" panose="02070309020205020404" pitchFamily="49" charset="0"/>
-                <a:cs typeface="Courier New" panose="02070309020205020404" pitchFamily="49" charset="0"/>
-              </a:rPr>
-              <a:t>%generate a 5x5 matrix</a:t>
-            </a:r>
-          </a:p>
-          <a:p>
-            <a:r>
-              <a:rPr lang="en-US" altLang="zh-CN" sz="2800" dirty="0">
-                <a:latin typeface="Courier New" panose="02070309020205020404" pitchFamily="49" charset="0"/>
-                <a:cs typeface="Courier New" panose="02070309020205020404" pitchFamily="49" charset="0"/>
-              </a:rPr>
-              <a:t>a + b*rand();</a:t>
-            </a:r>
-            <a:r>
-              <a:rPr lang="en-US" altLang="zh-CN" sz="2000" dirty="0" smtClean="0">
-                <a:latin typeface="Courier New" panose="02070309020205020404" pitchFamily="49" charset="0"/>
-                <a:cs typeface="Courier New" panose="02070309020205020404" pitchFamily="49" charset="0"/>
-              </a:rPr>
-              <a:t>	%a random number drawn from a </a:t>
-            </a:r>
-          </a:p>
-          <a:p>
-            <a:r>
-              <a:rPr lang="en-US" altLang="zh-CN" sz="2000" dirty="0">
-                <a:latin typeface="Courier New" panose="02070309020205020404" pitchFamily="49" charset="0"/>
-                <a:cs typeface="Courier New" panose="02070309020205020404" pitchFamily="49" charset="0"/>
-              </a:rPr>
-              <a:t>	</a:t>
-            </a:r>
-            <a:r>
-              <a:rPr lang="en-US" altLang="zh-CN" sz="2000" dirty="0" smtClean="0">
-                <a:latin typeface="Courier New" panose="02070309020205020404" pitchFamily="49" charset="0"/>
-                <a:cs typeface="Courier New" panose="02070309020205020404" pitchFamily="49" charset="0"/>
-              </a:rPr>
-              <a:t>						%normal distribution with </a:t>
-            </a:r>
-          </a:p>
-          <a:p>
-            <a:r>
-              <a:rPr lang="en-US" altLang="zh-CN" sz="2000" dirty="0">
-                <a:latin typeface="Courier New" panose="02070309020205020404" pitchFamily="49" charset="0"/>
-                <a:cs typeface="Courier New" panose="02070309020205020404" pitchFamily="49" charset="0"/>
-              </a:rPr>
-              <a:t>	</a:t>
-            </a:r>
-            <a:r>
-              <a:rPr lang="en-US" altLang="zh-CN" sz="2000" dirty="0" smtClean="0">
-                <a:latin typeface="Courier New" panose="02070309020205020404" pitchFamily="49" charset="0"/>
-                <a:cs typeface="Courier New" panose="02070309020205020404" pitchFamily="49" charset="0"/>
-              </a:rPr>
-              <a:t>						%center ‘a’ and </a:t>
-            </a:r>
-            <a:r>
-              <a:rPr lang="en-US" altLang="zh-CN" sz="2000" dirty="0" err="1" smtClean="0">
-                <a:latin typeface="Courier New" panose="02070309020205020404" pitchFamily="49" charset="0"/>
-                <a:cs typeface="Courier New" panose="02070309020205020404" pitchFamily="49" charset="0"/>
-              </a:rPr>
-              <a:t>std</a:t>
-            </a:r>
-            <a:r>
-              <a:rPr lang="en-US" altLang="zh-CN" sz="2000" dirty="0" smtClean="0">
-                <a:latin typeface="Courier New" panose="02070309020205020404" pitchFamily="49" charset="0"/>
-                <a:cs typeface="Courier New" panose="02070309020205020404" pitchFamily="49" charset="0"/>
-              </a:rPr>
-              <a:t> ‘b’</a:t>
-            </a:r>
-            <a:endParaRPr lang="en-US" altLang="zh-CN" sz="2000" dirty="0">
-              <a:latin typeface="Courier New" panose="02070309020205020404" pitchFamily="49" charset="0"/>
-              <a:cs typeface="Courier New" panose="02070309020205020404" pitchFamily="49" charset="0"/>
-            </a:endParaRPr>
-          </a:p>
-        </p:txBody>
-      </p:sp>
     </p:spTree>
     <p:extLst>
       <p:ext uri="{BB962C8B-B14F-4D97-AF65-F5344CB8AC3E}">
-        <p14:creationId xmlns:p14="http://schemas.microsoft.com/office/powerpoint/2010/main" val="3049362387"/>
+        <p14:creationId xmlns:p14="http://schemas.microsoft.com/office/powerpoint/2010/main" val="3182069"/>
       </p:ext>
     </p:extLst>
   </p:cSld>
@@ -17841,14 +18496,7 @@
                 <a:latin typeface="Courier New" panose="02070309020205020404" pitchFamily="49" charset="0"/>
                 <a:cs typeface="Courier New" panose="02070309020205020404" pitchFamily="49" charset="0"/>
               </a:rPr>
-              <a:t>rng</a:t>
-            </a:r>
-            <a:r>
-              <a:rPr lang="en-US" sz="4000" i="1" dirty="0" smtClean="0">
-                <a:latin typeface="Courier New" panose="02070309020205020404" pitchFamily="49" charset="0"/>
-                <a:cs typeface="Courier New" panose="02070309020205020404" pitchFamily="49" charset="0"/>
-              </a:rPr>
-              <a:t>(seed)</a:t>
+              <a:t>randn</a:t>
             </a:r>
             <a:endParaRPr lang="en-US" sz="4000" i="1" dirty="0">
               <a:latin typeface="Courier New" panose="02070309020205020404" pitchFamily="49" charset="0"/>
@@ -17904,43 +18552,6 @@
       </p:sp>
       <p:sp>
         <p:nvSpPr>
-          <p:cNvPr id="6" name="Rectangle 5"/>
-          <p:cNvSpPr/>
-          <p:nvPr/>
-        </p:nvSpPr>
-        <p:spPr>
-          <a:xfrm>
-            <a:off x="0" y="6451738"/>
-            <a:ext cx="1037664" cy="276999"/>
-          </a:xfrm>
-          <a:prstGeom prst="rect">
-            <a:avLst/>
-          </a:prstGeom>
-        </p:spPr>
-        <p:txBody>
-          <a:bodyPr wrap="none">
-            <a:spAutoFit/>
-          </a:bodyPr>
-          <a:lstStyle/>
-          <a:p>
-            <a:r>
-              <a:rPr lang="en-US" sz="1200" dirty="0" smtClean="0">
-                <a:solidFill>
-                  <a:srgbClr val="118EB0"/>
-                </a:solidFill>
-              </a:rPr>
-              <a:t>Administrivia</a:t>
-            </a:r>
-            <a:endParaRPr lang="en-US" sz="1200" dirty="0">
-              <a:solidFill>
-                <a:srgbClr val="118EB0"/>
-              </a:solidFill>
-            </a:endParaRPr>
-          </a:p>
-        </p:txBody>
-      </p:sp>
-      <p:sp>
-        <p:nvSpPr>
           <p:cNvPr id="7" name="TextBox 6"/>
           <p:cNvSpPr txBox="1"/>
           <p:nvPr/>
@@ -17986,8 +18597,8 @@
         </p:nvSpPr>
         <p:spPr>
           <a:xfrm>
-            <a:off x="394445" y="1559858"/>
-            <a:ext cx="8552331" cy="3354765"/>
+            <a:off x="905434" y="2043952"/>
+            <a:ext cx="8227225" cy="2000548"/>
           </a:xfrm>
           <a:prstGeom prst="rect">
             <a:avLst/>
@@ -18001,28 +18612,106 @@
           <a:lstStyle/>
           <a:p>
             <a:r>
-              <a:rPr lang="en-US" altLang="zh-CN" sz="2000" dirty="0" err="1">
+              <a:rPr lang="en-US" altLang="zh-CN" sz="2800" dirty="0" err="1" smtClean="0">
                 <a:latin typeface="Courier New" panose="02070309020205020404" pitchFamily="49" charset="0"/>
                 <a:cs typeface="Courier New" panose="02070309020205020404" pitchFamily="49" charset="0"/>
               </a:rPr>
-              <a:t>rng</a:t>
-            </a:r>
+              <a:t>randn</a:t>
+            </a:r>
+            <a:r>
+              <a:rPr lang="en-US" altLang="zh-CN" sz="2800" dirty="0" smtClean="0">
+                <a:latin typeface="Courier New" panose="02070309020205020404" pitchFamily="49" charset="0"/>
+                <a:cs typeface="Courier New" panose="02070309020205020404" pitchFamily="49" charset="0"/>
+              </a:rPr>
+              <a:t>();				</a:t>
+            </a:r>
+            <a:r>
+              <a:rPr lang="en-US" altLang="zh-CN" dirty="0" smtClean="0">
+                <a:latin typeface="Courier New" panose="02070309020205020404" pitchFamily="49" charset="0"/>
+                <a:cs typeface="Courier New" panose="02070309020205020404" pitchFamily="49" charset="0"/>
+              </a:rPr>
+              <a:t>%a single normal number</a:t>
+            </a:r>
+          </a:p>
+          <a:p>
+            <a:r>
+              <a:rPr lang="en-US" altLang="zh-CN" sz="2800" dirty="0" err="1" smtClean="0">
+                <a:latin typeface="Courier New" panose="02070309020205020404" pitchFamily="49" charset="0"/>
+                <a:cs typeface="Courier New" panose="02070309020205020404" pitchFamily="49" charset="0"/>
+              </a:rPr>
+              <a:t>randn</a:t>
+            </a:r>
+            <a:r>
+              <a:rPr lang="en-US" altLang="zh-CN" sz="2800" dirty="0" smtClean="0">
+                <a:latin typeface="Courier New" panose="02070309020205020404" pitchFamily="49" charset="0"/>
+                <a:cs typeface="Courier New" panose="02070309020205020404" pitchFamily="49" charset="0"/>
+              </a:rPr>
+              <a:t>(5);			</a:t>
+            </a:r>
+            <a:r>
+              <a:rPr lang="en-US" altLang="zh-CN" sz="2000" dirty="0" smtClean="0">
+                <a:latin typeface="Courier New" panose="02070309020205020404" pitchFamily="49" charset="0"/>
+                <a:cs typeface="Courier New" panose="02070309020205020404" pitchFamily="49" charset="0"/>
+              </a:rPr>
+              <a:t>%generate a 5x5 matrix</a:t>
+            </a:r>
+          </a:p>
+          <a:p>
+            <a:r>
+              <a:rPr lang="en-US" altLang="zh-CN" sz="2800" dirty="0">
+                <a:latin typeface="Courier New" panose="02070309020205020404" pitchFamily="49" charset="0"/>
+                <a:cs typeface="Courier New" panose="02070309020205020404" pitchFamily="49" charset="0"/>
+              </a:rPr>
+              <a:t>a + </a:t>
+            </a:r>
+            <a:r>
+              <a:rPr lang="en-US" altLang="zh-CN" sz="2800" dirty="0" smtClean="0">
+                <a:latin typeface="Courier New" panose="02070309020205020404" pitchFamily="49" charset="0"/>
+                <a:cs typeface="Courier New" panose="02070309020205020404" pitchFamily="49" charset="0"/>
+              </a:rPr>
+              <a:t>b*</a:t>
+            </a:r>
+            <a:r>
+              <a:rPr lang="en-US" altLang="zh-CN" sz="2800" dirty="0" err="1" smtClean="0">
+                <a:latin typeface="Courier New" panose="02070309020205020404" pitchFamily="49" charset="0"/>
+                <a:cs typeface="Courier New" panose="02070309020205020404" pitchFamily="49" charset="0"/>
+              </a:rPr>
+              <a:t>randn</a:t>
+            </a:r>
+            <a:r>
+              <a:rPr lang="en-US" altLang="zh-CN" sz="2800" dirty="0" smtClean="0">
+                <a:latin typeface="Courier New" panose="02070309020205020404" pitchFamily="49" charset="0"/>
+                <a:cs typeface="Courier New" panose="02070309020205020404" pitchFamily="49" charset="0"/>
+              </a:rPr>
+              <a:t>();</a:t>
+            </a:r>
+            <a:r>
+              <a:rPr lang="en-US" altLang="zh-CN" sz="2000" dirty="0" smtClean="0">
+                <a:latin typeface="Courier New" panose="02070309020205020404" pitchFamily="49" charset="0"/>
+                <a:cs typeface="Courier New" panose="02070309020205020404" pitchFamily="49" charset="0"/>
+              </a:rPr>
+              <a:t>	%a random number drawn from a </a:t>
+            </a:r>
+          </a:p>
+          <a:p>
             <a:r>
               <a:rPr lang="en-US" altLang="zh-CN" sz="2000" dirty="0">
                 <a:latin typeface="Courier New" panose="02070309020205020404" pitchFamily="49" charset="0"/>
                 <a:cs typeface="Courier New" panose="02070309020205020404" pitchFamily="49" charset="0"/>
               </a:rPr>
-              <a:t>(‘default</a:t>
+              <a:t>	</a:t>
             </a:r>
             <a:r>
               <a:rPr lang="en-US" altLang="zh-CN" sz="2000" dirty="0" smtClean="0">
                 <a:latin typeface="Courier New" panose="02070309020205020404" pitchFamily="49" charset="0"/>
                 <a:cs typeface="Courier New" panose="02070309020205020404" pitchFamily="49" charset="0"/>
               </a:rPr>
-              <a:t>’);</a:t>
-            </a:r>
-            <a:r>
-              <a:rPr lang="en-US" altLang="zh-CN" sz="2800" dirty="0" smtClean="0">
+              <a:t>						%normal distribution with </a:t>
+            </a:r>
+          </a:p>
+          <a:p>
+            <a:r>
+              <a:rPr lang="en-US" altLang="zh-CN" sz="2000" dirty="0">
                 <a:latin typeface="Courier New" panose="02070309020205020404" pitchFamily="49" charset="0"/>
                 <a:cs typeface="Courier New" panose="02070309020205020404" pitchFamily="49" charset="0"/>
               </a:rPr>
@@ -18033,199 +18722,22 @@
                 <a:latin typeface="Courier New" panose="02070309020205020404" pitchFamily="49" charset="0"/>
                 <a:cs typeface="Courier New" panose="02070309020205020404" pitchFamily="49" charset="0"/>
               </a:rPr>
-              <a:t>%restore the settings as restart</a:t>
-            </a:r>
-            <a:endParaRPr lang="en-US" altLang="zh-CN" sz="2800" dirty="0" smtClean="0">
-              <a:latin typeface="Courier New" panose="02070309020205020404" pitchFamily="49" charset="0"/>
-              <a:cs typeface="Courier New" panose="02070309020205020404" pitchFamily="49" charset="0"/>
-            </a:endParaRPr>
-          </a:p>
-          <a:p>
-            <a:r>
-              <a:rPr lang="en-US" altLang="zh-CN" sz="2000" dirty="0" err="1">
+              <a:t>						%center ‘a’ and </a:t>
+            </a:r>
+            <a:r>
+              <a:rPr lang="en-US" altLang="zh-CN" sz="2000" dirty="0" err="1" smtClean="0">
                 <a:latin typeface="Courier New" panose="02070309020205020404" pitchFamily="49" charset="0"/>
                 <a:cs typeface="Courier New" panose="02070309020205020404" pitchFamily="49" charset="0"/>
               </a:rPr>
-              <a:t>rng</a:t>
-            </a:r>
-            <a:r>
-              <a:rPr lang="en-US" altLang="zh-CN" sz="2000" dirty="0">
-                <a:latin typeface="Courier New" panose="02070309020205020404" pitchFamily="49" charset="0"/>
-                <a:cs typeface="Courier New" panose="02070309020205020404" pitchFamily="49" charset="0"/>
-              </a:rPr>
-              <a:t>(1);</a:t>
-            </a:r>
-            <a:r>
-              <a:rPr lang="en-US" altLang="zh-CN" sz="2800" dirty="0" smtClean="0">
-                <a:latin typeface="Courier New" panose="02070309020205020404" pitchFamily="49" charset="0"/>
-                <a:cs typeface="Courier New" panose="02070309020205020404" pitchFamily="49" charset="0"/>
-              </a:rPr>
-              <a:t>			</a:t>
-            </a:r>
-            <a:r>
-              <a:rPr lang="en-US" altLang="zh-CN" dirty="0" smtClean="0">
-                <a:latin typeface="Courier New" panose="02070309020205020404" pitchFamily="49" charset="0"/>
-                <a:cs typeface="Courier New" panose="02070309020205020404" pitchFamily="49" charset="0"/>
-              </a:rPr>
-              <a:t>%seeds the </a:t>
-            </a:r>
-            <a:r>
-              <a:rPr lang="en-US" altLang="zh-CN" dirty="0" err="1" smtClean="0">
-                <a:latin typeface="Courier New" panose="02070309020205020404" pitchFamily="49" charset="0"/>
-                <a:cs typeface="Courier New" panose="02070309020205020404" pitchFamily="49" charset="0"/>
-              </a:rPr>
-              <a:t>rng</a:t>
-            </a:r>
-            <a:r>
-              <a:rPr lang="en-US" altLang="zh-CN" dirty="0" smtClean="0">
-                <a:latin typeface="Courier New" panose="02070309020205020404" pitchFamily="49" charset="0"/>
-                <a:cs typeface="Courier New" panose="02070309020205020404" pitchFamily="49" charset="0"/>
-              </a:rPr>
-              <a:t> using a nonnegative integer</a:t>
-            </a:r>
-          </a:p>
-          <a:p>
-            <a:r>
-              <a:rPr lang="en-US" altLang="zh-CN" dirty="0">
-                <a:latin typeface="Courier New" panose="02070309020205020404" pitchFamily="49" charset="0"/>
-                <a:cs typeface="Courier New" panose="02070309020205020404" pitchFamily="49" charset="0"/>
-              </a:rPr>
-              <a:t>	</a:t>
-            </a:r>
-            <a:r>
-              <a:rPr lang="en-US" altLang="zh-CN" dirty="0" smtClean="0">
-                <a:latin typeface="Courier New" panose="02070309020205020404" pitchFamily="49" charset="0"/>
-                <a:cs typeface="Courier New" panose="02070309020205020404" pitchFamily="49" charset="0"/>
-              </a:rPr>
-              <a:t>				%so that </a:t>
-            </a:r>
-            <a:r>
-              <a:rPr lang="en-US" altLang="zh-CN" dirty="0" err="1" smtClean="0">
-                <a:latin typeface="Courier New" panose="02070309020205020404" pitchFamily="49" charset="0"/>
-                <a:cs typeface="Courier New" panose="02070309020205020404" pitchFamily="49" charset="0"/>
-              </a:rPr>
-              <a:t>rand,randi,randn</a:t>
-            </a:r>
-            <a:r>
-              <a:rPr lang="en-US" altLang="zh-CN" dirty="0" smtClean="0">
-                <a:latin typeface="Courier New" panose="02070309020205020404" pitchFamily="49" charset="0"/>
-                <a:cs typeface="Courier New" panose="02070309020205020404" pitchFamily="49" charset="0"/>
-              </a:rPr>
-              <a:t> produces a </a:t>
-            </a:r>
-          </a:p>
-          <a:p>
-            <a:r>
-              <a:rPr lang="en-US" altLang="zh-CN" dirty="0">
-                <a:latin typeface="Courier New" panose="02070309020205020404" pitchFamily="49" charset="0"/>
-                <a:cs typeface="Courier New" panose="02070309020205020404" pitchFamily="49" charset="0"/>
-              </a:rPr>
-              <a:t>	</a:t>
-            </a:r>
-            <a:r>
-              <a:rPr lang="en-US" altLang="zh-CN" dirty="0" smtClean="0">
-                <a:latin typeface="Courier New" panose="02070309020205020404" pitchFamily="49" charset="0"/>
-                <a:cs typeface="Courier New" panose="02070309020205020404" pitchFamily="49" charset="0"/>
-              </a:rPr>
-              <a:t>				%predictable sequence of random numbers</a:t>
-            </a:r>
-            <a:endParaRPr lang="en-US" altLang="zh-CN" sz="2800" dirty="0" smtClean="0">
-              <a:latin typeface="Courier New" panose="02070309020205020404" pitchFamily="49" charset="0"/>
-              <a:cs typeface="Courier New" panose="02070309020205020404" pitchFamily="49" charset="0"/>
-            </a:endParaRPr>
-          </a:p>
-          <a:p>
-            <a:endParaRPr lang="en-US" altLang="zh-CN" sz="2000" dirty="0" smtClean="0">
-              <a:latin typeface="Courier New" panose="02070309020205020404" pitchFamily="49" charset="0"/>
-              <a:cs typeface="Courier New" panose="02070309020205020404" pitchFamily="49" charset="0"/>
-            </a:endParaRPr>
-          </a:p>
-          <a:p>
+              <a:t>std</a:t>
+            </a:r>
             <a:r>
               <a:rPr lang="en-US" altLang="zh-CN" sz="2000" dirty="0" smtClean="0">
                 <a:latin typeface="Courier New" panose="02070309020205020404" pitchFamily="49" charset="0"/>
                 <a:cs typeface="Courier New" panose="02070309020205020404" pitchFamily="49" charset="0"/>
               </a:rPr>
-              <a:t>x = </a:t>
-            </a:r>
-            <a:r>
-              <a:rPr lang="en-US" altLang="zh-CN" sz="2000" dirty="0" err="1" smtClean="0">
-                <a:latin typeface="Courier New" panose="02070309020205020404" pitchFamily="49" charset="0"/>
-                <a:cs typeface="Courier New" panose="02070309020205020404" pitchFamily="49" charset="0"/>
-              </a:rPr>
-              <a:t>linspace</a:t>
-            </a:r>
-            <a:r>
-              <a:rPr lang="en-US" altLang="zh-CN" sz="2000" dirty="0" smtClean="0">
-                <a:latin typeface="Courier New" panose="02070309020205020404" pitchFamily="49" charset="0"/>
-                <a:cs typeface="Courier New" panose="02070309020205020404" pitchFamily="49" charset="0"/>
-              </a:rPr>
-              <a:t>(0,10*pi,1001)’;</a:t>
-            </a:r>
-          </a:p>
-          <a:p>
-            <a:r>
-              <a:rPr lang="en-US" altLang="zh-CN" sz="2000" dirty="0" smtClean="0">
-                <a:latin typeface="Courier New" panose="02070309020205020404" pitchFamily="49" charset="0"/>
-                <a:cs typeface="Courier New" panose="02070309020205020404" pitchFamily="49" charset="0"/>
-              </a:rPr>
-              <a:t>y = sin(x)./x + 0.02*</a:t>
-            </a:r>
-            <a:r>
-              <a:rPr lang="en-US" altLang="zh-CN" sz="2000" dirty="0" err="1" smtClean="0">
-                <a:latin typeface="Courier New" panose="02070309020205020404" pitchFamily="49" charset="0"/>
-                <a:cs typeface="Courier New" panose="02070309020205020404" pitchFamily="49" charset="0"/>
-              </a:rPr>
-              <a:t>randn</a:t>
-            </a:r>
-            <a:r>
-              <a:rPr lang="en-US" altLang="zh-CN" sz="2000" dirty="0" smtClean="0">
-                <a:latin typeface="Courier New" panose="02070309020205020404" pitchFamily="49" charset="0"/>
-                <a:cs typeface="Courier New" panose="02070309020205020404" pitchFamily="49" charset="0"/>
-              </a:rPr>
-              <a:t>(1001,1);</a:t>
-            </a:r>
-          </a:p>
-          <a:p>
-            <a:r>
-              <a:rPr lang="en-US" altLang="zh-CN" sz="2000" dirty="0" err="1" smtClean="0">
-                <a:latin typeface="Courier New" panose="02070309020205020404" pitchFamily="49" charset="0"/>
-                <a:cs typeface="Courier New" panose="02070309020205020404" pitchFamily="49" charset="0"/>
-              </a:rPr>
-              <a:t>clf</a:t>
-            </a:r>
-            <a:r>
-              <a:rPr lang="en-US" altLang="zh-CN" sz="2000" dirty="0" smtClean="0">
-                <a:latin typeface="Courier New" panose="02070309020205020404" pitchFamily="49" charset="0"/>
-                <a:cs typeface="Courier New" panose="02070309020205020404" pitchFamily="49" charset="0"/>
-              </a:rPr>
-              <a:t>;		%clear current figure window</a:t>
-            </a:r>
-          </a:p>
-          <a:p>
-            <a:r>
-              <a:rPr lang="en-US" altLang="zh-CN" sz="2000" dirty="0" smtClean="0">
-                <a:latin typeface="Courier New" panose="02070309020205020404" pitchFamily="49" charset="0"/>
-                <a:cs typeface="Courier New" panose="02070309020205020404" pitchFamily="49" charset="0"/>
-              </a:rPr>
-              <a:t>plot(</a:t>
-            </a:r>
-            <a:r>
-              <a:rPr lang="en-US" altLang="zh-CN" sz="2000" dirty="0" err="1" smtClean="0">
-                <a:latin typeface="Courier New" panose="02070309020205020404" pitchFamily="49" charset="0"/>
-                <a:cs typeface="Courier New" panose="02070309020205020404" pitchFamily="49" charset="0"/>
-              </a:rPr>
-              <a:t>x,y</a:t>
-            </a:r>
-            <a:r>
-              <a:rPr lang="en-US" altLang="zh-CN" sz="2000" dirty="0" smtClean="0">
-                <a:latin typeface="Courier New" panose="02070309020205020404" pitchFamily="49" charset="0"/>
-                <a:cs typeface="Courier New" panose="02070309020205020404" pitchFamily="49" charset="0"/>
-              </a:rPr>
-              <a:t>,’.’);</a:t>
-            </a:r>
-          </a:p>
-          <a:p>
+              <a:t> ‘b’</a:t>
+            </a:r>
             <a:endParaRPr lang="en-US" altLang="zh-CN" sz="2000" dirty="0">
               <a:latin typeface="Courier New" panose="02070309020205020404" pitchFamily="49" charset="0"/>
               <a:cs typeface="Courier New" panose="02070309020205020404" pitchFamily="49" charset="0"/>
@@ -18233,10 +18745,47 @@
           </a:p>
         </p:txBody>
       </p:sp>
+      <p:sp>
+        <p:nvSpPr>
+          <p:cNvPr id="10" name="Rectangle 9"/>
+          <p:cNvSpPr/>
+          <p:nvPr/>
+        </p:nvSpPr>
+        <p:spPr>
+          <a:xfrm>
+            <a:off x="0" y="6451738"/>
+            <a:ext cx="1294522" cy="276999"/>
+          </a:xfrm>
+          <a:prstGeom prst="rect">
+            <a:avLst/>
+          </a:prstGeom>
+        </p:spPr>
+        <p:txBody>
+          <a:bodyPr wrap="none">
+            <a:spAutoFit/>
+          </a:bodyPr>
+          <a:lstStyle/>
+          <a:p>
+            <a:r>
+              <a:rPr lang="en-US" altLang="zh-CN" sz="1200" dirty="0" smtClean="0">
+                <a:solidFill>
+                  <a:srgbClr val="118EB0"/>
+                </a:solidFill>
+              </a:rPr>
+              <a:t>Random numbers</a:t>
+            </a:r>
+            <a:endParaRPr lang="en-US" sz="1200" dirty="0">
+              <a:solidFill>
+                <a:srgbClr val="118EB0"/>
+              </a:solidFill>
+            </a:endParaRPr>
+          </a:p>
+        </p:txBody>
+      </p:sp>
     </p:spTree>
     <p:extLst>
       <p:ext uri="{BB962C8B-B14F-4D97-AF65-F5344CB8AC3E}">
-        <p14:creationId xmlns:p14="http://schemas.microsoft.com/office/powerpoint/2010/main" val="2823373076"/>
+        <p14:creationId xmlns:p14="http://schemas.microsoft.com/office/powerpoint/2010/main" val="3049362387"/>
       </p:ext>
     </p:extLst>
   </p:cSld>
@@ -18278,7 +18827,7 @@
         </p:nvSpPr>
         <p:spPr>
           <a:xfrm>
-            <a:off x="0" y="2586816"/>
+            <a:off x="0" y="-7550"/>
             <a:ext cx="9144000" cy="1228835"/>
           </a:xfrm>
           <a:prstGeom prst="rect">
@@ -18310,12 +18859,28 @@
           <a:bodyPr rtlCol="0" anchor="ctr"/>
           <a:lstStyle/>
           <a:p>
-            <a:pPr algn="ctr"/>
-            <a:r>
-              <a:rPr lang="en-US" sz="4800" b="1" dirty="0" smtClean="0"/>
-              <a:t>Equation Solving</a:t>
-            </a:r>
-            <a:endParaRPr lang="en-US" sz="4800" b="1" dirty="0"/>
+            <a:r>
+              <a:rPr lang="en-US" sz="4000" b="1" dirty="0" smtClean="0"/>
+              <a:t>   </a:t>
+            </a:r>
+            <a:r>
+              <a:rPr lang="en-US" sz="4000" i="1" dirty="0" err="1" smtClean="0">
+                <a:latin typeface="Courier New" panose="02070309020205020404" pitchFamily="49" charset="0"/>
+                <a:cs typeface="Courier New" panose="02070309020205020404" pitchFamily="49" charset="0"/>
+              </a:rPr>
+              <a:t>rng</a:t>
+            </a:r>
+            <a:r>
+              <a:rPr lang="en-US" sz="4000" i="1" dirty="0" smtClean="0">
+                <a:latin typeface="Courier New" panose="02070309020205020404" pitchFamily="49" charset="0"/>
+                <a:cs typeface="Courier New" panose="02070309020205020404" pitchFamily="49" charset="0"/>
+              </a:rPr>
+              <a:t>(seed)</a:t>
+            </a:r>
+            <a:endParaRPr lang="en-US" sz="4000" i="1" dirty="0">
+              <a:latin typeface="Courier New" panose="02070309020205020404" pitchFamily="49" charset="0"/>
+              <a:cs typeface="Courier New" panose="02070309020205020404" pitchFamily="49" charset="0"/>
+            </a:endParaRPr>
           </a:p>
         </p:txBody>
       </p:sp>
@@ -18366,43 +18931,6 @@
       </p:sp>
       <p:sp>
         <p:nvSpPr>
-          <p:cNvPr id="6" name="Rectangle 5"/>
-          <p:cNvSpPr/>
-          <p:nvPr/>
-        </p:nvSpPr>
-        <p:spPr>
-          <a:xfrm>
-            <a:off x="0" y="6451738"/>
-            <a:ext cx="1037664" cy="276999"/>
-          </a:xfrm>
-          <a:prstGeom prst="rect">
-            <a:avLst/>
-          </a:prstGeom>
-        </p:spPr>
-        <p:txBody>
-          <a:bodyPr wrap="none">
-            <a:spAutoFit/>
-          </a:bodyPr>
-          <a:lstStyle/>
-          <a:p>
-            <a:r>
-              <a:rPr lang="en-US" sz="1200" dirty="0" smtClean="0">
-                <a:solidFill>
-                  <a:srgbClr val="118EB0"/>
-                </a:solidFill>
-              </a:rPr>
-              <a:t>Administrivia</a:t>
-            </a:r>
-            <a:endParaRPr lang="en-US" sz="1200" dirty="0">
-              <a:solidFill>
-                <a:srgbClr val="118EB0"/>
-              </a:solidFill>
-            </a:endParaRPr>
-          </a:p>
-        </p:txBody>
-      </p:sp>
-      <p:sp>
-        <p:nvSpPr>
           <p:cNvPr id="7" name="TextBox 6"/>
           <p:cNvSpPr txBox="1"/>
           <p:nvPr/>
@@ -18440,10 +18968,302 @@
           </a:p>
         </p:txBody>
       </p:sp>
+      <p:sp>
+        <p:nvSpPr>
+          <p:cNvPr id="8" name="TextBox 7"/>
+          <p:cNvSpPr txBox="1"/>
+          <p:nvPr/>
+        </p:nvSpPr>
+        <p:spPr>
+          <a:xfrm>
+            <a:off x="394445" y="1559858"/>
+            <a:ext cx="8552331" cy="3354765"/>
+          </a:xfrm>
+          <a:prstGeom prst="rect">
+            <a:avLst/>
+          </a:prstGeom>
+          <a:noFill/>
+        </p:spPr>
+        <p:txBody>
+          <a:bodyPr wrap="square" rtlCol="0">
+            <a:spAutoFit/>
+          </a:bodyPr>
+          <a:lstStyle/>
+          <a:p>
+            <a:r>
+              <a:rPr lang="en-US" altLang="zh-CN" sz="2000" dirty="0" err="1">
+                <a:latin typeface="Courier New" panose="02070309020205020404" pitchFamily="49" charset="0"/>
+                <a:cs typeface="Courier New" panose="02070309020205020404" pitchFamily="49" charset="0"/>
+              </a:rPr>
+              <a:t>rng</a:t>
+            </a:r>
+            <a:r>
+              <a:rPr lang="en-US" altLang="zh-CN" sz="2000" dirty="0">
+                <a:latin typeface="Courier New" panose="02070309020205020404" pitchFamily="49" charset="0"/>
+                <a:cs typeface="Courier New" panose="02070309020205020404" pitchFamily="49" charset="0"/>
+              </a:rPr>
+              <a:t>(‘default</a:t>
+            </a:r>
+            <a:r>
+              <a:rPr lang="en-US" altLang="zh-CN" sz="2000" dirty="0" smtClean="0">
+                <a:latin typeface="Courier New" panose="02070309020205020404" pitchFamily="49" charset="0"/>
+                <a:cs typeface="Courier New" panose="02070309020205020404" pitchFamily="49" charset="0"/>
+              </a:rPr>
+              <a:t>’);</a:t>
+            </a:r>
+            <a:r>
+              <a:rPr lang="en-US" altLang="zh-CN" sz="2800" dirty="0" smtClean="0">
+                <a:latin typeface="Courier New" panose="02070309020205020404" pitchFamily="49" charset="0"/>
+                <a:cs typeface="Courier New" panose="02070309020205020404" pitchFamily="49" charset="0"/>
+              </a:rPr>
+              <a:t>	</a:t>
+            </a:r>
+            <a:r>
+              <a:rPr lang="en-US" altLang="zh-CN" sz="2000" dirty="0" smtClean="0">
+                <a:latin typeface="Courier New" panose="02070309020205020404" pitchFamily="49" charset="0"/>
+                <a:cs typeface="Courier New" panose="02070309020205020404" pitchFamily="49" charset="0"/>
+              </a:rPr>
+              <a:t>%restore the settings as restart</a:t>
+            </a:r>
+            <a:endParaRPr lang="en-US" altLang="zh-CN" sz="2800" dirty="0" smtClean="0">
+              <a:latin typeface="Courier New" panose="02070309020205020404" pitchFamily="49" charset="0"/>
+              <a:cs typeface="Courier New" panose="02070309020205020404" pitchFamily="49" charset="0"/>
+            </a:endParaRPr>
+          </a:p>
+          <a:p>
+            <a:r>
+              <a:rPr lang="en-US" altLang="zh-CN" sz="2000" dirty="0" err="1">
+                <a:latin typeface="Courier New" panose="02070309020205020404" pitchFamily="49" charset="0"/>
+                <a:cs typeface="Courier New" panose="02070309020205020404" pitchFamily="49" charset="0"/>
+              </a:rPr>
+              <a:t>rng</a:t>
+            </a:r>
+            <a:r>
+              <a:rPr lang="en-US" altLang="zh-CN" sz="2000" dirty="0">
+                <a:latin typeface="Courier New" panose="02070309020205020404" pitchFamily="49" charset="0"/>
+                <a:cs typeface="Courier New" panose="02070309020205020404" pitchFamily="49" charset="0"/>
+              </a:rPr>
+              <a:t>(1);</a:t>
+            </a:r>
+            <a:r>
+              <a:rPr lang="en-US" altLang="zh-CN" sz="2800" dirty="0" smtClean="0">
+                <a:latin typeface="Courier New" panose="02070309020205020404" pitchFamily="49" charset="0"/>
+                <a:cs typeface="Courier New" panose="02070309020205020404" pitchFamily="49" charset="0"/>
+              </a:rPr>
+              <a:t>			</a:t>
+            </a:r>
+            <a:r>
+              <a:rPr lang="en-US" altLang="zh-CN" dirty="0" smtClean="0">
+                <a:latin typeface="Courier New" panose="02070309020205020404" pitchFamily="49" charset="0"/>
+                <a:cs typeface="Courier New" panose="02070309020205020404" pitchFamily="49" charset="0"/>
+              </a:rPr>
+              <a:t>%seeds the </a:t>
+            </a:r>
+            <a:r>
+              <a:rPr lang="en-US" altLang="zh-CN" dirty="0" err="1" smtClean="0">
+                <a:latin typeface="Courier New" panose="02070309020205020404" pitchFamily="49" charset="0"/>
+                <a:cs typeface="Courier New" panose="02070309020205020404" pitchFamily="49" charset="0"/>
+              </a:rPr>
+              <a:t>rng</a:t>
+            </a:r>
+            <a:r>
+              <a:rPr lang="en-US" altLang="zh-CN" dirty="0" smtClean="0">
+                <a:latin typeface="Courier New" panose="02070309020205020404" pitchFamily="49" charset="0"/>
+                <a:cs typeface="Courier New" panose="02070309020205020404" pitchFamily="49" charset="0"/>
+              </a:rPr>
+              <a:t> using a nonnegative integer</a:t>
+            </a:r>
+          </a:p>
+          <a:p>
+            <a:r>
+              <a:rPr lang="en-US" altLang="zh-CN" dirty="0">
+                <a:latin typeface="Courier New" panose="02070309020205020404" pitchFamily="49" charset="0"/>
+                <a:cs typeface="Courier New" panose="02070309020205020404" pitchFamily="49" charset="0"/>
+              </a:rPr>
+              <a:t>	</a:t>
+            </a:r>
+            <a:r>
+              <a:rPr lang="en-US" altLang="zh-CN" dirty="0" smtClean="0">
+                <a:latin typeface="Courier New" panose="02070309020205020404" pitchFamily="49" charset="0"/>
+                <a:cs typeface="Courier New" panose="02070309020205020404" pitchFamily="49" charset="0"/>
+              </a:rPr>
+              <a:t>				%so that </a:t>
+            </a:r>
+            <a:r>
+              <a:rPr lang="en-US" altLang="zh-CN" dirty="0" err="1" smtClean="0">
+                <a:latin typeface="Courier New" panose="02070309020205020404" pitchFamily="49" charset="0"/>
+                <a:cs typeface="Courier New" panose="02070309020205020404" pitchFamily="49" charset="0"/>
+              </a:rPr>
+              <a:t>rand,randi,randn</a:t>
+            </a:r>
+            <a:r>
+              <a:rPr lang="en-US" altLang="zh-CN" dirty="0" smtClean="0">
+                <a:latin typeface="Courier New" panose="02070309020205020404" pitchFamily="49" charset="0"/>
+                <a:cs typeface="Courier New" panose="02070309020205020404" pitchFamily="49" charset="0"/>
+              </a:rPr>
+              <a:t> produces a </a:t>
+            </a:r>
+          </a:p>
+          <a:p>
+            <a:r>
+              <a:rPr lang="en-US" altLang="zh-CN" dirty="0">
+                <a:latin typeface="Courier New" panose="02070309020205020404" pitchFamily="49" charset="0"/>
+                <a:cs typeface="Courier New" panose="02070309020205020404" pitchFamily="49" charset="0"/>
+              </a:rPr>
+              <a:t>	</a:t>
+            </a:r>
+            <a:r>
+              <a:rPr lang="en-US" altLang="zh-CN" dirty="0" smtClean="0">
+                <a:latin typeface="Courier New" panose="02070309020205020404" pitchFamily="49" charset="0"/>
+                <a:cs typeface="Courier New" panose="02070309020205020404" pitchFamily="49" charset="0"/>
+              </a:rPr>
+              <a:t>				%predictable sequence of random numbers</a:t>
+            </a:r>
+            <a:endParaRPr lang="en-US" altLang="zh-CN" sz="2800" dirty="0" smtClean="0">
+              <a:latin typeface="Courier New" panose="02070309020205020404" pitchFamily="49" charset="0"/>
+              <a:cs typeface="Courier New" panose="02070309020205020404" pitchFamily="49" charset="0"/>
+            </a:endParaRPr>
+          </a:p>
+          <a:p>
+            <a:endParaRPr lang="en-US" altLang="zh-CN" sz="2000" dirty="0" smtClean="0">
+              <a:latin typeface="Courier New" panose="02070309020205020404" pitchFamily="49" charset="0"/>
+              <a:cs typeface="Courier New" panose="02070309020205020404" pitchFamily="49" charset="0"/>
+            </a:endParaRPr>
+          </a:p>
+          <a:p>
+            <a:r>
+              <a:rPr lang="en-US" altLang="zh-CN" sz="2000" dirty="0" smtClean="0">
+                <a:latin typeface="Courier New" panose="02070309020205020404" pitchFamily="49" charset="0"/>
+                <a:cs typeface="Courier New" panose="02070309020205020404" pitchFamily="49" charset="0"/>
+              </a:rPr>
+              <a:t>x = </a:t>
+            </a:r>
+            <a:r>
+              <a:rPr lang="en-US" altLang="zh-CN" sz="2000" dirty="0" err="1" smtClean="0">
+                <a:latin typeface="Courier New" panose="02070309020205020404" pitchFamily="49" charset="0"/>
+                <a:cs typeface="Courier New" panose="02070309020205020404" pitchFamily="49" charset="0"/>
+              </a:rPr>
+              <a:t>linspace</a:t>
+            </a:r>
+            <a:r>
+              <a:rPr lang="en-US" altLang="zh-CN" sz="2000" dirty="0" smtClean="0">
+                <a:latin typeface="Courier New" panose="02070309020205020404" pitchFamily="49" charset="0"/>
+                <a:cs typeface="Courier New" panose="02070309020205020404" pitchFamily="49" charset="0"/>
+              </a:rPr>
+              <a:t>(0,10*pi,1001)’;</a:t>
+            </a:r>
+          </a:p>
+          <a:p>
+            <a:r>
+              <a:rPr lang="en-US" altLang="zh-CN" sz="2000" dirty="0" smtClean="0">
+                <a:latin typeface="Courier New" panose="02070309020205020404" pitchFamily="49" charset="0"/>
+                <a:cs typeface="Courier New" panose="02070309020205020404" pitchFamily="49" charset="0"/>
+              </a:rPr>
+              <a:t>y = sin(x)./x + 0.02*</a:t>
+            </a:r>
+            <a:r>
+              <a:rPr lang="en-US" altLang="zh-CN" sz="2000" dirty="0" err="1" smtClean="0">
+                <a:latin typeface="Courier New" panose="02070309020205020404" pitchFamily="49" charset="0"/>
+                <a:cs typeface="Courier New" panose="02070309020205020404" pitchFamily="49" charset="0"/>
+              </a:rPr>
+              <a:t>randn</a:t>
+            </a:r>
+            <a:r>
+              <a:rPr lang="en-US" altLang="zh-CN" sz="2000" dirty="0" smtClean="0">
+                <a:latin typeface="Courier New" panose="02070309020205020404" pitchFamily="49" charset="0"/>
+                <a:cs typeface="Courier New" panose="02070309020205020404" pitchFamily="49" charset="0"/>
+              </a:rPr>
+              <a:t>(1001,1);</a:t>
+            </a:r>
+          </a:p>
+          <a:p>
+            <a:r>
+              <a:rPr lang="en-US" altLang="zh-CN" sz="2000" dirty="0" err="1" smtClean="0">
+                <a:latin typeface="Courier New" panose="02070309020205020404" pitchFamily="49" charset="0"/>
+                <a:cs typeface="Courier New" panose="02070309020205020404" pitchFamily="49" charset="0"/>
+              </a:rPr>
+              <a:t>clf</a:t>
+            </a:r>
+            <a:r>
+              <a:rPr lang="en-US" altLang="zh-CN" sz="2000" dirty="0" smtClean="0">
+                <a:latin typeface="Courier New" panose="02070309020205020404" pitchFamily="49" charset="0"/>
+                <a:cs typeface="Courier New" panose="02070309020205020404" pitchFamily="49" charset="0"/>
+              </a:rPr>
+              <a:t>;		%clear current figure window</a:t>
+            </a:r>
+          </a:p>
+          <a:p>
+            <a:r>
+              <a:rPr lang="en-US" altLang="zh-CN" sz="2000" dirty="0" smtClean="0">
+                <a:latin typeface="Courier New" panose="02070309020205020404" pitchFamily="49" charset="0"/>
+                <a:cs typeface="Courier New" panose="02070309020205020404" pitchFamily="49" charset="0"/>
+              </a:rPr>
+              <a:t>plot(</a:t>
+            </a:r>
+            <a:r>
+              <a:rPr lang="en-US" altLang="zh-CN" sz="2000" dirty="0" err="1" smtClean="0">
+                <a:latin typeface="Courier New" panose="02070309020205020404" pitchFamily="49" charset="0"/>
+                <a:cs typeface="Courier New" panose="02070309020205020404" pitchFamily="49" charset="0"/>
+              </a:rPr>
+              <a:t>x,y</a:t>
+            </a:r>
+            <a:r>
+              <a:rPr lang="en-US" altLang="zh-CN" sz="2000" dirty="0" smtClean="0">
+                <a:latin typeface="Courier New" panose="02070309020205020404" pitchFamily="49" charset="0"/>
+                <a:cs typeface="Courier New" panose="02070309020205020404" pitchFamily="49" charset="0"/>
+              </a:rPr>
+              <a:t>,’.’);</a:t>
+            </a:r>
+          </a:p>
+          <a:p>
+            <a:endParaRPr lang="en-US" altLang="zh-CN" sz="2000" dirty="0">
+              <a:latin typeface="Courier New" panose="02070309020205020404" pitchFamily="49" charset="0"/>
+              <a:cs typeface="Courier New" panose="02070309020205020404" pitchFamily="49" charset="0"/>
+            </a:endParaRPr>
+          </a:p>
+        </p:txBody>
+      </p:sp>
+      <p:sp>
+        <p:nvSpPr>
+          <p:cNvPr id="10" name="Rectangle 9"/>
+          <p:cNvSpPr/>
+          <p:nvPr/>
+        </p:nvSpPr>
+        <p:spPr>
+          <a:xfrm>
+            <a:off x="0" y="6451738"/>
+            <a:ext cx="1294522" cy="276999"/>
+          </a:xfrm>
+          <a:prstGeom prst="rect">
+            <a:avLst/>
+          </a:prstGeom>
+        </p:spPr>
+        <p:txBody>
+          <a:bodyPr wrap="none">
+            <a:spAutoFit/>
+          </a:bodyPr>
+          <a:lstStyle/>
+          <a:p>
+            <a:r>
+              <a:rPr lang="en-US" altLang="zh-CN" sz="1200" dirty="0" smtClean="0">
+                <a:solidFill>
+                  <a:srgbClr val="118EB0"/>
+                </a:solidFill>
+              </a:rPr>
+              <a:t>Random numbers</a:t>
+            </a:r>
+            <a:endParaRPr lang="en-US" sz="1200" dirty="0">
+              <a:solidFill>
+                <a:srgbClr val="118EB0"/>
+              </a:solidFill>
+            </a:endParaRPr>
+          </a:p>
+        </p:txBody>
+      </p:sp>
     </p:spTree>
     <p:extLst>
       <p:ext uri="{BB962C8B-B14F-4D97-AF65-F5344CB8AC3E}">
-        <p14:creationId xmlns:p14="http://schemas.microsoft.com/office/powerpoint/2010/main" val="2560153186"/>
+        <p14:creationId xmlns:p14="http://schemas.microsoft.com/office/powerpoint/2010/main" val="2823373076"/>
       </p:ext>
     </p:extLst>
   </p:cSld>
@@ -18479,73 +19299,13 @@
       </p:grpSpPr>
       <p:sp>
         <p:nvSpPr>
-          <p:cNvPr id="3" name="Content Placeholder 2"/>
-          <p:cNvSpPr>
-            <a:spLocks noGrp="1"/>
-          </p:cNvSpPr>
-          <p:nvPr>
-            <p:ph idx="1"/>
-          </p:nvPr>
-        </p:nvSpPr>
-        <p:spPr>
-          <a:xfrm>
-            <a:off x="457200" y="1600201"/>
-            <a:ext cx="8229600" cy="4852862"/>
-          </a:xfrm>
-        </p:spPr>
-        <p:txBody>
-          <a:bodyPr>
-            <a:normAutofit/>
-          </a:bodyPr>
-          <a:lstStyle/>
-          <a:p>
-            <a:r>
-              <a:rPr lang="en-US" dirty="0" smtClean="0"/>
-              <a:t>A classical linear algebra problem:</a:t>
-            </a:r>
-          </a:p>
-          <a:p>
-            <a:endParaRPr lang="en-US" dirty="0"/>
-          </a:p>
-          <a:p>
-            <a:endParaRPr lang="en-US" dirty="0" smtClean="0"/>
-          </a:p>
-          <a:p>
-            <a:endParaRPr lang="en-US" dirty="0"/>
-          </a:p>
-          <a:p>
-            <a:endParaRPr lang="en-US" dirty="0" smtClean="0"/>
-          </a:p>
-          <a:p>
-            <a:endParaRPr lang="en-US" dirty="0"/>
-          </a:p>
-          <a:p>
-            <a:endParaRPr lang="en-US" sz="2600" dirty="0" smtClean="0"/>
-          </a:p>
-          <a:p>
-            <a:r>
-              <a:rPr lang="en-US" sz="2600" dirty="0" smtClean="0"/>
-              <a:t>Also called ‘left division’</a:t>
-            </a:r>
-            <a:endParaRPr lang="en-US" dirty="0" smtClean="0"/>
-          </a:p>
-          <a:p>
-            <a:pPr marL="457200" lvl="1" indent="0">
-              <a:buNone/>
-            </a:pPr>
-            <a:endParaRPr lang="en-US" dirty="0"/>
-          </a:p>
-        </p:txBody>
-      </p:sp>
-      <p:sp>
-        <p:nvSpPr>
           <p:cNvPr id="4" name="Rectangle 3"/>
           <p:cNvSpPr/>
           <p:nvPr/>
         </p:nvSpPr>
         <p:spPr>
           <a:xfrm>
-            <a:off x="0" y="-7550"/>
+            <a:off x="0" y="2586816"/>
             <a:ext cx="9144000" cy="1228835"/>
           </a:xfrm>
           <a:prstGeom prst="rect">
@@ -18577,15 +19337,12 @@
           <a:bodyPr rtlCol="0" anchor="ctr"/>
           <a:lstStyle/>
           <a:p>
-            <a:r>
-              <a:rPr lang="en-US" sz="4000" b="1" dirty="0" smtClean="0"/>
-              <a:t>   </a:t>
-            </a:r>
-            <a:r>
-              <a:rPr lang="en-US" sz="4000" i="1" dirty="0" smtClean="0"/>
-              <a:t>System of linear equations</a:t>
-            </a:r>
-            <a:endParaRPr lang="en-US" sz="4000" i="1" dirty="0"/>
+            <a:pPr algn="ctr"/>
+            <a:r>
+              <a:rPr lang="en-US" sz="4800" b="1" dirty="0" smtClean="0"/>
+              <a:t>Equation Solving</a:t>
+            </a:r>
+            <a:endParaRPr lang="en-US" sz="4800" b="1" dirty="0"/>
           </a:p>
         </p:txBody>
       </p:sp>
@@ -18636,43 +19393,6 @@
       </p:sp>
       <p:sp>
         <p:nvSpPr>
-          <p:cNvPr id="6" name="Rectangle 5"/>
-          <p:cNvSpPr/>
-          <p:nvPr/>
-        </p:nvSpPr>
-        <p:spPr>
-          <a:xfrm>
-            <a:off x="0" y="6451738"/>
-            <a:ext cx="1037664" cy="276999"/>
-          </a:xfrm>
-          <a:prstGeom prst="rect">
-            <a:avLst/>
-          </a:prstGeom>
-        </p:spPr>
-        <p:txBody>
-          <a:bodyPr wrap="none">
-            <a:spAutoFit/>
-          </a:bodyPr>
-          <a:lstStyle/>
-          <a:p>
-            <a:r>
-              <a:rPr lang="en-US" sz="1200" dirty="0" smtClean="0">
-                <a:solidFill>
-                  <a:srgbClr val="118EB0"/>
-                </a:solidFill>
-              </a:rPr>
-              <a:t>Administrivia</a:t>
-            </a:r>
-            <a:endParaRPr lang="en-US" sz="1200" dirty="0">
-              <a:solidFill>
-                <a:srgbClr val="118EB0"/>
-              </a:solidFill>
-            </a:endParaRPr>
-          </a:p>
-        </p:txBody>
-      </p:sp>
-      <p:sp>
-        <p:nvSpPr>
           <p:cNvPr id="7" name="TextBox 6"/>
           <p:cNvSpPr txBox="1"/>
           <p:nvPr/>
@@ -18710,331 +19430,10 @@
           </a:p>
         </p:txBody>
       </p:sp>
-      <p:sp>
-        <p:nvSpPr>
-          <p:cNvPr id="2" name="TextBox 1"/>
-          <p:cNvSpPr txBox="1"/>
-          <p:nvPr/>
-        </p:nvSpPr>
-        <p:spPr>
-          <a:xfrm>
-            <a:off x="3989295" y="2259105"/>
-            <a:ext cx="1018227" cy="461665"/>
-          </a:xfrm>
-          <a:prstGeom prst="rect">
-            <a:avLst/>
-          </a:prstGeom>
-          <a:noFill/>
-        </p:spPr>
-        <p:txBody>
-          <a:bodyPr wrap="none" rtlCol="0">
-            <a:spAutoFit/>
-          </a:bodyPr>
-          <a:lstStyle/>
-          <a:p>
-            <a:r>
-              <a:rPr lang="en-US" altLang="zh-CN" sz="2400" dirty="0" smtClean="0"/>
-              <a:t>A x = b</a:t>
-            </a:r>
-            <a:endParaRPr lang="zh-CN" altLang="en-US" sz="2400" dirty="0"/>
-          </a:p>
-        </p:txBody>
-      </p:sp>
-      <mc:AlternateContent xmlns:mc="http://schemas.openxmlformats.org/markup-compatibility/2006" xmlns:a14="http://schemas.microsoft.com/office/drawing/2010/main">
-        <mc:Choice Requires="a14">
-          <p:sp>
-            <p:nvSpPr>
-              <p:cNvPr id="8" name="TextBox 7"/>
-              <p:cNvSpPr txBox="1"/>
-              <p:nvPr/>
-            </p:nvSpPr>
-            <p:spPr>
-              <a:xfrm>
-                <a:off x="3514883" y="2901682"/>
-                <a:ext cx="2114233" cy="615810"/>
-              </a:xfrm>
-              <a:prstGeom prst="rect">
-                <a:avLst/>
-              </a:prstGeom>
-              <a:noFill/>
-            </p:spPr>
-            <p:txBody>
-              <a:bodyPr wrap="none" lIns="0" tIns="0" rIns="0" bIns="0" rtlCol="0">
-                <a:spAutoFit/>
-              </a:bodyPr>
-              <a:lstStyle/>
-              <a:p>
-                <a14:m>
-                  <m:oMath xmlns:m="http://schemas.openxmlformats.org/officeDocument/2006/math">
-                    <m:d>
-                      <m:dPr>
-                        <m:ctrlPr>
-                          <a:rPr lang="en-US" altLang="zh-CN" sz="2400" i="1" smtClean="0">
-                            <a:latin typeface="Cambria Math" panose="02040503050406030204" pitchFamily="18" charset="0"/>
-                          </a:rPr>
-                        </m:ctrlPr>
-                      </m:dPr>
-                      <m:e>
-                        <m:m>
-                          <m:mPr>
-                            <m:mcs>
-                              <m:mc>
-                                <m:mcPr>
-                                  <m:count m:val="2"/>
-                                  <m:mcJc m:val="center"/>
-                                </m:mcPr>
-                              </m:mc>
-                            </m:mcs>
-                            <m:ctrlPr>
-                              <a:rPr lang="en-US" altLang="zh-CN" sz="2400" i="1" smtClean="0">
-                                <a:latin typeface="Cambria Math" panose="02040503050406030204" pitchFamily="18" charset="0"/>
-                              </a:rPr>
-                            </m:ctrlPr>
-                          </m:mPr>
-                          <m:mr>
-                            <m:e>
-                              <m:r>
-                                <m:rPr>
-                                  <m:brk m:alnAt="7"/>
-                                </m:rPr>
-                                <a:rPr lang="en-US" altLang="zh-CN" sz="2400" b="0" i="1" smtClean="0">
-                                  <a:latin typeface="Cambria Math" panose="02040503050406030204" pitchFamily="18" charset="0"/>
-                                </a:rPr>
-                                <m:t>2</m:t>
-                              </m:r>
-                            </m:e>
-                            <m:e>
-                              <m:r>
-                                <a:rPr lang="en-US" altLang="zh-CN" sz="2400" b="0" i="1" smtClean="0">
-                                  <a:latin typeface="Cambria Math" panose="02040503050406030204" pitchFamily="18" charset="0"/>
-                                </a:rPr>
-                                <m:t>3</m:t>
-                              </m:r>
-                            </m:e>
-                          </m:mr>
-                          <m:mr>
-                            <m:e>
-                              <m:r>
-                                <a:rPr lang="en-US" altLang="zh-CN" sz="2400" b="0" i="1" smtClean="0">
-                                  <a:latin typeface="Cambria Math" panose="02040503050406030204" pitchFamily="18" charset="0"/>
-                                </a:rPr>
-                                <m:t>1</m:t>
-                              </m:r>
-                            </m:e>
-                            <m:e>
-                              <m:r>
-                                <a:rPr lang="en-US" altLang="zh-CN" sz="2400" b="0" i="1" smtClean="0">
-                                  <a:latin typeface="Cambria Math" panose="02040503050406030204" pitchFamily="18" charset="0"/>
-                                </a:rPr>
-                                <m:t>2</m:t>
-                              </m:r>
-                            </m:e>
-                          </m:mr>
-                        </m:m>
-                      </m:e>
-                    </m:d>
-                    <m:r>
-                      <a:rPr lang="en-US" altLang="zh-CN" sz="2400" b="0" i="1" smtClean="0">
-                        <a:latin typeface="Cambria Math" panose="02040503050406030204" pitchFamily="18" charset="0"/>
-                      </a:rPr>
-                      <m:t>𝑥</m:t>
-                    </m:r>
-                    <m:r>
-                      <a:rPr lang="en-US" altLang="zh-CN" sz="2400" b="0" i="1" smtClean="0">
-                        <a:latin typeface="Cambria Math" panose="02040503050406030204" pitchFamily="18" charset="0"/>
-                      </a:rPr>
-                      <m:t>=</m:t>
-                    </m:r>
-                    <m:d>
-                      <m:dPr>
-                        <m:ctrlPr>
-                          <a:rPr lang="en-US" altLang="zh-CN" sz="2400" b="0" i="1" smtClean="0">
-                            <a:latin typeface="Cambria Math" panose="02040503050406030204" pitchFamily="18" charset="0"/>
-                          </a:rPr>
-                        </m:ctrlPr>
-                      </m:dPr>
-                      <m:e>
-                        <m:m>
-                          <m:mPr>
-                            <m:mcs>
-                              <m:mc>
-                                <m:mcPr>
-                                  <m:count m:val="1"/>
-                                  <m:mcJc m:val="center"/>
-                                </m:mcPr>
-                              </m:mc>
-                            </m:mcs>
-                            <m:ctrlPr>
-                              <a:rPr lang="en-US" altLang="zh-CN" sz="2400" b="0" i="1" smtClean="0">
-                                <a:latin typeface="Cambria Math" panose="02040503050406030204" pitchFamily="18" charset="0"/>
-                              </a:rPr>
-                            </m:ctrlPr>
-                          </m:mPr>
-                          <m:mr>
-                            <m:e>
-                              <m:r>
-                                <m:rPr>
-                                  <m:brk m:alnAt="7"/>
-                                </m:rPr>
-                                <a:rPr lang="en-US" altLang="zh-CN" sz="2400" b="0" i="1" smtClean="0">
-                                  <a:latin typeface="Cambria Math" panose="02040503050406030204" pitchFamily="18" charset="0"/>
-                                </a:rPr>
-                                <m:t>1</m:t>
-                              </m:r>
-                            </m:e>
-                          </m:mr>
-                          <m:mr>
-                            <m:e>
-                              <m:r>
-                                <a:rPr lang="en-US" altLang="zh-CN" sz="2400" b="0" i="1" smtClean="0">
-                                  <a:latin typeface="Cambria Math" panose="02040503050406030204" pitchFamily="18" charset="0"/>
-                                </a:rPr>
-                                <m:t>0</m:t>
-                              </m:r>
-                            </m:e>
-                          </m:mr>
-                        </m:m>
-                      </m:e>
-                    </m:d>
-                  </m:oMath>
-                </a14:m>
-                <a:r>
-                  <a:rPr lang="en-US" altLang="zh-CN" sz="2400" dirty="0" smtClean="0"/>
-                  <a:t> </a:t>
-                </a:r>
-                <a:endParaRPr lang="zh-CN" altLang="en-US" sz="2400" dirty="0"/>
-              </a:p>
-            </p:txBody>
-          </p:sp>
-        </mc:Choice>
-        <mc:Fallback xmlns="">
-          <p:sp>
-            <p:nvSpPr>
-              <p:cNvPr id="8" name="TextBox 7"/>
-              <p:cNvSpPr txBox="1">
-                <a:spLocks noRot="1" noChangeAspect="1" noMove="1" noResize="1" noEditPoints="1" noAdjustHandles="1" noChangeArrowheads="1" noChangeShapeType="1" noTextEdit="1"/>
-              </p:cNvSpPr>
-              <p:nvPr/>
-            </p:nvSpPr>
-            <p:spPr>
-              <a:xfrm>
-                <a:off x="3514883" y="2901682"/>
-                <a:ext cx="2114233" cy="615810"/>
-              </a:xfrm>
-              <a:prstGeom prst="rect">
-                <a:avLst/>
-              </a:prstGeom>
-              <a:blipFill rotWithShape="0">
-                <a:blip r:embed="rId2"/>
-                <a:stretch>
-                  <a:fillRect/>
-                </a:stretch>
-              </a:blipFill>
-            </p:spPr>
-            <p:txBody>
-              <a:bodyPr/>
-              <a:lstStyle/>
-              <a:p>
-                <a:r>
-                  <a:rPr lang="zh-CN" altLang="en-US">
-                    <a:noFill/>
-                  </a:rPr>
-                  <a:t> </a:t>
-                </a:r>
-              </a:p>
-            </p:txBody>
-          </p:sp>
-        </mc:Fallback>
-      </mc:AlternateContent>
-      <p:sp>
-        <p:nvSpPr>
-          <p:cNvPr id="9" name="TextBox 8"/>
-          <p:cNvSpPr txBox="1"/>
-          <p:nvPr/>
-        </p:nvSpPr>
-        <p:spPr>
-          <a:xfrm>
-            <a:off x="876299" y="4052926"/>
-            <a:ext cx="6034344" cy="1200329"/>
-          </a:xfrm>
-          <a:prstGeom prst="rect">
-            <a:avLst/>
-          </a:prstGeom>
-          <a:noFill/>
-        </p:spPr>
-        <p:txBody>
-          <a:bodyPr wrap="none" rtlCol="0">
-            <a:spAutoFit/>
-          </a:bodyPr>
-          <a:lstStyle/>
-          <a:p>
-            <a:r>
-              <a:rPr lang="en-US" altLang="zh-CN" sz="2400" dirty="0" smtClean="0">
-                <a:latin typeface="Courier New" panose="02070309020205020404" pitchFamily="49" charset="0"/>
-                <a:cs typeface="Courier New" panose="02070309020205020404" pitchFamily="49" charset="0"/>
-              </a:rPr>
-              <a:t>A = [2 3; 1 2];</a:t>
-            </a:r>
-          </a:p>
-          <a:p>
-            <a:r>
-              <a:rPr lang="en-US" altLang="zh-CN" sz="2400" dirty="0" smtClean="0">
-                <a:latin typeface="Courier New" panose="02070309020205020404" pitchFamily="49" charset="0"/>
-                <a:cs typeface="Courier New" panose="02070309020205020404" pitchFamily="49" charset="0"/>
-              </a:rPr>
-              <a:t>b = [1 0]’;</a:t>
-            </a:r>
-          </a:p>
-          <a:p>
-            <a:r>
-              <a:rPr lang="en-US" altLang="zh-CN" sz="2400" dirty="0" smtClean="0">
-                <a:latin typeface="Courier New" panose="02070309020205020404" pitchFamily="49" charset="0"/>
-                <a:cs typeface="Courier New" panose="02070309020205020404" pitchFamily="49" charset="0"/>
-              </a:rPr>
-              <a:t>x = A\b;</a:t>
-            </a:r>
-            <a:r>
-              <a:rPr lang="en-US" altLang="zh-CN" sz="2400" dirty="0" smtClean="0"/>
-              <a:t>			</a:t>
-            </a:r>
-            <a:r>
-              <a:rPr lang="en-US" altLang="zh-CN" sz="2400" dirty="0" smtClean="0">
-                <a:solidFill>
-                  <a:srgbClr val="FF0000"/>
-                </a:solidFill>
-              </a:rPr>
-              <a:t>‘</a:t>
-            </a:r>
-            <a:r>
-              <a:rPr lang="en-US" altLang="zh-CN" sz="2400" dirty="0" smtClean="0">
-                <a:solidFill>
-                  <a:srgbClr val="FF0000"/>
-                </a:solidFill>
-                <a:latin typeface="Courier New" panose="02070309020205020404" pitchFamily="49" charset="0"/>
-                <a:cs typeface="Courier New" panose="02070309020205020404" pitchFamily="49" charset="0"/>
-              </a:rPr>
-              <a:t>\</a:t>
-            </a:r>
-            <a:r>
-              <a:rPr lang="en-US" altLang="zh-CN" sz="2400" dirty="0" smtClean="0">
-                <a:solidFill>
-                  <a:srgbClr val="FF0000"/>
-                </a:solidFill>
-              </a:rPr>
-              <a:t>’: the magic backslash!</a:t>
-            </a:r>
-            <a:endParaRPr lang="zh-CN" altLang="en-US" sz="2400" dirty="0">
-              <a:solidFill>
-                <a:srgbClr val="FF0000"/>
-              </a:solidFill>
-            </a:endParaRPr>
-          </a:p>
-        </p:txBody>
-      </p:sp>
     </p:spTree>
     <p:extLst>
       <p:ext uri="{BB962C8B-B14F-4D97-AF65-F5344CB8AC3E}">
-        <p14:creationId xmlns:p14="http://schemas.microsoft.com/office/powerpoint/2010/main" val="1625926148"/>
+        <p14:creationId xmlns:p14="http://schemas.microsoft.com/office/powerpoint/2010/main" val="2560153186"/>
       </p:ext>
     </p:extLst>
   </p:cSld>
